--- a/Non-Technical Presentation.pptx
+++ b/Non-Technical Presentation.pptx
@@ -5,7 +5,7 @@
     <p:sldMasterId id="2147483648" r:id="rId1"/>
   </p:sldMasterIdLst>
   <p:notesMasterIdLst>
-    <p:notesMasterId r:id="rId7"/>
+    <p:notesMasterId r:id="rId9"/>
   </p:notesMasterIdLst>
   <p:sldIdLst>
     <p:sldId id="256" r:id="rId2"/>
@@ -13,6 +13,8 @@
     <p:sldId id="258" r:id="rId4"/>
     <p:sldId id="259" r:id="rId5"/>
     <p:sldId id="260" r:id="rId6"/>
+    <p:sldId id="261" r:id="rId7"/>
+    <p:sldId id="262" r:id="rId8"/>
   </p:sldIdLst>
   <p:sldSz cx="12192000" cy="6858000"/>
   <p:notesSz cx="6858000" cy="9144000"/>
@@ -119,6 +121,3465 @@
 </p:presentation>
 </file>
 
+<file path=ppt/revisionInfo.xml><?xml version="1.0" encoding="utf-8"?>
+<p1510:revInfo xmlns:a="http://schemas.openxmlformats.org/drawingml/2006/main" xmlns:r="http://schemas.openxmlformats.org/officeDocument/2006/relationships" xmlns:p1510="http://schemas.microsoft.com/office/powerpoint/2015/10/main">
+  <p1510:revLst>
+    <p1510:client id="{C7073C02-0297-4457-86C1-3625AF307680}" v="20" dt="2025-09-02T09:18:57.687"/>
+  </p1510:revLst>
+</p1510:revInfo>
+</file>
+
+<file path=ppt/changesInfos/changesInfo1.xml><?xml version="1.0" encoding="utf-8"?>
+<pc:chgInfo xmlns:a="http://schemas.openxmlformats.org/drawingml/2006/main" xmlns:r="http://schemas.openxmlformats.org/officeDocument/2006/relationships" xmlns:ac="http://schemas.microsoft.com/office/drawing/2013/main/command" xmlns:pc="http://schemas.microsoft.com/office/powerpoint/2013/main/command">
+  <pc:docChgLst>
+    <pc:chgData name="Lynn Kyalo" userId="396efe8e-31b9-4c7e-81cc-27b4997f76e2" providerId="ADAL" clId="{F1B02929-98FA-41A6-BD2D-698255DCD034}"/>
+    <pc:docChg chg="undo custSel addSld modSld">
+      <pc:chgData name="Lynn Kyalo" userId="396efe8e-31b9-4c7e-81cc-27b4997f76e2" providerId="ADAL" clId="{F1B02929-98FA-41A6-BD2D-698255DCD034}" dt="2025-09-02T09:18:57.687" v="398" actId="20577"/>
+      <pc:docMkLst>
+        <pc:docMk/>
+      </pc:docMkLst>
+      <pc:sldChg chg="modSp">
+        <pc:chgData name="Lynn Kyalo" userId="396efe8e-31b9-4c7e-81cc-27b4997f76e2" providerId="ADAL" clId="{F1B02929-98FA-41A6-BD2D-698255DCD034}" dt="2025-09-02T09:18:57.687" v="398" actId="20577"/>
+        <pc:sldMkLst>
+          <pc:docMk/>
+          <pc:sldMk cId="2842196573" sldId="256"/>
+        </pc:sldMkLst>
+        <pc:spChg chg="mod">
+          <ac:chgData name="Lynn Kyalo" userId="396efe8e-31b9-4c7e-81cc-27b4997f76e2" providerId="ADAL" clId="{F1B02929-98FA-41A6-BD2D-698255DCD034}" dt="2025-09-02T09:18:57.687" v="398" actId="20577"/>
+          <ac:spMkLst>
+            <pc:docMk/>
+            <pc:sldMk cId="2842196573" sldId="256"/>
+            <ac:spMk id="3" creationId="{CC2EA6E9-D6B4-451B-216B-0B06F79D94B5}"/>
+          </ac:spMkLst>
+        </pc:spChg>
+      </pc:sldChg>
+      <pc:sldChg chg="modSp mod">
+        <pc:chgData name="Lynn Kyalo" userId="396efe8e-31b9-4c7e-81cc-27b4997f76e2" providerId="ADAL" clId="{F1B02929-98FA-41A6-BD2D-698255DCD034}" dt="2025-09-02T08:29:51.370" v="22" actId="27636"/>
+        <pc:sldMkLst>
+          <pc:docMk/>
+          <pc:sldMk cId="2998119999" sldId="260"/>
+        </pc:sldMkLst>
+        <pc:spChg chg="mod">
+          <ac:chgData name="Lynn Kyalo" userId="396efe8e-31b9-4c7e-81cc-27b4997f76e2" providerId="ADAL" clId="{F1B02929-98FA-41A6-BD2D-698255DCD034}" dt="2025-09-02T08:29:51.370" v="22" actId="27636"/>
+          <ac:spMkLst>
+            <pc:docMk/>
+            <pc:sldMk cId="2998119999" sldId="260"/>
+            <ac:spMk id="3" creationId="{59953D92-1868-D54D-472F-B67B0DD06455}"/>
+          </ac:spMkLst>
+        </pc:spChg>
+      </pc:sldChg>
+      <pc:sldChg chg="addSp delSp modSp new mod setBg">
+        <pc:chgData name="Lynn Kyalo" userId="396efe8e-31b9-4c7e-81cc-27b4997f76e2" providerId="ADAL" clId="{F1B02929-98FA-41A6-BD2D-698255DCD034}" dt="2025-09-02T09:15:22.269" v="371" actId="20577"/>
+        <pc:sldMkLst>
+          <pc:docMk/>
+          <pc:sldMk cId="2003775490" sldId="261"/>
+        </pc:sldMkLst>
+        <pc:spChg chg="mod">
+          <ac:chgData name="Lynn Kyalo" userId="396efe8e-31b9-4c7e-81cc-27b4997f76e2" providerId="ADAL" clId="{F1B02929-98FA-41A6-BD2D-698255DCD034}" dt="2025-09-02T08:51:15.646" v="236" actId="207"/>
+          <ac:spMkLst>
+            <pc:docMk/>
+            <pc:sldMk cId="2003775490" sldId="261"/>
+            <ac:spMk id="2" creationId="{FD6AE43A-6492-030D-F718-7C8B33DDA7A8}"/>
+          </ac:spMkLst>
+        </pc:spChg>
+        <pc:spChg chg="mod">
+          <ac:chgData name="Lynn Kyalo" userId="396efe8e-31b9-4c7e-81cc-27b4997f76e2" providerId="ADAL" clId="{F1B02929-98FA-41A6-BD2D-698255DCD034}" dt="2025-09-02T09:15:22.269" v="371" actId="20577"/>
+          <ac:spMkLst>
+            <pc:docMk/>
+            <pc:sldMk cId="2003775490" sldId="261"/>
+            <ac:spMk id="3" creationId="{27F35AF7-5EF5-74E7-096F-52AABB42F5E0}"/>
+          </ac:spMkLst>
+        </pc:spChg>
+        <pc:spChg chg="add del">
+          <ac:chgData name="Lynn Kyalo" userId="396efe8e-31b9-4c7e-81cc-27b4997f76e2" providerId="ADAL" clId="{F1B02929-98FA-41A6-BD2D-698255DCD034}" dt="2025-09-02T08:46:15.631" v="172" actId="26606"/>
+          <ac:spMkLst>
+            <pc:docMk/>
+            <pc:sldMk cId="2003775490" sldId="261"/>
+            <ac:spMk id="12" creationId="{F4F2FC05-7D27-410F-BDA9-ADF4831368C7}"/>
+          </ac:spMkLst>
+        </pc:spChg>
+        <pc:spChg chg="add del">
+          <ac:chgData name="Lynn Kyalo" userId="396efe8e-31b9-4c7e-81cc-27b4997f76e2" providerId="ADAL" clId="{F1B02929-98FA-41A6-BD2D-698255DCD034}" dt="2025-09-02T08:46:15.631" v="172" actId="26606"/>
+          <ac:spMkLst>
+            <pc:docMk/>
+            <pc:sldMk cId="2003775490" sldId="261"/>
+            <ac:spMk id="14" creationId="{9080D120-BD54-46E1-BA37-82F5E8089E90}"/>
+          </ac:spMkLst>
+        </pc:spChg>
+        <pc:spChg chg="add del">
+          <ac:chgData name="Lynn Kyalo" userId="396efe8e-31b9-4c7e-81cc-27b4997f76e2" providerId="ADAL" clId="{F1B02929-98FA-41A6-BD2D-698255DCD034}" dt="2025-09-02T08:46:15.631" v="172" actId="26606"/>
+          <ac:spMkLst>
+            <pc:docMk/>
+            <pc:sldMk cId="2003775490" sldId="261"/>
+            <ac:spMk id="16" creationId="{81D83946-74FA-498A-AC80-9926F041B5C5}"/>
+          </ac:spMkLst>
+        </pc:spChg>
+        <pc:spChg chg="add del">
+          <ac:chgData name="Lynn Kyalo" userId="396efe8e-31b9-4c7e-81cc-27b4997f76e2" providerId="ADAL" clId="{F1B02929-98FA-41A6-BD2D-698255DCD034}" dt="2025-09-02T08:46:15.631" v="172" actId="26606"/>
+          <ac:spMkLst>
+            <pc:docMk/>
+            <pc:sldMk cId="2003775490" sldId="261"/>
+            <ac:spMk id="18" creationId="{5060D983-8B52-443A-8183-2A1DE05618B5}"/>
+          </ac:spMkLst>
+        </pc:spChg>
+        <pc:spChg chg="add del">
+          <ac:chgData name="Lynn Kyalo" userId="396efe8e-31b9-4c7e-81cc-27b4997f76e2" providerId="ADAL" clId="{F1B02929-98FA-41A6-BD2D-698255DCD034}" dt="2025-09-02T08:46:21.603" v="174" actId="26606"/>
+          <ac:spMkLst>
+            <pc:docMk/>
+            <pc:sldMk cId="2003775490" sldId="261"/>
+            <ac:spMk id="20" creationId="{C13237C8-E62C-4F0D-A318-BD6FB6C2D138}"/>
+          </ac:spMkLst>
+        </pc:spChg>
+        <pc:spChg chg="add del">
+          <ac:chgData name="Lynn Kyalo" userId="396efe8e-31b9-4c7e-81cc-27b4997f76e2" providerId="ADAL" clId="{F1B02929-98FA-41A6-BD2D-698255DCD034}" dt="2025-09-02T08:46:21.603" v="174" actId="26606"/>
+          <ac:spMkLst>
+            <pc:docMk/>
+            <pc:sldMk cId="2003775490" sldId="261"/>
+            <ac:spMk id="21" creationId="{6ECA6DCB-B7E1-40A9-9524-540C6DA40B1B}"/>
+          </ac:spMkLst>
+        </pc:spChg>
+        <pc:spChg chg="add del">
+          <ac:chgData name="Lynn Kyalo" userId="396efe8e-31b9-4c7e-81cc-27b4997f76e2" providerId="ADAL" clId="{F1B02929-98FA-41A6-BD2D-698255DCD034}" dt="2025-09-02T08:46:21.603" v="174" actId="26606"/>
+          <ac:spMkLst>
+            <pc:docMk/>
+            <pc:sldMk cId="2003775490" sldId="261"/>
+            <ac:spMk id="22" creationId="{19C9EAEA-39D0-4B0E-A0EB-51E7B26740B1}"/>
+          </ac:spMkLst>
+        </pc:spChg>
+        <pc:spChg chg="add del">
+          <ac:chgData name="Lynn Kyalo" userId="396efe8e-31b9-4c7e-81cc-27b4997f76e2" providerId="ADAL" clId="{F1B02929-98FA-41A6-BD2D-698255DCD034}" dt="2025-09-02T08:46:21.603" v="174" actId="26606"/>
+          <ac:spMkLst>
+            <pc:docMk/>
+            <pc:sldMk cId="2003775490" sldId="261"/>
+            <ac:spMk id="24" creationId="{8CB5D2D7-DF65-4E86-BFBA-FFB9B5ACEB64}"/>
+          </ac:spMkLst>
+        </pc:spChg>
+        <pc:spChg chg="add del">
+          <ac:chgData name="Lynn Kyalo" userId="396efe8e-31b9-4c7e-81cc-27b4997f76e2" providerId="ADAL" clId="{F1B02929-98FA-41A6-BD2D-698255DCD034}" dt="2025-09-02T08:46:21.603" v="174" actId="26606"/>
+          <ac:spMkLst>
+            <pc:docMk/>
+            <pc:sldMk cId="2003775490" sldId="261"/>
+            <ac:spMk id="26" creationId="{3873B707-463F-40B0-8227-E8CC6C67EB25}"/>
+          </ac:spMkLst>
+        </pc:spChg>
+        <pc:spChg chg="add del">
+          <ac:chgData name="Lynn Kyalo" userId="396efe8e-31b9-4c7e-81cc-27b4997f76e2" providerId="ADAL" clId="{F1B02929-98FA-41A6-BD2D-698255DCD034}" dt="2025-09-02T08:47:21.145" v="187" actId="26606"/>
+          <ac:spMkLst>
+            <pc:docMk/>
+            <pc:sldMk cId="2003775490" sldId="261"/>
+            <ac:spMk id="28" creationId="{B23FE733-F95B-4DF6-AFC5-BEEB3577C494}"/>
+          </ac:spMkLst>
+        </pc:spChg>
+        <pc:spChg chg="add del">
+          <ac:chgData name="Lynn Kyalo" userId="396efe8e-31b9-4c7e-81cc-27b4997f76e2" providerId="ADAL" clId="{F1B02929-98FA-41A6-BD2D-698255DCD034}" dt="2025-09-02T08:47:21.145" v="187" actId="26606"/>
+          <ac:spMkLst>
+            <pc:docMk/>
+            <pc:sldMk cId="2003775490" sldId="261"/>
+            <ac:spMk id="29" creationId="{9080D120-BD54-46E1-BA37-82F5E8089E90}"/>
+          </ac:spMkLst>
+        </pc:spChg>
+        <pc:spChg chg="add del">
+          <ac:chgData name="Lynn Kyalo" userId="396efe8e-31b9-4c7e-81cc-27b4997f76e2" providerId="ADAL" clId="{F1B02929-98FA-41A6-BD2D-698255DCD034}" dt="2025-09-02T08:47:21.145" v="187" actId="26606"/>
+          <ac:spMkLst>
+            <pc:docMk/>
+            <pc:sldMk cId="2003775490" sldId="261"/>
+            <ac:spMk id="30" creationId="{81D83946-74FA-498A-AC80-9926F041B5C5}"/>
+          </ac:spMkLst>
+        </pc:spChg>
+        <pc:spChg chg="add del">
+          <ac:chgData name="Lynn Kyalo" userId="396efe8e-31b9-4c7e-81cc-27b4997f76e2" providerId="ADAL" clId="{F1B02929-98FA-41A6-BD2D-698255DCD034}" dt="2025-09-02T08:47:21.145" v="187" actId="26606"/>
+          <ac:spMkLst>
+            <pc:docMk/>
+            <pc:sldMk cId="2003775490" sldId="261"/>
+            <ac:spMk id="31" creationId="{5060D983-8B52-443A-8183-2A1DE05618B5}"/>
+          </ac:spMkLst>
+        </pc:spChg>
+        <pc:spChg chg="add del">
+          <ac:chgData name="Lynn Kyalo" userId="396efe8e-31b9-4c7e-81cc-27b4997f76e2" providerId="ADAL" clId="{F1B02929-98FA-41A6-BD2D-698255DCD034}" dt="2025-09-02T08:48:07.404" v="204" actId="26606"/>
+          <ac:spMkLst>
+            <pc:docMk/>
+            <pc:sldMk cId="2003775490" sldId="261"/>
+            <ac:spMk id="36" creationId="{352BEC0E-22F8-46D0-9632-375DB541B06C}"/>
+          </ac:spMkLst>
+        </pc:spChg>
+        <pc:spChg chg="add del">
+          <ac:chgData name="Lynn Kyalo" userId="396efe8e-31b9-4c7e-81cc-27b4997f76e2" providerId="ADAL" clId="{F1B02929-98FA-41A6-BD2D-698255DCD034}" dt="2025-09-02T08:48:07.404" v="204" actId="26606"/>
+          <ac:spMkLst>
+            <pc:docMk/>
+            <pc:sldMk cId="2003775490" sldId="261"/>
+            <ac:spMk id="38" creationId="{3FCFB1DE-0B7E-48CC-BA90-B2AB0889F9D6}"/>
+          </ac:spMkLst>
+        </pc:spChg>
+        <pc:spChg chg="add del">
+          <ac:chgData name="Lynn Kyalo" userId="396efe8e-31b9-4c7e-81cc-27b4997f76e2" providerId="ADAL" clId="{F1B02929-98FA-41A6-BD2D-698255DCD034}" dt="2025-09-02T08:47:52.400" v="197" actId="26606"/>
+          <ac:spMkLst>
+            <pc:docMk/>
+            <pc:sldMk cId="2003775490" sldId="261"/>
+            <ac:spMk id="43" creationId="{B23FE733-F95B-4DF6-AFC5-BEEB3577C494}"/>
+          </ac:spMkLst>
+        </pc:spChg>
+        <pc:spChg chg="add del">
+          <ac:chgData name="Lynn Kyalo" userId="396efe8e-31b9-4c7e-81cc-27b4997f76e2" providerId="ADAL" clId="{F1B02929-98FA-41A6-BD2D-698255DCD034}" dt="2025-09-02T08:47:52.400" v="197" actId="26606"/>
+          <ac:spMkLst>
+            <pc:docMk/>
+            <pc:sldMk cId="2003775490" sldId="261"/>
+            <ac:spMk id="45" creationId="{9080D120-BD54-46E1-BA37-82F5E8089E90}"/>
+          </ac:spMkLst>
+        </pc:spChg>
+        <pc:spChg chg="add del">
+          <ac:chgData name="Lynn Kyalo" userId="396efe8e-31b9-4c7e-81cc-27b4997f76e2" providerId="ADAL" clId="{F1B02929-98FA-41A6-BD2D-698255DCD034}" dt="2025-09-02T08:47:52.400" v="197" actId="26606"/>
+          <ac:spMkLst>
+            <pc:docMk/>
+            <pc:sldMk cId="2003775490" sldId="261"/>
+            <ac:spMk id="47" creationId="{81D83946-74FA-498A-AC80-9926F041B5C5}"/>
+          </ac:spMkLst>
+        </pc:spChg>
+        <pc:spChg chg="add del">
+          <ac:chgData name="Lynn Kyalo" userId="396efe8e-31b9-4c7e-81cc-27b4997f76e2" providerId="ADAL" clId="{F1B02929-98FA-41A6-BD2D-698255DCD034}" dt="2025-09-02T08:47:52.400" v="197" actId="26606"/>
+          <ac:spMkLst>
+            <pc:docMk/>
+            <pc:sldMk cId="2003775490" sldId="261"/>
+            <ac:spMk id="49" creationId="{5060D983-8B52-443A-8183-2A1DE05618B5}"/>
+          </ac:spMkLst>
+        </pc:spChg>
+        <pc:spChg chg="add del">
+          <ac:chgData name="Lynn Kyalo" userId="396efe8e-31b9-4c7e-81cc-27b4997f76e2" providerId="ADAL" clId="{F1B02929-98FA-41A6-BD2D-698255DCD034}" dt="2025-09-02T08:47:57.157" v="200" actId="26606"/>
+          <ac:spMkLst>
+            <pc:docMk/>
+            <pc:sldMk cId="2003775490" sldId="261"/>
+            <ac:spMk id="51" creationId="{2CB962CF-61A3-4EF9-94F6-7C59B0329524}"/>
+          </ac:spMkLst>
+        </pc:spChg>
+        <pc:spChg chg="add del">
+          <ac:chgData name="Lynn Kyalo" userId="396efe8e-31b9-4c7e-81cc-27b4997f76e2" providerId="ADAL" clId="{F1B02929-98FA-41A6-BD2D-698255DCD034}" dt="2025-09-02T08:48:07.388" v="203" actId="26606"/>
+          <ac:spMkLst>
+            <pc:docMk/>
+            <pc:sldMk cId="2003775490" sldId="261"/>
+            <ac:spMk id="53" creationId="{84DF55BE-B4AB-4BA1-BDE1-E9F7FB3F110A}"/>
+          </ac:spMkLst>
+        </pc:spChg>
+        <pc:spChg chg="add">
+          <ac:chgData name="Lynn Kyalo" userId="396efe8e-31b9-4c7e-81cc-27b4997f76e2" providerId="ADAL" clId="{F1B02929-98FA-41A6-BD2D-698255DCD034}" dt="2025-09-02T08:48:07.404" v="204" actId="26606"/>
+          <ac:spMkLst>
+            <pc:docMk/>
+            <pc:sldMk cId="2003775490" sldId="261"/>
+            <ac:spMk id="55" creationId="{2CB962CF-61A3-4EF9-94F6-7C59B0329524}"/>
+          </ac:spMkLst>
+        </pc:spChg>
+        <pc:grpChg chg="add del">
+          <ac:chgData name="Lynn Kyalo" userId="396efe8e-31b9-4c7e-81cc-27b4997f76e2" providerId="ADAL" clId="{F1B02929-98FA-41A6-BD2D-698255DCD034}" dt="2025-09-02T08:46:21.603" v="174" actId="26606"/>
+          <ac:grpSpMkLst>
+            <pc:docMk/>
+            <pc:sldMk cId="2003775490" sldId="261"/>
+            <ac:grpSpMk id="23" creationId="{1DE889C7-FAD6-4397-98E2-05D503484459}"/>
+          </ac:grpSpMkLst>
+        </pc:grpChg>
+        <pc:picChg chg="add mod ord">
+          <ac:chgData name="Lynn Kyalo" userId="396efe8e-31b9-4c7e-81cc-27b4997f76e2" providerId="ADAL" clId="{F1B02929-98FA-41A6-BD2D-698255DCD034}" dt="2025-09-02T08:50:21.117" v="228" actId="1076"/>
+          <ac:picMkLst>
+            <pc:docMk/>
+            <pc:sldMk cId="2003775490" sldId="261"/>
+            <ac:picMk id="5" creationId="{8BEC4A48-5D18-4FA7-825B-D8B3E2D4BF0D}"/>
+          </ac:picMkLst>
+        </pc:picChg>
+        <pc:picChg chg="add del mod ord">
+          <ac:chgData name="Lynn Kyalo" userId="396efe8e-31b9-4c7e-81cc-27b4997f76e2" providerId="ADAL" clId="{F1B02929-98FA-41A6-BD2D-698255DCD034}" dt="2025-09-02T08:49:24.785" v="212" actId="478"/>
+          <ac:picMkLst>
+            <pc:docMk/>
+            <pc:sldMk cId="2003775490" sldId="261"/>
+            <ac:picMk id="7" creationId="{34F0A743-D83E-B647-85B1-6454E99BA2E6}"/>
+          </ac:picMkLst>
+        </pc:picChg>
+        <pc:picChg chg="add mod">
+          <ac:chgData name="Lynn Kyalo" userId="396efe8e-31b9-4c7e-81cc-27b4997f76e2" providerId="ADAL" clId="{F1B02929-98FA-41A6-BD2D-698255DCD034}" dt="2025-09-02T08:50:28.885" v="230" actId="1076"/>
+          <ac:picMkLst>
+            <pc:docMk/>
+            <pc:sldMk cId="2003775490" sldId="261"/>
+            <ac:picMk id="9" creationId="{4F90125E-1545-7ADC-770B-BD4D3650F8EA}"/>
+          </ac:picMkLst>
+        </pc:picChg>
+      </pc:sldChg>
+      <pc:sldChg chg="addSp delSp modSp new mod setBg">
+        <pc:chgData name="Lynn Kyalo" userId="396efe8e-31b9-4c7e-81cc-27b4997f76e2" providerId="ADAL" clId="{F1B02929-98FA-41A6-BD2D-698255DCD034}" dt="2025-09-02T09:17:06.728" v="393" actId="14100"/>
+        <pc:sldMkLst>
+          <pc:docMk/>
+          <pc:sldMk cId="3978172688" sldId="262"/>
+        </pc:sldMkLst>
+        <pc:spChg chg="del">
+          <ac:chgData name="Lynn Kyalo" userId="396efe8e-31b9-4c7e-81cc-27b4997f76e2" providerId="ADAL" clId="{F1B02929-98FA-41A6-BD2D-698255DCD034}" dt="2025-09-02T08:52:00.539" v="238" actId="21"/>
+          <ac:spMkLst>
+            <pc:docMk/>
+            <pc:sldMk cId="3978172688" sldId="262"/>
+            <ac:spMk id="2" creationId="{66FCD371-FA7E-A8E9-DCD6-FAA5BF4CFF11}"/>
+          </ac:spMkLst>
+        </pc:spChg>
+        <pc:spChg chg="del mod">
+          <ac:chgData name="Lynn Kyalo" userId="396efe8e-31b9-4c7e-81cc-27b4997f76e2" providerId="ADAL" clId="{F1B02929-98FA-41A6-BD2D-698255DCD034}" dt="2025-09-02T08:55:24.547" v="244" actId="22"/>
+          <ac:spMkLst>
+            <pc:docMk/>
+            <pc:sldMk cId="3978172688" sldId="262"/>
+            <ac:spMk id="3" creationId="{967FEF73-2761-B9AD-3871-36DFA8B85CCC}"/>
+          </ac:spMkLst>
+        </pc:spChg>
+        <pc:spChg chg="add mod">
+          <ac:chgData name="Lynn Kyalo" userId="396efe8e-31b9-4c7e-81cc-27b4997f76e2" providerId="ADAL" clId="{F1B02929-98FA-41A6-BD2D-698255DCD034}" dt="2025-09-02T09:15:38.345" v="390" actId="20577"/>
+          <ac:spMkLst>
+            <pc:docMk/>
+            <pc:sldMk cId="3978172688" sldId="262"/>
+            <ac:spMk id="7" creationId="{B89E64FD-91A9-1F26-7529-820773A41C7A}"/>
+          </ac:spMkLst>
+        </pc:spChg>
+        <pc:spChg chg="add">
+          <ac:chgData name="Lynn Kyalo" userId="396efe8e-31b9-4c7e-81cc-27b4997f76e2" providerId="ADAL" clId="{F1B02929-98FA-41A6-BD2D-698255DCD034}" dt="2025-09-02T09:12:53.197" v="337" actId="26606"/>
+          <ac:spMkLst>
+            <pc:docMk/>
+            <pc:sldMk cId="3978172688" sldId="262"/>
+            <ac:spMk id="14" creationId="{84DF55BE-B4AB-4BA1-BDE1-E9F7FB3F110A}"/>
+          </ac:spMkLst>
+        </pc:spChg>
+        <pc:picChg chg="add mod ord">
+          <ac:chgData name="Lynn Kyalo" userId="396efe8e-31b9-4c7e-81cc-27b4997f76e2" providerId="ADAL" clId="{F1B02929-98FA-41A6-BD2D-698255DCD034}" dt="2025-09-02T09:17:06.728" v="393" actId="14100"/>
+          <ac:picMkLst>
+            <pc:docMk/>
+            <pc:sldMk cId="3978172688" sldId="262"/>
+            <ac:picMk id="5" creationId="{3851AC23-A04A-F50C-E9FA-B4140E8F4FAC}"/>
+          </ac:picMkLst>
+        </pc:picChg>
+        <pc:picChg chg="add mod">
+          <ac:chgData name="Lynn Kyalo" userId="396efe8e-31b9-4c7e-81cc-27b4997f76e2" providerId="ADAL" clId="{F1B02929-98FA-41A6-BD2D-698255DCD034}" dt="2025-09-02T09:17:02.761" v="392" actId="14100"/>
+          <ac:picMkLst>
+            <pc:docMk/>
+            <pc:sldMk cId="3978172688" sldId="262"/>
+            <ac:picMk id="9" creationId="{6B59C813-4300-8228-FFDA-F458BF60AA73}"/>
+          </ac:picMkLst>
+        </pc:picChg>
+      </pc:sldChg>
+    </pc:docChg>
+  </pc:docChgLst>
+</pc:chgInfo>
+</file>
+
+<file path=ppt/diagrams/colors1.xml><?xml version="1.0" encoding="utf-8"?>
+<dgm:colorsDef xmlns:dgm="http://schemas.openxmlformats.org/drawingml/2006/diagram" xmlns:a="http://schemas.openxmlformats.org/drawingml/2006/main" uniqueId="urn:microsoft.com/office/officeart/2005/8/colors/accent1_2">
+  <dgm:title val=""/>
+  <dgm:desc val=""/>
+  <dgm:catLst>
+    <dgm:cat type="accent1" pri="11200"/>
+  </dgm:catLst>
+  <dgm:styleLbl name="node0">
+    <dgm:fillClrLst meth="repeat">
+      <a:schemeClr val="accent1"/>
+    </dgm:fillClrLst>
+    <dgm:linClrLst meth="repeat">
+      <a:schemeClr val="lt1"/>
+    </dgm:linClrLst>
+    <dgm:effectClrLst/>
+    <dgm:txLinClrLst/>
+    <dgm:txFillClrLst/>
+    <dgm:txEffectClrLst/>
+  </dgm:styleLbl>
+  <dgm:styleLbl name="alignNode1">
+    <dgm:fillClrLst meth="repeat">
+      <a:schemeClr val="accent1"/>
+    </dgm:fillClrLst>
+    <dgm:linClrLst meth="repeat">
+      <a:schemeClr val="accent1"/>
+    </dgm:linClrLst>
+    <dgm:effectClrLst/>
+    <dgm:txLinClrLst/>
+    <dgm:txFillClrLst/>
+    <dgm:txEffectClrLst/>
+  </dgm:styleLbl>
+  <dgm:styleLbl name="node1">
+    <dgm:fillClrLst meth="repeat">
+      <a:schemeClr val="accent1"/>
+    </dgm:fillClrLst>
+    <dgm:linClrLst meth="repeat">
+      <a:schemeClr val="lt1"/>
+    </dgm:linClrLst>
+    <dgm:effectClrLst/>
+    <dgm:txLinClrLst/>
+    <dgm:txFillClrLst/>
+    <dgm:txEffectClrLst/>
+  </dgm:styleLbl>
+  <dgm:styleLbl name="lnNode1">
+    <dgm:fillClrLst meth="repeat">
+      <a:schemeClr val="accent1"/>
+    </dgm:fillClrLst>
+    <dgm:linClrLst meth="repeat">
+      <a:schemeClr val="lt1"/>
+    </dgm:linClrLst>
+    <dgm:effectClrLst/>
+    <dgm:txLinClrLst/>
+    <dgm:txFillClrLst/>
+    <dgm:txEffectClrLst/>
+  </dgm:styleLbl>
+  <dgm:styleLbl name="vennNode1">
+    <dgm:fillClrLst meth="repeat">
+      <a:schemeClr val="accent1">
+        <a:alpha val="50000"/>
+      </a:schemeClr>
+    </dgm:fillClrLst>
+    <dgm:linClrLst meth="repeat">
+      <a:schemeClr val="lt1"/>
+    </dgm:linClrLst>
+    <dgm:effectClrLst/>
+    <dgm:txLinClrLst/>
+    <dgm:txFillClrLst/>
+    <dgm:txEffectClrLst/>
+  </dgm:styleLbl>
+  <dgm:styleLbl name="node2">
+    <dgm:fillClrLst meth="repeat">
+      <a:schemeClr val="accent1"/>
+    </dgm:fillClrLst>
+    <dgm:linClrLst meth="repeat">
+      <a:schemeClr val="lt1"/>
+    </dgm:linClrLst>
+    <dgm:effectClrLst/>
+    <dgm:txLinClrLst/>
+    <dgm:txFillClrLst/>
+    <dgm:txEffectClrLst/>
+  </dgm:styleLbl>
+  <dgm:styleLbl name="node3">
+    <dgm:fillClrLst meth="repeat">
+      <a:schemeClr val="accent1"/>
+    </dgm:fillClrLst>
+    <dgm:linClrLst meth="repeat">
+      <a:schemeClr val="lt1"/>
+    </dgm:linClrLst>
+    <dgm:effectClrLst/>
+    <dgm:txLinClrLst/>
+    <dgm:txFillClrLst/>
+    <dgm:txEffectClrLst/>
+  </dgm:styleLbl>
+  <dgm:styleLbl name="node4">
+    <dgm:fillClrLst meth="repeat">
+      <a:schemeClr val="accent1"/>
+    </dgm:fillClrLst>
+    <dgm:linClrLst meth="repeat">
+      <a:schemeClr val="lt1"/>
+    </dgm:linClrLst>
+    <dgm:effectClrLst/>
+    <dgm:txLinClrLst/>
+    <dgm:txFillClrLst/>
+    <dgm:txEffectClrLst/>
+  </dgm:styleLbl>
+  <dgm:styleLbl name="fgImgPlace1">
+    <dgm:fillClrLst meth="repeat">
+      <a:schemeClr val="accent1">
+        <a:tint val="50000"/>
+      </a:schemeClr>
+    </dgm:fillClrLst>
+    <dgm:linClrLst meth="repeat">
+      <a:schemeClr val="lt1"/>
+    </dgm:linClrLst>
+    <dgm:effectClrLst/>
+    <dgm:txLinClrLst/>
+    <dgm:txFillClrLst meth="repeat">
+      <a:schemeClr val="lt1"/>
+    </dgm:txFillClrLst>
+    <dgm:txEffectClrLst/>
+  </dgm:styleLbl>
+  <dgm:styleLbl name="alignImgPlace1">
+    <dgm:fillClrLst meth="repeat">
+      <a:schemeClr val="accent1">
+        <a:tint val="50000"/>
+      </a:schemeClr>
+    </dgm:fillClrLst>
+    <dgm:linClrLst meth="repeat">
+      <a:schemeClr val="lt1"/>
+    </dgm:linClrLst>
+    <dgm:effectClrLst/>
+    <dgm:txLinClrLst/>
+    <dgm:txFillClrLst meth="repeat">
+      <a:schemeClr val="lt1"/>
+    </dgm:txFillClrLst>
+    <dgm:txEffectClrLst/>
+  </dgm:styleLbl>
+  <dgm:styleLbl name="bgImgPlace1">
+    <dgm:fillClrLst meth="repeat">
+      <a:schemeClr val="accent1">
+        <a:tint val="50000"/>
+      </a:schemeClr>
+    </dgm:fillClrLst>
+    <dgm:linClrLst meth="repeat">
+      <a:schemeClr val="lt1"/>
+    </dgm:linClrLst>
+    <dgm:effectClrLst/>
+    <dgm:txLinClrLst/>
+    <dgm:txFillClrLst meth="repeat">
+      <a:schemeClr val="lt1"/>
+    </dgm:txFillClrLst>
+    <dgm:txEffectClrLst/>
+  </dgm:styleLbl>
+  <dgm:styleLbl name="sibTrans2D1">
+    <dgm:fillClrLst meth="repeat">
+      <a:schemeClr val="accent1">
+        <a:tint val="60000"/>
+      </a:schemeClr>
+    </dgm:fillClrLst>
+    <dgm:linClrLst meth="repeat">
+      <a:schemeClr val="accent1">
+        <a:tint val="60000"/>
+      </a:schemeClr>
+    </dgm:linClrLst>
+    <dgm:effectClrLst/>
+    <dgm:txLinClrLst/>
+    <dgm:txFillClrLst/>
+    <dgm:txEffectClrLst/>
+  </dgm:styleLbl>
+  <dgm:styleLbl name="fgSibTrans2D1">
+    <dgm:fillClrLst meth="repeat">
+      <a:schemeClr val="accent1">
+        <a:tint val="60000"/>
+      </a:schemeClr>
+    </dgm:fillClrLst>
+    <dgm:linClrLst meth="repeat">
+      <a:schemeClr val="accent1">
+        <a:tint val="60000"/>
+      </a:schemeClr>
+    </dgm:linClrLst>
+    <dgm:effectClrLst/>
+    <dgm:txLinClrLst/>
+    <dgm:txFillClrLst/>
+    <dgm:txEffectClrLst/>
+  </dgm:styleLbl>
+  <dgm:styleLbl name="bgSibTrans2D1">
+    <dgm:fillClrLst meth="repeat">
+      <a:schemeClr val="accent1">
+        <a:tint val="60000"/>
+      </a:schemeClr>
+    </dgm:fillClrLst>
+    <dgm:linClrLst meth="repeat">
+      <a:schemeClr val="accent1">
+        <a:tint val="60000"/>
+      </a:schemeClr>
+    </dgm:linClrLst>
+    <dgm:effectClrLst/>
+    <dgm:txLinClrLst/>
+    <dgm:txFillClrLst/>
+    <dgm:txEffectClrLst/>
+  </dgm:styleLbl>
+  <dgm:styleLbl name="sibTrans1D1">
+    <dgm:fillClrLst meth="repeat">
+      <a:schemeClr val="accent1"/>
+    </dgm:fillClrLst>
+    <dgm:linClrLst meth="repeat">
+      <a:schemeClr val="accent1"/>
+    </dgm:linClrLst>
+    <dgm:effectClrLst/>
+    <dgm:txLinClrLst/>
+    <dgm:txFillClrLst meth="repeat">
+      <a:schemeClr val="tx1"/>
+    </dgm:txFillClrLst>
+    <dgm:txEffectClrLst/>
+  </dgm:styleLbl>
+  <dgm:styleLbl name="callout">
+    <dgm:fillClrLst meth="repeat">
+      <a:schemeClr val="accent1"/>
+    </dgm:fillClrLst>
+    <dgm:linClrLst meth="repeat">
+      <a:schemeClr val="accent1">
+        <a:tint val="50000"/>
+      </a:schemeClr>
+    </dgm:linClrLst>
+    <dgm:effectClrLst/>
+    <dgm:txLinClrLst/>
+    <dgm:txFillClrLst meth="repeat">
+      <a:schemeClr val="tx1"/>
+    </dgm:txFillClrLst>
+    <dgm:txEffectClrLst/>
+  </dgm:styleLbl>
+  <dgm:styleLbl name="asst0">
+    <dgm:fillClrLst meth="repeat">
+      <a:schemeClr val="accent1"/>
+    </dgm:fillClrLst>
+    <dgm:linClrLst meth="repeat">
+      <a:schemeClr val="lt1"/>
+    </dgm:linClrLst>
+    <dgm:effectClrLst/>
+    <dgm:txLinClrLst/>
+    <dgm:txFillClrLst/>
+    <dgm:txEffectClrLst/>
+  </dgm:styleLbl>
+  <dgm:styleLbl name="asst1">
+    <dgm:fillClrLst meth="repeat">
+      <a:schemeClr val="accent1"/>
+    </dgm:fillClrLst>
+    <dgm:linClrLst meth="repeat">
+      <a:schemeClr val="lt1"/>
+    </dgm:linClrLst>
+    <dgm:effectClrLst/>
+    <dgm:txLinClrLst/>
+    <dgm:txFillClrLst/>
+    <dgm:txEffectClrLst/>
+  </dgm:styleLbl>
+  <dgm:styleLbl name="asst2">
+    <dgm:fillClrLst meth="repeat">
+      <a:schemeClr val="accent1"/>
+    </dgm:fillClrLst>
+    <dgm:linClrLst meth="repeat">
+      <a:schemeClr val="lt1"/>
+    </dgm:linClrLst>
+    <dgm:effectClrLst/>
+    <dgm:txLinClrLst/>
+    <dgm:txFillClrLst/>
+    <dgm:txEffectClrLst/>
+  </dgm:styleLbl>
+  <dgm:styleLbl name="asst3">
+    <dgm:fillClrLst meth="repeat">
+      <a:schemeClr val="accent1"/>
+    </dgm:fillClrLst>
+    <dgm:linClrLst meth="repeat">
+      <a:schemeClr val="lt1"/>
+    </dgm:linClrLst>
+    <dgm:effectClrLst/>
+    <dgm:txLinClrLst/>
+    <dgm:txFillClrLst/>
+    <dgm:txEffectClrLst/>
+  </dgm:styleLbl>
+  <dgm:styleLbl name="asst4">
+    <dgm:fillClrLst meth="repeat">
+      <a:schemeClr val="accent1"/>
+    </dgm:fillClrLst>
+    <dgm:linClrLst meth="repeat">
+      <a:schemeClr val="lt1"/>
+    </dgm:linClrLst>
+    <dgm:effectClrLst/>
+    <dgm:txLinClrLst/>
+    <dgm:txFillClrLst/>
+    <dgm:txEffectClrLst/>
+  </dgm:styleLbl>
+  <dgm:styleLbl name="parChTrans2D1">
+    <dgm:fillClrLst meth="repeat">
+      <a:schemeClr val="accent1">
+        <a:tint val="60000"/>
+      </a:schemeClr>
+    </dgm:fillClrLst>
+    <dgm:linClrLst meth="repeat">
+      <a:schemeClr val="accent1">
+        <a:tint val="60000"/>
+      </a:schemeClr>
+    </dgm:linClrLst>
+    <dgm:effectClrLst/>
+    <dgm:txLinClrLst/>
+    <dgm:txFillClrLst meth="repeat">
+      <a:schemeClr val="lt1"/>
+    </dgm:txFillClrLst>
+    <dgm:txEffectClrLst/>
+  </dgm:styleLbl>
+  <dgm:styleLbl name="parChTrans2D2">
+    <dgm:fillClrLst meth="repeat">
+      <a:schemeClr val="accent1"/>
+    </dgm:fillClrLst>
+    <dgm:linClrLst meth="repeat">
+      <a:schemeClr val="accent1"/>
+    </dgm:linClrLst>
+    <dgm:effectClrLst/>
+    <dgm:txLinClrLst/>
+    <dgm:txFillClrLst meth="repeat">
+      <a:schemeClr val="lt1"/>
+    </dgm:txFillClrLst>
+    <dgm:txEffectClrLst/>
+  </dgm:styleLbl>
+  <dgm:styleLbl name="parChTrans2D3">
+    <dgm:fillClrLst meth="repeat">
+      <a:schemeClr val="accent1"/>
+    </dgm:fillClrLst>
+    <dgm:linClrLst meth="repeat">
+      <a:schemeClr val="accent1"/>
+    </dgm:linClrLst>
+    <dgm:effectClrLst/>
+    <dgm:txLinClrLst/>
+    <dgm:txFillClrLst meth="repeat">
+      <a:schemeClr val="lt1"/>
+    </dgm:txFillClrLst>
+    <dgm:txEffectClrLst/>
+  </dgm:styleLbl>
+  <dgm:styleLbl name="parChTrans2D4">
+    <dgm:fillClrLst meth="repeat">
+      <a:schemeClr val="accent1"/>
+    </dgm:fillClrLst>
+    <dgm:linClrLst meth="repeat">
+      <a:schemeClr val="accent1"/>
+    </dgm:linClrLst>
+    <dgm:effectClrLst/>
+    <dgm:txLinClrLst/>
+    <dgm:txFillClrLst meth="repeat">
+      <a:schemeClr val="lt1"/>
+    </dgm:txFillClrLst>
+    <dgm:txEffectClrLst/>
+  </dgm:styleLbl>
+  <dgm:styleLbl name="parChTrans1D1">
+    <dgm:fillClrLst meth="repeat">
+      <a:schemeClr val="accent1"/>
+    </dgm:fillClrLst>
+    <dgm:linClrLst meth="repeat">
+      <a:schemeClr val="accent1">
+        <a:shade val="60000"/>
+      </a:schemeClr>
+    </dgm:linClrLst>
+    <dgm:effectClrLst/>
+    <dgm:txLinClrLst/>
+    <dgm:txFillClrLst meth="repeat">
+      <a:schemeClr val="tx1"/>
+    </dgm:txFillClrLst>
+    <dgm:txEffectClrLst/>
+  </dgm:styleLbl>
+  <dgm:styleLbl name="parChTrans1D2">
+    <dgm:fillClrLst meth="repeat">
+      <a:schemeClr val="accent1"/>
+    </dgm:fillClrLst>
+    <dgm:linClrLst meth="repeat">
+      <a:schemeClr val="accent1">
+        <a:shade val="60000"/>
+      </a:schemeClr>
+    </dgm:linClrLst>
+    <dgm:effectClrLst/>
+    <dgm:txLinClrLst/>
+    <dgm:txFillClrLst meth="repeat">
+      <a:schemeClr val="tx1"/>
+    </dgm:txFillClrLst>
+    <dgm:txEffectClrLst/>
+  </dgm:styleLbl>
+  <dgm:styleLbl name="parChTrans1D3">
+    <dgm:fillClrLst meth="repeat">
+      <a:schemeClr val="accent1"/>
+    </dgm:fillClrLst>
+    <dgm:linClrLst meth="repeat">
+      <a:schemeClr val="accent1">
+        <a:shade val="80000"/>
+      </a:schemeClr>
+    </dgm:linClrLst>
+    <dgm:effectClrLst/>
+    <dgm:txLinClrLst/>
+    <dgm:txFillClrLst meth="repeat">
+      <a:schemeClr val="tx1"/>
+    </dgm:txFillClrLst>
+    <dgm:txEffectClrLst/>
+  </dgm:styleLbl>
+  <dgm:styleLbl name="parChTrans1D4">
+    <dgm:fillClrLst meth="repeat">
+      <a:schemeClr val="accent1"/>
+    </dgm:fillClrLst>
+    <dgm:linClrLst meth="repeat">
+      <a:schemeClr val="accent1">
+        <a:shade val="80000"/>
+      </a:schemeClr>
+    </dgm:linClrLst>
+    <dgm:effectClrLst/>
+    <dgm:txLinClrLst/>
+    <dgm:txFillClrLst meth="repeat">
+      <a:schemeClr val="tx1"/>
+    </dgm:txFillClrLst>
+    <dgm:txEffectClrLst/>
+  </dgm:styleLbl>
+  <dgm:styleLbl name="fgAcc1">
+    <dgm:fillClrLst meth="repeat">
+      <a:schemeClr val="lt1">
+        <a:alpha val="90000"/>
+      </a:schemeClr>
+    </dgm:fillClrLst>
+    <dgm:linClrLst meth="repeat">
+      <a:schemeClr val="accent1"/>
+    </dgm:linClrLst>
+    <dgm:effectClrLst/>
+    <dgm:txLinClrLst/>
+    <dgm:txFillClrLst meth="repeat">
+      <a:schemeClr val="dk1"/>
+    </dgm:txFillClrLst>
+    <dgm:txEffectClrLst/>
+  </dgm:styleLbl>
+  <dgm:styleLbl name="conFgAcc1">
+    <dgm:fillClrLst meth="repeat">
+      <a:schemeClr val="lt1">
+        <a:alpha val="90000"/>
+      </a:schemeClr>
+    </dgm:fillClrLst>
+    <dgm:linClrLst meth="repeat">
+      <a:schemeClr val="accent1"/>
+    </dgm:linClrLst>
+    <dgm:effectClrLst/>
+    <dgm:txLinClrLst/>
+    <dgm:txFillClrLst meth="repeat">
+      <a:schemeClr val="dk1"/>
+    </dgm:txFillClrLst>
+    <dgm:txEffectClrLst/>
+  </dgm:styleLbl>
+  <dgm:styleLbl name="alignAcc1">
+    <dgm:fillClrLst meth="repeat">
+      <a:schemeClr val="lt1">
+        <a:alpha val="90000"/>
+      </a:schemeClr>
+    </dgm:fillClrLst>
+    <dgm:linClrLst meth="repeat">
+      <a:schemeClr val="accent1"/>
+    </dgm:linClrLst>
+    <dgm:effectClrLst/>
+    <dgm:txLinClrLst/>
+    <dgm:txFillClrLst meth="repeat">
+      <a:schemeClr val="dk1"/>
+    </dgm:txFillClrLst>
+    <dgm:txEffectClrLst/>
+  </dgm:styleLbl>
+  <dgm:styleLbl name="trAlignAcc1">
+    <dgm:fillClrLst meth="repeat">
+      <a:schemeClr val="lt1">
+        <a:alpha val="40000"/>
+      </a:schemeClr>
+    </dgm:fillClrLst>
+    <dgm:linClrLst meth="repeat">
+      <a:schemeClr val="accent1"/>
+    </dgm:linClrLst>
+    <dgm:effectClrLst/>
+    <dgm:txLinClrLst/>
+    <dgm:txFillClrLst meth="repeat">
+      <a:schemeClr val="dk1"/>
+    </dgm:txFillClrLst>
+    <dgm:txEffectClrLst/>
+  </dgm:styleLbl>
+  <dgm:styleLbl name="bgAcc1">
+    <dgm:fillClrLst meth="repeat">
+      <a:schemeClr val="lt1">
+        <a:alpha val="90000"/>
+      </a:schemeClr>
+    </dgm:fillClrLst>
+    <dgm:linClrLst meth="repeat">
+      <a:schemeClr val="accent1"/>
+    </dgm:linClrLst>
+    <dgm:effectClrLst/>
+    <dgm:txLinClrLst/>
+    <dgm:txFillClrLst meth="repeat">
+      <a:schemeClr val="dk1"/>
+    </dgm:txFillClrLst>
+    <dgm:txEffectClrLst/>
+  </dgm:styleLbl>
+  <dgm:styleLbl name="solidFgAcc1">
+    <dgm:fillClrLst meth="repeat">
+      <a:schemeClr val="lt1"/>
+    </dgm:fillClrLst>
+    <dgm:linClrLst meth="repeat">
+      <a:schemeClr val="accent1"/>
+    </dgm:linClrLst>
+    <dgm:effectClrLst/>
+    <dgm:txLinClrLst/>
+    <dgm:txFillClrLst meth="repeat">
+      <a:schemeClr val="dk1"/>
+    </dgm:txFillClrLst>
+    <dgm:txEffectClrLst/>
+  </dgm:styleLbl>
+  <dgm:styleLbl name="solidAlignAcc1">
+    <dgm:fillClrLst meth="repeat">
+      <a:schemeClr val="lt1"/>
+    </dgm:fillClrLst>
+    <dgm:linClrLst meth="repeat">
+      <a:schemeClr val="accent1"/>
+    </dgm:linClrLst>
+    <dgm:effectClrLst/>
+    <dgm:txLinClrLst/>
+    <dgm:txFillClrLst meth="repeat">
+      <a:schemeClr val="dk1"/>
+    </dgm:txFillClrLst>
+    <dgm:txEffectClrLst/>
+  </dgm:styleLbl>
+  <dgm:styleLbl name="solidBgAcc1">
+    <dgm:fillClrLst meth="repeat">
+      <a:schemeClr val="lt1"/>
+    </dgm:fillClrLst>
+    <dgm:linClrLst meth="repeat">
+      <a:schemeClr val="accent1"/>
+    </dgm:linClrLst>
+    <dgm:effectClrLst/>
+    <dgm:txLinClrLst/>
+    <dgm:txFillClrLst meth="repeat">
+      <a:schemeClr val="dk1"/>
+    </dgm:txFillClrLst>
+    <dgm:txEffectClrLst/>
+  </dgm:styleLbl>
+  <dgm:styleLbl name="fgAccFollowNode1">
+    <dgm:fillClrLst meth="repeat">
+      <a:schemeClr val="accent1">
+        <a:alpha val="90000"/>
+        <a:tint val="40000"/>
+      </a:schemeClr>
+    </dgm:fillClrLst>
+    <dgm:linClrLst meth="repeat">
+      <a:schemeClr val="accent1">
+        <a:alpha val="90000"/>
+        <a:tint val="40000"/>
+      </a:schemeClr>
+    </dgm:linClrLst>
+    <dgm:effectClrLst/>
+    <dgm:txLinClrLst/>
+    <dgm:txFillClrLst meth="repeat">
+      <a:schemeClr val="dk1"/>
+    </dgm:txFillClrLst>
+    <dgm:txEffectClrLst/>
+  </dgm:styleLbl>
+  <dgm:styleLbl name="alignAccFollowNode1">
+    <dgm:fillClrLst meth="repeat">
+      <a:schemeClr val="accent1">
+        <a:alpha val="90000"/>
+        <a:tint val="40000"/>
+      </a:schemeClr>
+    </dgm:fillClrLst>
+    <dgm:linClrLst meth="repeat">
+      <a:schemeClr val="accent1">
+        <a:alpha val="90000"/>
+        <a:tint val="40000"/>
+      </a:schemeClr>
+    </dgm:linClrLst>
+    <dgm:effectClrLst/>
+    <dgm:txLinClrLst/>
+    <dgm:txFillClrLst meth="repeat">
+      <a:schemeClr val="dk1"/>
+    </dgm:txFillClrLst>
+    <dgm:txEffectClrLst/>
+  </dgm:styleLbl>
+  <dgm:styleLbl name="bgAccFollowNode1">
+    <dgm:fillClrLst meth="repeat">
+      <a:schemeClr val="accent1">
+        <a:alpha val="90000"/>
+        <a:tint val="40000"/>
+      </a:schemeClr>
+    </dgm:fillClrLst>
+    <dgm:linClrLst meth="repeat">
+      <a:schemeClr val="accent1">
+        <a:alpha val="90000"/>
+        <a:tint val="40000"/>
+      </a:schemeClr>
+    </dgm:linClrLst>
+    <dgm:effectClrLst/>
+    <dgm:txLinClrLst/>
+    <dgm:txFillClrLst meth="repeat">
+      <a:schemeClr val="dk1"/>
+    </dgm:txFillClrLst>
+    <dgm:txEffectClrLst/>
+  </dgm:styleLbl>
+  <dgm:styleLbl name="fgAcc0">
+    <dgm:fillClrLst meth="repeat">
+      <a:schemeClr val="lt1">
+        <a:alpha val="90000"/>
+      </a:schemeClr>
+    </dgm:fillClrLst>
+    <dgm:linClrLst meth="repeat">
+      <a:schemeClr val="accent1"/>
+    </dgm:linClrLst>
+    <dgm:effectClrLst/>
+    <dgm:txLinClrLst/>
+    <dgm:txFillClrLst meth="repeat">
+      <a:schemeClr val="dk1"/>
+    </dgm:txFillClrLst>
+    <dgm:txEffectClrLst/>
+  </dgm:styleLbl>
+  <dgm:styleLbl name="fgAcc2">
+    <dgm:fillClrLst meth="repeat">
+      <a:schemeClr val="lt1">
+        <a:alpha val="90000"/>
+      </a:schemeClr>
+    </dgm:fillClrLst>
+    <dgm:linClrLst meth="repeat">
+      <a:schemeClr val="accent1"/>
+    </dgm:linClrLst>
+    <dgm:effectClrLst/>
+    <dgm:txLinClrLst/>
+    <dgm:txFillClrLst meth="repeat">
+      <a:schemeClr val="dk1"/>
+    </dgm:txFillClrLst>
+    <dgm:txEffectClrLst/>
+  </dgm:styleLbl>
+  <dgm:styleLbl name="fgAcc3">
+    <dgm:fillClrLst meth="repeat">
+      <a:schemeClr val="lt1">
+        <a:alpha val="90000"/>
+      </a:schemeClr>
+    </dgm:fillClrLst>
+    <dgm:linClrLst meth="repeat">
+      <a:schemeClr val="accent1"/>
+    </dgm:linClrLst>
+    <dgm:effectClrLst/>
+    <dgm:txLinClrLst/>
+    <dgm:txFillClrLst meth="repeat">
+      <a:schemeClr val="dk1"/>
+    </dgm:txFillClrLst>
+    <dgm:txEffectClrLst/>
+  </dgm:styleLbl>
+  <dgm:styleLbl name="fgAcc4">
+    <dgm:fillClrLst meth="repeat">
+      <a:schemeClr val="lt1">
+        <a:alpha val="90000"/>
+      </a:schemeClr>
+    </dgm:fillClrLst>
+    <dgm:linClrLst meth="repeat">
+      <a:schemeClr val="accent1"/>
+    </dgm:linClrLst>
+    <dgm:effectClrLst/>
+    <dgm:txLinClrLst/>
+    <dgm:txFillClrLst meth="repeat">
+      <a:schemeClr val="dk1"/>
+    </dgm:txFillClrLst>
+    <dgm:txEffectClrLst/>
+  </dgm:styleLbl>
+  <dgm:styleLbl name="bgShp">
+    <dgm:fillClrLst meth="repeat">
+      <a:schemeClr val="accent1">
+        <a:tint val="40000"/>
+      </a:schemeClr>
+    </dgm:fillClrLst>
+    <dgm:linClrLst meth="repeat">
+      <a:schemeClr val="accent1"/>
+    </dgm:linClrLst>
+    <dgm:effectClrLst/>
+    <dgm:txLinClrLst/>
+    <dgm:txFillClrLst meth="repeat">
+      <a:schemeClr val="dk1"/>
+    </dgm:txFillClrLst>
+    <dgm:txEffectClrLst/>
+  </dgm:styleLbl>
+  <dgm:styleLbl name="dkBgShp">
+    <dgm:fillClrLst meth="repeat">
+      <a:schemeClr val="accent1">
+        <a:shade val="80000"/>
+      </a:schemeClr>
+    </dgm:fillClrLst>
+    <dgm:linClrLst meth="repeat">
+      <a:schemeClr val="accent1"/>
+    </dgm:linClrLst>
+    <dgm:effectClrLst/>
+    <dgm:txLinClrLst/>
+    <dgm:txFillClrLst meth="repeat">
+      <a:schemeClr val="lt1"/>
+    </dgm:txFillClrLst>
+    <dgm:txEffectClrLst/>
+  </dgm:styleLbl>
+  <dgm:styleLbl name="trBgShp">
+    <dgm:fillClrLst meth="repeat">
+      <a:schemeClr val="accent1">
+        <a:tint val="50000"/>
+        <a:alpha val="40000"/>
+      </a:schemeClr>
+    </dgm:fillClrLst>
+    <dgm:linClrLst meth="repeat">
+      <a:schemeClr val="accent1"/>
+    </dgm:linClrLst>
+    <dgm:effectClrLst/>
+    <dgm:txLinClrLst/>
+    <dgm:txFillClrLst meth="repeat">
+      <a:schemeClr val="lt1"/>
+    </dgm:txFillClrLst>
+    <dgm:txEffectClrLst/>
+  </dgm:styleLbl>
+  <dgm:styleLbl name="fgShp">
+    <dgm:fillClrLst meth="repeat">
+      <a:schemeClr val="accent1">
+        <a:tint val="60000"/>
+      </a:schemeClr>
+    </dgm:fillClrLst>
+    <dgm:linClrLst meth="repeat">
+      <a:schemeClr val="lt1"/>
+    </dgm:linClrLst>
+    <dgm:effectClrLst/>
+    <dgm:txLinClrLst/>
+    <dgm:txFillClrLst meth="repeat">
+      <a:schemeClr val="dk1"/>
+    </dgm:txFillClrLst>
+    <dgm:txEffectClrLst/>
+  </dgm:styleLbl>
+  <dgm:styleLbl name="revTx">
+    <dgm:fillClrLst meth="repeat">
+      <a:schemeClr val="lt1">
+        <a:alpha val="0"/>
+      </a:schemeClr>
+    </dgm:fillClrLst>
+    <dgm:linClrLst meth="repeat">
+      <a:schemeClr val="dk1">
+        <a:alpha val="0"/>
+      </a:schemeClr>
+    </dgm:linClrLst>
+    <dgm:effectClrLst/>
+    <dgm:txLinClrLst/>
+    <dgm:txFillClrLst meth="repeat">
+      <a:schemeClr val="tx1"/>
+    </dgm:txFillClrLst>
+    <dgm:txEffectClrLst/>
+  </dgm:styleLbl>
+</dgm:colorsDef>
+</file>
+
+<file path=ppt/diagrams/data1.xml><?xml version="1.0" encoding="utf-8"?>
+<dgm:dataModel xmlns:dgm="http://schemas.openxmlformats.org/drawingml/2006/diagram" xmlns:a="http://schemas.openxmlformats.org/drawingml/2006/main">
+  <dgm:ptLst>
+    <dgm:pt modelId="{E947DBFF-6E0A-4D5D-BD2C-0B08EABF5523}" type="doc">
+      <dgm:prSet loTypeId="urn:microsoft.com/office/officeart/2018/2/layout/IconCircleList" loCatId="icon" qsTypeId="urn:microsoft.com/office/officeart/2005/8/quickstyle/simple1" qsCatId="simple" csTypeId="urn:microsoft.com/office/officeart/2005/8/colors/accent1_2" csCatId="accent1" phldr="1"/>
+      <dgm:spPr/>
+      <dgm:t>
+        <a:bodyPr/>
+        <a:lstStyle/>
+        <a:p>
+          <a:endParaRPr lang="en-US"/>
+        </a:p>
+      </dgm:t>
+    </dgm:pt>
+    <dgm:pt modelId="{69A6EE4F-9765-47CB-8C08-E4551092AB38}">
+      <dgm:prSet/>
+      <dgm:spPr/>
+      <dgm:t>
+        <a:bodyPr/>
+        <a:lstStyle/>
+        <a:p>
+          <a:pPr>
+            <a:lnSpc>
+              <a:spcPct val="150000"/>
+            </a:lnSpc>
+          </a:pPr>
+          <a:r>
+            <a:rPr lang="en-US" dirty="0"/>
+            <a:t>The world of streaming has transformed how we consume entertainment. Unlike the traditional television model where shows are limited and scheduled, streaming services now offer an enormous library of movies and series at the click of a button. But abundance creates its own problem: users often feel lost.</a:t>
+          </a:r>
+        </a:p>
+      </dgm:t>
+    </dgm:pt>
+    <dgm:pt modelId="{A3B398AF-B8E4-4D89-AC33-F8EE84D54218}" type="parTrans" cxnId="{5EFE337A-6BEF-4503-8D0C-D412FE0E3C54}">
+      <dgm:prSet/>
+      <dgm:spPr/>
+      <dgm:t>
+        <a:bodyPr/>
+        <a:lstStyle/>
+        <a:p>
+          <a:endParaRPr lang="en-US"/>
+        </a:p>
+      </dgm:t>
+    </dgm:pt>
+    <dgm:pt modelId="{98BA40F9-3458-48D9-B49A-60E7819B6F47}" type="sibTrans" cxnId="{5EFE337A-6BEF-4503-8D0C-D412FE0E3C54}">
+      <dgm:prSet/>
+      <dgm:spPr/>
+      <dgm:t>
+        <a:bodyPr/>
+        <a:lstStyle/>
+        <a:p>
+          <a:pPr>
+            <a:lnSpc>
+              <a:spcPct val="100000"/>
+            </a:lnSpc>
+          </a:pPr>
+          <a:endParaRPr lang="en-US"/>
+        </a:p>
+      </dgm:t>
+    </dgm:pt>
+    <dgm:pt modelId="{F86FB983-44E7-49D7-8587-3DDFA414555C}">
+      <dgm:prSet/>
+      <dgm:spPr/>
+      <dgm:t>
+        <a:bodyPr/>
+        <a:lstStyle/>
+        <a:p>
+          <a:pPr>
+            <a:lnSpc>
+              <a:spcPct val="150000"/>
+            </a:lnSpc>
+          </a:pPr>
+          <a:r>
+            <a:rPr lang="en-US" dirty="0"/>
+            <a:t>Think about the last time you opened a streaming platform. Did you spend minutes scrolling through endless titles without finding anything? This is called </a:t>
+          </a:r>
+          <a:r>
+            <a:rPr lang="en-US" b="1" dirty="0"/>
+            <a:t>decision fatigue</a:t>
+          </a:r>
+          <a:r>
+            <a:rPr lang="en-US" dirty="0"/>
+            <a:t>. The more options available, the harder it becomes to choose, and the overall experience suffers.</a:t>
+          </a:r>
+        </a:p>
+      </dgm:t>
+    </dgm:pt>
+    <dgm:pt modelId="{18826077-65AD-41C1-B89F-AD5FD42D7BFC}" type="parTrans" cxnId="{1E7EA034-BFF5-4083-B0A1-1CB32AFB7E6C}">
+      <dgm:prSet/>
+      <dgm:spPr/>
+      <dgm:t>
+        <a:bodyPr/>
+        <a:lstStyle/>
+        <a:p>
+          <a:endParaRPr lang="en-US"/>
+        </a:p>
+      </dgm:t>
+    </dgm:pt>
+    <dgm:pt modelId="{4EC2EB5B-68B0-4675-977F-3CC80B93D22E}" type="sibTrans" cxnId="{1E7EA034-BFF5-4083-B0A1-1CB32AFB7E6C}">
+      <dgm:prSet/>
+      <dgm:spPr/>
+      <dgm:t>
+        <a:bodyPr/>
+        <a:lstStyle/>
+        <a:p>
+          <a:pPr>
+            <a:lnSpc>
+              <a:spcPct val="100000"/>
+            </a:lnSpc>
+          </a:pPr>
+          <a:endParaRPr lang="en-US"/>
+        </a:p>
+      </dgm:t>
+    </dgm:pt>
+    <dgm:pt modelId="{8B4318E0-4622-4164-9EA1-D99DF29550EE}">
+      <dgm:prSet/>
+      <dgm:spPr/>
+      <dgm:t>
+        <a:bodyPr/>
+        <a:lstStyle/>
+        <a:p>
+          <a:pPr>
+            <a:lnSpc>
+              <a:spcPct val="150000"/>
+            </a:lnSpc>
+          </a:pPr>
+          <a:r>
+            <a:rPr lang="en-US" dirty="0"/>
+            <a:t>A recommendation system solves this issue by acting like a </a:t>
+          </a:r>
+          <a:r>
+            <a:rPr lang="en-US" b="1" dirty="0"/>
+            <a:t>personal assistant</a:t>
+          </a:r>
+          <a:r>
+            <a:rPr lang="en-US" dirty="0"/>
+            <a:t> inside the platform. It studies what you like, compares you to similar users, and suggests content tailored just for you. Instead of browsing through thousands of movies, you are presented with a shortlist that matches your unique taste.</a:t>
+          </a:r>
+        </a:p>
+      </dgm:t>
+    </dgm:pt>
+    <dgm:pt modelId="{8443A956-0073-408E-B4E4-4A8AAD170842}" type="parTrans" cxnId="{230B8622-E348-4B5D-ADC1-5AF94E8EAE72}">
+      <dgm:prSet/>
+      <dgm:spPr/>
+      <dgm:t>
+        <a:bodyPr/>
+        <a:lstStyle/>
+        <a:p>
+          <a:endParaRPr lang="en-US"/>
+        </a:p>
+      </dgm:t>
+    </dgm:pt>
+    <dgm:pt modelId="{48D3C12F-CB24-44F8-89CA-D6615F0A8F4D}" type="sibTrans" cxnId="{230B8622-E348-4B5D-ADC1-5AF94E8EAE72}">
+      <dgm:prSet/>
+      <dgm:spPr/>
+      <dgm:t>
+        <a:bodyPr/>
+        <a:lstStyle/>
+        <a:p>
+          <a:pPr>
+            <a:lnSpc>
+              <a:spcPct val="100000"/>
+            </a:lnSpc>
+          </a:pPr>
+          <a:endParaRPr lang="en-US"/>
+        </a:p>
+      </dgm:t>
+    </dgm:pt>
+    <dgm:pt modelId="{E4D3AE59-FBB8-434B-8D8C-EA28C1EA06B1}">
+      <dgm:prSet/>
+      <dgm:spPr/>
+      <dgm:t>
+        <a:bodyPr/>
+        <a:lstStyle/>
+        <a:p>
+          <a:pPr>
+            <a:lnSpc>
+              <a:spcPct val="150000"/>
+            </a:lnSpc>
+          </a:pPr>
+          <a:r>
+            <a:rPr lang="en-US" dirty="0"/>
+            <a:t>In this project, we demonstrate how such a system can be built. Using real user data from MovieLens, we create a model that delivers personalized recommendations, ensuring that users not only find enjoyable content but also stay engaged with the platform over time.</a:t>
+          </a:r>
+        </a:p>
+      </dgm:t>
+    </dgm:pt>
+    <dgm:pt modelId="{C7D3D58E-5F8D-4C86-AD30-5F7139F2FEBF}" type="parTrans" cxnId="{AAF5D142-B4AA-41E3-800B-DC542A698DCD}">
+      <dgm:prSet/>
+      <dgm:spPr/>
+      <dgm:t>
+        <a:bodyPr/>
+        <a:lstStyle/>
+        <a:p>
+          <a:endParaRPr lang="en-US"/>
+        </a:p>
+      </dgm:t>
+    </dgm:pt>
+    <dgm:pt modelId="{2E37161D-D246-48BB-A920-2DBC83E6F166}" type="sibTrans" cxnId="{AAF5D142-B4AA-41E3-800B-DC542A698DCD}">
+      <dgm:prSet/>
+      <dgm:spPr/>
+      <dgm:t>
+        <a:bodyPr/>
+        <a:lstStyle/>
+        <a:p>
+          <a:endParaRPr lang="en-US"/>
+        </a:p>
+      </dgm:t>
+    </dgm:pt>
+    <dgm:pt modelId="{A14EC319-8931-4278-AE69-871297C04750}" type="pres">
+      <dgm:prSet presAssocID="{E947DBFF-6E0A-4D5D-BD2C-0B08EABF5523}" presName="root" presStyleCnt="0">
+        <dgm:presLayoutVars>
+          <dgm:dir/>
+          <dgm:resizeHandles val="exact"/>
+        </dgm:presLayoutVars>
+      </dgm:prSet>
+      <dgm:spPr/>
+    </dgm:pt>
+    <dgm:pt modelId="{106B971E-67B7-43D6-8D70-EB1D86A5DD0A}" type="pres">
+      <dgm:prSet presAssocID="{E947DBFF-6E0A-4D5D-BD2C-0B08EABF5523}" presName="container" presStyleCnt="0">
+        <dgm:presLayoutVars>
+          <dgm:dir/>
+          <dgm:resizeHandles val="exact"/>
+        </dgm:presLayoutVars>
+      </dgm:prSet>
+      <dgm:spPr/>
+    </dgm:pt>
+    <dgm:pt modelId="{DFFD93A8-92D1-45CA-824E-7E7E775D45E6}" type="pres">
+      <dgm:prSet presAssocID="{69A6EE4F-9765-47CB-8C08-E4551092AB38}" presName="compNode" presStyleCnt="0"/>
+      <dgm:spPr/>
+    </dgm:pt>
+    <dgm:pt modelId="{E9A50047-B940-4F4B-BFA2-01D764590163}" type="pres">
+      <dgm:prSet presAssocID="{69A6EE4F-9765-47CB-8C08-E4551092AB38}" presName="iconBgRect" presStyleLbl="bgShp" presStyleIdx="0" presStyleCnt="4" custLinFactNeighborY="-3259"/>
+      <dgm:spPr/>
+    </dgm:pt>
+    <dgm:pt modelId="{45B4362B-41E8-468B-824E-15B1414DF448}" type="pres">
+      <dgm:prSet presAssocID="{69A6EE4F-9765-47CB-8C08-E4551092AB38}" presName="iconRect" presStyleLbl="node1" presStyleIdx="0" presStyleCnt="4"/>
+      <dgm:spPr>
+        <a:blipFill>
+          <a:blip xmlns:r="http://schemas.openxmlformats.org/officeDocument/2006/relationships" r:embed="rId1">
+            <a:extLst>
+              <a:ext uri="{28A0092B-C50C-407E-A947-70E740481C1C}">
+                <a14:useLocalDpi xmlns:a14="http://schemas.microsoft.com/office/drawing/2010/main" val="0"/>
+              </a:ext>
+              <a:ext uri="{96DAC541-7B7A-43D3-8B79-37D633B846F1}">
+                <asvg:svgBlip xmlns:asvg="http://schemas.microsoft.com/office/drawing/2016/SVG/main" r:embed="rId2"/>
+              </a:ext>
+            </a:extLst>
+          </a:blip>
+          <a:stretch>
+            <a:fillRect/>
+          </a:stretch>
+        </a:blipFill>
+      </dgm:spPr>
+      <dgm:extLst>
+        <a:ext uri="{E40237B7-FDA0-4F09-8148-C483321AD2D9}">
+          <dgm14:cNvPr xmlns:dgm14="http://schemas.microsoft.com/office/drawing/2010/diagram" id="0" name="" descr="Television"/>
+        </a:ext>
+      </dgm:extLst>
+    </dgm:pt>
+    <dgm:pt modelId="{5F144C08-6E94-4FE1-B17A-C0600018CD5B}" type="pres">
+      <dgm:prSet presAssocID="{69A6EE4F-9765-47CB-8C08-E4551092AB38}" presName="spaceRect" presStyleCnt="0"/>
+      <dgm:spPr/>
+    </dgm:pt>
+    <dgm:pt modelId="{E7FB5FB5-F1AB-4FDE-ADCA-1B7AFDC4A774}" type="pres">
+      <dgm:prSet presAssocID="{69A6EE4F-9765-47CB-8C08-E4551092AB38}" presName="textRect" presStyleLbl="revTx" presStyleIdx="0" presStyleCnt="4">
+        <dgm:presLayoutVars>
+          <dgm:chMax val="1"/>
+          <dgm:chPref val="1"/>
+        </dgm:presLayoutVars>
+      </dgm:prSet>
+      <dgm:spPr/>
+    </dgm:pt>
+    <dgm:pt modelId="{0D5F60B1-BA4F-432E-BB1C-3E48D4980567}" type="pres">
+      <dgm:prSet presAssocID="{98BA40F9-3458-48D9-B49A-60E7819B6F47}" presName="sibTrans" presStyleLbl="sibTrans2D1" presStyleIdx="0" presStyleCnt="0"/>
+      <dgm:spPr/>
+    </dgm:pt>
+    <dgm:pt modelId="{50033525-1281-4DE9-A007-31E3D6DB9BC5}" type="pres">
+      <dgm:prSet presAssocID="{F86FB983-44E7-49D7-8587-3DDFA414555C}" presName="compNode" presStyleCnt="0"/>
+      <dgm:spPr/>
+    </dgm:pt>
+    <dgm:pt modelId="{F23CC221-D9FF-4B98-82B0-0ECDC0E54425}" type="pres">
+      <dgm:prSet presAssocID="{F86FB983-44E7-49D7-8587-3DDFA414555C}" presName="iconBgRect" presStyleLbl="bgShp" presStyleIdx="1" presStyleCnt="4"/>
+      <dgm:spPr/>
+    </dgm:pt>
+    <dgm:pt modelId="{3914D38A-A07A-4203-9F3F-4A10AF542797}" type="pres">
+      <dgm:prSet presAssocID="{F86FB983-44E7-49D7-8587-3DDFA414555C}" presName="iconRect" presStyleLbl="node1" presStyleIdx="1" presStyleCnt="4"/>
+      <dgm:spPr>
+        <a:blipFill>
+          <a:blip xmlns:r="http://schemas.openxmlformats.org/officeDocument/2006/relationships" r:embed="rId3">
+            <a:extLst>
+              <a:ext uri="{28A0092B-C50C-407E-A947-70E740481C1C}">
+                <a14:useLocalDpi xmlns:a14="http://schemas.microsoft.com/office/drawing/2010/main" val="0"/>
+              </a:ext>
+              <a:ext uri="{96DAC541-7B7A-43D3-8B79-37D633B846F1}">
+                <asvg:svgBlip xmlns:asvg="http://schemas.microsoft.com/office/drawing/2016/SVG/main" r:embed="rId4"/>
+              </a:ext>
+            </a:extLst>
+          </a:blip>
+          <a:stretch>
+            <a:fillRect/>
+          </a:stretch>
+        </a:blipFill>
+      </dgm:spPr>
+      <dgm:extLst>
+        <a:ext uri="{E40237B7-FDA0-4F09-8148-C483321AD2D9}">
+          <dgm14:cNvPr xmlns:dgm14="http://schemas.microsoft.com/office/drawing/2010/diagram" id="0" name="" descr="Processor"/>
+        </a:ext>
+      </dgm:extLst>
+    </dgm:pt>
+    <dgm:pt modelId="{FBD030CD-C75E-4C2B-AD86-38537E2ED41F}" type="pres">
+      <dgm:prSet presAssocID="{F86FB983-44E7-49D7-8587-3DDFA414555C}" presName="spaceRect" presStyleCnt="0"/>
+      <dgm:spPr/>
+    </dgm:pt>
+    <dgm:pt modelId="{8FDEFDF6-445D-4BAB-88D5-8CCDB5224FB9}" type="pres">
+      <dgm:prSet presAssocID="{F86FB983-44E7-49D7-8587-3DDFA414555C}" presName="textRect" presStyleLbl="revTx" presStyleIdx="1" presStyleCnt="4">
+        <dgm:presLayoutVars>
+          <dgm:chMax val="1"/>
+          <dgm:chPref val="1"/>
+        </dgm:presLayoutVars>
+      </dgm:prSet>
+      <dgm:spPr/>
+    </dgm:pt>
+    <dgm:pt modelId="{3DCE4E08-F93E-434B-BE47-17FDAF30D5A6}" type="pres">
+      <dgm:prSet presAssocID="{4EC2EB5B-68B0-4675-977F-3CC80B93D22E}" presName="sibTrans" presStyleLbl="sibTrans2D1" presStyleIdx="0" presStyleCnt="0"/>
+      <dgm:spPr/>
+    </dgm:pt>
+    <dgm:pt modelId="{DC446201-2F56-468B-B797-F7C289E41B1E}" type="pres">
+      <dgm:prSet presAssocID="{8B4318E0-4622-4164-9EA1-D99DF29550EE}" presName="compNode" presStyleCnt="0"/>
+      <dgm:spPr/>
+    </dgm:pt>
+    <dgm:pt modelId="{C9645DEA-79E6-4D2D-B489-F3060BB7BBB6}" type="pres">
+      <dgm:prSet presAssocID="{8B4318E0-4622-4164-9EA1-D99DF29550EE}" presName="iconBgRect" presStyleLbl="bgShp" presStyleIdx="2" presStyleCnt="4"/>
+      <dgm:spPr/>
+    </dgm:pt>
+    <dgm:pt modelId="{D22D44DC-24AB-4331-B079-5D6B05E4C8B3}" type="pres">
+      <dgm:prSet presAssocID="{8B4318E0-4622-4164-9EA1-D99DF29550EE}" presName="iconRect" presStyleLbl="node1" presStyleIdx="2" presStyleCnt="4"/>
+      <dgm:spPr>
+        <a:blipFill>
+          <a:blip xmlns:r="http://schemas.openxmlformats.org/officeDocument/2006/relationships" r:embed="rId5">
+            <a:extLst>
+              <a:ext uri="{28A0092B-C50C-407E-A947-70E740481C1C}">
+                <a14:useLocalDpi xmlns:a14="http://schemas.microsoft.com/office/drawing/2010/main" val="0"/>
+              </a:ext>
+              <a:ext uri="{96DAC541-7B7A-43D3-8B79-37D633B846F1}">
+                <asvg:svgBlip xmlns:asvg="http://schemas.microsoft.com/office/drawing/2016/SVG/main" r:embed="rId6"/>
+              </a:ext>
+            </a:extLst>
+          </a:blip>
+          <a:stretch>
+            <a:fillRect/>
+          </a:stretch>
+        </a:blipFill>
+      </dgm:spPr>
+      <dgm:extLst>
+        <a:ext uri="{E40237B7-FDA0-4F09-8148-C483321AD2D9}">
+          <dgm14:cNvPr xmlns:dgm14="http://schemas.microsoft.com/office/drawing/2010/diagram" id="0" name="" descr="Target Audience"/>
+        </a:ext>
+      </dgm:extLst>
+    </dgm:pt>
+    <dgm:pt modelId="{BCAD9F80-49AB-4A0A-A4A7-4B27A863335D}" type="pres">
+      <dgm:prSet presAssocID="{8B4318E0-4622-4164-9EA1-D99DF29550EE}" presName="spaceRect" presStyleCnt="0"/>
+      <dgm:spPr/>
+    </dgm:pt>
+    <dgm:pt modelId="{582673DA-FB6D-4B55-A3FD-E08BC634377F}" type="pres">
+      <dgm:prSet presAssocID="{8B4318E0-4622-4164-9EA1-D99DF29550EE}" presName="textRect" presStyleLbl="revTx" presStyleIdx="2" presStyleCnt="4">
+        <dgm:presLayoutVars>
+          <dgm:chMax val="1"/>
+          <dgm:chPref val="1"/>
+        </dgm:presLayoutVars>
+      </dgm:prSet>
+      <dgm:spPr/>
+    </dgm:pt>
+    <dgm:pt modelId="{1301DDD8-078E-4505-9AFD-06EFF076388B}" type="pres">
+      <dgm:prSet presAssocID="{48D3C12F-CB24-44F8-89CA-D6615F0A8F4D}" presName="sibTrans" presStyleLbl="sibTrans2D1" presStyleIdx="0" presStyleCnt="0"/>
+      <dgm:spPr/>
+    </dgm:pt>
+    <dgm:pt modelId="{DFA82CEE-149F-4512-A6A2-EBEC879B5C0F}" type="pres">
+      <dgm:prSet presAssocID="{E4D3AE59-FBB8-434B-8D8C-EA28C1EA06B1}" presName="compNode" presStyleCnt="0"/>
+      <dgm:spPr/>
+    </dgm:pt>
+    <dgm:pt modelId="{BEB8E528-EB35-4580-A6A0-0FFC9B954E72}" type="pres">
+      <dgm:prSet presAssocID="{E4D3AE59-FBB8-434B-8D8C-EA28C1EA06B1}" presName="iconBgRect" presStyleLbl="bgShp" presStyleIdx="3" presStyleCnt="4"/>
+      <dgm:spPr/>
+    </dgm:pt>
+    <dgm:pt modelId="{55D91ABE-3D13-4E38-982B-A5D161F2CC6A}" type="pres">
+      <dgm:prSet presAssocID="{E4D3AE59-FBB8-434B-8D8C-EA28C1EA06B1}" presName="iconRect" presStyleLbl="node1" presStyleIdx="3" presStyleCnt="4"/>
+      <dgm:spPr>
+        <a:blipFill>
+          <a:blip xmlns:r="http://schemas.openxmlformats.org/officeDocument/2006/relationships" r:embed="rId7">
+            <a:extLst>
+              <a:ext uri="{28A0092B-C50C-407E-A947-70E740481C1C}">
+                <a14:useLocalDpi xmlns:a14="http://schemas.microsoft.com/office/drawing/2010/main" val="0"/>
+              </a:ext>
+              <a:ext uri="{96DAC541-7B7A-43D3-8B79-37D633B846F1}">
+                <asvg:svgBlip xmlns:asvg="http://schemas.microsoft.com/office/drawing/2016/SVG/main" r:embed="rId8"/>
+              </a:ext>
+            </a:extLst>
+          </a:blip>
+          <a:stretch>
+            <a:fillRect/>
+          </a:stretch>
+        </a:blipFill>
+      </dgm:spPr>
+      <dgm:extLst>
+        <a:ext uri="{E40237B7-FDA0-4F09-8148-C483321AD2D9}">
+          <dgm14:cNvPr xmlns:dgm14="http://schemas.microsoft.com/office/drawing/2010/diagram" id="0" name="" descr="Flowchart"/>
+        </a:ext>
+      </dgm:extLst>
+    </dgm:pt>
+    <dgm:pt modelId="{A4D0926B-DFF5-4858-8D92-D23B2809E6F5}" type="pres">
+      <dgm:prSet presAssocID="{E4D3AE59-FBB8-434B-8D8C-EA28C1EA06B1}" presName="spaceRect" presStyleCnt="0"/>
+      <dgm:spPr/>
+    </dgm:pt>
+    <dgm:pt modelId="{3B0EA13E-1D98-466F-860E-FB710BA72EA2}" type="pres">
+      <dgm:prSet presAssocID="{E4D3AE59-FBB8-434B-8D8C-EA28C1EA06B1}" presName="textRect" presStyleLbl="revTx" presStyleIdx="3" presStyleCnt="4">
+        <dgm:presLayoutVars>
+          <dgm:chMax val="1"/>
+          <dgm:chPref val="1"/>
+        </dgm:presLayoutVars>
+      </dgm:prSet>
+      <dgm:spPr/>
+    </dgm:pt>
+  </dgm:ptLst>
+  <dgm:cxnLst>
+    <dgm:cxn modelId="{0311BD11-6E11-4B2C-9B5C-F5F3394E8519}" type="presOf" srcId="{4EC2EB5B-68B0-4675-977F-3CC80B93D22E}" destId="{3DCE4E08-F93E-434B-BE47-17FDAF30D5A6}" srcOrd="0" destOrd="0" presId="urn:microsoft.com/office/officeart/2018/2/layout/IconCircleList"/>
+    <dgm:cxn modelId="{230B8622-E348-4B5D-ADC1-5AF94E8EAE72}" srcId="{E947DBFF-6E0A-4D5D-BD2C-0B08EABF5523}" destId="{8B4318E0-4622-4164-9EA1-D99DF29550EE}" srcOrd="2" destOrd="0" parTransId="{8443A956-0073-408E-B4E4-4A8AAD170842}" sibTransId="{48D3C12F-CB24-44F8-89CA-D6615F0A8F4D}"/>
+    <dgm:cxn modelId="{1E7EA034-BFF5-4083-B0A1-1CB32AFB7E6C}" srcId="{E947DBFF-6E0A-4D5D-BD2C-0B08EABF5523}" destId="{F86FB983-44E7-49D7-8587-3DDFA414555C}" srcOrd="1" destOrd="0" parTransId="{18826077-65AD-41C1-B89F-AD5FD42D7BFC}" sibTransId="{4EC2EB5B-68B0-4675-977F-3CC80B93D22E}"/>
+    <dgm:cxn modelId="{C188B35C-29D6-4885-8F19-D5408BF5F205}" type="presOf" srcId="{69A6EE4F-9765-47CB-8C08-E4551092AB38}" destId="{E7FB5FB5-F1AB-4FDE-ADCA-1B7AFDC4A774}" srcOrd="0" destOrd="0" presId="urn:microsoft.com/office/officeart/2018/2/layout/IconCircleList"/>
+    <dgm:cxn modelId="{E6C6EB61-9B71-495A-81D3-61903AD56453}" type="presOf" srcId="{E947DBFF-6E0A-4D5D-BD2C-0B08EABF5523}" destId="{A14EC319-8931-4278-AE69-871297C04750}" srcOrd="0" destOrd="0" presId="urn:microsoft.com/office/officeart/2018/2/layout/IconCircleList"/>
+    <dgm:cxn modelId="{AAF5D142-B4AA-41E3-800B-DC542A698DCD}" srcId="{E947DBFF-6E0A-4D5D-BD2C-0B08EABF5523}" destId="{E4D3AE59-FBB8-434B-8D8C-EA28C1EA06B1}" srcOrd="3" destOrd="0" parTransId="{C7D3D58E-5F8D-4C86-AD30-5F7139F2FEBF}" sibTransId="{2E37161D-D246-48BB-A920-2DBC83E6F166}"/>
+    <dgm:cxn modelId="{0625C263-6587-42FF-8556-C39094A2C8FA}" type="presOf" srcId="{E4D3AE59-FBB8-434B-8D8C-EA28C1EA06B1}" destId="{3B0EA13E-1D98-466F-860E-FB710BA72EA2}" srcOrd="0" destOrd="0" presId="urn:microsoft.com/office/officeart/2018/2/layout/IconCircleList"/>
+    <dgm:cxn modelId="{3F784778-11C9-46F5-8B33-88077EA548D6}" type="presOf" srcId="{98BA40F9-3458-48D9-B49A-60E7819B6F47}" destId="{0D5F60B1-BA4F-432E-BB1C-3E48D4980567}" srcOrd="0" destOrd="0" presId="urn:microsoft.com/office/officeart/2018/2/layout/IconCircleList"/>
+    <dgm:cxn modelId="{5EFE337A-6BEF-4503-8D0C-D412FE0E3C54}" srcId="{E947DBFF-6E0A-4D5D-BD2C-0B08EABF5523}" destId="{69A6EE4F-9765-47CB-8C08-E4551092AB38}" srcOrd="0" destOrd="0" parTransId="{A3B398AF-B8E4-4D89-AC33-F8EE84D54218}" sibTransId="{98BA40F9-3458-48D9-B49A-60E7819B6F47}"/>
+    <dgm:cxn modelId="{4D34DA9E-32E7-4096-859C-64DAD0B7E723}" type="presOf" srcId="{F86FB983-44E7-49D7-8587-3DDFA414555C}" destId="{8FDEFDF6-445D-4BAB-88D5-8CCDB5224FB9}" srcOrd="0" destOrd="0" presId="urn:microsoft.com/office/officeart/2018/2/layout/IconCircleList"/>
+    <dgm:cxn modelId="{4D7D9CD8-98AA-4641-B134-79E7848EFBFC}" type="presOf" srcId="{8B4318E0-4622-4164-9EA1-D99DF29550EE}" destId="{582673DA-FB6D-4B55-A3FD-E08BC634377F}" srcOrd="0" destOrd="0" presId="urn:microsoft.com/office/officeart/2018/2/layout/IconCircleList"/>
+    <dgm:cxn modelId="{CA322CF5-DD5A-4A29-8288-A6B1170F6059}" type="presOf" srcId="{48D3C12F-CB24-44F8-89CA-D6615F0A8F4D}" destId="{1301DDD8-078E-4505-9AFD-06EFF076388B}" srcOrd="0" destOrd="0" presId="urn:microsoft.com/office/officeart/2018/2/layout/IconCircleList"/>
+    <dgm:cxn modelId="{ADA3C7BE-2E4C-465B-8F38-CC911FBA4353}" type="presParOf" srcId="{A14EC319-8931-4278-AE69-871297C04750}" destId="{106B971E-67B7-43D6-8D70-EB1D86A5DD0A}" srcOrd="0" destOrd="0" presId="urn:microsoft.com/office/officeart/2018/2/layout/IconCircleList"/>
+    <dgm:cxn modelId="{0AE006B4-1147-4975-90B1-3BA2F664E4F6}" type="presParOf" srcId="{106B971E-67B7-43D6-8D70-EB1D86A5DD0A}" destId="{DFFD93A8-92D1-45CA-824E-7E7E775D45E6}" srcOrd="0" destOrd="0" presId="urn:microsoft.com/office/officeart/2018/2/layout/IconCircleList"/>
+    <dgm:cxn modelId="{40394C3F-5EA8-4CAE-B358-16FA9D8D5EE2}" type="presParOf" srcId="{DFFD93A8-92D1-45CA-824E-7E7E775D45E6}" destId="{E9A50047-B940-4F4B-BFA2-01D764590163}" srcOrd="0" destOrd="0" presId="urn:microsoft.com/office/officeart/2018/2/layout/IconCircleList"/>
+    <dgm:cxn modelId="{03A77BEA-54C2-40AF-BA0E-5F1FD1DF496F}" type="presParOf" srcId="{DFFD93A8-92D1-45CA-824E-7E7E775D45E6}" destId="{45B4362B-41E8-468B-824E-15B1414DF448}" srcOrd="1" destOrd="0" presId="urn:microsoft.com/office/officeart/2018/2/layout/IconCircleList"/>
+    <dgm:cxn modelId="{EF73812B-E195-4B5B-BF78-992D61E1321D}" type="presParOf" srcId="{DFFD93A8-92D1-45CA-824E-7E7E775D45E6}" destId="{5F144C08-6E94-4FE1-B17A-C0600018CD5B}" srcOrd="2" destOrd="0" presId="urn:microsoft.com/office/officeart/2018/2/layout/IconCircleList"/>
+    <dgm:cxn modelId="{3274449D-9B64-45A5-A942-2A2B4FA12DEE}" type="presParOf" srcId="{DFFD93A8-92D1-45CA-824E-7E7E775D45E6}" destId="{E7FB5FB5-F1AB-4FDE-ADCA-1B7AFDC4A774}" srcOrd="3" destOrd="0" presId="urn:microsoft.com/office/officeart/2018/2/layout/IconCircleList"/>
+    <dgm:cxn modelId="{ECE609E7-6884-4228-8CD5-5513602AEDAF}" type="presParOf" srcId="{106B971E-67B7-43D6-8D70-EB1D86A5DD0A}" destId="{0D5F60B1-BA4F-432E-BB1C-3E48D4980567}" srcOrd="1" destOrd="0" presId="urn:microsoft.com/office/officeart/2018/2/layout/IconCircleList"/>
+    <dgm:cxn modelId="{5CE10440-044A-4A12-802F-BF8DA2DE079F}" type="presParOf" srcId="{106B971E-67B7-43D6-8D70-EB1D86A5DD0A}" destId="{50033525-1281-4DE9-A007-31E3D6DB9BC5}" srcOrd="2" destOrd="0" presId="urn:microsoft.com/office/officeart/2018/2/layout/IconCircleList"/>
+    <dgm:cxn modelId="{924A07F7-458A-4FE0-B035-2D1752252E1D}" type="presParOf" srcId="{50033525-1281-4DE9-A007-31E3D6DB9BC5}" destId="{F23CC221-D9FF-4B98-82B0-0ECDC0E54425}" srcOrd="0" destOrd="0" presId="urn:microsoft.com/office/officeart/2018/2/layout/IconCircleList"/>
+    <dgm:cxn modelId="{CFA1F2F2-9934-455F-90C7-C110872CB6AC}" type="presParOf" srcId="{50033525-1281-4DE9-A007-31E3D6DB9BC5}" destId="{3914D38A-A07A-4203-9F3F-4A10AF542797}" srcOrd="1" destOrd="0" presId="urn:microsoft.com/office/officeart/2018/2/layout/IconCircleList"/>
+    <dgm:cxn modelId="{9259BAA3-7475-4BAA-934D-492FED92F0AC}" type="presParOf" srcId="{50033525-1281-4DE9-A007-31E3D6DB9BC5}" destId="{FBD030CD-C75E-4C2B-AD86-38537E2ED41F}" srcOrd="2" destOrd="0" presId="urn:microsoft.com/office/officeart/2018/2/layout/IconCircleList"/>
+    <dgm:cxn modelId="{D4925732-043D-4C42-A3EE-298AB8D3E571}" type="presParOf" srcId="{50033525-1281-4DE9-A007-31E3D6DB9BC5}" destId="{8FDEFDF6-445D-4BAB-88D5-8CCDB5224FB9}" srcOrd="3" destOrd="0" presId="urn:microsoft.com/office/officeart/2018/2/layout/IconCircleList"/>
+    <dgm:cxn modelId="{9E4379A3-DAC2-4C03-9630-164816EC669D}" type="presParOf" srcId="{106B971E-67B7-43D6-8D70-EB1D86A5DD0A}" destId="{3DCE4E08-F93E-434B-BE47-17FDAF30D5A6}" srcOrd="3" destOrd="0" presId="urn:microsoft.com/office/officeart/2018/2/layout/IconCircleList"/>
+    <dgm:cxn modelId="{B5F5CC93-68A0-4E67-ADE2-6E79E2C99506}" type="presParOf" srcId="{106B971E-67B7-43D6-8D70-EB1D86A5DD0A}" destId="{DC446201-2F56-468B-B797-F7C289E41B1E}" srcOrd="4" destOrd="0" presId="urn:microsoft.com/office/officeart/2018/2/layout/IconCircleList"/>
+    <dgm:cxn modelId="{04BF8D8A-071C-4EB5-BB93-622A95DD4463}" type="presParOf" srcId="{DC446201-2F56-468B-B797-F7C289E41B1E}" destId="{C9645DEA-79E6-4D2D-B489-F3060BB7BBB6}" srcOrd="0" destOrd="0" presId="urn:microsoft.com/office/officeart/2018/2/layout/IconCircleList"/>
+    <dgm:cxn modelId="{4CB165D6-EF6E-4118-9FD0-4233B245D086}" type="presParOf" srcId="{DC446201-2F56-468B-B797-F7C289E41B1E}" destId="{D22D44DC-24AB-4331-B079-5D6B05E4C8B3}" srcOrd="1" destOrd="0" presId="urn:microsoft.com/office/officeart/2018/2/layout/IconCircleList"/>
+    <dgm:cxn modelId="{F6C01E56-0DA9-4A36-A2B0-FD74C0AE748F}" type="presParOf" srcId="{DC446201-2F56-468B-B797-F7C289E41B1E}" destId="{BCAD9F80-49AB-4A0A-A4A7-4B27A863335D}" srcOrd="2" destOrd="0" presId="urn:microsoft.com/office/officeart/2018/2/layout/IconCircleList"/>
+    <dgm:cxn modelId="{8823FD30-C283-424C-A376-2E54854B4646}" type="presParOf" srcId="{DC446201-2F56-468B-B797-F7C289E41B1E}" destId="{582673DA-FB6D-4B55-A3FD-E08BC634377F}" srcOrd="3" destOrd="0" presId="urn:microsoft.com/office/officeart/2018/2/layout/IconCircleList"/>
+    <dgm:cxn modelId="{592031FD-181C-412A-AB84-1F67E44F290A}" type="presParOf" srcId="{106B971E-67B7-43D6-8D70-EB1D86A5DD0A}" destId="{1301DDD8-078E-4505-9AFD-06EFF076388B}" srcOrd="5" destOrd="0" presId="urn:microsoft.com/office/officeart/2018/2/layout/IconCircleList"/>
+    <dgm:cxn modelId="{1373C4E5-880B-48EE-8717-A268C4019F14}" type="presParOf" srcId="{106B971E-67B7-43D6-8D70-EB1D86A5DD0A}" destId="{DFA82CEE-149F-4512-A6A2-EBEC879B5C0F}" srcOrd="6" destOrd="0" presId="urn:microsoft.com/office/officeart/2018/2/layout/IconCircleList"/>
+    <dgm:cxn modelId="{4CFBEA7A-C1BB-4E46-B332-1C9B7A170717}" type="presParOf" srcId="{DFA82CEE-149F-4512-A6A2-EBEC879B5C0F}" destId="{BEB8E528-EB35-4580-A6A0-0FFC9B954E72}" srcOrd="0" destOrd="0" presId="urn:microsoft.com/office/officeart/2018/2/layout/IconCircleList"/>
+    <dgm:cxn modelId="{0EB10051-8A7C-48E5-8F4E-DD780BE4B7CA}" type="presParOf" srcId="{DFA82CEE-149F-4512-A6A2-EBEC879B5C0F}" destId="{55D91ABE-3D13-4E38-982B-A5D161F2CC6A}" srcOrd="1" destOrd="0" presId="urn:microsoft.com/office/officeart/2018/2/layout/IconCircleList"/>
+    <dgm:cxn modelId="{B4A9E0F2-8E86-4E23-8054-36117D2FA70C}" type="presParOf" srcId="{DFA82CEE-149F-4512-A6A2-EBEC879B5C0F}" destId="{A4D0926B-DFF5-4858-8D92-D23B2809E6F5}" srcOrd="2" destOrd="0" presId="urn:microsoft.com/office/officeart/2018/2/layout/IconCircleList"/>
+    <dgm:cxn modelId="{79F21EE5-B494-4842-8C0B-57B4837C0E8F}" type="presParOf" srcId="{DFA82CEE-149F-4512-A6A2-EBEC879B5C0F}" destId="{3B0EA13E-1D98-466F-860E-FB710BA72EA2}" srcOrd="3" destOrd="0" presId="urn:microsoft.com/office/officeart/2018/2/layout/IconCircleList"/>
+  </dgm:cxnLst>
+  <dgm:bg/>
+  <dgm:whole/>
+  <dgm:extLst>
+    <a:ext uri="http://schemas.microsoft.com/office/drawing/2008/diagram">
+      <dsp:dataModelExt xmlns:dsp="http://schemas.microsoft.com/office/drawing/2008/diagram" relId="rId7" minVer="http://schemas.openxmlformats.org/drawingml/2006/diagram"/>
+    </a:ext>
+  </dgm:extLst>
+</dgm:dataModel>
+</file>
+
+<file path=ppt/diagrams/drawing1.xml><?xml version="1.0" encoding="utf-8"?>
+<dsp:drawing xmlns:dgm="http://schemas.openxmlformats.org/drawingml/2006/diagram" xmlns:dsp="http://schemas.microsoft.com/office/drawing/2008/diagram" xmlns:a="http://schemas.openxmlformats.org/drawingml/2006/main">
+  <dsp:spTree>
+    <dsp:nvGrpSpPr>
+      <dsp:cNvPr id="0" name=""/>
+      <dsp:cNvGrpSpPr/>
+    </dsp:nvGrpSpPr>
+    <dsp:grpSpPr/>
+    <dsp:sp modelId="{E9A50047-B940-4F4B-BFA2-01D764590163}">
+      <dsp:nvSpPr>
+        <dsp:cNvPr id="0" name=""/>
+        <dsp:cNvSpPr/>
+      </dsp:nvSpPr>
+      <dsp:spPr>
+        <a:xfrm>
+          <a:off x="212335" y="714159"/>
+          <a:ext cx="1335915" cy="1335915"/>
+        </a:xfrm>
+        <a:prstGeom prst="ellipse">
+          <a:avLst/>
+        </a:prstGeom>
+        <a:solidFill>
+          <a:schemeClr val="accent1">
+            <a:tint val="40000"/>
+            <a:hueOff val="0"/>
+            <a:satOff val="0"/>
+            <a:lumOff val="0"/>
+            <a:alphaOff val="0"/>
+          </a:schemeClr>
+        </a:solidFill>
+        <a:ln>
+          <a:noFill/>
+        </a:ln>
+        <a:effectLst/>
+      </dsp:spPr>
+      <dsp:style>
+        <a:lnRef idx="0">
+          <a:scrgbClr r="0" g="0" b="0"/>
+        </a:lnRef>
+        <a:fillRef idx="1">
+          <a:scrgbClr r="0" g="0" b="0"/>
+        </a:fillRef>
+        <a:effectRef idx="0">
+          <a:scrgbClr r="0" g="0" b="0"/>
+        </a:effectRef>
+        <a:fontRef idx="minor"/>
+      </dsp:style>
+    </dsp:sp>
+    <dsp:sp modelId="{45B4362B-41E8-468B-824E-15B1414DF448}">
+      <dsp:nvSpPr>
+        <dsp:cNvPr id="0" name=""/>
+        <dsp:cNvSpPr/>
+      </dsp:nvSpPr>
+      <dsp:spPr>
+        <a:xfrm>
+          <a:off x="492877" y="1038239"/>
+          <a:ext cx="774830" cy="774830"/>
+        </a:xfrm>
+        <a:prstGeom prst="rect">
+          <a:avLst/>
+        </a:prstGeom>
+        <a:blipFill>
+          <a:blip xmlns:r="http://schemas.openxmlformats.org/officeDocument/2006/relationships" r:embed="rId1">
+            <a:extLst>
+              <a:ext uri="{28A0092B-C50C-407E-A947-70E740481C1C}">
+                <a14:useLocalDpi xmlns:a14="http://schemas.microsoft.com/office/drawing/2010/main" val="0"/>
+              </a:ext>
+              <a:ext uri="{96DAC541-7B7A-43D3-8B79-37D633B846F1}">
+                <asvg:svgBlip xmlns:asvg="http://schemas.microsoft.com/office/drawing/2016/SVG/main" r:embed="rId2"/>
+              </a:ext>
+            </a:extLst>
+          </a:blip>
+          <a:stretch>
+            <a:fillRect/>
+          </a:stretch>
+        </a:blipFill>
+        <a:ln w="12700" cap="flat" cmpd="sng" algn="ctr">
+          <a:solidFill>
+            <a:schemeClr val="lt1">
+              <a:hueOff val="0"/>
+              <a:satOff val="0"/>
+              <a:lumOff val="0"/>
+              <a:alphaOff val="0"/>
+            </a:schemeClr>
+          </a:solidFill>
+          <a:prstDash val="solid"/>
+          <a:miter lim="800000"/>
+        </a:ln>
+        <a:effectLst/>
+      </dsp:spPr>
+      <dsp:style>
+        <a:lnRef idx="2">
+          <a:scrgbClr r="0" g="0" b="0"/>
+        </a:lnRef>
+        <a:fillRef idx="1">
+          <a:scrgbClr r="0" g="0" b="0"/>
+        </a:fillRef>
+        <a:effectRef idx="0">
+          <a:scrgbClr r="0" g="0" b="0"/>
+        </a:effectRef>
+        <a:fontRef idx="minor">
+          <a:schemeClr val="lt1"/>
+        </a:fontRef>
+      </dsp:style>
+    </dsp:sp>
+    <dsp:sp modelId="{E7FB5FB5-F1AB-4FDE-ADCA-1B7AFDC4A774}">
+      <dsp:nvSpPr>
+        <dsp:cNvPr id="0" name=""/>
+        <dsp:cNvSpPr/>
+      </dsp:nvSpPr>
+      <dsp:spPr>
+        <a:xfrm>
+          <a:off x="1834517" y="757697"/>
+          <a:ext cx="3148942" cy="1335915"/>
+        </a:xfrm>
+        <a:prstGeom prst="rect">
+          <a:avLst/>
+        </a:prstGeom>
+        <a:noFill/>
+        <a:ln>
+          <a:noFill/>
+        </a:ln>
+        <a:effectLst/>
+      </dsp:spPr>
+      <dsp:style>
+        <a:lnRef idx="0">
+          <a:scrgbClr r="0" g="0" b="0"/>
+        </a:lnRef>
+        <a:fillRef idx="0">
+          <a:scrgbClr r="0" g="0" b="0"/>
+        </a:fillRef>
+        <a:effectRef idx="0">
+          <a:scrgbClr r="0" g="0" b="0"/>
+        </a:effectRef>
+        <a:fontRef idx="minor"/>
+      </dsp:style>
+      <dsp:txBody>
+        <a:bodyPr spcFirstLastPara="0" vert="horz" wrap="square" lIns="0" tIns="0" rIns="0" bIns="0" numCol="1" spcCol="1270" anchor="ctr" anchorCtr="0">
+          <a:noAutofit/>
+        </a:bodyPr>
+        <a:lstStyle/>
+        <a:p>
+          <a:pPr marL="0" lvl="0" indent="0" algn="l" defTabSz="488950">
+            <a:lnSpc>
+              <a:spcPct val="150000"/>
+            </a:lnSpc>
+            <a:spcBef>
+              <a:spcPct val="0"/>
+            </a:spcBef>
+            <a:spcAft>
+              <a:spcPct val="35000"/>
+            </a:spcAft>
+            <a:buNone/>
+          </a:pPr>
+          <a:r>
+            <a:rPr lang="en-US" sz="1100" kern="1200" dirty="0"/>
+            <a:t>The world of streaming has transformed how we consume entertainment. Unlike the traditional television model where shows are limited and scheduled, streaming services now offer an enormous library of movies and series at the click of a button. But abundance creates its own problem: users often feel lost.</a:t>
+          </a:r>
+        </a:p>
+      </dsp:txBody>
+      <dsp:txXfrm>
+        <a:off x="1834517" y="757697"/>
+        <a:ext cx="3148942" cy="1335915"/>
+      </dsp:txXfrm>
+    </dsp:sp>
+    <dsp:sp modelId="{F23CC221-D9FF-4B98-82B0-0ECDC0E54425}">
+      <dsp:nvSpPr>
+        <dsp:cNvPr id="0" name=""/>
+        <dsp:cNvSpPr/>
+      </dsp:nvSpPr>
+      <dsp:spPr>
+        <a:xfrm>
+          <a:off x="5532139" y="757697"/>
+          <a:ext cx="1335915" cy="1335915"/>
+        </a:xfrm>
+        <a:prstGeom prst="ellipse">
+          <a:avLst/>
+        </a:prstGeom>
+        <a:solidFill>
+          <a:schemeClr val="accent1">
+            <a:tint val="40000"/>
+            <a:hueOff val="0"/>
+            <a:satOff val="0"/>
+            <a:lumOff val="0"/>
+            <a:alphaOff val="0"/>
+          </a:schemeClr>
+        </a:solidFill>
+        <a:ln>
+          <a:noFill/>
+        </a:ln>
+        <a:effectLst/>
+      </dsp:spPr>
+      <dsp:style>
+        <a:lnRef idx="0">
+          <a:scrgbClr r="0" g="0" b="0"/>
+        </a:lnRef>
+        <a:fillRef idx="1">
+          <a:scrgbClr r="0" g="0" b="0"/>
+        </a:fillRef>
+        <a:effectRef idx="0">
+          <a:scrgbClr r="0" g="0" b="0"/>
+        </a:effectRef>
+        <a:fontRef idx="minor"/>
+      </dsp:style>
+    </dsp:sp>
+    <dsp:sp modelId="{3914D38A-A07A-4203-9F3F-4A10AF542797}">
+      <dsp:nvSpPr>
+        <dsp:cNvPr id="0" name=""/>
+        <dsp:cNvSpPr/>
+      </dsp:nvSpPr>
+      <dsp:spPr>
+        <a:xfrm>
+          <a:off x="5812681" y="1038239"/>
+          <a:ext cx="774830" cy="774830"/>
+        </a:xfrm>
+        <a:prstGeom prst="rect">
+          <a:avLst/>
+        </a:prstGeom>
+        <a:blipFill>
+          <a:blip xmlns:r="http://schemas.openxmlformats.org/officeDocument/2006/relationships" r:embed="rId3">
+            <a:extLst>
+              <a:ext uri="{28A0092B-C50C-407E-A947-70E740481C1C}">
+                <a14:useLocalDpi xmlns:a14="http://schemas.microsoft.com/office/drawing/2010/main" val="0"/>
+              </a:ext>
+              <a:ext uri="{96DAC541-7B7A-43D3-8B79-37D633B846F1}">
+                <asvg:svgBlip xmlns:asvg="http://schemas.microsoft.com/office/drawing/2016/SVG/main" r:embed="rId4"/>
+              </a:ext>
+            </a:extLst>
+          </a:blip>
+          <a:stretch>
+            <a:fillRect/>
+          </a:stretch>
+        </a:blipFill>
+        <a:ln w="12700" cap="flat" cmpd="sng" algn="ctr">
+          <a:solidFill>
+            <a:schemeClr val="lt1">
+              <a:hueOff val="0"/>
+              <a:satOff val="0"/>
+              <a:lumOff val="0"/>
+              <a:alphaOff val="0"/>
+            </a:schemeClr>
+          </a:solidFill>
+          <a:prstDash val="solid"/>
+          <a:miter lim="800000"/>
+        </a:ln>
+        <a:effectLst/>
+      </dsp:spPr>
+      <dsp:style>
+        <a:lnRef idx="2">
+          <a:scrgbClr r="0" g="0" b="0"/>
+        </a:lnRef>
+        <a:fillRef idx="1">
+          <a:scrgbClr r="0" g="0" b="0"/>
+        </a:fillRef>
+        <a:effectRef idx="0">
+          <a:scrgbClr r="0" g="0" b="0"/>
+        </a:effectRef>
+        <a:fontRef idx="minor">
+          <a:schemeClr val="lt1"/>
+        </a:fontRef>
+      </dsp:style>
+    </dsp:sp>
+    <dsp:sp modelId="{8FDEFDF6-445D-4BAB-88D5-8CCDB5224FB9}">
+      <dsp:nvSpPr>
+        <dsp:cNvPr id="0" name=""/>
+        <dsp:cNvSpPr/>
+      </dsp:nvSpPr>
+      <dsp:spPr>
+        <a:xfrm>
+          <a:off x="7154322" y="757697"/>
+          <a:ext cx="3148942" cy="1335915"/>
+        </a:xfrm>
+        <a:prstGeom prst="rect">
+          <a:avLst/>
+        </a:prstGeom>
+        <a:noFill/>
+        <a:ln>
+          <a:noFill/>
+        </a:ln>
+        <a:effectLst/>
+      </dsp:spPr>
+      <dsp:style>
+        <a:lnRef idx="0">
+          <a:scrgbClr r="0" g="0" b="0"/>
+        </a:lnRef>
+        <a:fillRef idx="0">
+          <a:scrgbClr r="0" g="0" b="0"/>
+        </a:fillRef>
+        <a:effectRef idx="0">
+          <a:scrgbClr r="0" g="0" b="0"/>
+        </a:effectRef>
+        <a:fontRef idx="minor"/>
+      </dsp:style>
+      <dsp:txBody>
+        <a:bodyPr spcFirstLastPara="0" vert="horz" wrap="square" lIns="0" tIns="0" rIns="0" bIns="0" numCol="1" spcCol="1270" anchor="ctr" anchorCtr="0">
+          <a:noAutofit/>
+        </a:bodyPr>
+        <a:lstStyle/>
+        <a:p>
+          <a:pPr marL="0" lvl="0" indent="0" algn="l" defTabSz="488950">
+            <a:lnSpc>
+              <a:spcPct val="150000"/>
+            </a:lnSpc>
+            <a:spcBef>
+              <a:spcPct val="0"/>
+            </a:spcBef>
+            <a:spcAft>
+              <a:spcPct val="35000"/>
+            </a:spcAft>
+            <a:buNone/>
+          </a:pPr>
+          <a:r>
+            <a:rPr lang="en-US" sz="1100" kern="1200" dirty="0"/>
+            <a:t>Think about the last time you opened a streaming platform. Did you spend minutes scrolling through endless titles without finding anything? This is called </a:t>
+          </a:r>
+          <a:r>
+            <a:rPr lang="en-US" sz="1100" b="1" kern="1200" dirty="0"/>
+            <a:t>decision fatigue</a:t>
+          </a:r>
+          <a:r>
+            <a:rPr lang="en-US" sz="1100" kern="1200" dirty="0"/>
+            <a:t>. The more options available, the harder it becomes to choose, and the overall experience suffers.</a:t>
+          </a:r>
+        </a:p>
+      </dsp:txBody>
+      <dsp:txXfrm>
+        <a:off x="7154322" y="757697"/>
+        <a:ext cx="3148942" cy="1335915"/>
+      </dsp:txXfrm>
+    </dsp:sp>
+    <dsp:sp modelId="{C9645DEA-79E6-4D2D-B489-F3060BB7BBB6}">
+      <dsp:nvSpPr>
+        <dsp:cNvPr id="0" name=""/>
+        <dsp:cNvSpPr/>
+      </dsp:nvSpPr>
+      <dsp:spPr>
+        <a:xfrm>
+          <a:off x="212335" y="2951236"/>
+          <a:ext cx="1335915" cy="1335915"/>
+        </a:xfrm>
+        <a:prstGeom prst="ellipse">
+          <a:avLst/>
+        </a:prstGeom>
+        <a:solidFill>
+          <a:schemeClr val="accent1">
+            <a:tint val="40000"/>
+            <a:hueOff val="0"/>
+            <a:satOff val="0"/>
+            <a:lumOff val="0"/>
+            <a:alphaOff val="0"/>
+          </a:schemeClr>
+        </a:solidFill>
+        <a:ln>
+          <a:noFill/>
+        </a:ln>
+        <a:effectLst/>
+      </dsp:spPr>
+      <dsp:style>
+        <a:lnRef idx="0">
+          <a:scrgbClr r="0" g="0" b="0"/>
+        </a:lnRef>
+        <a:fillRef idx="1">
+          <a:scrgbClr r="0" g="0" b="0"/>
+        </a:fillRef>
+        <a:effectRef idx="0">
+          <a:scrgbClr r="0" g="0" b="0"/>
+        </a:effectRef>
+        <a:fontRef idx="minor"/>
+      </dsp:style>
+    </dsp:sp>
+    <dsp:sp modelId="{D22D44DC-24AB-4331-B079-5D6B05E4C8B3}">
+      <dsp:nvSpPr>
+        <dsp:cNvPr id="0" name=""/>
+        <dsp:cNvSpPr/>
+      </dsp:nvSpPr>
+      <dsp:spPr>
+        <a:xfrm>
+          <a:off x="492877" y="3231778"/>
+          <a:ext cx="774830" cy="774830"/>
+        </a:xfrm>
+        <a:prstGeom prst="rect">
+          <a:avLst/>
+        </a:prstGeom>
+        <a:blipFill>
+          <a:blip xmlns:r="http://schemas.openxmlformats.org/officeDocument/2006/relationships" r:embed="rId5">
+            <a:extLst>
+              <a:ext uri="{28A0092B-C50C-407E-A947-70E740481C1C}">
+                <a14:useLocalDpi xmlns:a14="http://schemas.microsoft.com/office/drawing/2010/main" val="0"/>
+              </a:ext>
+              <a:ext uri="{96DAC541-7B7A-43D3-8B79-37D633B846F1}">
+                <asvg:svgBlip xmlns:asvg="http://schemas.microsoft.com/office/drawing/2016/SVG/main" r:embed="rId6"/>
+              </a:ext>
+            </a:extLst>
+          </a:blip>
+          <a:stretch>
+            <a:fillRect/>
+          </a:stretch>
+        </a:blipFill>
+        <a:ln w="12700" cap="flat" cmpd="sng" algn="ctr">
+          <a:solidFill>
+            <a:schemeClr val="lt1">
+              <a:hueOff val="0"/>
+              <a:satOff val="0"/>
+              <a:lumOff val="0"/>
+              <a:alphaOff val="0"/>
+            </a:schemeClr>
+          </a:solidFill>
+          <a:prstDash val="solid"/>
+          <a:miter lim="800000"/>
+        </a:ln>
+        <a:effectLst/>
+      </dsp:spPr>
+      <dsp:style>
+        <a:lnRef idx="2">
+          <a:scrgbClr r="0" g="0" b="0"/>
+        </a:lnRef>
+        <a:fillRef idx="1">
+          <a:scrgbClr r="0" g="0" b="0"/>
+        </a:fillRef>
+        <a:effectRef idx="0">
+          <a:scrgbClr r="0" g="0" b="0"/>
+        </a:effectRef>
+        <a:fontRef idx="minor">
+          <a:schemeClr val="lt1"/>
+        </a:fontRef>
+      </dsp:style>
+    </dsp:sp>
+    <dsp:sp modelId="{582673DA-FB6D-4B55-A3FD-E08BC634377F}">
+      <dsp:nvSpPr>
+        <dsp:cNvPr id="0" name=""/>
+        <dsp:cNvSpPr/>
+      </dsp:nvSpPr>
+      <dsp:spPr>
+        <a:xfrm>
+          <a:off x="1834517" y="2951236"/>
+          <a:ext cx="3148942" cy="1335915"/>
+        </a:xfrm>
+        <a:prstGeom prst="rect">
+          <a:avLst/>
+        </a:prstGeom>
+        <a:noFill/>
+        <a:ln>
+          <a:noFill/>
+        </a:ln>
+        <a:effectLst/>
+      </dsp:spPr>
+      <dsp:style>
+        <a:lnRef idx="0">
+          <a:scrgbClr r="0" g="0" b="0"/>
+        </a:lnRef>
+        <a:fillRef idx="0">
+          <a:scrgbClr r="0" g="0" b="0"/>
+        </a:fillRef>
+        <a:effectRef idx="0">
+          <a:scrgbClr r="0" g="0" b="0"/>
+        </a:effectRef>
+        <a:fontRef idx="minor"/>
+      </dsp:style>
+      <dsp:txBody>
+        <a:bodyPr spcFirstLastPara="0" vert="horz" wrap="square" lIns="0" tIns="0" rIns="0" bIns="0" numCol="1" spcCol="1270" anchor="ctr" anchorCtr="0">
+          <a:noAutofit/>
+        </a:bodyPr>
+        <a:lstStyle/>
+        <a:p>
+          <a:pPr marL="0" lvl="0" indent="0" algn="l" defTabSz="488950">
+            <a:lnSpc>
+              <a:spcPct val="150000"/>
+            </a:lnSpc>
+            <a:spcBef>
+              <a:spcPct val="0"/>
+            </a:spcBef>
+            <a:spcAft>
+              <a:spcPct val="35000"/>
+            </a:spcAft>
+            <a:buNone/>
+          </a:pPr>
+          <a:r>
+            <a:rPr lang="en-US" sz="1100" kern="1200" dirty="0"/>
+            <a:t>A recommendation system solves this issue by acting like a </a:t>
+          </a:r>
+          <a:r>
+            <a:rPr lang="en-US" sz="1100" b="1" kern="1200" dirty="0"/>
+            <a:t>personal assistant</a:t>
+          </a:r>
+          <a:r>
+            <a:rPr lang="en-US" sz="1100" kern="1200" dirty="0"/>
+            <a:t> inside the platform. It studies what you like, compares you to similar users, and suggests content tailored just for you. Instead of browsing through thousands of movies, you are presented with a shortlist that matches your unique taste.</a:t>
+          </a:r>
+        </a:p>
+      </dsp:txBody>
+      <dsp:txXfrm>
+        <a:off x="1834517" y="2951236"/>
+        <a:ext cx="3148942" cy="1335915"/>
+      </dsp:txXfrm>
+    </dsp:sp>
+    <dsp:sp modelId="{BEB8E528-EB35-4580-A6A0-0FFC9B954E72}">
+      <dsp:nvSpPr>
+        <dsp:cNvPr id="0" name=""/>
+        <dsp:cNvSpPr/>
+      </dsp:nvSpPr>
+      <dsp:spPr>
+        <a:xfrm>
+          <a:off x="5532139" y="2951236"/>
+          <a:ext cx="1335915" cy="1335915"/>
+        </a:xfrm>
+        <a:prstGeom prst="ellipse">
+          <a:avLst/>
+        </a:prstGeom>
+        <a:solidFill>
+          <a:schemeClr val="accent1">
+            <a:tint val="40000"/>
+            <a:hueOff val="0"/>
+            <a:satOff val="0"/>
+            <a:lumOff val="0"/>
+            <a:alphaOff val="0"/>
+          </a:schemeClr>
+        </a:solidFill>
+        <a:ln>
+          <a:noFill/>
+        </a:ln>
+        <a:effectLst/>
+      </dsp:spPr>
+      <dsp:style>
+        <a:lnRef idx="0">
+          <a:scrgbClr r="0" g="0" b="0"/>
+        </a:lnRef>
+        <a:fillRef idx="1">
+          <a:scrgbClr r="0" g="0" b="0"/>
+        </a:fillRef>
+        <a:effectRef idx="0">
+          <a:scrgbClr r="0" g="0" b="0"/>
+        </a:effectRef>
+        <a:fontRef idx="minor"/>
+      </dsp:style>
+    </dsp:sp>
+    <dsp:sp modelId="{55D91ABE-3D13-4E38-982B-A5D161F2CC6A}">
+      <dsp:nvSpPr>
+        <dsp:cNvPr id="0" name=""/>
+        <dsp:cNvSpPr/>
+      </dsp:nvSpPr>
+      <dsp:spPr>
+        <a:xfrm>
+          <a:off x="5812681" y="3231778"/>
+          <a:ext cx="774830" cy="774830"/>
+        </a:xfrm>
+        <a:prstGeom prst="rect">
+          <a:avLst/>
+        </a:prstGeom>
+        <a:blipFill>
+          <a:blip xmlns:r="http://schemas.openxmlformats.org/officeDocument/2006/relationships" r:embed="rId7">
+            <a:extLst>
+              <a:ext uri="{28A0092B-C50C-407E-A947-70E740481C1C}">
+                <a14:useLocalDpi xmlns:a14="http://schemas.microsoft.com/office/drawing/2010/main" val="0"/>
+              </a:ext>
+              <a:ext uri="{96DAC541-7B7A-43D3-8B79-37D633B846F1}">
+                <asvg:svgBlip xmlns:asvg="http://schemas.microsoft.com/office/drawing/2016/SVG/main" r:embed="rId8"/>
+              </a:ext>
+            </a:extLst>
+          </a:blip>
+          <a:stretch>
+            <a:fillRect/>
+          </a:stretch>
+        </a:blipFill>
+        <a:ln w="12700" cap="flat" cmpd="sng" algn="ctr">
+          <a:solidFill>
+            <a:schemeClr val="lt1">
+              <a:hueOff val="0"/>
+              <a:satOff val="0"/>
+              <a:lumOff val="0"/>
+              <a:alphaOff val="0"/>
+            </a:schemeClr>
+          </a:solidFill>
+          <a:prstDash val="solid"/>
+          <a:miter lim="800000"/>
+        </a:ln>
+        <a:effectLst/>
+      </dsp:spPr>
+      <dsp:style>
+        <a:lnRef idx="2">
+          <a:scrgbClr r="0" g="0" b="0"/>
+        </a:lnRef>
+        <a:fillRef idx="1">
+          <a:scrgbClr r="0" g="0" b="0"/>
+        </a:fillRef>
+        <a:effectRef idx="0">
+          <a:scrgbClr r="0" g="0" b="0"/>
+        </a:effectRef>
+        <a:fontRef idx="minor">
+          <a:schemeClr val="lt1"/>
+        </a:fontRef>
+      </dsp:style>
+    </dsp:sp>
+    <dsp:sp modelId="{3B0EA13E-1D98-466F-860E-FB710BA72EA2}">
+      <dsp:nvSpPr>
+        <dsp:cNvPr id="0" name=""/>
+        <dsp:cNvSpPr/>
+      </dsp:nvSpPr>
+      <dsp:spPr>
+        <a:xfrm>
+          <a:off x="7154322" y="2951236"/>
+          <a:ext cx="3148942" cy="1335915"/>
+        </a:xfrm>
+        <a:prstGeom prst="rect">
+          <a:avLst/>
+        </a:prstGeom>
+        <a:noFill/>
+        <a:ln>
+          <a:noFill/>
+        </a:ln>
+        <a:effectLst/>
+      </dsp:spPr>
+      <dsp:style>
+        <a:lnRef idx="0">
+          <a:scrgbClr r="0" g="0" b="0"/>
+        </a:lnRef>
+        <a:fillRef idx="0">
+          <a:scrgbClr r="0" g="0" b="0"/>
+        </a:fillRef>
+        <a:effectRef idx="0">
+          <a:scrgbClr r="0" g="0" b="0"/>
+        </a:effectRef>
+        <a:fontRef idx="minor"/>
+      </dsp:style>
+      <dsp:txBody>
+        <a:bodyPr spcFirstLastPara="0" vert="horz" wrap="square" lIns="0" tIns="0" rIns="0" bIns="0" numCol="1" spcCol="1270" anchor="ctr" anchorCtr="0">
+          <a:noAutofit/>
+        </a:bodyPr>
+        <a:lstStyle/>
+        <a:p>
+          <a:pPr marL="0" lvl="0" indent="0" algn="l" defTabSz="488950">
+            <a:lnSpc>
+              <a:spcPct val="150000"/>
+            </a:lnSpc>
+            <a:spcBef>
+              <a:spcPct val="0"/>
+            </a:spcBef>
+            <a:spcAft>
+              <a:spcPct val="35000"/>
+            </a:spcAft>
+            <a:buNone/>
+          </a:pPr>
+          <a:r>
+            <a:rPr lang="en-US" sz="1100" kern="1200" dirty="0"/>
+            <a:t>In this project, we demonstrate how such a system can be built. Using real user data from MovieLens, we create a model that delivers personalized recommendations, ensuring that users not only find enjoyable content but also stay engaged with the platform over time.</a:t>
+          </a:r>
+        </a:p>
+      </dsp:txBody>
+      <dsp:txXfrm>
+        <a:off x="7154322" y="2951236"/>
+        <a:ext cx="3148942" cy="1335915"/>
+      </dsp:txXfrm>
+    </dsp:sp>
+  </dsp:spTree>
+</dsp:drawing>
+</file>
+
+<file path=ppt/diagrams/layout1.xml><?xml version="1.0" encoding="utf-8"?>
+<dgm:layoutDef xmlns:dgm="http://schemas.openxmlformats.org/drawingml/2006/diagram" xmlns:a="http://schemas.openxmlformats.org/drawingml/2006/main" uniqueId="urn:microsoft.com/office/officeart/2018/2/layout/IconCircleList">
+  <dgm:title val="Icon Circle List"/>
+  <dgm:desc val="Use to show non-sequential or grouped chunks of information accompanied by related visuals. Circular shapes can hold an icon or small picture and corresponding text box shows Level 1 text. Works best for icons or small pictures with medium-length descriptions."/>
+  <dgm:catLst>
+    <dgm:cat type="icon" pri="500"/>
+  </dgm:catLst>
+  <dgm:sampData useDef="1">
+    <dgm:dataModel>
+      <dgm:ptLst/>
+      <dgm:bg/>
+      <dgm:whole/>
+    </dgm:dataModel>
+  </dgm:sampData>
+  <dgm:styleData useDef="1">
+    <dgm:dataModel>
+      <dgm:ptLst/>
+      <dgm:bg/>
+      <dgm:whole/>
+    </dgm:dataModel>
+  </dgm:styleData>
+  <dgm:clrData useDef="1">
+    <dgm:dataModel>
+      <dgm:ptLst/>
+      <dgm:bg/>
+      <dgm:whole/>
+    </dgm:dataModel>
+  </dgm:clrData>
+  <dgm:layoutNode name="root">
+    <dgm:varLst>
+      <dgm:dir/>
+      <dgm:resizeHandles val="exact"/>
+    </dgm:varLst>
+    <dgm:alg type="sp"/>
+    <dgm:shape xmlns:r="http://schemas.openxmlformats.org/officeDocument/2006/relationships" r:blip="">
+      <dgm:adjLst/>
+    </dgm:shape>
+    <dgm:presOf/>
+    <dgm:choose name="Name0">
+      <dgm:if name="Name1" axis="ch" ptType="node" func="cnt" op="lte" val="3">
+        <dgm:constrLst>
+          <dgm:constr type="w" for="ch" forName="container" refType="w"/>
+          <dgm:constr type="h" for="ch" forName="container" refType="h" fact="0.4"/>
+        </dgm:constrLst>
+      </dgm:if>
+      <dgm:else name="Name2">
+        <dgm:constrLst>
+          <dgm:constr type="w" for="ch" forName="container" refType="w"/>
+          <dgm:constr type="h" for="ch" forName="container" refType="h"/>
+        </dgm:constrLst>
+      </dgm:else>
+    </dgm:choose>
+    <dgm:ruleLst>
+      <dgm:rule type="h" for="ch" forName="container" val="INF" fact="NaN" max="NaN"/>
+    </dgm:ruleLst>
+    <dgm:layoutNode name="container">
+      <dgm:varLst>
+        <dgm:dir/>
+        <dgm:resizeHandles val="exact"/>
+      </dgm:varLst>
+      <dgm:choose name="Name3">
+        <dgm:if name="Name4" axis="self" func="var" arg="dir" op="equ" val="norm">
+          <dgm:alg type="snake">
+            <dgm:param type="grDir" val="tL"/>
+            <dgm:param type="flowDir" val="row"/>
+            <dgm:param type="contDir" val="sameDir"/>
+          </dgm:alg>
+        </dgm:if>
+        <dgm:else name="Name5">
+          <dgm:alg type="snake">
+            <dgm:param type="grDir" val="tR"/>
+            <dgm:param type="flowDir" val="row"/>
+            <dgm:param type="contDir" val="sameDir"/>
+          </dgm:alg>
+        </dgm:else>
+      </dgm:choose>
+      <dgm:shape xmlns:r="http://schemas.openxmlformats.org/officeDocument/2006/relationships" r:blip="">
+        <dgm:adjLst/>
+      </dgm:shape>
+      <dgm:presOf/>
+      <dgm:constrLst>
+        <dgm:constr type="w" for="ch" forName="compNode" refType="w"/>
+        <dgm:constr type="h" for="ch" forName="compNode" refType="w" fact="0.28"/>
+        <dgm:constr type="w" for="ch" forName="sibTrans" refType="w" refFor="ch" refForName="compNode" fact="0.115"/>
+        <dgm:constr type="sp" refType="h" op="equ" fact="0.17"/>
+        <dgm:constr type="primFontSz" for="des" ptType="node" op="equ" val="24"/>
+        <dgm:constr type="h" for="des" forName="compNode" op="equ"/>
+        <dgm:constr type="h" for="des" forName="iconBgRect" op="equ"/>
+      </dgm:constrLst>
+      <dgm:ruleLst>
+        <dgm:rule type="w" for="ch" forName="compNode" val="60" fact="NaN" max="NaN"/>
+      </dgm:ruleLst>
+      <dgm:forEach name="Name6" axis="ch" ptType="node">
+        <dgm:layoutNode name="compNode">
+          <dgm:alg type="composite"/>
+          <dgm:shape xmlns:r="http://schemas.openxmlformats.org/officeDocument/2006/relationships" r:blip="">
+            <dgm:adjLst/>
+          </dgm:shape>
+          <dgm:presOf axis="self"/>
+          <dgm:constrLst>
+            <dgm:constr type="w" for="ch" forName="iconBgRect" refType="w" fact="0.28"/>
+            <dgm:constr type="h" for="ch" forName="iconBgRect" refType="w" refFor="ch" refForName="iconBgRect"/>
+            <dgm:constr type="t" for="ch" forName="iconBgRect"/>
+            <dgm:constr type="l" for="ch" forName="iconBgRect"/>
+            <dgm:constr type="w" for="ch" forName="iconRect" refType="w" refFor="ch" refForName="iconBgRect" fact="0.58"/>
+            <dgm:constr type="h" for="ch" forName="iconRect" refType="w" refFor="ch" refForName="iconRect"/>
+            <dgm:constr type="ctrX" for="ch" forName="iconRect" refType="ctrX" refFor="ch" refForName="iconBgRect"/>
+            <dgm:constr type="ctrY" for="ch" forName="iconRect" refType="ctrY" refFor="ch" refForName="iconBgRect"/>
+            <dgm:constr type="w" for="ch" forName="spaceRect" refType="w" fact="0.06"/>
+            <dgm:constr type="h" for="ch" forName="spaceRect" refType="h" refFor="ch" refForName="iconBgRect"/>
+            <dgm:constr type="t" for="ch" forName="spaceRect" refType="t" refFor="ch" refForName="iconBgRect"/>
+            <dgm:constr type="l" for="ch" forName="spaceRect" refType="r" refFor="ch" refForName="iconBgRect"/>
+            <dgm:constr type="h" for="ch" forName="textRect" refType="h" refFor="ch" refForName="iconBgRect"/>
+            <dgm:constr type="t" for="ch" forName="textRect" refType="t" refFor="ch" refForName="iconBgRect"/>
+            <dgm:constr type="l" for="ch" forName="textRect" refType="r" refFor="ch" refForName="spaceRect"/>
+          </dgm:constrLst>
+          <dgm:ruleLst/>
+          <dgm:layoutNode name="iconBgRect" styleLbl="bgShp">
+            <dgm:alg type="sp"/>
+            <dgm:shape xmlns:r="http://schemas.openxmlformats.org/officeDocument/2006/relationships" type="ellipse" r:blip="">
+              <dgm:adjLst/>
+            </dgm:shape>
+            <dgm:presOf/>
+            <dgm:constrLst/>
+            <dgm:ruleLst/>
+          </dgm:layoutNode>
+          <dgm:layoutNode name="iconRect" styleLbl="node1">
+            <dgm:alg type="sp"/>
+            <dgm:shape xmlns:r="http://schemas.openxmlformats.org/officeDocument/2006/relationships" type="rect" r:blip="" blipPhldr="1">
+              <dgm:adjLst/>
+            </dgm:shape>
+            <dgm:presOf/>
+            <dgm:constrLst/>
+            <dgm:ruleLst/>
+          </dgm:layoutNode>
+          <dgm:layoutNode name="spaceRect">
+            <dgm:alg type="sp"/>
+            <dgm:shape xmlns:r="http://schemas.openxmlformats.org/officeDocument/2006/relationships" r:blip="">
+              <dgm:adjLst/>
+            </dgm:shape>
+            <dgm:presOf/>
+            <dgm:constrLst/>
+            <dgm:ruleLst/>
+          </dgm:layoutNode>
+          <dgm:layoutNode name="textRect" styleLbl="revTx">
+            <dgm:varLst>
+              <dgm:chMax val="1"/>
+              <dgm:chPref val="1"/>
+            </dgm:varLst>
+            <dgm:choose name="Name7">
+              <dgm:if name="Name8" func="var" arg="dir" op="equ" val="norm">
+                <dgm:alg type="tx">
+                  <dgm:param type="txAnchorVert" val="mid"/>
+                  <dgm:param type="parTxLTRAlign" val="l"/>
+                  <dgm:param type="shpTxLTRAlignCh" val="l"/>
+                  <dgm:param type="parTxRTLAlign" val="l"/>
+                  <dgm:param type="shpTxRTLAlignCh" val="l"/>
+                </dgm:alg>
+              </dgm:if>
+              <dgm:else name="Name9">
+                <dgm:alg type="tx">
+                  <dgm:param type="txAnchorVert" val="mid"/>
+                  <dgm:param type="parTxLTRAlign" val="r"/>
+                  <dgm:param type="shpTxLTRAlignCh" val="r"/>
+                  <dgm:param type="parTxRTLAlign" val="r"/>
+                  <dgm:param type="shpTxRTLAlignCh" val="r"/>
+                </dgm:alg>
+              </dgm:else>
+            </dgm:choose>
+            <dgm:shape xmlns:r="http://schemas.openxmlformats.org/officeDocument/2006/relationships" type="rect" r:blip="">
+              <dgm:adjLst/>
+            </dgm:shape>
+            <dgm:presOf axis="self" ptType="node"/>
+            <dgm:constrLst>
+              <dgm:constr type="lMarg"/>
+              <dgm:constr type="rMarg"/>
+              <dgm:constr type="tMarg"/>
+              <dgm:constr type="bMarg"/>
+            </dgm:constrLst>
+            <dgm:ruleLst>
+              <dgm:rule type="primFontSz" val="11" fact="NaN" max="NaN"/>
+            </dgm:ruleLst>
+          </dgm:layoutNode>
+        </dgm:layoutNode>
+        <dgm:forEach name="Name10" axis="followSib" ptType="sibTrans" cnt="1">
+          <dgm:layoutNode name="sibTrans">
+            <dgm:alg type="sp"/>
+            <dgm:shape xmlns:r="http://schemas.openxmlformats.org/officeDocument/2006/relationships" type="rect" r:blip="" hideGeom="1">
+              <dgm:adjLst/>
+            </dgm:shape>
+            <dgm:presOf axis="self"/>
+            <dgm:constrLst/>
+            <dgm:ruleLst/>
+          </dgm:layoutNode>
+        </dgm:forEach>
+      </dgm:forEach>
+    </dgm:layoutNode>
+  </dgm:layoutNode>
+  <dgm:extLst>
+    <a:ext uri="{68A01E43-0DF5-4B5B-8FA6-DAF915123BFB}">
+      <dgm1612:lstStyle xmlns:dgm1612="http://schemas.microsoft.com/office/drawing/2016/12/diagram">
+        <a:lvl1pPr>
+          <a:lnSpc>
+            <a:spcPct val="100000"/>
+          </a:lnSpc>
+        </a:lvl1pPr>
+      </dgm1612:lstStyle>
+    </a:ext>
+  </dgm:extLst>
+</dgm:layoutDef>
+</file>
+
+<file path=ppt/diagrams/quickStyle1.xml><?xml version="1.0" encoding="utf-8"?>
+<dgm:styleDef xmlns:dgm="http://schemas.openxmlformats.org/drawingml/2006/diagram" xmlns:a="http://schemas.openxmlformats.org/drawingml/2006/main" uniqueId="urn:microsoft.com/office/officeart/2005/8/quickstyle/simple1">
+  <dgm:title val=""/>
+  <dgm:desc val=""/>
+  <dgm:catLst>
+    <dgm:cat type="simple" pri="10100"/>
+  </dgm:catLst>
+  <dgm:scene3d>
+    <a:camera prst="orthographicFront"/>
+    <a:lightRig rig="threePt" dir="t"/>
+  </dgm:scene3d>
+  <dgm:styleLbl name="node0">
+    <dgm:scene3d>
+      <a:camera prst="orthographicFront"/>
+      <a:lightRig rig="threePt" dir="t"/>
+    </dgm:scene3d>
+    <dgm:sp3d/>
+    <dgm:txPr/>
+    <dgm:style>
+      <a:lnRef idx="2">
+        <a:scrgbClr r="0" g="0" b="0"/>
+      </a:lnRef>
+      <a:fillRef idx="1">
+        <a:scrgbClr r="0" g="0" b="0"/>
+      </a:fillRef>
+      <a:effectRef idx="0">
+        <a:scrgbClr r="0" g="0" b="0"/>
+      </a:effectRef>
+      <a:fontRef idx="minor">
+        <a:schemeClr val="lt1"/>
+      </a:fontRef>
+    </dgm:style>
+  </dgm:styleLbl>
+  <dgm:styleLbl name="lnNode1">
+    <dgm:scene3d>
+      <a:camera prst="orthographicFront"/>
+      <a:lightRig rig="threePt" dir="t"/>
+    </dgm:scene3d>
+    <dgm:sp3d/>
+    <dgm:txPr/>
+    <dgm:style>
+      <a:lnRef idx="2">
+        <a:scrgbClr r="0" g="0" b="0"/>
+      </a:lnRef>
+      <a:fillRef idx="1">
+        <a:scrgbClr r="0" g="0" b="0"/>
+      </a:fillRef>
+      <a:effectRef idx="0">
+        <a:scrgbClr r="0" g="0" b="0"/>
+      </a:effectRef>
+      <a:fontRef idx="minor">
+        <a:schemeClr val="lt1"/>
+      </a:fontRef>
+    </dgm:style>
+  </dgm:styleLbl>
+  <dgm:styleLbl name="vennNode1">
+    <dgm:scene3d>
+      <a:camera prst="orthographicFront"/>
+      <a:lightRig rig="threePt" dir="t"/>
+    </dgm:scene3d>
+    <dgm:sp3d/>
+    <dgm:txPr/>
+    <dgm:style>
+      <a:lnRef idx="2">
+        <a:scrgbClr r="0" g="0" b="0"/>
+      </a:lnRef>
+      <a:fillRef idx="1">
+        <a:scrgbClr r="0" g="0" b="0"/>
+      </a:fillRef>
+      <a:effectRef idx="0">
+        <a:scrgbClr r="0" g="0" b="0"/>
+      </a:effectRef>
+      <a:fontRef idx="minor">
+        <a:schemeClr val="tx1"/>
+      </a:fontRef>
+    </dgm:style>
+  </dgm:styleLbl>
+  <dgm:styleLbl name="alignNode1">
+    <dgm:scene3d>
+      <a:camera prst="orthographicFront"/>
+      <a:lightRig rig="threePt" dir="t"/>
+    </dgm:scene3d>
+    <dgm:sp3d/>
+    <dgm:txPr/>
+    <dgm:style>
+      <a:lnRef idx="2">
+        <a:scrgbClr r="0" g="0" b="0"/>
+      </a:lnRef>
+      <a:fillRef idx="1">
+        <a:scrgbClr r="0" g="0" b="0"/>
+      </a:fillRef>
+      <a:effectRef idx="0">
+        <a:scrgbClr r="0" g="0" b="0"/>
+      </a:effectRef>
+      <a:fontRef idx="minor">
+        <a:schemeClr val="lt1"/>
+      </a:fontRef>
+    </dgm:style>
+  </dgm:styleLbl>
+  <dgm:styleLbl name="node1">
+    <dgm:scene3d>
+      <a:camera prst="orthographicFront"/>
+      <a:lightRig rig="threePt" dir="t"/>
+    </dgm:scene3d>
+    <dgm:sp3d/>
+    <dgm:txPr/>
+    <dgm:style>
+      <a:lnRef idx="2">
+        <a:scrgbClr r="0" g="0" b="0"/>
+      </a:lnRef>
+      <a:fillRef idx="1">
+        <a:scrgbClr r="0" g="0" b="0"/>
+      </a:fillRef>
+      <a:effectRef idx="0">
+        <a:scrgbClr r="0" g="0" b="0"/>
+      </a:effectRef>
+      <a:fontRef idx="minor">
+        <a:schemeClr val="lt1"/>
+      </a:fontRef>
+    </dgm:style>
+  </dgm:styleLbl>
+  <dgm:styleLbl name="node2">
+    <dgm:scene3d>
+      <a:camera prst="orthographicFront"/>
+      <a:lightRig rig="threePt" dir="t"/>
+    </dgm:scene3d>
+    <dgm:sp3d/>
+    <dgm:txPr/>
+    <dgm:style>
+      <a:lnRef idx="2">
+        <a:scrgbClr r="0" g="0" b="0"/>
+      </a:lnRef>
+      <a:fillRef idx="1">
+        <a:scrgbClr r="0" g="0" b="0"/>
+      </a:fillRef>
+      <a:effectRef idx="0">
+        <a:scrgbClr r="0" g="0" b="0"/>
+      </a:effectRef>
+      <a:fontRef idx="minor">
+        <a:schemeClr val="lt1"/>
+      </a:fontRef>
+    </dgm:style>
+  </dgm:styleLbl>
+  <dgm:styleLbl name="node3">
+    <dgm:scene3d>
+      <a:camera prst="orthographicFront"/>
+      <a:lightRig rig="threePt" dir="t"/>
+    </dgm:scene3d>
+    <dgm:sp3d/>
+    <dgm:txPr/>
+    <dgm:style>
+      <a:lnRef idx="2">
+        <a:scrgbClr r="0" g="0" b="0"/>
+      </a:lnRef>
+      <a:fillRef idx="1">
+        <a:scrgbClr r="0" g="0" b="0"/>
+      </a:fillRef>
+      <a:effectRef idx="0">
+        <a:scrgbClr r="0" g="0" b="0"/>
+      </a:effectRef>
+      <a:fontRef idx="minor">
+        <a:schemeClr val="lt1"/>
+      </a:fontRef>
+    </dgm:style>
+  </dgm:styleLbl>
+  <dgm:styleLbl name="node4">
+    <dgm:scene3d>
+      <a:camera prst="orthographicFront"/>
+      <a:lightRig rig="threePt" dir="t"/>
+    </dgm:scene3d>
+    <dgm:sp3d/>
+    <dgm:txPr/>
+    <dgm:style>
+      <a:lnRef idx="2">
+        <a:scrgbClr r="0" g="0" b="0"/>
+      </a:lnRef>
+      <a:fillRef idx="1">
+        <a:scrgbClr r="0" g="0" b="0"/>
+      </a:fillRef>
+      <a:effectRef idx="0">
+        <a:scrgbClr r="0" g="0" b="0"/>
+      </a:effectRef>
+      <a:fontRef idx="minor">
+        <a:schemeClr val="lt1"/>
+      </a:fontRef>
+    </dgm:style>
+  </dgm:styleLbl>
+  <dgm:styleLbl name="fgImgPlace1">
+    <dgm:scene3d>
+      <a:camera prst="orthographicFront"/>
+      <a:lightRig rig="threePt" dir="t"/>
+    </dgm:scene3d>
+    <dgm:sp3d/>
+    <dgm:txPr/>
+    <dgm:style>
+      <a:lnRef idx="2">
+        <a:scrgbClr r="0" g="0" b="0"/>
+      </a:lnRef>
+      <a:fillRef idx="1">
+        <a:scrgbClr r="0" g="0" b="0"/>
+      </a:fillRef>
+      <a:effectRef idx="0">
+        <a:scrgbClr r="0" g="0" b="0"/>
+      </a:effectRef>
+      <a:fontRef idx="minor"/>
+    </dgm:style>
+  </dgm:styleLbl>
+  <dgm:styleLbl name="alignImgPlace1">
+    <dgm:scene3d>
+      <a:camera prst="orthographicFront"/>
+      <a:lightRig rig="threePt" dir="t"/>
+    </dgm:scene3d>
+    <dgm:sp3d/>
+    <dgm:txPr/>
+    <dgm:style>
+      <a:lnRef idx="2">
+        <a:scrgbClr r="0" g="0" b="0"/>
+      </a:lnRef>
+      <a:fillRef idx="1">
+        <a:scrgbClr r="0" g="0" b="0"/>
+      </a:fillRef>
+      <a:effectRef idx="0">
+        <a:scrgbClr r="0" g="0" b="0"/>
+      </a:effectRef>
+      <a:fontRef idx="minor"/>
+    </dgm:style>
+  </dgm:styleLbl>
+  <dgm:styleLbl name="bgImgPlace1">
+    <dgm:scene3d>
+      <a:camera prst="orthographicFront"/>
+      <a:lightRig rig="threePt" dir="t"/>
+    </dgm:scene3d>
+    <dgm:sp3d/>
+    <dgm:txPr/>
+    <dgm:style>
+      <a:lnRef idx="2">
+        <a:scrgbClr r="0" g="0" b="0"/>
+      </a:lnRef>
+      <a:fillRef idx="1">
+        <a:scrgbClr r="0" g="0" b="0"/>
+      </a:fillRef>
+      <a:effectRef idx="0">
+        <a:scrgbClr r="0" g="0" b="0"/>
+      </a:effectRef>
+      <a:fontRef idx="minor"/>
+    </dgm:style>
+  </dgm:styleLbl>
+  <dgm:styleLbl name="sibTrans2D1">
+    <dgm:scene3d>
+      <a:camera prst="orthographicFront"/>
+      <a:lightRig rig="threePt" dir="t"/>
+    </dgm:scene3d>
+    <dgm:sp3d/>
+    <dgm:txPr/>
+    <dgm:style>
+      <a:lnRef idx="0">
+        <a:scrgbClr r="0" g="0" b="0"/>
+      </a:lnRef>
+      <a:fillRef idx="1">
+        <a:scrgbClr r="0" g="0" b="0"/>
+      </a:fillRef>
+      <a:effectRef idx="0">
+        <a:scrgbClr r="0" g="0" b="0"/>
+      </a:effectRef>
+      <a:fontRef idx="minor">
+        <a:schemeClr val="lt1"/>
+      </a:fontRef>
+    </dgm:style>
+  </dgm:styleLbl>
+  <dgm:styleLbl name="fgSibTrans2D1">
+    <dgm:scene3d>
+      <a:camera prst="orthographicFront"/>
+      <a:lightRig rig="threePt" dir="t"/>
+    </dgm:scene3d>
+    <dgm:sp3d/>
+    <dgm:txPr/>
+    <dgm:style>
+      <a:lnRef idx="0">
+        <a:scrgbClr r="0" g="0" b="0"/>
+      </a:lnRef>
+      <a:fillRef idx="1">
+        <a:scrgbClr r="0" g="0" b="0"/>
+      </a:fillRef>
+      <a:effectRef idx="0">
+        <a:scrgbClr r="0" g="0" b="0"/>
+      </a:effectRef>
+      <a:fontRef idx="minor">
+        <a:schemeClr val="lt1"/>
+      </a:fontRef>
+    </dgm:style>
+  </dgm:styleLbl>
+  <dgm:styleLbl name="bgSibTrans2D1">
+    <dgm:scene3d>
+      <a:camera prst="orthographicFront"/>
+      <a:lightRig rig="threePt" dir="t"/>
+    </dgm:scene3d>
+    <dgm:sp3d/>
+    <dgm:txPr/>
+    <dgm:style>
+      <a:lnRef idx="0">
+        <a:scrgbClr r="0" g="0" b="0"/>
+      </a:lnRef>
+      <a:fillRef idx="1">
+        <a:scrgbClr r="0" g="0" b="0"/>
+      </a:fillRef>
+      <a:effectRef idx="0">
+        <a:scrgbClr r="0" g="0" b="0"/>
+      </a:effectRef>
+      <a:fontRef idx="minor">
+        <a:schemeClr val="lt1"/>
+      </a:fontRef>
+    </dgm:style>
+  </dgm:styleLbl>
+  <dgm:styleLbl name="sibTrans1D1">
+    <dgm:scene3d>
+      <a:camera prst="orthographicFront"/>
+      <a:lightRig rig="threePt" dir="t"/>
+    </dgm:scene3d>
+    <dgm:sp3d/>
+    <dgm:txPr/>
+    <dgm:style>
+      <a:lnRef idx="1">
+        <a:scrgbClr r="0" g="0" b="0"/>
+      </a:lnRef>
+      <a:fillRef idx="0">
+        <a:scrgbClr r="0" g="0" b="0"/>
+      </a:fillRef>
+      <a:effectRef idx="0">
+        <a:scrgbClr r="0" g="0" b="0"/>
+      </a:effectRef>
+      <a:fontRef idx="minor"/>
+    </dgm:style>
+  </dgm:styleLbl>
+  <dgm:styleLbl name="callout">
+    <dgm:scene3d>
+      <a:camera prst="orthographicFront"/>
+      <a:lightRig rig="threePt" dir="t"/>
+    </dgm:scene3d>
+    <dgm:sp3d/>
+    <dgm:txPr/>
+    <dgm:style>
+      <a:lnRef idx="2">
+        <a:scrgbClr r="0" g="0" b="0"/>
+      </a:lnRef>
+      <a:fillRef idx="1">
+        <a:scrgbClr r="0" g="0" b="0"/>
+      </a:fillRef>
+      <a:effectRef idx="0">
+        <a:scrgbClr r="0" g="0" b="0"/>
+      </a:effectRef>
+      <a:fontRef idx="minor"/>
+    </dgm:style>
+  </dgm:styleLbl>
+  <dgm:styleLbl name="asst0">
+    <dgm:scene3d>
+      <a:camera prst="orthographicFront"/>
+      <a:lightRig rig="threePt" dir="t"/>
+    </dgm:scene3d>
+    <dgm:sp3d/>
+    <dgm:txPr/>
+    <dgm:style>
+      <a:lnRef idx="2">
+        <a:scrgbClr r="0" g="0" b="0"/>
+      </a:lnRef>
+      <a:fillRef idx="1">
+        <a:scrgbClr r="0" g="0" b="0"/>
+      </a:fillRef>
+      <a:effectRef idx="0">
+        <a:scrgbClr r="0" g="0" b="0"/>
+      </a:effectRef>
+      <a:fontRef idx="minor">
+        <a:schemeClr val="lt1"/>
+      </a:fontRef>
+    </dgm:style>
+  </dgm:styleLbl>
+  <dgm:styleLbl name="asst1">
+    <dgm:scene3d>
+      <a:camera prst="orthographicFront"/>
+      <a:lightRig rig="threePt" dir="t"/>
+    </dgm:scene3d>
+    <dgm:sp3d/>
+    <dgm:txPr/>
+    <dgm:style>
+      <a:lnRef idx="2">
+        <a:scrgbClr r="0" g="0" b="0"/>
+      </a:lnRef>
+      <a:fillRef idx="1">
+        <a:scrgbClr r="0" g="0" b="0"/>
+      </a:fillRef>
+      <a:effectRef idx="0">
+        <a:scrgbClr r="0" g="0" b="0"/>
+      </a:effectRef>
+      <a:fontRef idx="minor">
+        <a:schemeClr val="lt1"/>
+      </a:fontRef>
+    </dgm:style>
+  </dgm:styleLbl>
+  <dgm:styleLbl name="asst2">
+    <dgm:scene3d>
+      <a:camera prst="orthographicFront"/>
+      <a:lightRig rig="threePt" dir="t"/>
+    </dgm:scene3d>
+    <dgm:sp3d/>
+    <dgm:txPr/>
+    <dgm:style>
+      <a:lnRef idx="2">
+        <a:scrgbClr r="0" g="0" b="0"/>
+      </a:lnRef>
+      <a:fillRef idx="1">
+        <a:scrgbClr r="0" g="0" b="0"/>
+      </a:fillRef>
+      <a:effectRef idx="0">
+        <a:scrgbClr r="0" g="0" b="0"/>
+      </a:effectRef>
+      <a:fontRef idx="minor">
+        <a:schemeClr val="lt1"/>
+      </a:fontRef>
+    </dgm:style>
+  </dgm:styleLbl>
+  <dgm:styleLbl name="asst3">
+    <dgm:scene3d>
+      <a:camera prst="orthographicFront"/>
+      <a:lightRig rig="threePt" dir="t"/>
+    </dgm:scene3d>
+    <dgm:sp3d/>
+    <dgm:txPr/>
+    <dgm:style>
+      <a:lnRef idx="2">
+        <a:scrgbClr r="0" g="0" b="0"/>
+      </a:lnRef>
+      <a:fillRef idx="1">
+        <a:scrgbClr r="0" g="0" b="0"/>
+      </a:fillRef>
+      <a:effectRef idx="0">
+        <a:scrgbClr r="0" g="0" b="0"/>
+      </a:effectRef>
+      <a:fontRef idx="minor">
+        <a:schemeClr val="lt1"/>
+      </a:fontRef>
+    </dgm:style>
+  </dgm:styleLbl>
+  <dgm:styleLbl name="asst4">
+    <dgm:scene3d>
+      <a:camera prst="orthographicFront"/>
+      <a:lightRig rig="threePt" dir="t"/>
+    </dgm:scene3d>
+    <dgm:sp3d/>
+    <dgm:txPr/>
+    <dgm:style>
+      <a:lnRef idx="2">
+        <a:scrgbClr r="0" g="0" b="0"/>
+      </a:lnRef>
+      <a:fillRef idx="1">
+        <a:scrgbClr r="0" g="0" b="0"/>
+      </a:fillRef>
+      <a:effectRef idx="0">
+        <a:scrgbClr r="0" g="0" b="0"/>
+      </a:effectRef>
+      <a:fontRef idx="minor">
+        <a:schemeClr val="lt1"/>
+      </a:fontRef>
+    </dgm:style>
+  </dgm:styleLbl>
+  <dgm:styleLbl name="parChTrans2D1">
+    <dgm:scene3d>
+      <a:camera prst="orthographicFront"/>
+      <a:lightRig rig="threePt" dir="t"/>
+    </dgm:scene3d>
+    <dgm:sp3d/>
+    <dgm:txPr/>
+    <dgm:style>
+      <a:lnRef idx="2">
+        <a:scrgbClr r="0" g="0" b="0"/>
+      </a:lnRef>
+      <a:fillRef idx="1">
+        <a:scrgbClr r="0" g="0" b="0"/>
+      </a:fillRef>
+      <a:effectRef idx="0">
+        <a:scrgbClr r="0" g="0" b="0"/>
+      </a:effectRef>
+      <a:fontRef idx="minor">
+        <a:schemeClr val="lt1"/>
+      </a:fontRef>
+    </dgm:style>
+  </dgm:styleLbl>
+  <dgm:styleLbl name="parChTrans2D2">
+    <dgm:scene3d>
+      <a:camera prst="orthographicFront"/>
+      <a:lightRig rig="threePt" dir="t"/>
+    </dgm:scene3d>
+    <dgm:sp3d/>
+    <dgm:txPr/>
+    <dgm:style>
+      <a:lnRef idx="2">
+        <a:scrgbClr r="0" g="0" b="0"/>
+      </a:lnRef>
+      <a:fillRef idx="1">
+        <a:scrgbClr r="0" g="0" b="0"/>
+      </a:fillRef>
+      <a:effectRef idx="0">
+        <a:scrgbClr r="0" g="0" b="0"/>
+      </a:effectRef>
+      <a:fontRef idx="minor">
+        <a:schemeClr val="lt1"/>
+      </a:fontRef>
+    </dgm:style>
+  </dgm:styleLbl>
+  <dgm:styleLbl name="parChTrans2D3">
+    <dgm:scene3d>
+      <a:camera prst="orthographicFront"/>
+      <a:lightRig rig="threePt" dir="t"/>
+    </dgm:scene3d>
+    <dgm:sp3d/>
+    <dgm:txPr/>
+    <dgm:style>
+      <a:lnRef idx="2">
+        <a:scrgbClr r="0" g="0" b="0"/>
+      </a:lnRef>
+      <a:fillRef idx="1">
+        <a:scrgbClr r="0" g="0" b="0"/>
+      </a:fillRef>
+      <a:effectRef idx="0">
+        <a:scrgbClr r="0" g="0" b="0"/>
+      </a:effectRef>
+      <a:fontRef idx="minor">
+        <a:schemeClr val="lt1"/>
+      </a:fontRef>
+    </dgm:style>
+  </dgm:styleLbl>
+  <dgm:styleLbl name="parChTrans2D4">
+    <dgm:scene3d>
+      <a:camera prst="orthographicFront"/>
+      <a:lightRig rig="threePt" dir="t"/>
+    </dgm:scene3d>
+    <dgm:sp3d/>
+    <dgm:txPr/>
+    <dgm:style>
+      <a:lnRef idx="2">
+        <a:scrgbClr r="0" g="0" b="0"/>
+      </a:lnRef>
+      <a:fillRef idx="1">
+        <a:scrgbClr r="0" g="0" b="0"/>
+      </a:fillRef>
+      <a:effectRef idx="0">
+        <a:scrgbClr r="0" g="0" b="0"/>
+      </a:effectRef>
+      <a:fontRef idx="minor">
+        <a:schemeClr val="lt1"/>
+      </a:fontRef>
+    </dgm:style>
+  </dgm:styleLbl>
+  <dgm:styleLbl name="parChTrans1D1">
+    <dgm:scene3d>
+      <a:camera prst="orthographicFront"/>
+      <a:lightRig rig="threePt" dir="t"/>
+    </dgm:scene3d>
+    <dgm:sp3d/>
+    <dgm:txPr/>
+    <dgm:style>
+      <a:lnRef idx="2">
+        <a:scrgbClr r="0" g="0" b="0"/>
+      </a:lnRef>
+      <a:fillRef idx="0">
+        <a:scrgbClr r="0" g="0" b="0"/>
+      </a:fillRef>
+      <a:effectRef idx="0">
+        <a:scrgbClr r="0" g="0" b="0"/>
+      </a:effectRef>
+      <a:fontRef idx="minor"/>
+    </dgm:style>
+  </dgm:styleLbl>
+  <dgm:styleLbl name="parChTrans1D2">
+    <dgm:scene3d>
+      <a:camera prst="orthographicFront"/>
+      <a:lightRig rig="threePt" dir="t"/>
+    </dgm:scene3d>
+    <dgm:sp3d/>
+    <dgm:txPr/>
+    <dgm:style>
+      <a:lnRef idx="2">
+        <a:scrgbClr r="0" g="0" b="0"/>
+      </a:lnRef>
+      <a:fillRef idx="0">
+        <a:scrgbClr r="0" g="0" b="0"/>
+      </a:fillRef>
+      <a:effectRef idx="0">
+        <a:scrgbClr r="0" g="0" b="0"/>
+      </a:effectRef>
+      <a:fontRef idx="minor"/>
+    </dgm:style>
+  </dgm:styleLbl>
+  <dgm:styleLbl name="parChTrans1D3">
+    <dgm:scene3d>
+      <a:camera prst="orthographicFront"/>
+      <a:lightRig rig="threePt" dir="t"/>
+    </dgm:scene3d>
+    <dgm:sp3d/>
+    <dgm:txPr/>
+    <dgm:style>
+      <a:lnRef idx="2">
+        <a:scrgbClr r="0" g="0" b="0"/>
+      </a:lnRef>
+      <a:fillRef idx="0">
+        <a:scrgbClr r="0" g="0" b="0"/>
+      </a:fillRef>
+      <a:effectRef idx="0">
+        <a:scrgbClr r="0" g="0" b="0"/>
+      </a:effectRef>
+      <a:fontRef idx="minor"/>
+    </dgm:style>
+  </dgm:styleLbl>
+  <dgm:styleLbl name="parChTrans1D4">
+    <dgm:scene3d>
+      <a:camera prst="orthographicFront"/>
+      <a:lightRig rig="threePt" dir="t"/>
+    </dgm:scene3d>
+    <dgm:sp3d/>
+    <dgm:txPr/>
+    <dgm:style>
+      <a:lnRef idx="2">
+        <a:scrgbClr r="0" g="0" b="0"/>
+      </a:lnRef>
+      <a:fillRef idx="0">
+        <a:scrgbClr r="0" g="0" b="0"/>
+      </a:fillRef>
+      <a:effectRef idx="0">
+        <a:scrgbClr r="0" g="0" b="0"/>
+      </a:effectRef>
+      <a:fontRef idx="minor"/>
+    </dgm:style>
+  </dgm:styleLbl>
+  <dgm:styleLbl name="fgAcc1">
+    <dgm:scene3d>
+      <a:camera prst="orthographicFront"/>
+      <a:lightRig rig="threePt" dir="t"/>
+    </dgm:scene3d>
+    <dgm:sp3d/>
+    <dgm:txPr/>
+    <dgm:style>
+      <a:lnRef idx="2">
+        <a:scrgbClr r="0" g="0" b="0"/>
+      </a:lnRef>
+      <a:fillRef idx="1">
+        <a:scrgbClr r="0" g="0" b="0"/>
+      </a:fillRef>
+      <a:effectRef idx="0">
+        <a:scrgbClr r="0" g="0" b="0"/>
+      </a:effectRef>
+      <a:fontRef idx="minor"/>
+    </dgm:style>
+  </dgm:styleLbl>
+  <dgm:styleLbl name="conFgAcc1">
+    <dgm:scene3d>
+      <a:camera prst="orthographicFront"/>
+      <a:lightRig rig="threePt" dir="t"/>
+    </dgm:scene3d>
+    <dgm:sp3d/>
+    <dgm:txPr/>
+    <dgm:style>
+      <a:lnRef idx="2">
+        <a:scrgbClr r="0" g="0" b="0"/>
+      </a:lnRef>
+      <a:fillRef idx="1">
+        <a:scrgbClr r="0" g="0" b="0"/>
+      </a:fillRef>
+      <a:effectRef idx="0">
+        <a:scrgbClr r="0" g="0" b="0"/>
+      </a:effectRef>
+      <a:fontRef idx="minor"/>
+    </dgm:style>
+  </dgm:styleLbl>
+  <dgm:styleLbl name="alignAcc1">
+    <dgm:scene3d>
+      <a:camera prst="orthographicFront"/>
+      <a:lightRig rig="threePt" dir="t"/>
+    </dgm:scene3d>
+    <dgm:sp3d/>
+    <dgm:txPr/>
+    <dgm:style>
+      <a:lnRef idx="2">
+        <a:scrgbClr r="0" g="0" b="0"/>
+      </a:lnRef>
+      <a:fillRef idx="1">
+        <a:scrgbClr r="0" g="0" b="0"/>
+      </a:fillRef>
+      <a:effectRef idx="0">
+        <a:scrgbClr r="0" g="0" b="0"/>
+      </a:effectRef>
+      <a:fontRef idx="minor"/>
+    </dgm:style>
+  </dgm:styleLbl>
+  <dgm:styleLbl name="trAlignAcc1">
+    <dgm:scene3d>
+      <a:camera prst="orthographicFront"/>
+      <a:lightRig rig="threePt" dir="t"/>
+    </dgm:scene3d>
+    <dgm:sp3d/>
+    <dgm:txPr/>
+    <dgm:style>
+      <a:lnRef idx="1">
+        <a:scrgbClr r="0" g="0" b="0"/>
+      </a:lnRef>
+      <a:fillRef idx="1">
+        <a:scrgbClr r="0" g="0" b="0"/>
+      </a:fillRef>
+      <a:effectRef idx="0">
+        <a:scrgbClr r="0" g="0" b="0"/>
+      </a:effectRef>
+      <a:fontRef idx="minor"/>
+    </dgm:style>
+  </dgm:styleLbl>
+  <dgm:styleLbl name="bgAcc1">
+    <dgm:scene3d>
+      <a:camera prst="orthographicFront"/>
+      <a:lightRig rig="threePt" dir="t"/>
+    </dgm:scene3d>
+    <dgm:sp3d/>
+    <dgm:txPr/>
+    <dgm:style>
+      <a:lnRef idx="2">
+        <a:scrgbClr r="0" g="0" b="0"/>
+      </a:lnRef>
+      <a:fillRef idx="1">
+        <a:scrgbClr r="0" g="0" b="0"/>
+      </a:fillRef>
+      <a:effectRef idx="0">
+        <a:scrgbClr r="0" g="0" b="0"/>
+      </a:effectRef>
+      <a:fontRef idx="minor"/>
+    </dgm:style>
+  </dgm:styleLbl>
+  <dgm:styleLbl name="solidFgAcc1">
+    <dgm:scene3d>
+      <a:camera prst="orthographicFront"/>
+      <a:lightRig rig="threePt" dir="t"/>
+    </dgm:scene3d>
+    <dgm:sp3d/>
+    <dgm:txPr/>
+    <dgm:style>
+      <a:lnRef idx="2">
+        <a:scrgbClr r="0" g="0" b="0"/>
+      </a:lnRef>
+      <a:fillRef idx="1">
+        <a:scrgbClr r="0" g="0" b="0"/>
+      </a:fillRef>
+      <a:effectRef idx="0">
+        <a:scrgbClr r="0" g="0" b="0"/>
+      </a:effectRef>
+      <a:fontRef idx="minor"/>
+    </dgm:style>
+  </dgm:styleLbl>
+  <dgm:styleLbl name="solidAlignAcc1">
+    <dgm:scene3d>
+      <a:camera prst="orthographicFront"/>
+      <a:lightRig rig="threePt" dir="t"/>
+    </dgm:scene3d>
+    <dgm:sp3d/>
+    <dgm:txPr/>
+    <dgm:style>
+      <a:lnRef idx="2">
+        <a:scrgbClr r="0" g="0" b="0"/>
+      </a:lnRef>
+      <a:fillRef idx="1">
+        <a:scrgbClr r="0" g="0" b="0"/>
+      </a:fillRef>
+      <a:effectRef idx="0">
+        <a:scrgbClr r="0" g="0" b="0"/>
+      </a:effectRef>
+      <a:fontRef idx="minor"/>
+    </dgm:style>
+  </dgm:styleLbl>
+  <dgm:styleLbl name="solidBgAcc1">
+    <dgm:scene3d>
+      <a:camera prst="orthographicFront"/>
+      <a:lightRig rig="threePt" dir="t"/>
+    </dgm:scene3d>
+    <dgm:sp3d/>
+    <dgm:txPr/>
+    <dgm:style>
+      <a:lnRef idx="2">
+        <a:scrgbClr r="0" g="0" b="0"/>
+      </a:lnRef>
+      <a:fillRef idx="1">
+        <a:scrgbClr r="0" g="0" b="0"/>
+      </a:fillRef>
+      <a:effectRef idx="0">
+        <a:scrgbClr r="0" g="0" b="0"/>
+      </a:effectRef>
+      <a:fontRef idx="minor"/>
+    </dgm:style>
+  </dgm:styleLbl>
+  <dgm:styleLbl name="fgAccFollowNode1">
+    <dgm:scene3d>
+      <a:camera prst="orthographicFront"/>
+      <a:lightRig rig="threePt" dir="t"/>
+    </dgm:scene3d>
+    <dgm:sp3d/>
+    <dgm:txPr/>
+    <dgm:style>
+      <a:lnRef idx="2">
+        <a:scrgbClr r="0" g="0" b="0"/>
+      </a:lnRef>
+      <a:fillRef idx="1">
+        <a:scrgbClr r="0" g="0" b="0"/>
+      </a:fillRef>
+      <a:effectRef idx="0">
+        <a:scrgbClr r="0" g="0" b="0"/>
+      </a:effectRef>
+      <a:fontRef idx="minor"/>
+    </dgm:style>
+  </dgm:styleLbl>
+  <dgm:styleLbl name="alignAccFollowNode1">
+    <dgm:scene3d>
+      <a:camera prst="orthographicFront"/>
+      <a:lightRig rig="threePt" dir="t"/>
+    </dgm:scene3d>
+    <dgm:sp3d/>
+    <dgm:txPr/>
+    <dgm:style>
+      <a:lnRef idx="2">
+        <a:scrgbClr r="0" g="0" b="0"/>
+      </a:lnRef>
+      <a:fillRef idx="1">
+        <a:scrgbClr r="0" g="0" b="0"/>
+      </a:fillRef>
+      <a:effectRef idx="0">
+        <a:scrgbClr r="0" g="0" b="0"/>
+      </a:effectRef>
+      <a:fontRef idx="minor"/>
+    </dgm:style>
+  </dgm:styleLbl>
+  <dgm:styleLbl name="bgAccFollowNode1">
+    <dgm:scene3d>
+      <a:camera prst="orthographicFront"/>
+      <a:lightRig rig="threePt" dir="t"/>
+    </dgm:scene3d>
+    <dgm:sp3d/>
+    <dgm:txPr/>
+    <dgm:style>
+      <a:lnRef idx="2">
+        <a:scrgbClr r="0" g="0" b="0"/>
+      </a:lnRef>
+      <a:fillRef idx="1">
+        <a:scrgbClr r="0" g="0" b="0"/>
+      </a:fillRef>
+      <a:effectRef idx="0">
+        <a:scrgbClr r="0" g="0" b="0"/>
+      </a:effectRef>
+      <a:fontRef idx="minor"/>
+    </dgm:style>
+  </dgm:styleLbl>
+  <dgm:styleLbl name="fgAcc0">
+    <dgm:scene3d>
+      <a:camera prst="orthographicFront"/>
+      <a:lightRig rig="threePt" dir="t"/>
+    </dgm:scene3d>
+    <dgm:sp3d/>
+    <dgm:txPr/>
+    <dgm:style>
+      <a:lnRef idx="2">
+        <a:scrgbClr r="0" g="0" b="0"/>
+      </a:lnRef>
+      <a:fillRef idx="1">
+        <a:scrgbClr r="0" g="0" b="0"/>
+      </a:fillRef>
+      <a:effectRef idx="0">
+        <a:scrgbClr r="0" g="0" b="0"/>
+      </a:effectRef>
+      <a:fontRef idx="minor"/>
+    </dgm:style>
+  </dgm:styleLbl>
+  <dgm:styleLbl name="fgAcc2">
+    <dgm:scene3d>
+      <a:camera prst="orthographicFront"/>
+      <a:lightRig rig="threePt" dir="t"/>
+    </dgm:scene3d>
+    <dgm:sp3d/>
+    <dgm:txPr/>
+    <dgm:style>
+      <a:lnRef idx="2">
+        <a:scrgbClr r="0" g="0" b="0"/>
+      </a:lnRef>
+      <a:fillRef idx="1">
+        <a:scrgbClr r="0" g="0" b="0"/>
+      </a:fillRef>
+      <a:effectRef idx="0">
+        <a:scrgbClr r="0" g="0" b="0"/>
+      </a:effectRef>
+      <a:fontRef idx="minor"/>
+    </dgm:style>
+  </dgm:styleLbl>
+  <dgm:styleLbl name="fgAcc3">
+    <dgm:scene3d>
+      <a:camera prst="orthographicFront"/>
+      <a:lightRig rig="threePt" dir="t"/>
+    </dgm:scene3d>
+    <dgm:sp3d/>
+    <dgm:txPr/>
+    <dgm:style>
+      <a:lnRef idx="2">
+        <a:scrgbClr r="0" g="0" b="0"/>
+      </a:lnRef>
+      <a:fillRef idx="1">
+        <a:scrgbClr r="0" g="0" b="0"/>
+      </a:fillRef>
+      <a:effectRef idx="0">
+        <a:scrgbClr r="0" g="0" b="0"/>
+      </a:effectRef>
+      <a:fontRef idx="minor"/>
+    </dgm:style>
+  </dgm:styleLbl>
+  <dgm:styleLbl name="fgAcc4">
+    <dgm:scene3d>
+      <a:camera prst="orthographicFront"/>
+      <a:lightRig rig="threePt" dir="t"/>
+    </dgm:scene3d>
+    <dgm:sp3d/>
+    <dgm:txPr/>
+    <dgm:style>
+      <a:lnRef idx="2">
+        <a:scrgbClr r="0" g="0" b="0"/>
+      </a:lnRef>
+      <a:fillRef idx="1">
+        <a:scrgbClr r="0" g="0" b="0"/>
+      </a:fillRef>
+      <a:effectRef idx="0">
+        <a:scrgbClr r="0" g="0" b="0"/>
+      </a:effectRef>
+      <a:fontRef idx="minor"/>
+    </dgm:style>
+  </dgm:styleLbl>
+  <dgm:styleLbl name="bgShp">
+    <dgm:scene3d>
+      <a:camera prst="orthographicFront"/>
+      <a:lightRig rig="threePt" dir="t"/>
+    </dgm:scene3d>
+    <dgm:sp3d/>
+    <dgm:txPr/>
+    <dgm:style>
+      <a:lnRef idx="0">
+        <a:scrgbClr r="0" g="0" b="0"/>
+      </a:lnRef>
+      <a:fillRef idx="1">
+        <a:scrgbClr r="0" g="0" b="0"/>
+      </a:fillRef>
+      <a:effectRef idx="0">
+        <a:scrgbClr r="0" g="0" b="0"/>
+      </a:effectRef>
+      <a:fontRef idx="minor"/>
+    </dgm:style>
+  </dgm:styleLbl>
+  <dgm:styleLbl name="dkBgShp">
+    <dgm:scene3d>
+      <a:camera prst="orthographicFront"/>
+      <a:lightRig rig="threePt" dir="t"/>
+    </dgm:scene3d>
+    <dgm:sp3d/>
+    <dgm:txPr/>
+    <dgm:style>
+      <a:lnRef idx="0">
+        <a:scrgbClr r="0" g="0" b="0"/>
+      </a:lnRef>
+      <a:fillRef idx="1">
+        <a:scrgbClr r="0" g="0" b="0"/>
+      </a:fillRef>
+      <a:effectRef idx="0">
+        <a:scrgbClr r="0" g="0" b="0"/>
+      </a:effectRef>
+      <a:fontRef idx="minor"/>
+    </dgm:style>
+  </dgm:styleLbl>
+  <dgm:styleLbl name="trBgShp">
+    <dgm:scene3d>
+      <a:camera prst="orthographicFront"/>
+      <a:lightRig rig="threePt" dir="t"/>
+    </dgm:scene3d>
+    <dgm:sp3d/>
+    <dgm:txPr/>
+    <dgm:style>
+      <a:lnRef idx="0">
+        <a:scrgbClr r="0" g="0" b="0"/>
+      </a:lnRef>
+      <a:fillRef idx="1">
+        <a:scrgbClr r="0" g="0" b="0"/>
+      </a:fillRef>
+      <a:effectRef idx="0">
+        <a:scrgbClr r="0" g="0" b="0"/>
+      </a:effectRef>
+      <a:fontRef idx="minor"/>
+    </dgm:style>
+  </dgm:styleLbl>
+  <dgm:styleLbl name="fgShp">
+    <dgm:scene3d>
+      <a:camera prst="orthographicFront"/>
+      <a:lightRig rig="threePt" dir="t"/>
+    </dgm:scene3d>
+    <dgm:sp3d/>
+    <dgm:txPr/>
+    <dgm:style>
+      <a:lnRef idx="2">
+        <a:scrgbClr r="0" g="0" b="0"/>
+      </a:lnRef>
+      <a:fillRef idx="1">
+        <a:scrgbClr r="0" g="0" b="0"/>
+      </a:fillRef>
+      <a:effectRef idx="0">
+        <a:scrgbClr r="0" g="0" b="0"/>
+      </a:effectRef>
+      <a:fontRef idx="minor"/>
+    </dgm:style>
+  </dgm:styleLbl>
+  <dgm:styleLbl name="revTx">
+    <dgm:scene3d>
+      <a:camera prst="orthographicFront"/>
+      <a:lightRig rig="threePt" dir="t"/>
+    </dgm:scene3d>
+    <dgm:sp3d/>
+    <dgm:txPr/>
+    <dgm:style>
+      <a:lnRef idx="0">
+        <a:scrgbClr r="0" g="0" b="0"/>
+      </a:lnRef>
+      <a:fillRef idx="0">
+        <a:scrgbClr r="0" g="0" b="0"/>
+      </a:fillRef>
+      <a:effectRef idx="0">
+        <a:scrgbClr r="0" g="0" b="0"/>
+      </a:effectRef>
+      <a:fontRef idx="minor"/>
+    </dgm:style>
+  </dgm:styleLbl>
+</dgm:styleDef>
+</file>
+
 <file path=ppt/notesMasters/notesMaster1.xml><?xml version="1.0" encoding="utf-8"?>
 <p:notesMaster xmlns:a="http://schemas.openxmlformats.org/drawingml/2006/main" xmlns:r="http://schemas.openxmlformats.org/officeDocument/2006/relationships" xmlns:p="http://schemas.openxmlformats.org/presentationml/2006/main">
   <p:cSld>
@@ -168,7 +3629,7 @@
             </a:lvl1pPr>
           </a:lstStyle>
           <a:p>
-            <a:endParaRPr lang="en-US"/>
+            <a:endParaRPr lang="en-US" dirty="0"/>
           </a:p>
         </p:txBody>
       </p:sp>
@@ -201,9 +3662,9 @@
           <a:p>
             <a:fld id="{5FAA98DA-3769-45F0-BA72-F70C3D30A823}" type="datetimeFigureOut">
               <a:rPr lang="en-US" smtClean="0"/>
-              <a:t>9/1/2025</a:t>
+              <a:t>9/2/2025</a:t>
             </a:fld>
-            <a:endParaRPr lang="en-US"/>
+            <a:endParaRPr lang="en-US" dirty="0"/>
           </a:p>
         </p:txBody>
       </p:sp>
@@ -236,7 +3697,7 @@
           <a:bodyPr vert="horz" lIns="91440" tIns="45720" rIns="91440" bIns="45720" rtlCol="0" anchor="ctr"/>
           <a:lstStyle/>
           <a:p>
-            <a:endParaRPr lang="en-US"/>
+            <a:endParaRPr lang="en-US" dirty="0"/>
           </a:p>
         </p:txBody>
       </p:sp>
@@ -326,7 +3787,7 @@
             </a:lvl1pPr>
           </a:lstStyle>
           <a:p>
-            <a:endParaRPr lang="en-US"/>
+            <a:endParaRPr lang="en-US" dirty="0"/>
           </a:p>
         </p:txBody>
       </p:sp>
@@ -361,7 +3822,7 @@
               <a:rPr lang="en-US" smtClean="0"/>
               <a:t>‹#›</a:t>
             </a:fld>
-            <a:endParaRPr lang="en-US"/>
+            <a:endParaRPr lang="en-US" dirty="0"/>
           </a:p>
         </p:txBody>
       </p:sp>
@@ -512,7 +3973,7 @@
           <a:bodyPr/>
           <a:lstStyle/>
           <a:p>
-            <a:endParaRPr lang="en-US"/>
+            <a:endParaRPr lang="en-US" dirty="0"/>
           </a:p>
         </p:txBody>
       </p:sp>
@@ -533,9 +3994,93 @@
           <a:p>
             <a:fld id="{B2E6D89A-8182-4F50-9D77-0B3663CCBE4A}" type="slidenum">
               <a:rPr lang="en-US" smtClean="0"/>
+              <a:t>1</a:t>
+            </a:fld>
+            <a:endParaRPr lang="en-US" dirty="0"/>
+          </a:p>
+        </p:txBody>
+      </p:sp>
+    </p:spTree>
+    <p:extLst>
+      <p:ext uri="{BB962C8B-B14F-4D97-AF65-F5344CB8AC3E}">
+        <p14:creationId xmlns:p14="http://schemas.microsoft.com/office/powerpoint/2010/main" val="673928753"/>
+      </p:ext>
+    </p:extLst>
+  </p:cSld>
+  <p:clrMapOvr>
+    <a:masterClrMapping/>
+  </p:clrMapOvr>
+</p:notes>
+</file>
+
+<file path=ppt/notesSlides/notesSlide2.xml><?xml version="1.0" encoding="utf-8"?>
+<p:notes xmlns:a="http://schemas.openxmlformats.org/drawingml/2006/main" xmlns:r="http://schemas.openxmlformats.org/officeDocument/2006/relationships" xmlns:p="http://schemas.openxmlformats.org/presentationml/2006/main">
+  <p:cSld>
+    <p:spTree>
+      <p:nvGrpSpPr>
+        <p:cNvPr id="1" name=""/>
+        <p:cNvGrpSpPr/>
+        <p:nvPr/>
+      </p:nvGrpSpPr>
+      <p:grpSpPr>
+        <a:xfrm>
+          <a:off x="0" y="0"/>
+          <a:ext cx="0" cy="0"/>
+          <a:chOff x="0" y="0"/>
+          <a:chExt cx="0" cy="0"/>
+        </a:xfrm>
+      </p:grpSpPr>
+      <p:sp>
+        <p:nvSpPr>
+          <p:cNvPr id="2" name="Slide Image Placeholder 1"/>
+          <p:cNvSpPr>
+            <a:spLocks noGrp="1" noRot="1" noChangeAspect="1"/>
+          </p:cNvSpPr>
+          <p:nvPr>
+            <p:ph type="sldImg"/>
+          </p:nvPr>
+        </p:nvSpPr>
+        <p:spPr/>
+      </p:sp>
+      <p:sp>
+        <p:nvSpPr>
+          <p:cNvPr id="3" name="Notes Placeholder 2"/>
+          <p:cNvSpPr>
+            <a:spLocks noGrp="1"/>
+          </p:cNvSpPr>
+          <p:nvPr>
+            <p:ph type="body" idx="1"/>
+          </p:nvPr>
+        </p:nvSpPr>
+        <p:spPr/>
+        <p:txBody>
+          <a:bodyPr/>
+          <a:lstStyle/>
+          <a:p>
+            <a:endParaRPr lang="en-US" dirty="0"/>
+          </a:p>
+        </p:txBody>
+      </p:sp>
+      <p:sp>
+        <p:nvSpPr>
+          <p:cNvPr id="4" name="Slide Number Placeholder 3"/>
+          <p:cNvSpPr>
+            <a:spLocks noGrp="1"/>
+          </p:cNvSpPr>
+          <p:nvPr>
+            <p:ph type="sldNum" sz="quarter" idx="5"/>
+          </p:nvPr>
+        </p:nvSpPr>
+        <p:spPr/>
+        <p:txBody>
+          <a:bodyPr/>
+          <a:lstStyle/>
+          <a:p>
+            <a:fld id="{B2E6D89A-8182-4F50-9D77-0B3663CCBE4A}" type="slidenum">
+              <a:rPr lang="en-US" smtClean="0"/>
               <a:t>2</a:t>
             </a:fld>
-            <a:endParaRPr lang="en-US"/>
+            <a:endParaRPr lang="en-US" dirty="0"/>
           </a:p>
         </p:txBody>
       </p:sp>
@@ -543,6 +4088,426 @@
     <p:extLst>
       <p:ext uri="{BB962C8B-B14F-4D97-AF65-F5344CB8AC3E}">
         <p14:creationId xmlns:p14="http://schemas.microsoft.com/office/powerpoint/2010/main" val="3376956823"/>
+      </p:ext>
+    </p:extLst>
+  </p:cSld>
+  <p:clrMapOvr>
+    <a:masterClrMapping/>
+  </p:clrMapOvr>
+</p:notes>
+</file>
+
+<file path=ppt/notesSlides/notesSlide3.xml><?xml version="1.0" encoding="utf-8"?>
+<p:notes xmlns:a="http://schemas.openxmlformats.org/drawingml/2006/main" xmlns:r="http://schemas.openxmlformats.org/officeDocument/2006/relationships" xmlns:p="http://schemas.openxmlformats.org/presentationml/2006/main">
+  <p:cSld>
+    <p:spTree>
+      <p:nvGrpSpPr>
+        <p:cNvPr id="1" name=""/>
+        <p:cNvGrpSpPr/>
+        <p:nvPr/>
+      </p:nvGrpSpPr>
+      <p:grpSpPr>
+        <a:xfrm>
+          <a:off x="0" y="0"/>
+          <a:ext cx="0" cy="0"/>
+          <a:chOff x="0" y="0"/>
+          <a:chExt cx="0" cy="0"/>
+        </a:xfrm>
+      </p:grpSpPr>
+      <p:sp>
+        <p:nvSpPr>
+          <p:cNvPr id="2" name="Slide Image Placeholder 1"/>
+          <p:cNvSpPr>
+            <a:spLocks noGrp="1" noRot="1" noChangeAspect="1"/>
+          </p:cNvSpPr>
+          <p:nvPr>
+            <p:ph type="sldImg"/>
+          </p:nvPr>
+        </p:nvSpPr>
+        <p:spPr/>
+      </p:sp>
+      <p:sp>
+        <p:nvSpPr>
+          <p:cNvPr id="3" name="Notes Placeholder 2"/>
+          <p:cNvSpPr>
+            <a:spLocks noGrp="1"/>
+          </p:cNvSpPr>
+          <p:nvPr>
+            <p:ph type="body" idx="1"/>
+          </p:nvPr>
+        </p:nvSpPr>
+        <p:spPr/>
+        <p:txBody>
+          <a:bodyPr/>
+          <a:lstStyle/>
+          <a:p>
+            <a:endParaRPr lang="en-US" dirty="0"/>
+          </a:p>
+        </p:txBody>
+      </p:sp>
+      <p:sp>
+        <p:nvSpPr>
+          <p:cNvPr id="4" name="Slide Number Placeholder 3"/>
+          <p:cNvSpPr>
+            <a:spLocks noGrp="1"/>
+          </p:cNvSpPr>
+          <p:nvPr>
+            <p:ph type="sldNum" sz="quarter" idx="5"/>
+          </p:nvPr>
+        </p:nvSpPr>
+        <p:spPr/>
+        <p:txBody>
+          <a:bodyPr/>
+          <a:lstStyle/>
+          <a:p>
+            <a:fld id="{B2E6D89A-8182-4F50-9D77-0B3663CCBE4A}" type="slidenum">
+              <a:rPr lang="en-US" smtClean="0"/>
+              <a:t>3</a:t>
+            </a:fld>
+            <a:endParaRPr lang="en-US" dirty="0"/>
+          </a:p>
+        </p:txBody>
+      </p:sp>
+    </p:spTree>
+    <p:extLst>
+      <p:ext uri="{BB962C8B-B14F-4D97-AF65-F5344CB8AC3E}">
+        <p14:creationId xmlns:p14="http://schemas.microsoft.com/office/powerpoint/2010/main" val="365482625"/>
+      </p:ext>
+    </p:extLst>
+  </p:cSld>
+  <p:clrMapOvr>
+    <a:masterClrMapping/>
+  </p:clrMapOvr>
+</p:notes>
+</file>
+
+<file path=ppt/notesSlides/notesSlide4.xml><?xml version="1.0" encoding="utf-8"?>
+<p:notes xmlns:a="http://schemas.openxmlformats.org/drawingml/2006/main" xmlns:r="http://schemas.openxmlformats.org/officeDocument/2006/relationships" xmlns:p="http://schemas.openxmlformats.org/presentationml/2006/main">
+  <p:cSld>
+    <p:spTree>
+      <p:nvGrpSpPr>
+        <p:cNvPr id="1" name=""/>
+        <p:cNvGrpSpPr/>
+        <p:nvPr/>
+      </p:nvGrpSpPr>
+      <p:grpSpPr>
+        <a:xfrm>
+          <a:off x="0" y="0"/>
+          <a:ext cx="0" cy="0"/>
+          <a:chOff x="0" y="0"/>
+          <a:chExt cx="0" cy="0"/>
+        </a:xfrm>
+      </p:grpSpPr>
+      <p:sp>
+        <p:nvSpPr>
+          <p:cNvPr id="2" name="Slide Image Placeholder 1"/>
+          <p:cNvSpPr>
+            <a:spLocks noGrp="1" noRot="1" noChangeAspect="1"/>
+          </p:cNvSpPr>
+          <p:nvPr>
+            <p:ph type="sldImg"/>
+          </p:nvPr>
+        </p:nvSpPr>
+        <p:spPr/>
+      </p:sp>
+      <p:sp>
+        <p:nvSpPr>
+          <p:cNvPr id="3" name="Notes Placeholder 2"/>
+          <p:cNvSpPr>
+            <a:spLocks noGrp="1"/>
+          </p:cNvSpPr>
+          <p:nvPr>
+            <p:ph type="body" idx="1"/>
+          </p:nvPr>
+        </p:nvSpPr>
+        <p:spPr/>
+        <p:txBody>
+          <a:bodyPr/>
+          <a:lstStyle/>
+          <a:p>
+            <a:endParaRPr lang="en-US" dirty="0"/>
+          </a:p>
+        </p:txBody>
+      </p:sp>
+      <p:sp>
+        <p:nvSpPr>
+          <p:cNvPr id="4" name="Slide Number Placeholder 3"/>
+          <p:cNvSpPr>
+            <a:spLocks noGrp="1"/>
+          </p:cNvSpPr>
+          <p:nvPr>
+            <p:ph type="sldNum" sz="quarter" idx="5"/>
+          </p:nvPr>
+        </p:nvSpPr>
+        <p:spPr/>
+        <p:txBody>
+          <a:bodyPr/>
+          <a:lstStyle/>
+          <a:p>
+            <a:fld id="{B2E6D89A-8182-4F50-9D77-0B3663CCBE4A}" type="slidenum">
+              <a:rPr lang="en-US" smtClean="0"/>
+              <a:t>4</a:t>
+            </a:fld>
+            <a:endParaRPr lang="en-US" dirty="0"/>
+          </a:p>
+        </p:txBody>
+      </p:sp>
+    </p:spTree>
+    <p:extLst>
+      <p:ext uri="{BB962C8B-B14F-4D97-AF65-F5344CB8AC3E}">
+        <p14:creationId xmlns:p14="http://schemas.microsoft.com/office/powerpoint/2010/main" val="607690641"/>
+      </p:ext>
+    </p:extLst>
+  </p:cSld>
+  <p:clrMapOvr>
+    <a:masterClrMapping/>
+  </p:clrMapOvr>
+</p:notes>
+</file>
+
+<file path=ppt/notesSlides/notesSlide5.xml><?xml version="1.0" encoding="utf-8"?>
+<p:notes xmlns:a="http://schemas.openxmlformats.org/drawingml/2006/main" xmlns:r="http://schemas.openxmlformats.org/officeDocument/2006/relationships" xmlns:p="http://schemas.openxmlformats.org/presentationml/2006/main">
+  <p:cSld>
+    <p:spTree>
+      <p:nvGrpSpPr>
+        <p:cNvPr id="1" name=""/>
+        <p:cNvGrpSpPr/>
+        <p:nvPr/>
+      </p:nvGrpSpPr>
+      <p:grpSpPr>
+        <a:xfrm>
+          <a:off x="0" y="0"/>
+          <a:ext cx="0" cy="0"/>
+          <a:chOff x="0" y="0"/>
+          <a:chExt cx="0" cy="0"/>
+        </a:xfrm>
+      </p:grpSpPr>
+      <p:sp>
+        <p:nvSpPr>
+          <p:cNvPr id="2" name="Slide Image Placeholder 1"/>
+          <p:cNvSpPr>
+            <a:spLocks noGrp="1" noRot="1" noChangeAspect="1"/>
+          </p:cNvSpPr>
+          <p:nvPr>
+            <p:ph type="sldImg"/>
+          </p:nvPr>
+        </p:nvSpPr>
+        <p:spPr/>
+      </p:sp>
+      <p:sp>
+        <p:nvSpPr>
+          <p:cNvPr id="3" name="Notes Placeholder 2"/>
+          <p:cNvSpPr>
+            <a:spLocks noGrp="1"/>
+          </p:cNvSpPr>
+          <p:nvPr>
+            <p:ph type="body" idx="1"/>
+          </p:nvPr>
+        </p:nvSpPr>
+        <p:spPr/>
+        <p:txBody>
+          <a:bodyPr/>
+          <a:lstStyle/>
+          <a:p>
+            <a:endParaRPr lang="en-US" dirty="0"/>
+          </a:p>
+        </p:txBody>
+      </p:sp>
+      <p:sp>
+        <p:nvSpPr>
+          <p:cNvPr id="4" name="Slide Number Placeholder 3"/>
+          <p:cNvSpPr>
+            <a:spLocks noGrp="1"/>
+          </p:cNvSpPr>
+          <p:nvPr>
+            <p:ph type="sldNum" sz="quarter" idx="5"/>
+          </p:nvPr>
+        </p:nvSpPr>
+        <p:spPr/>
+        <p:txBody>
+          <a:bodyPr/>
+          <a:lstStyle/>
+          <a:p>
+            <a:fld id="{B2E6D89A-8182-4F50-9D77-0B3663CCBE4A}" type="slidenum">
+              <a:rPr lang="en-US" smtClean="0"/>
+              <a:t>5</a:t>
+            </a:fld>
+            <a:endParaRPr lang="en-US" dirty="0"/>
+          </a:p>
+        </p:txBody>
+      </p:sp>
+    </p:spTree>
+    <p:extLst>
+      <p:ext uri="{BB962C8B-B14F-4D97-AF65-F5344CB8AC3E}">
+        <p14:creationId xmlns:p14="http://schemas.microsoft.com/office/powerpoint/2010/main" val="3367720565"/>
+      </p:ext>
+    </p:extLst>
+  </p:cSld>
+  <p:clrMapOvr>
+    <a:masterClrMapping/>
+  </p:clrMapOvr>
+</p:notes>
+</file>
+
+<file path=ppt/notesSlides/notesSlide6.xml><?xml version="1.0" encoding="utf-8"?>
+<p:notes xmlns:a="http://schemas.openxmlformats.org/drawingml/2006/main" xmlns:r="http://schemas.openxmlformats.org/officeDocument/2006/relationships" xmlns:p="http://schemas.openxmlformats.org/presentationml/2006/main">
+  <p:cSld>
+    <p:spTree>
+      <p:nvGrpSpPr>
+        <p:cNvPr id="1" name=""/>
+        <p:cNvGrpSpPr/>
+        <p:nvPr/>
+      </p:nvGrpSpPr>
+      <p:grpSpPr>
+        <a:xfrm>
+          <a:off x="0" y="0"/>
+          <a:ext cx="0" cy="0"/>
+          <a:chOff x="0" y="0"/>
+          <a:chExt cx="0" cy="0"/>
+        </a:xfrm>
+      </p:grpSpPr>
+      <p:sp>
+        <p:nvSpPr>
+          <p:cNvPr id="2" name="Slide Image Placeholder 1"/>
+          <p:cNvSpPr>
+            <a:spLocks noGrp="1" noRot="1" noChangeAspect="1"/>
+          </p:cNvSpPr>
+          <p:nvPr>
+            <p:ph type="sldImg"/>
+          </p:nvPr>
+        </p:nvSpPr>
+        <p:spPr/>
+      </p:sp>
+      <p:sp>
+        <p:nvSpPr>
+          <p:cNvPr id="3" name="Notes Placeholder 2"/>
+          <p:cNvSpPr>
+            <a:spLocks noGrp="1"/>
+          </p:cNvSpPr>
+          <p:nvPr>
+            <p:ph type="body" idx="1"/>
+          </p:nvPr>
+        </p:nvSpPr>
+        <p:spPr/>
+        <p:txBody>
+          <a:bodyPr/>
+          <a:lstStyle/>
+          <a:p>
+            <a:endParaRPr lang="en-US" dirty="0"/>
+          </a:p>
+        </p:txBody>
+      </p:sp>
+      <p:sp>
+        <p:nvSpPr>
+          <p:cNvPr id="4" name="Slide Number Placeholder 3"/>
+          <p:cNvSpPr>
+            <a:spLocks noGrp="1"/>
+          </p:cNvSpPr>
+          <p:nvPr>
+            <p:ph type="sldNum" sz="quarter" idx="5"/>
+          </p:nvPr>
+        </p:nvSpPr>
+        <p:spPr/>
+        <p:txBody>
+          <a:bodyPr/>
+          <a:lstStyle/>
+          <a:p>
+            <a:fld id="{B2E6D89A-8182-4F50-9D77-0B3663CCBE4A}" type="slidenum">
+              <a:rPr lang="en-US" smtClean="0"/>
+              <a:t>6</a:t>
+            </a:fld>
+            <a:endParaRPr lang="en-US" dirty="0"/>
+          </a:p>
+        </p:txBody>
+      </p:sp>
+    </p:spTree>
+    <p:extLst>
+      <p:ext uri="{BB962C8B-B14F-4D97-AF65-F5344CB8AC3E}">
+        <p14:creationId xmlns:p14="http://schemas.microsoft.com/office/powerpoint/2010/main" val="484023459"/>
+      </p:ext>
+    </p:extLst>
+  </p:cSld>
+  <p:clrMapOvr>
+    <a:masterClrMapping/>
+  </p:clrMapOvr>
+</p:notes>
+</file>
+
+<file path=ppt/notesSlides/notesSlide7.xml><?xml version="1.0" encoding="utf-8"?>
+<p:notes xmlns:a="http://schemas.openxmlformats.org/drawingml/2006/main" xmlns:r="http://schemas.openxmlformats.org/officeDocument/2006/relationships" xmlns:p="http://schemas.openxmlformats.org/presentationml/2006/main">
+  <p:cSld>
+    <p:spTree>
+      <p:nvGrpSpPr>
+        <p:cNvPr id="1" name=""/>
+        <p:cNvGrpSpPr/>
+        <p:nvPr/>
+      </p:nvGrpSpPr>
+      <p:grpSpPr>
+        <a:xfrm>
+          <a:off x="0" y="0"/>
+          <a:ext cx="0" cy="0"/>
+          <a:chOff x="0" y="0"/>
+          <a:chExt cx="0" cy="0"/>
+        </a:xfrm>
+      </p:grpSpPr>
+      <p:sp>
+        <p:nvSpPr>
+          <p:cNvPr id="2" name="Slide Image Placeholder 1"/>
+          <p:cNvSpPr>
+            <a:spLocks noGrp="1" noRot="1" noChangeAspect="1"/>
+          </p:cNvSpPr>
+          <p:nvPr>
+            <p:ph type="sldImg"/>
+          </p:nvPr>
+        </p:nvSpPr>
+        <p:spPr/>
+      </p:sp>
+      <p:sp>
+        <p:nvSpPr>
+          <p:cNvPr id="3" name="Notes Placeholder 2"/>
+          <p:cNvSpPr>
+            <a:spLocks noGrp="1"/>
+          </p:cNvSpPr>
+          <p:nvPr>
+            <p:ph type="body" idx="1"/>
+          </p:nvPr>
+        </p:nvSpPr>
+        <p:spPr/>
+        <p:txBody>
+          <a:bodyPr/>
+          <a:lstStyle/>
+          <a:p>
+            <a:endParaRPr lang="en-US" dirty="0"/>
+          </a:p>
+        </p:txBody>
+      </p:sp>
+      <p:sp>
+        <p:nvSpPr>
+          <p:cNvPr id="4" name="Slide Number Placeholder 3"/>
+          <p:cNvSpPr>
+            <a:spLocks noGrp="1"/>
+          </p:cNvSpPr>
+          <p:nvPr>
+            <p:ph type="sldNum" sz="quarter" idx="5"/>
+          </p:nvPr>
+        </p:nvSpPr>
+        <p:spPr/>
+        <p:txBody>
+          <a:bodyPr/>
+          <a:lstStyle/>
+          <a:p>
+            <a:fld id="{B2E6D89A-8182-4F50-9D77-0B3663CCBE4A}" type="slidenum">
+              <a:rPr lang="en-US" smtClean="0"/>
+              <a:t>7</a:t>
+            </a:fld>
+            <a:endParaRPr lang="en-US" dirty="0"/>
+          </a:p>
+        </p:txBody>
+      </p:sp>
+    </p:spTree>
+    <p:extLst>
+      <p:ext uri="{BB962C8B-B14F-4D97-AF65-F5344CB8AC3E}">
+        <p14:creationId xmlns:p14="http://schemas.microsoft.com/office/powerpoint/2010/main" val="2346214516"/>
       </p:ext>
     </p:extLst>
   </p:cSld>
@@ -699,9 +4664,9 @@
           <a:p>
             <a:fld id="{0E11DBA0-E772-4413-A24E-1A0DDD5AFD1E}" type="datetimeFigureOut">
               <a:rPr lang="en-US" smtClean="0"/>
-              <a:t>9/1/2025</a:t>
+              <a:t>9/2/2025</a:t>
             </a:fld>
-            <a:endParaRPr lang="en-US"/>
+            <a:endParaRPr lang="en-US" dirty="0"/>
           </a:p>
         </p:txBody>
       </p:sp>
@@ -726,7 +4691,7 @@
           <a:bodyPr/>
           <a:lstStyle/>
           <a:p>
-            <a:endParaRPr lang="en-US"/>
+            <a:endParaRPr lang="en-US" dirty="0"/>
           </a:p>
         </p:txBody>
       </p:sp>
@@ -755,7 +4720,7 @@
               <a:rPr lang="en-US" smtClean="0"/>
               <a:t>‹#›</a:t>
             </a:fld>
-            <a:endParaRPr lang="en-US"/>
+            <a:endParaRPr lang="en-US" dirty="0"/>
           </a:p>
         </p:txBody>
       </p:sp>
@@ -897,9 +4862,9 @@
           <a:p>
             <a:fld id="{0E11DBA0-E772-4413-A24E-1A0DDD5AFD1E}" type="datetimeFigureOut">
               <a:rPr lang="en-US" smtClean="0"/>
-              <a:t>9/1/2025</a:t>
+              <a:t>9/2/2025</a:t>
             </a:fld>
-            <a:endParaRPr lang="en-US"/>
+            <a:endParaRPr lang="en-US" dirty="0"/>
           </a:p>
         </p:txBody>
       </p:sp>
@@ -924,7 +4889,7 @@
           <a:bodyPr/>
           <a:lstStyle/>
           <a:p>
-            <a:endParaRPr lang="en-US"/>
+            <a:endParaRPr lang="en-US" dirty="0"/>
           </a:p>
         </p:txBody>
       </p:sp>
@@ -953,7 +4918,7 @@
               <a:rPr lang="en-US" smtClean="0"/>
               <a:t>‹#›</a:t>
             </a:fld>
-            <a:endParaRPr lang="en-US"/>
+            <a:endParaRPr lang="en-US" dirty="0"/>
           </a:p>
         </p:txBody>
       </p:sp>
@@ -1105,9 +5070,9 @@
           <a:p>
             <a:fld id="{0E11DBA0-E772-4413-A24E-1A0DDD5AFD1E}" type="datetimeFigureOut">
               <a:rPr lang="en-US" smtClean="0"/>
-              <a:t>9/1/2025</a:t>
+              <a:t>9/2/2025</a:t>
             </a:fld>
-            <a:endParaRPr lang="en-US"/>
+            <a:endParaRPr lang="en-US" dirty="0"/>
           </a:p>
         </p:txBody>
       </p:sp>
@@ -1132,7 +5097,7 @@
           <a:bodyPr/>
           <a:lstStyle/>
           <a:p>
-            <a:endParaRPr lang="en-US"/>
+            <a:endParaRPr lang="en-US" dirty="0"/>
           </a:p>
         </p:txBody>
       </p:sp>
@@ -1161,7 +5126,7 @@
               <a:rPr lang="en-US" smtClean="0"/>
               <a:t>‹#›</a:t>
             </a:fld>
-            <a:endParaRPr lang="en-US"/>
+            <a:endParaRPr lang="en-US" dirty="0"/>
           </a:p>
         </p:txBody>
       </p:sp>
@@ -1303,9 +5268,9 @@
           <a:p>
             <a:fld id="{0E11DBA0-E772-4413-A24E-1A0DDD5AFD1E}" type="datetimeFigureOut">
               <a:rPr lang="en-US" smtClean="0"/>
-              <a:t>9/1/2025</a:t>
+              <a:t>9/2/2025</a:t>
             </a:fld>
-            <a:endParaRPr lang="en-US"/>
+            <a:endParaRPr lang="en-US" dirty="0"/>
           </a:p>
         </p:txBody>
       </p:sp>
@@ -1330,7 +5295,7 @@
           <a:bodyPr/>
           <a:lstStyle/>
           <a:p>
-            <a:endParaRPr lang="en-US"/>
+            <a:endParaRPr lang="en-US" dirty="0"/>
           </a:p>
         </p:txBody>
       </p:sp>
@@ -1359,7 +5324,7 @@
               <a:rPr lang="en-US" smtClean="0"/>
               <a:t>‹#›</a:t>
             </a:fld>
-            <a:endParaRPr lang="en-US"/>
+            <a:endParaRPr lang="en-US" dirty="0"/>
           </a:p>
         </p:txBody>
       </p:sp>
@@ -1578,9 +5543,9 @@
           <a:p>
             <a:fld id="{0E11DBA0-E772-4413-A24E-1A0DDD5AFD1E}" type="datetimeFigureOut">
               <a:rPr lang="en-US" smtClean="0"/>
-              <a:t>9/1/2025</a:t>
+              <a:t>9/2/2025</a:t>
             </a:fld>
-            <a:endParaRPr lang="en-US"/>
+            <a:endParaRPr lang="en-US" dirty="0"/>
           </a:p>
         </p:txBody>
       </p:sp>
@@ -1605,7 +5570,7 @@
           <a:bodyPr/>
           <a:lstStyle/>
           <a:p>
-            <a:endParaRPr lang="en-US"/>
+            <a:endParaRPr lang="en-US" dirty="0"/>
           </a:p>
         </p:txBody>
       </p:sp>
@@ -1634,7 +5599,7 @@
               <a:rPr lang="en-US" smtClean="0"/>
               <a:t>‹#›</a:t>
             </a:fld>
-            <a:endParaRPr lang="en-US"/>
+            <a:endParaRPr lang="en-US" dirty="0"/>
           </a:p>
         </p:txBody>
       </p:sp>
@@ -1843,9 +5808,9 @@
           <a:p>
             <a:fld id="{0E11DBA0-E772-4413-A24E-1A0DDD5AFD1E}" type="datetimeFigureOut">
               <a:rPr lang="en-US" smtClean="0"/>
-              <a:t>9/1/2025</a:t>
+              <a:t>9/2/2025</a:t>
             </a:fld>
-            <a:endParaRPr lang="en-US"/>
+            <a:endParaRPr lang="en-US" dirty="0"/>
           </a:p>
         </p:txBody>
       </p:sp>
@@ -1870,7 +5835,7 @@
           <a:bodyPr/>
           <a:lstStyle/>
           <a:p>
-            <a:endParaRPr lang="en-US"/>
+            <a:endParaRPr lang="en-US" dirty="0"/>
           </a:p>
         </p:txBody>
       </p:sp>
@@ -1899,7 +5864,7 @@
               <a:rPr lang="en-US" smtClean="0"/>
               <a:t>‹#›</a:t>
             </a:fld>
-            <a:endParaRPr lang="en-US"/>
+            <a:endParaRPr lang="en-US" dirty="0"/>
           </a:p>
         </p:txBody>
       </p:sp>
@@ -2255,9 +6220,9 @@
           <a:p>
             <a:fld id="{0E11DBA0-E772-4413-A24E-1A0DDD5AFD1E}" type="datetimeFigureOut">
               <a:rPr lang="en-US" smtClean="0"/>
-              <a:t>9/1/2025</a:t>
+              <a:t>9/2/2025</a:t>
             </a:fld>
-            <a:endParaRPr lang="en-US"/>
+            <a:endParaRPr lang="en-US" dirty="0"/>
           </a:p>
         </p:txBody>
       </p:sp>
@@ -2282,7 +6247,7 @@
           <a:bodyPr/>
           <a:lstStyle/>
           <a:p>
-            <a:endParaRPr lang="en-US"/>
+            <a:endParaRPr lang="en-US" dirty="0"/>
           </a:p>
         </p:txBody>
       </p:sp>
@@ -2311,7 +6276,7 @@
               <a:rPr lang="en-US" smtClean="0"/>
               <a:t>‹#›</a:t>
             </a:fld>
-            <a:endParaRPr lang="en-US"/>
+            <a:endParaRPr lang="en-US" dirty="0"/>
           </a:p>
         </p:txBody>
       </p:sp>
@@ -2396,9 +6361,9 @@
           <a:p>
             <a:fld id="{0E11DBA0-E772-4413-A24E-1A0DDD5AFD1E}" type="datetimeFigureOut">
               <a:rPr lang="en-US" smtClean="0"/>
-              <a:t>9/1/2025</a:t>
+              <a:t>9/2/2025</a:t>
             </a:fld>
-            <a:endParaRPr lang="en-US"/>
+            <a:endParaRPr lang="en-US" dirty="0"/>
           </a:p>
         </p:txBody>
       </p:sp>
@@ -2423,7 +6388,7 @@
           <a:bodyPr/>
           <a:lstStyle/>
           <a:p>
-            <a:endParaRPr lang="en-US"/>
+            <a:endParaRPr lang="en-US" dirty="0"/>
           </a:p>
         </p:txBody>
       </p:sp>
@@ -2452,7 +6417,7 @@
               <a:rPr lang="en-US" smtClean="0"/>
               <a:t>‹#›</a:t>
             </a:fld>
-            <a:endParaRPr lang="en-US"/>
+            <a:endParaRPr lang="en-US" dirty="0"/>
           </a:p>
         </p:txBody>
       </p:sp>
@@ -2509,9 +6474,9 @@
           <a:p>
             <a:fld id="{0E11DBA0-E772-4413-A24E-1A0DDD5AFD1E}" type="datetimeFigureOut">
               <a:rPr lang="en-US" smtClean="0"/>
-              <a:t>9/1/2025</a:t>
+              <a:t>9/2/2025</a:t>
             </a:fld>
-            <a:endParaRPr lang="en-US"/>
+            <a:endParaRPr lang="en-US" dirty="0"/>
           </a:p>
         </p:txBody>
       </p:sp>
@@ -2536,7 +6501,7 @@
           <a:bodyPr/>
           <a:lstStyle/>
           <a:p>
-            <a:endParaRPr lang="en-US"/>
+            <a:endParaRPr lang="en-US" dirty="0"/>
           </a:p>
         </p:txBody>
       </p:sp>
@@ -2565,7 +6530,7 @@
               <a:rPr lang="en-US" smtClean="0"/>
               <a:t>‹#›</a:t>
             </a:fld>
-            <a:endParaRPr lang="en-US"/>
+            <a:endParaRPr lang="en-US" dirty="0"/>
           </a:p>
         </p:txBody>
       </p:sp>
@@ -2820,9 +6785,9 @@
           <a:p>
             <a:fld id="{0E11DBA0-E772-4413-A24E-1A0DDD5AFD1E}" type="datetimeFigureOut">
               <a:rPr lang="en-US" smtClean="0"/>
-              <a:t>9/1/2025</a:t>
+              <a:t>9/2/2025</a:t>
             </a:fld>
-            <a:endParaRPr lang="en-US"/>
+            <a:endParaRPr lang="en-US" dirty="0"/>
           </a:p>
         </p:txBody>
       </p:sp>
@@ -2847,7 +6812,7 @@
           <a:bodyPr/>
           <a:lstStyle/>
           <a:p>
-            <a:endParaRPr lang="en-US"/>
+            <a:endParaRPr lang="en-US" dirty="0"/>
           </a:p>
         </p:txBody>
       </p:sp>
@@ -2876,7 +6841,7 @@
               <a:rPr lang="en-US" smtClean="0"/>
               <a:t>‹#›</a:t>
             </a:fld>
-            <a:endParaRPr lang="en-US"/>
+            <a:endParaRPr lang="en-US" dirty="0"/>
           </a:p>
         </p:txBody>
       </p:sp>
@@ -3010,7 +6975,7 @@
             </a:lvl9pPr>
           </a:lstStyle>
           <a:p>
-            <a:endParaRPr lang="en-US"/>
+            <a:endParaRPr lang="en-US" dirty="0"/>
           </a:p>
         </p:txBody>
       </p:sp>
@@ -3108,9 +7073,9 @@
           <a:p>
             <a:fld id="{0E11DBA0-E772-4413-A24E-1A0DDD5AFD1E}" type="datetimeFigureOut">
               <a:rPr lang="en-US" smtClean="0"/>
-              <a:t>9/1/2025</a:t>
+              <a:t>9/2/2025</a:t>
             </a:fld>
-            <a:endParaRPr lang="en-US"/>
+            <a:endParaRPr lang="en-US" dirty="0"/>
           </a:p>
         </p:txBody>
       </p:sp>
@@ -3135,7 +7100,7 @@
           <a:bodyPr/>
           <a:lstStyle/>
           <a:p>
-            <a:endParaRPr lang="en-US"/>
+            <a:endParaRPr lang="en-US" dirty="0"/>
           </a:p>
         </p:txBody>
       </p:sp>
@@ -3164,7 +7129,7 @@
               <a:rPr lang="en-US" smtClean="0"/>
               <a:t>‹#›</a:t>
             </a:fld>
-            <a:endParaRPr lang="en-US"/>
+            <a:endParaRPr lang="en-US" dirty="0"/>
           </a:p>
         </p:txBody>
       </p:sp>
@@ -3349,9 +7314,9 @@
           <a:p>
             <a:fld id="{0E11DBA0-E772-4413-A24E-1A0DDD5AFD1E}" type="datetimeFigureOut">
               <a:rPr lang="en-US" smtClean="0"/>
-              <a:t>9/1/2025</a:t>
+              <a:t>9/2/2025</a:t>
             </a:fld>
-            <a:endParaRPr lang="en-US"/>
+            <a:endParaRPr lang="en-US" dirty="0"/>
           </a:p>
         </p:txBody>
       </p:sp>
@@ -3394,7 +7359,7 @@
             </a:lvl1pPr>
           </a:lstStyle>
           <a:p>
-            <a:endParaRPr lang="en-US"/>
+            <a:endParaRPr lang="en-US" dirty="0"/>
           </a:p>
         </p:txBody>
       </p:sp>
@@ -3441,7 +7406,7 @@
               <a:rPr lang="en-US" smtClean="0"/>
               <a:t>‹#›</a:t>
             </a:fld>
-            <a:endParaRPr lang="en-US"/>
+            <a:endParaRPr lang="en-US" dirty="0"/>
           </a:p>
         </p:txBody>
       </p:sp>
@@ -3752,6 +7717,14 @@
 <file path=ppt/slides/slide1.xml><?xml version="1.0" encoding="utf-8"?>
 <p:sld xmlns:a="http://schemas.openxmlformats.org/drawingml/2006/main" xmlns:r="http://schemas.openxmlformats.org/officeDocument/2006/relationships" xmlns:p="http://schemas.openxmlformats.org/presentationml/2006/main">
   <p:cSld>
+    <p:bg>
+      <p:bgPr>
+        <a:solidFill>
+          <a:schemeClr val="bg1"/>
+        </a:solidFill>
+        <a:effectLst/>
+      </p:bgPr>
+    </p:bg>
     <p:spTree>
       <p:nvGrpSpPr>
         <p:cNvPr id="1" name=""/>
@@ -3766,6 +7739,183 @@
           <a:chExt cx="0" cy="0"/>
         </a:xfrm>
       </p:grpSpPr>
+      <p:sp useBgFill="1">
+        <p:nvSpPr>
+          <p:cNvPr id="64" name="Rectangle 63">
+            <a:extLst>
+              <a:ext uri="{FF2B5EF4-FFF2-40B4-BE49-F238E27FC236}">
+                <a16:creationId xmlns:a16="http://schemas.microsoft.com/office/drawing/2014/main" id="{E91DC736-0EF8-4F87-9146-EBF1D2EE4D3D}"/>
+              </a:ext>
+              <a:ext uri="{C183D7F6-B498-43B3-948B-1728B52AA6E4}">
+                <adec:decorative xmlns:adec="http://schemas.microsoft.com/office/drawing/2017/decorative" val="1"/>
+              </a:ext>
+            </a:extLst>
+          </p:cNvPr>
+          <p:cNvSpPr>
+            <a:spLocks noGrp="1" noRot="1" noChangeAspect="1" noMove="1" noResize="1" noEditPoints="1" noAdjustHandles="1" noChangeArrowheads="1" noChangeShapeType="1" noTextEdit="1"/>
+          </p:cNvSpPr>
+          <p:nvPr>
+            <p:extLst>
+              <p:ext uri="{386F3935-93C4-4BCD-93E2-E3B085C9AB24}">
+                <p16:designElem xmlns:p16="http://schemas.microsoft.com/office/powerpoint/2015/main" val="1"/>
+              </p:ext>
+            </p:extLst>
+          </p:nvPr>
+        </p:nvSpPr>
+        <p:spPr>
+          <a:xfrm>
+            <a:off x="0" y="0"/>
+            <a:ext cx="12192000" cy="6858000"/>
+          </a:xfrm>
+          <a:prstGeom prst="rect">
+            <a:avLst/>
+          </a:prstGeom>
+          <a:ln>
+            <a:noFill/>
+          </a:ln>
+        </p:spPr>
+        <p:style>
+          <a:lnRef idx="2">
+            <a:schemeClr val="accent1">
+              <a:shade val="50000"/>
+            </a:schemeClr>
+          </a:lnRef>
+          <a:fillRef idx="1">
+            <a:schemeClr val="accent1"/>
+          </a:fillRef>
+          <a:effectRef idx="0">
+            <a:schemeClr val="accent1"/>
+          </a:effectRef>
+          <a:fontRef idx="minor">
+            <a:schemeClr val="lt1"/>
+          </a:fontRef>
+        </p:style>
+        <p:txBody>
+          <a:bodyPr rtlCol="0" anchor="ctr"/>
+          <a:lstStyle/>
+          <a:p>
+            <a:pPr algn="ctr"/>
+            <a:endParaRPr lang="en-US" dirty="0"/>
+          </a:p>
+        </p:txBody>
+      </p:sp>
+      <p:pic>
+        <p:nvPicPr>
+          <p:cNvPr id="7" name="Picture 6">
+            <a:extLst>
+              <a:ext uri="{FF2B5EF4-FFF2-40B4-BE49-F238E27FC236}">
+                <a16:creationId xmlns:a16="http://schemas.microsoft.com/office/drawing/2014/main" id="{AFCFEDC4-8655-7A50-9073-DDD540643E33}"/>
+              </a:ext>
+            </a:extLst>
+          </p:cNvPr>
+          <p:cNvPicPr>
+            <a:picLocks noChangeAspect="1"/>
+          </p:cNvPicPr>
+          <p:nvPr/>
+        </p:nvPicPr>
+        <p:blipFill>
+          <a:blip r:embed="rId3"/>
+          <a:srcRect l="9059" t="6561" r="27754"/>
+          <a:stretch>
+            <a:fillRect/>
+          </a:stretch>
+        </p:blipFill>
+        <p:spPr>
+          <a:xfrm>
+            <a:off x="3523488" y="10"/>
+            <a:ext cx="8668512" cy="6857990"/>
+          </a:xfrm>
+          <a:prstGeom prst="rect">
+            <a:avLst/>
+          </a:prstGeom>
+        </p:spPr>
+      </p:pic>
+      <p:sp>
+        <p:nvSpPr>
+          <p:cNvPr id="66" name="Rectangle 65">
+            <a:extLst>
+              <a:ext uri="{FF2B5EF4-FFF2-40B4-BE49-F238E27FC236}">
+                <a16:creationId xmlns:a16="http://schemas.microsoft.com/office/drawing/2014/main" id="{097CD68E-23E3-4007-8847-CD0944C4F7BE}"/>
+              </a:ext>
+              <a:ext uri="{C183D7F6-B498-43B3-948B-1728B52AA6E4}">
+                <adec:decorative xmlns:adec="http://schemas.microsoft.com/office/drawing/2017/decorative" val="1"/>
+              </a:ext>
+            </a:extLst>
+          </p:cNvPr>
+          <p:cNvSpPr>
+            <a:spLocks noGrp="1" noRot="1" noChangeAspect="1" noMove="1" noResize="1" noEditPoints="1" noAdjustHandles="1" noChangeArrowheads="1" noChangeShapeType="1" noTextEdit="1"/>
+          </p:cNvSpPr>
+          <p:nvPr>
+            <p:extLst>
+              <p:ext uri="{386F3935-93C4-4BCD-93E2-E3B085C9AB24}">
+                <p16:designElem xmlns:p16="http://schemas.microsoft.com/office/powerpoint/2015/main" val="1"/>
+              </p:ext>
+            </p:extLst>
+          </p:nvPr>
+        </p:nvSpPr>
+        <p:spPr>
+          <a:xfrm>
+            <a:off x="0" y="0"/>
+            <a:ext cx="9756601" cy="6858000"/>
+          </a:xfrm>
+          <a:prstGeom prst="rect">
+            <a:avLst/>
+          </a:prstGeom>
+          <a:gradFill>
+            <a:gsLst>
+              <a:gs pos="58000">
+                <a:schemeClr val="bg1"/>
+              </a:gs>
+              <a:gs pos="35000">
+                <a:schemeClr val="bg1">
+                  <a:alpha val="79000"/>
+                </a:schemeClr>
+              </a:gs>
+              <a:gs pos="19000">
+                <a:schemeClr val="bg1">
+                  <a:alpha val="38000"/>
+                </a:schemeClr>
+              </a:gs>
+              <a:gs pos="0">
+                <a:schemeClr val="bg1">
+                  <a:alpha val="0"/>
+                </a:schemeClr>
+              </a:gs>
+              <a:gs pos="100000">
+                <a:schemeClr val="bg1"/>
+              </a:gs>
+            </a:gsLst>
+            <a:lin ang="10800000" scaled="0"/>
+          </a:gradFill>
+          <a:ln>
+            <a:noFill/>
+          </a:ln>
+        </p:spPr>
+        <p:style>
+          <a:lnRef idx="2">
+            <a:schemeClr val="accent1">
+              <a:shade val="50000"/>
+            </a:schemeClr>
+          </a:lnRef>
+          <a:fillRef idx="1">
+            <a:schemeClr val="accent1"/>
+          </a:fillRef>
+          <a:effectRef idx="0">
+            <a:schemeClr val="accent1"/>
+          </a:effectRef>
+          <a:fontRef idx="minor">
+            <a:schemeClr val="lt1"/>
+          </a:fontRef>
+        </p:style>
+        <p:txBody>
+          <a:bodyPr rtlCol="0" anchor="ctr"/>
+          <a:lstStyle/>
+          <a:p>
+            <a:pPr algn="ctr"/>
+            <a:endParaRPr lang="en-US" dirty="0"/>
+          </a:p>
+        </p:txBody>
+      </p:sp>
       <p:sp>
         <p:nvSpPr>
           <p:cNvPr id="3" name="Subtitle 2">
@@ -3784,37 +7934,44 @@
         </p:nvSpPr>
         <p:spPr>
           <a:xfrm>
-            <a:off x="1524000" y="1175657"/>
-            <a:ext cx="9144000" cy="5139189"/>
+            <a:off x="477980" y="1132114"/>
+            <a:ext cx="6510649" cy="4948949"/>
           </a:xfrm>
         </p:spPr>
         <p:txBody>
-          <a:bodyPr/>
+          <a:bodyPr>
+            <a:normAutofit/>
+          </a:bodyPr>
           <a:lstStyle/>
           <a:p>
-            <a:r>
-              <a:rPr lang="en-US" b="1" dirty="0"/>
+            <a:pPr algn="l"/>
+            <a:r>
+              <a:rPr lang="en-US" sz="2000" b="1" dirty="0"/>
               <a:t>TITLE</a:t>
             </a:r>
+          </a:p>
+          <a:p>
+            <a:pPr algn="l"/>
             <a:br>
-              <a:rPr lang="en-US" b="1" dirty="0"/>
+              <a:rPr lang="en-US" sz="2000" b="1" u="sng" dirty="0"/>
             </a:br>
             <a:r>
-              <a:rPr lang="en-US" b="1" dirty="0"/>
+              <a:rPr lang="en-US" sz="2800" b="1" u="sng" dirty="0"/>
               <a:t>🎬 </a:t>
             </a:r>
             <a:r>
-              <a:rPr lang="en-US" b="1" i="1" dirty="0"/>
+              <a:rPr lang="en-US" sz="2800" b="1" i="1" u="sng" dirty="0"/>
               <a:t>Movie Recommendation System</a:t>
             </a:r>
           </a:p>
           <a:p>
-            <a:endParaRPr lang="en-US" b="1" i="1" dirty="0"/>
-          </a:p>
-          <a:p>
             <a:pPr algn="l"/>
-            <a:r>
-              <a:rPr lang="en-US" b="1" i="1" u="sng" dirty="0"/>
+            <a:endParaRPr lang="en-US" sz="2000" b="1" i="1" dirty="0"/>
+          </a:p>
+          <a:p>
+            <a:pPr algn="l"/>
+            <a:r>
+              <a:rPr lang="en-US" sz="2000" b="1" i="1" u="sng" dirty="0"/>
               <a:t>Project Team Members</a:t>
             </a:r>
           </a:p>
@@ -3824,14 +7981,9 @@
               <a:buAutoNum type="arabicPeriod"/>
             </a:pPr>
             <a:r>
-              <a:rPr lang="en-US" dirty="0"/>
-              <a:t>Hezron </a:t>
-            </a:r>
-            <a:r>
-              <a:rPr lang="en-US" dirty="0" err="1"/>
-              <a:t>Rumenya</a:t>
-            </a:r>
-            <a:endParaRPr lang="en-US" dirty="0"/>
+              <a:rPr lang="en-US" sz="2000" dirty="0"/>
+              <a:t>Hezron Rumenya</a:t>
+            </a:r>
           </a:p>
           <a:p>
             <a:pPr marL="457200" indent="-457200" algn="l">
@@ -3839,9 +7991,14 @@
               <a:buAutoNum type="arabicPeriod"/>
             </a:pPr>
             <a:r>
-              <a:rPr lang="en-US" dirty="0"/>
+              <a:rPr lang="en-US" sz="2000" dirty="0"/>
               <a:t>Eric </a:t>
             </a:r>
+            <a:r>
+              <a:rPr lang="en-US" sz="2000" dirty="0" err="1"/>
+              <a:t>Ongau</a:t>
+            </a:r>
+            <a:endParaRPr lang="en-US" sz="2000" dirty="0"/>
           </a:p>
           <a:p>
             <a:pPr marL="457200" indent="-457200" algn="l">
@@ -3849,14 +8006,9 @@
               <a:buAutoNum type="arabicPeriod"/>
             </a:pPr>
             <a:r>
-              <a:rPr lang="en-US" dirty="0"/>
-              <a:t>Joackim </a:t>
-            </a:r>
-            <a:r>
-              <a:rPr lang="en-US" dirty="0" err="1"/>
-              <a:t>Kisienya</a:t>
-            </a:r>
-            <a:endParaRPr lang="en-US" dirty="0"/>
+              <a:rPr lang="en-US" sz="2000" dirty="0"/>
+              <a:t>Joackim Kisienya</a:t>
+            </a:r>
           </a:p>
           <a:p>
             <a:pPr marL="457200" indent="-457200" algn="l">
@@ -3864,7 +8016,7 @@
               <a:buAutoNum type="arabicPeriod"/>
             </a:pPr>
             <a:r>
-              <a:rPr lang="en-US" dirty="0"/>
+              <a:rPr lang="en-US" sz="2000" dirty="0"/>
               <a:t>Joy Sila</a:t>
             </a:r>
           </a:p>
@@ -3874,8 +8026,8 @@
               <a:buAutoNum type="arabicPeriod"/>
             </a:pPr>
             <a:r>
-              <a:rPr lang="en-US" dirty="0"/>
-              <a:t>Newton Kyalo</a:t>
+              <a:rPr lang="en-US" sz="2000" dirty="0"/>
+              <a:t>Newton Njeri</a:t>
             </a:r>
           </a:p>
           <a:p>
@@ -3884,12 +8036,174 @@
               <a:buAutoNum type="arabicPeriod"/>
             </a:pPr>
             <a:r>
-              <a:rPr lang="en-US" dirty="0"/>
+              <a:rPr lang="en-US" sz="2000" dirty="0"/>
               <a:t>Lynn Kyalo</a:t>
             </a:r>
           </a:p>
           <a:p>
-            <a:endParaRPr lang="en-US" b="1" dirty="0"/>
+            <a:pPr algn="l"/>
+            <a:endParaRPr lang="en-US" sz="500" b="1" dirty="0"/>
+          </a:p>
+        </p:txBody>
+      </p:sp>
+      <p:sp>
+        <p:nvSpPr>
+          <p:cNvPr id="68" name="Rectangle 67">
+            <a:extLst>
+              <a:ext uri="{FF2B5EF4-FFF2-40B4-BE49-F238E27FC236}">
+                <a16:creationId xmlns:a16="http://schemas.microsoft.com/office/drawing/2014/main" id="{AF2F604E-43BE-4DC3-B983-E071523364F8}"/>
+              </a:ext>
+              <a:ext uri="{C183D7F6-B498-43B3-948B-1728B52AA6E4}">
+                <adec:decorative xmlns:adec="http://schemas.microsoft.com/office/drawing/2017/decorative" val="1"/>
+              </a:ext>
+            </a:extLst>
+          </p:cNvPr>
+          <p:cNvSpPr>
+            <a:spLocks noGrp="1" noRot="1" noChangeAspect="1" noMove="1" noResize="1" noEditPoints="1" noAdjustHandles="1" noChangeArrowheads="1" noChangeShapeType="1" noTextEdit="1"/>
+          </p:cNvSpPr>
+          <p:nvPr>
+            <p:extLst>
+              <p:ext uri="{386F3935-93C4-4BCD-93E2-E3B085C9AB24}">
+                <p16:designElem xmlns:p16="http://schemas.microsoft.com/office/powerpoint/2015/main" val="1"/>
+              </p:ext>
+            </p:extLst>
+          </p:nvPr>
+        </p:nvSpPr>
+        <p:spPr>
+          <a:xfrm rot="5400000">
+            <a:off x="759921" y="346791"/>
+            <a:ext cx="146304" cy="704088"/>
+          </a:xfrm>
+          <a:prstGeom prst="rect">
+            <a:avLst/>
+          </a:prstGeom>
+          <a:solidFill>
+            <a:schemeClr val="accent2"/>
+          </a:solidFill>
+          <a:ln>
+            <a:noFill/>
+          </a:ln>
+        </p:spPr>
+        <p:style>
+          <a:lnRef idx="2">
+            <a:schemeClr val="accent1">
+              <a:shade val="50000"/>
+            </a:schemeClr>
+          </a:lnRef>
+          <a:fillRef idx="1">
+            <a:schemeClr val="accent1"/>
+          </a:fillRef>
+          <a:effectRef idx="0">
+            <a:schemeClr val="accent1"/>
+          </a:effectRef>
+          <a:fontRef idx="minor">
+            <a:schemeClr val="lt1"/>
+          </a:fontRef>
+        </p:style>
+        <p:txBody>
+          <a:bodyPr rtlCol="0" anchor="ctr"/>
+          <a:lstStyle/>
+          <a:p>
+            <a:pPr algn="ctr"/>
+            <a:endParaRPr lang="en-US" dirty="0">
+              <a:solidFill>
+                <a:prstClr val="white"/>
+              </a:solidFill>
+              <a:latin typeface="Calibri" panose="020F0502020204030204"/>
+            </a:endParaRPr>
+          </a:p>
+        </p:txBody>
+      </p:sp>
+      <p:sp>
+        <p:nvSpPr>
+          <p:cNvPr id="70" name="Rectangle 69">
+            <a:extLst>
+              <a:ext uri="{FF2B5EF4-FFF2-40B4-BE49-F238E27FC236}">
+                <a16:creationId xmlns:a16="http://schemas.microsoft.com/office/drawing/2014/main" id="{08C9B587-E65E-4B52-B37C-ABEBB6E87928}"/>
+              </a:ext>
+              <a:ext uri="{C183D7F6-B498-43B3-948B-1728B52AA6E4}">
+                <adec:decorative xmlns:adec="http://schemas.microsoft.com/office/drawing/2017/decorative" val="1"/>
+              </a:ext>
+            </a:extLst>
+          </p:cNvPr>
+          <p:cNvSpPr>
+            <a:spLocks noGrp="1" noRot="1" noChangeAspect="1" noMove="1" noResize="1" noEditPoints="1" noAdjustHandles="1" noChangeArrowheads="1" noChangeShapeType="1" noTextEdit="1"/>
+          </p:cNvSpPr>
+          <p:nvPr>
+            <p:extLst>
+              <p:ext uri="{386F3935-93C4-4BCD-93E2-E3B085C9AB24}">
+                <p16:designElem xmlns:p16="http://schemas.microsoft.com/office/powerpoint/2015/main" val="1"/>
+              </p:ext>
+            </p:extLst>
+          </p:nvPr>
+        </p:nvSpPr>
+        <p:spPr>
+          <a:xfrm>
+            <a:off x="481029" y="4546920"/>
+            <a:ext cx="3977640" cy="18288"/>
+          </a:xfrm>
+          <a:prstGeom prst="rect">
+            <a:avLst/>
+          </a:prstGeom>
+          <a:solidFill>
+            <a:srgbClr val="D5D5D5"/>
+          </a:solidFill>
+          <a:ln w="3175">
+            <a:noFill/>
+          </a:ln>
+          <a:effectLst/>
+        </p:spPr>
+        <p:style>
+          <a:lnRef idx="2">
+            <a:schemeClr val="accent1">
+              <a:shade val="50000"/>
+            </a:schemeClr>
+          </a:lnRef>
+          <a:fillRef idx="1">
+            <a:schemeClr val="accent1"/>
+          </a:fillRef>
+          <a:effectRef idx="0">
+            <a:schemeClr val="accent1"/>
+          </a:effectRef>
+          <a:fontRef idx="minor">
+            <a:schemeClr val="lt1"/>
+          </a:fontRef>
+        </p:style>
+        <p:txBody>
+          <a:bodyPr rtlCol="0" anchor="ctr"/>
+          <a:lstStyle/>
+          <a:p>
+            <a:pPr marL="0" marR="0" lvl="0" indent="0" algn="ctr" defTabSz="914400" rtl="0" eaLnBrk="1" fontAlgn="auto" latinLnBrk="0" hangingPunct="1">
+              <a:lnSpc>
+                <a:spcPct val="100000"/>
+              </a:lnSpc>
+              <a:spcBef>
+                <a:spcPts val="0"/>
+              </a:spcBef>
+              <a:spcAft>
+                <a:spcPts val="0"/>
+              </a:spcAft>
+              <a:buClrTx/>
+              <a:buSzTx/>
+              <a:buFontTx/>
+              <a:buNone/>
+              <a:tabLst/>
+              <a:defRPr/>
+            </a:pPr>
+            <a:endParaRPr kumimoji="0" lang="en-US" sz="1800" b="0" i="0" u="none" strike="noStrike" kern="1200" cap="none" spc="0" normalizeH="0" baseline="0" noProof="0" dirty="0">
+              <a:ln>
+                <a:noFill/>
+              </a:ln>
+              <a:solidFill>
+                <a:prstClr val="white"/>
+              </a:solidFill>
+              <a:effectLst/>
+              <a:uLnTx/>
+              <a:uFillTx/>
+              <a:latin typeface="Calibri" panose="020F0502020204030204"/>
+              <a:ea typeface="+mn-ea"/>
+              <a:cs typeface="+mn-cs"/>
+            </a:endParaRPr>
           </a:p>
         </p:txBody>
       </p:sp>
@@ -3911,16 +8225,30 @@
         </p:nvSpPr>
         <p:spPr>
           <a:xfrm>
-            <a:off x="1894114" y="6314846"/>
-            <a:ext cx="8371115" cy="413655"/>
+            <a:off x="1692321" y="6356350"/>
+            <a:ext cx="2809017" cy="365125"/>
           </a:xfrm>
         </p:spPr>
         <p:txBody>
-          <a:bodyPr/>
+          <a:bodyPr>
+            <a:normAutofit/>
+          </a:bodyPr>
           <a:lstStyle/>
           <a:p>
-            <a:r>
-              <a:rPr lang="en-US" b="1" dirty="0"/>
+            <a:pPr algn="r">
+              <a:spcAft>
+                <a:spcPts val="600"/>
+              </a:spcAft>
+            </a:pPr>
+            <a:r>
+              <a:rPr lang="en-US" b="1" dirty="0">
+                <a:solidFill>
+                  <a:schemeClr val="tx1">
+                    <a:lumMod val="50000"/>
+                    <a:lumOff val="50000"/>
+                  </a:schemeClr>
+                </a:solidFill>
+              </a:rPr>
               <a:t>Group 2 Phase 4 Project</a:t>
             </a:r>
           </a:p>
@@ -3936,6 +8264,600 @@
   <p:clrMapOvr>
     <a:masterClrMapping/>
   </p:clrMapOvr>
+  <p:timing>
+    <p:tnLst>
+      <p:par>
+        <p:cTn id="1" dur="indefinite" restart="never" nodeType="tmRoot">
+          <p:childTnLst>
+            <p:seq concurrent="1" nextAc="seek">
+              <p:cTn id="2" dur="indefinite" nodeType="mainSeq">
+                <p:childTnLst>
+                  <p:par>
+                    <p:cTn id="3" fill="hold">
+                      <p:stCondLst>
+                        <p:cond delay="indefinite"/>
+                        <p:cond evt="onBegin" delay="0">
+                          <p:tn val="2"/>
+                        </p:cond>
+                      </p:stCondLst>
+                      <p:childTnLst>
+                        <p:par>
+                          <p:cTn id="4" fill="hold">
+                            <p:stCondLst>
+                              <p:cond delay="0"/>
+                            </p:stCondLst>
+                            <p:childTnLst>
+                              <p:par>
+                                <p:cTn id="5" presetID="10" presetClass="entr" presetSubtype="0" fill="hold" grpId="0" nodeType="withEffect">
+                                  <p:stCondLst>
+                                    <p:cond delay="2000"/>
+                                  </p:stCondLst>
+                                  <p:iterate type="lt">
+                                    <p:tmPct val="10000"/>
+                                  </p:iterate>
+                                  <p:childTnLst>
+                                    <p:set>
+                                      <p:cBhvr>
+                                        <p:cTn id="6" dur="1" fill="hold">
+                                          <p:stCondLst>
+                                            <p:cond delay="0"/>
+                                          </p:stCondLst>
+                                        </p:cTn>
+                                        <p:tgtEl>
+                                          <p:spTgt spid="3">
+                                            <p:txEl>
+                                              <p:pRg st="0" end="0"/>
+                                            </p:txEl>
+                                          </p:spTgt>
+                                        </p:tgtEl>
+                                        <p:attrNameLst>
+                                          <p:attrName>style.visibility</p:attrName>
+                                        </p:attrNameLst>
+                                      </p:cBhvr>
+                                      <p:to>
+                                        <p:strVal val="visible"/>
+                                      </p:to>
+                                    </p:set>
+                                    <p:animEffect transition="in" filter="fade">
+                                      <p:cBhvr>
+                                        <p:cTn id="7" dur="400"/>
+                                        <p:tgtEl>
+                                          <p:spTgt spid="3">
+                                            <p:txEl>
+                                              <p:pRg st="0" end="0"/>
+                                            </p:txEl>
+                                          </p:spTgt>
+                                        </p:tgtEl>
+                                      </p:cBhvr>
+                                    </p:animEffect>
+                                  </p:childTnLst>
+                                </p:cTn>
+                              </p:par>
+                              <p:par>
+                                <p:cTn id="8" presetID="10" presetClass="entr" presetSubtype="0" fill="hold" grpId="0" nodeType="withEffect">
+                                  <p:stCondLst>
+                                    <p:cond delay="2000"/>
+                                  </p:stCondLst>
+                                  <p:iterate type="lt">
+                                    <p:tmPct val="10000"/>
+                                  </p:iterate>
+                                  <p:childTnLst>
+                                    <p:set>
+                                      <p:cBhvr>
+                                        <p:cTn id="9" dur="1" fill="hold">
+                                          <p:stCondLst>
+                                            <p:cond delay="0"/>
+                                          </p:stCondLst>
+                                        </p:cTn>
+                                        <p:tgtEl>
+                                          <p:spTgt spid="3">
+                                            <p:txEl>
+                                              <p:pRg st="1" end="1"/>
+                                            </p:txEl>
+                                          </p:spTgt>
+                                        </p:tgtEl>
+                                        <p:attrNameLst>
+                                          <p:attrName>style.visibility</p:attrName>
+                                        </p:attrNameLst>
+                                      </p:cBhvr>
+                                      <p:to>
+                                        <p:strVal val="visible"/>
+                                      </p:to>
+                                    </p:set>
+                                    <p:animEffect transition="in" filter="fade">
+                                      <p:cBhvr>
+                                        <p:cTn id="10" dur="400"/>
+                                        <p:tgtEl>
+                                          <p:spTgt spid="3">
+                                            <p:txEl>
+                                              <p:pRg st="1" end="1"/>
+                                            </p:txEl>
+                                          </p:spTgt>
+                                        </p:tgtEl>
+                                      </p:cBhvr>
+                                    </p:animEffect>
+                                  </p:childTnLst>
+                                </p:cTn>
+                              </p:par>
+                            </p:childTnLst>
+                          </p:cTn>
+                        </p:par>
+                      </p:childTnLst>
+                    </p:cTn>
+                  </p:par>
+                  <p:par>
+                    <p:cTn id="11" fill="hold">
+                      <p:stCondLst>
+                        <p:cond delay="indefinite"/>
+                      </p:stCondLst>
+                      <p:childTnLst>
+                        <p:par>
+                          <p:cTn id="12" fill="hold">
+                            <p:stCondLst>
+                              <p:cond delay="0"/>
+                            </p:stCondLst>
+                            <p:childTnLst>
+                              <p:par>
+                                <p:cTn id="13" presetID="10" presetClass="entr" presetSubtype="0" fill="hold" grpId="0" nodeType="clickEffect">
+                                  <p:stCondLst>
+                                    <p:cond delay="2000"/>
+                                  </p:stCondLst>
+                                  <p:iterate type="lt">
+                                    <p:tmPct val="10000"/>
+                                  </p:iterate>
+                                  <p:childTnLst>
+                                    <p:set>
+                                      <p:cBhvr>
+                                        <p:cTn id="14" dur="1" fill="hold">
+                                          <p:stCondLst>
+                                            <p:cond delay="0"/>
+                                          </p:stCondLst>
+                                        </p:cTn>
+                                        <p:tgtEl>
+                                          <p:spTgt spid="3">
+                                            <p:txEl>
+                                              <p:pRg st="3" end="3"/>
+                                            </p:txEl>
+                                          </p:spTgt>
+                                        </p:tgtEl>
+                                        <p:attrNameLst>
+                                          <p:attrName>style.visibility</p:attrName>
+                                        </p:attrNameLst>
+                                      </p:cBhvr>
+                                      <p:to>
+                                        <p:strVal val="visible"/>
+                                      </p:to>
+                                    </p:set>
+                                    <p:animEffect transition="in" filter="fade">
+                                      <p:cBhvr>
+                                        <p:cTn id="15" dur="400"/>
+                                        <p:tgtEl>
+                                          <p:spTgt spid="3">
+                                            <p:txEl>
+                                              <p:pRg st="3" end="3"/>
+                                            </p:txEl>
+                                          </p:spTgt>
+                                        </p:tgtEl>
+                                      </p:cBhvr>
+                                    </p:animEffect>
+                                  </p:childTnLst>
+                                </p:cTn>
+                              </p:par>
+                            </p:childTnLst>
+                          </p:cTn>
+                        </p:par>
+                      </p:childTnLst>
+                    </p:cTn>
+                  </p:par>
+                  <p:par>
+                    <p:cTn id="16" fill="hold">
+                      <p:stCondLst>
+                        <p:cond delay="indefinite"/>
+                      </p:stCondLst>
+                      <p:childTnLst>
+                        <p:par>
+                          <p:cTn id="17" fill="hold">
+                            <p:stCondLst>
+                              <p:cond delay="0"/>
+                            </p:stCondLst>
+                            <p:childTnLst>
+                              <p:par>
+                                <p:cTn id="18" presetID="10" presetClass="entr" presetSubtype="0" fill="hold" grpId="0" nodeType="clickEffect">
+                                  <p:stCondLst>
+                                    <p:cond delay="2000"/>
+                                  </p:stCondLst>
+                                  <p:iterate type="lt">
+                                    <p:tmPct val="10000"/>
+                                  </p:iterate>
+                                  <p:childTnLst>
+                                    <p:set>
+                                      <p:cBhvr>
+                                        <p:cTn id="19" dur="1" fill="hold">
+                                          <p:stCondLst>
+                                            <p:cond delay="0"/>
+                                          </p:stCondLst>
+                                        </p:cTn>
+                                        <p:tgtEl>
+                                          <p:spTgt spid="3">
+                                            <p:txEl>
+                                              <p:pRg st="4" end="4"/>
+                                            </p:txEl>
+                                          </p:spTgt>
+                                        </p:tgtEl>
+                                        <p:attrNameLst>
+                                          <p:attrName>style.visibility</p:attrName>
+                                        </p:attrNameLst>
+                                      </p:cBhvr>
+                                      <p:to>
+                                        <p:strVal val="visible"/>
+                                      </p:to>
+                                    </p:set>
+                                    <p:animEffect transition="in" filter="fade">
+                                      <p:cBhvr>
+                                        <p:cTn id="20" dur="400"/>
+                                        <p:tgtEl>
+                                          <p:spTgt spid="3">
+                                            <p:txEl>
+                                              <p:pRg st="4" end="4"/>
+                                            </p:txEl>
+                                          </p:spTgt>
+                                        </p:tgtEl>
+                                      </p:cBhvr>
+                                    </p:animEffect>
+                                  </p:childTnLst>
+                                </p:cTn>
+                              </p:par>
+                            </p:childTnLst>
+                          </p:cTn>
+                        </p:par>
+                      </p:childTnLst>
+                    </p:cTn>
+                  </p:par>
+                  <p:par>
+                    <p:cTn id="21" fill="hold">
+                      <p:stCondLst>
+                        <p:cond delay="indefinite"/>
+                      </p:stCondLst>
+                      <p:childTnLst>
+                        <p:par>
+                          <p:cTn id="22" fill="hold">
+                            <p:stCondLst>
+                              <p:cond delay="0"/>
+                            </p:stCondLst>
+                            <p:childTnLst>
+                              <p:par>
+                                <p:cTn id="23" presetID="10" presetClass="entr" presetSubtype="0" fill="hold" grpId="0" nodeType="clickEffect">
+                                  <p:stCondLst>
+                                    <p:cond delay="2000"/>
+                                  </p:stCondLst>
+                                  <p:iterate type="lt">
+                                    <p:tmPct val="10000"/>
+                                  </p:iterate>
+                                  <p:childTnLst>
+                                    <p:set>
+                                      <p:cBhvr>
+                                        <p:cTn id="24" dur="1" fill="hold">
+                                          <p:stCondLst>
+                                            <p:cond delay="0"/>
+                                          </p:stCondLst>
+                                        </p:cTn>
+                                        <p:tgtEl>
+                                          <p:spTgt spid="3">
+                                            <p:txEl>
+                                              <p:pRg st="5" end="5"/>
+                                            </p:txEl>
+                                          </p:spTgt>
+                                        </p:tgtEl>
+                                        <p:attrNameLst>
+                                          <p:attrName>style.visibility</p:attrName>
+                                        </p:attrNameLst>
+                                      </p:cBhvr>
+                                      <p:to>
+                                        <p:strVal val="visible"/>
+                                      </p:to>
+                                    </p:set>
+                                    <p:animEffect transition="in" filter="fade">
+                                      <p:cBhvr>
+                                        <p:cTn id="25" dur="400"/>
+                                        <p:tgtEl>
+                                          <p:spTgt spid="3">
+                                            <p:txEl>
+                                              <p:pRg st="5" end="5"/>
+                                            </p:txEl>
+                                          </p:spTgt>
+                                        </p:tgtEl>
+                                      </p:cBhvr>
+                                    </p:animEffect>
+                                  </p:childTnLst>
+                                </p:cTn>
+                              </p:par>
+                            </p:childTnLst>
+                          </p:cTn>
+                        </p:par>
+                      </p:childTnLst>
+                    </p:cTn>
+                  </p:par>
+                  <p:par>
+                    <p:cTn id="26" fill="hold">
+                      <p:stCondLst>
+                        <p:cond delay="indefinite"/>
+                      </p:stCondLst>
+                      <p:childTnLst>
+                        <p:par>
+                          <p:cTn id="27" fill="hold">
+                            <p:stCondLst>
+                              <p:cond delay="0"/>
+                            </p:stCondLst>
+                            <p:childTnLst>
+                              <p:par>
+                                <p:cTn id="28" presetID="10" presetClass="entr" presetSubtype="0" fill="hold" grpId="0" nodeType="clickEffect">
+                                  <p:stCondLst>
+                                    <p:cond delay="2000"/>
+                                  </p:stCondLst>
+                                  <p:iterate type="lt">
+                                    <p:tmPct val="10000"/>
+                                  </p:iterate>
+                                  <p:childTnLst>
+                                    <p:set>
+                                      <p:cBhvr>
+                                        <p:cTn id="29" dur="1" fill="hold">
+                                          <p:stCondLst>
+                                            <p:cond delay="0"/>
+                                          </p:stCondLst>
+                                        </p:cTn>
+                                        <p:tgtEl>
+                                          <p:spTgt spid="3">
+                                            <p:txEl>
+                                              <p:pRg st="6" end="6"/>
+                                            </p:txEl>
+                                          </p:spTgt>
+                                        </p:tgtEl>
+                                        <p:attrNameLst>
+                                          <p:attrName>style.visibility</p:attrName>
+                                        </p:attrNameLst>
+                                      </p:cBhvr>
+                                      <p:to>
+                                        <p:strVal val="visible"/>
+                                      </p:to>
+                                    </p:set>
+                                    <p:animEffect transition="in" filter="fade">
+                                      <p:cBhvr>
+                                        <p:cTn id="30" dur="400"/>
+                                        <p:tgtEl>
+                                          <p:spTgt spid="3">
+                                            <p:txEl>
+                                              <p:pRg st="6" end="6"/>
+                                            </p:txEl>
+                                          </p:spTgt>
+                                        </p:tgtEl>
+                                      </p:cBhvr>
+                                    </p:animEffect>
+                                  </p:childTnLst>
+                                </p:cTn>
+                              </p:par>
+                            </p:childTnLst>
+                          </p:cTn>
+                        </p:par>
+                      </p:childTnLst>
+                    </p:cTn>
+                  </p:par>
+                  <p:par>
+                    <p:cTn id="31" fill="hold">
+                      <p:stCondLst>
+                        <p:cond delay="indefinite"/>
+                      </p:stCondLst>
+                      <p:childTnLst>
+                        <p:par>
+                          <p:cTn id="32" fill="hold">
+                            <p:stCondLst>
+                              <p:cond delay="0"/>
+                            </p:stCondLst>
+                            <p:childTnLst>
+                              <p:par>
+                                <p:cTn id="33" presetID="10" presetClass="entr" presetSubtype="0" fill="hold" grpId="0" nodeType="clickEffect">
+                                  <p:stCondLst>
+                                    <p:cond delay="2000"/>
+                                  </p:stCondLst>
+                                  <p:iterate type="lt">
+                                    <p:tmPct val="10000"/>
+                                  </p:iterate>
+                                  <p:childTnLst>
+                                    <p:set>
+                                      <p:cBhvr>
+                                        <p:cTn id="34" dur="1" fill="hold">
+                                          <p:stCondLst>
+                                            <p:cond delay="0"/>
+                                          </p:stCondLst>
+                                        </p:cTn>
+                                        <p:tgtEl>
+                                          <p:spTgt spid="3">
+                                            <p:txEl>
+                                              <p:pRg st="7" end="7"/>
+                                            </p:txEl>
+                                          </p:spTgt>
+                                        </p:tgtEl>
+                                        <p:attrNameLst>
+                                          <p:attrName>style.visibility</p:attrName>
+                                        </p:attrNameLst>
+                                      </p:cBhvr>
+                                      <p:to>
+                                        <p:strVal val="visible"/>
+                                      </p:to>
+                                    </p:set>
+                                    <p:animEffect transition="in" filter="fade">
+                                      <p:cBhvr>
+                                        <p:cTn id="35" dur="400"/>
+                                        <p:tgtEl>
+                                          <p:spTgt spid="3">
+                                            <p:txEl>
+                                              <p:pRg st="7" end="7"/>
+                                            </p:txEl>
+                                          </p:spTgt>
+                                        </p:tgtEl>
+                                      </p:cBhvr>
+                                    </p:animEffect>
+                                  </p:childTnLst>
+                                </p:cTn>
+                              </p:par>
+                            </p:childTnLst>
+                          </p:cTn>
+                        </p:par>
+                      </p:childTnLst>
+                    </p:cTn>
+                  </p:par>
+                  <p:par>
+                    <p:cTn id="36" fill="hold">
+                      <p:stCondLst>
+                        <p:cond delay="indefinite"/>
+                      </p:stCondLst>
+                      <p:childTnLst>
+                        <p:par>
+                          <p:cTn id="37" fill="hold">
+                            <p:stCondLst>
+                              <p:cond delay="0"/>
+                            </p:stCondLst>
+                            <p:childTnLst>
+                              <p:par>
+                                <p:cTn id="38" presetID="10" presetClass="entr" presetSubtype="0" fill="hold" grpId="0" nodeType="clickEffect">
+                                  <p:stCondLst>
+                                    <p:cond delay="2000"/>
+                                  </p:stCondLst>
+                                  <p:iterate type="lt">
+                                    <p:tmPct val="10000"/>
+                                  </p:iterate>
+                                  <p:childTnLst>
+                                    <p:set>
+                                      <p:cBhvr>
+                                        <p:cTn id="39" dur="1" fill="hold">
+                                          <p:stCondLst>
+                                            <p:cond delay="0"/>
+                                          </p:stCondLst>
+                                        </p:cTn>
+                                        <p:tgtEl>
+                                          <p:spTgt spid="3">
+                                            <p:txEl>
+                                              <p:pRg st="8" end="8"/>
+                                            </p:txEl>
+                                          </p:spTgt>
+                                        </p:tgtEl>
+                                        <p:attrNameLst>
+                                          <p:attrName>style.visibility</p:attrName>
+                                        </p:attrNameLst>
+                                      </p:cBhvr>
+                                      <p:to>
+                                        <p:strVal val="visible"/>
+                                      </p:to>
+                                    </p:set>
+                                    <p:animEffect transition="in" filter="fade">
+                                      <p:cBhvr>
+                                        <p:cTn id="40" dur="400"/>
+                                        <p:tgtEl>
+                                          <p:spTgt spid="3">
+                                            <p:txEl>
+                                              <p:pRg st="8" end="8"/>
+                                            </p:txEl>
+                                          </p:spTgt>
+                                        </p:tgtEl>
+                                      </p:cBhvr>
+                                    </p:animEffect>
+                                  </p:childTnLst>
+                                </p:cTn>
+                              </p:par>
+                            </p:childTnLst>
+                          </p:cTn>
+                        </p:par>
+                      </p:childTnLst>
+                    </p:cTn>
+                  </p:par>
+                  <p:par>
+                    <p:cTn id="41" fill="hold">
+                      <p:stCondLst>
+                        <p:cond delay="indefinite"/>
+                      </p:stCondLst>
+                      <p:childTnLst>
+                        <p:par>
+                          <p:cTn id="42" fill="hold">
+                            <p:stCondLst>
+                              <p:cond delay="0"/>
+                            </p:stCondLst>
+                            <p:childTnLst>
+                              <p:par>
+                                <p:cTn id="43" presetID="10" presetClass="entr" presetSubtype="0" fill="hold" grpId="0" nodeType="clickEffect">
+                                  <p:stCondLst>
+                                    <p:cond delay="2000"/>
+                                  </p:stCondLst>
+                                  <p:iterate type="lt">
+                                    <p:tmPct val="10000"/>
+                                  </p:iterate>
+                                  <p:childTnLst>
+                                    <p:set>
+                                      <p:cBhvr>
+                                        <p:cTn id="44" dur="1" fill="hold">
+                                          <p:stCondLst>
+                                            <p:cond delay="0"/>
+                                          </p:stCondLst>
+                                        </p:cTn>
+                                        <p:tgtEl>
+                                          <p:spTgt spid="3">
+                                            <p:txEl>
+                                              <p:pRg st="9" end="9"/>
+                                            </p:txEl>
+                                          </p:spTgt>
+                                        </p:tgtEl>
+                                        <p:attrNameLst>
+                                          <p:attrName>style.visibility</p:attrName>
+                                        </p:attrNameLst>
+                                      </p:cBhvr>
+                                      <p:to>
+                                        <p:strVal val="visible"/>
+                                      </p:to>
+                                    </p:set>
+                                    <p:animEffect transition="in" filter="fade">
+                                      <p:cBhvr>
+                                        <p:cTn id="45" dur="400"/>
+                                        <p:tgtEl>
+                                          <p:spTgt spid="3">
+                                            <p:txEl>
+                                              <p:pRg st="9" end="9"/>
+                                            </p:txEl>
+                                          </p:spTgt>
+                                        </p:tgtEl>
+                                      </p:cBhvr>
+                                    </p:animEffect>
+                                  </p:childTnLst>
+                                </p:cTn>
+                              </p:par>
+                            </p:childTnLst>
+                          </p:cTn>
+                        </p:par>
+                      </p:childTnLst>
+                    </p:cTn>
+                  </p:par>
+                </p:childTnLst>
+              </p:cTn>
+              <p:prevCondLst>
+                <p:cond evt="onPrev" delay="0">
+                  <p:tgtEl>
+                    <p:sldTgt/>
+                  </p:tgtEl>
+                </p:cond>
+              </p:prevCondLst>
+              <p:nextCondLst>
+                <p:cond evt="onNext" delay="0">
+                  <p:tgtEl>
+                    <p:sldTgt/>
+                  </p:tgtEl>
+                </p:cond>
+              </p:nextCondLst>
+            </p:seq>
+          </p:childTnLst>
+        </p:cTn>
+      </p:par>
+    </p:tnLst>
+    <p:bldLst>
+      <p:bldP spid="3" grpId="0" build="p"/>
+    </p:bldLst>
+  </p:timing>
 </p:sld>
 </file>
 
@@ -3985,7 +8907,7 @@
           <a:lstStyle/>
           <a:p>
             <a:r>
-              <a:rPr lang="en-US" b="1" i="1" dirty="0">
+              <a:rPr lang="en-US" b="1" i="1" u="sng" dirty="0">
                 <a:solidFill>
                   <a:srgbClr val="00B0F0"/>
                 </a:solidFill>
@@ -3995,125 +8917,37 @@
           </a:p>
         </p:txBody>
       </p:sp>
-      <p:sp>
-        <p:nvSpPr>
-          <p:cNvPr id="3" name="Content Placeholder 2">
+      <p:graphicFrame>
+        <p:nvGraphicFramePr>
+          <p:cNvPr id="12" name="Content Placeholder 2">
             <a:extLst>
               <a:ext uri="{FF2B5EF4-FFF2-40B4-BE49-F238E27FC236}">
-                <a16:creationId xmlns:a16="http://schemas.microsoft.com/office/drawing/2014/main" id="{42DF6A2B-9633-26C5-3437-2E1F195AA79F}"/>
+                <a16:creationId xmlns:a16="http://schemas.microsoft.com/office/drawing/2014/main" id="{299E5503-1C59-F49F-F4E7-D933765AC158}"/>
               </a:ext>
             </a:extLst>
           </p:cNvPr>
-          <p:cNvSpPr>
-            <a:spLocks noGrp="1"/>
-          </p:cNvSpPr>
+          <p:cNvGraphicFramePr>
+            <a:graphicFrameLocks noGrp="1"/>
+          </p:cNvGraphicFramePr>
           <p:nvPr>
             <p:ph idx="1"/>
+            <p:extLst>
+              <p:ext uri="{D42A27DB-BD31-4B8C-83A1-F6EECF244321}">
+                <p14:modId xmlns:p14="http://schemas.microsoft.com/office/powerpoint/2010/main" val="3530319539"/>
+              </p:ext>
+            </p:extLst>
           </p:nvPr>
-        </p:nvSpPr>
-        <p:spPr>
-          <a:xfrm>
-            <a:off x="838200" y="1132114"/>
-            <a:ext cx="10515600" cy="5044849"/>
-          </a:xfrm>
-        </p:spPr>
-        <p:txBody>
-          <a:bodyPr>
-            <a:normAutofit/>
-          </a:bodyPr>
-          <a:lstStyle/>
-          <a:p>
-            <a:pPr>
-              <a:lnSpc>
-                <a:spcPct val="150000"/>
-              </a:lnSpc>
-            </a:pPr>
-            <a:r>
-              <a:rPr lang="en-US" sz="1600" dirty="0">
-                <a:latin typeface="Times New Roman" panose="02020603050405020304" pitchFamily="18" charset="0"/>
-                <a:cs typeface="Times New Roman" panose="02020603050405020304" pitchFamily="18" charset="0"/>
-              </a:rPr>
-              <a:t>The world of streaming has transformed how we consume entertainment. Unlike the traditional television model where shows are limited and scheduled, streaming services now offer an enormous library of movies and series at the click of a button. But abundance creates its own problem: users often feel lost.</a:t>
-            </a:r>
-          </a:p>
-          <a:p>
-            <a:pPr>
-              <a:lnSpc>
-                <a:spcPct val="150000"/>
-              </a:lnSpc>
-            </a:pPr>
-            <a:r>
-              <a:rPr lang="en-US" sz="1600" dirty="0">
-                <a:latin typeface="Times New Roman" panose="02020603050405020304" pitchFamily="18" charset="0"/>
-                <a:cs typeface="Times New Roman" panose="02020603050405020304" pitchFamily="18" charset="0"/>
-              </a:rPr>
-              <a:t>Think about the last time you opened a streaming platform. Did you spend minutes scrolling through endless titles without finding anything? This is called </a:t>
-            </a:r>
-            <a:r>
-              <a:rPr lang="en-US" sz="1600" b="1" dirty="0">
-                <a:latin typeface="Times New Roman" panose="02020603050405020304" pitchFamily="18" charset="0"/>
-                <a:cs typeface="Times New Roman" panose="02020603050405020304" pitchFamily="18" charset="0"/>
-              </a:rPr>
-              <a:t>decision fatigue</a:t>
-            </a:r>
-            <a:r>
-              <a:rPr lang="en-US" sz="1600" dirty="0">
-                <a:latin typeface="Times New Roman" panose="02020603050405020304" pitchFamily="18" charset="0"/>
-                <a:cs typeface="Times New Roman" panose="02020603050405020304" pitchFamily="18" charset="0"/>
-              </a:rPr>
-              <a:t>. The more options available, the harder it becomes to choose, and the overall experience suffers.</a:t>
-            </a:r>
-          </a:p>
-          <a:p>
-            <a:pPr>
-              <a:lnSpc>
-                <a:spcPct val="150000"/>
-              </a:lnSpc>
-            </a:pPr>
-            <a:r>
-              <a:rPr lang="en-US" sz="1600" dirty="0">
-                <a:latin typeface="Times New Roman" panose="02020603050405020304" pitchFamily="18" charset="0"/>
-                <a:cs typeface="Times New Roman" panose="02020603050405020304" pitchFamily="18" charset="0"/>
-              </a:rPr>
-              <a:t>A recommendation system solves this issue by acting like a </a:t>
-            </a:r>
-            <a:r>
-              <a:rPr lang="en-US" sz="1600" b="1" dirty="0">
-                <a:latin typeface="Times New Roman" panose="02020603050405020304" pitchFamily="18" charset="0"/>
-                <a:cs typeface="Times New Roman" panose="02020603050405020304" pitchFamily="18" charset="0"/>
-              </a:rPr>
-              <a:t>personal assistant</a:t>
-            </a:r>
-            <a:r>
-              <a:rPr lang="en-US" sz="1600" dirty="0">
-                <a:latin typeface="Times New Roman" panose="02020603050405020304" pitchFamily="18" charset="0"/>
-                <a:cs typeface="Times New Roman" panose="02020603050405020304" pitchFamily="18" charset="0"/>
-              </a:rPr>
-              <a:t> inside the platform. It studies what you like, compares you to similar users, and suggests content tailored just for you. Instead of browsing through thousands of movies, you are presented with a shortlist that matches your unique taste.</a:t>
-            </a:r>
-          </a:p>
-          <a:p>
-            <a:pPr>
-              <a:lnSpc>
-                <a:spcPct val="150000"/>
-              </a:lnSpc>
-            </a:pPr>
-            <a:r>
-              <a:rPr lang="en-US" sz="1600" dirty="0">
-                <a:latin typeface="Times New Roman" panose="02020603050405020304" pitchFamily="18" charset="0"/>
-                <a:cs typeface="Times New Roman" panose="02020603050405020304" pitchFamily="18" charset="0"/>
-              </a:rPr>
-              <a:t>In this project, we demonstrate how such a system can be built. Using real user data from MovieLens, we create a model that delivers personalized recommendations, ensuring that users not only find enjoyable content but also stay engaged with the platform over time.</a:t>
-            </a:r>
-          </a:p>
-          <a:p>
-            <a:pPr marL="0" indent="0">
-              <a:buNone/>
-            </a:pPr>
-            <a:endParaRPr lang="en-US" dirty="0"/>
-          </a:p>
-        </p:txBody>
-      </p:sp>
+        </p:nvGraphicFramePr>
+        <p:xfrm>
+          <a:off x="838200" y="1132114"/>
+          <a:ext cx="10515600" cy="5044849"/>
+        </p:xfrm>
+        <a:graphic>
+          <a:graphicData uri="http://schemas.openxmlformats.org/drawingml/2006/diagram">
+            <dgm:relIds xmlns:dgm="http://schemas.openxmlformats.org/drawingml/2006/diagram" xmlns:r="http://schemas.openxmlformats.org/officeDocument/2006/relationships" r:dm="rId3" r:lo="rId4" r:qs="rId5" r:cs="rId6"/>
+          </a:graphicData>
+        </a:graphic>
+      </p:graphicFrame>
     </p:spTree>
     <p:extLst>
       <p:ext uri="{BB962C8B-B14F-4D97-AF65-F5344CB8AC3E}">
@@ -4130,6 +8964,14 @@
 <file path=ppt/slides/slide3.xml><?xml version="1.0" encoding="utf-8"?>
 <p:sld xmlns:a="http://schemas.openxmlformats.org/drawingml/2006/main" xmlns:r="http://schemas.openxmlformats.org/officeDocument/2006/relationships" xmlns:p="http://schemas.openxmlformats.org/presentationml/2006/main">
   <p:cSld>
+    <p:bg>
+      <p:bgPr>
+        <a:solidFill>
+          <a:schemeClr val="bg1"/>
+        </a:solidFill>
+        <a:effectLst/>
+      </p:bgPr>
+    </p:bg>
     <p:spTree>
       <p:nvGrpSpPr>
         <p:cNvPr id="1" name=""/>
@@ -4144,6 +8986,628 @@
           <a:chExt cx="0" cy="0"/>
         </a:xfrm>
       </p:grpSpPr>
+      <p:sp useBgFill="1">
+        <p:nvSpPr>
+          <p:cNvPr id="8" name="Rectangle 7">
+            <a:extLst>
+              <a:ext uri="{FF2B5EF4-FFF2-40B4-BE49-F238E27FC236}">
+                <a16:creationId xmlns:a16="http://schemas.microsoft.com/office/drawing/2014/main" id="{09588DA8-065E-4F6F-8EFD-43104AB2E0CF}"/>
+              </a:ext>
+              <a:ext uri="{C183D7F6-B498-43B3-948B-1728B52AA6E4}">
+                <adec:decorative xmlns:adec="http://schemas.microsoft.com/office/drawing/2017/decorative" val="1"/>
+              </a:ext>
+            </a:extLst>
+          </p:cNvPr>
+          <p:cNvSpPr>
+            <a:spLocks noGrp="1" noRot="1" noChangeAspect="1" noMove="1" noResize="1" noEditPoints="1" noAdjustHandles="1" noChangeArrowheads="1" noChangeShapeType="1" noTextEdit="1"/>
+          </p:cNvSpPr>
+          <p:nvPr>
+            <p:extLst>
+              <p:ext uri="{386F3935-93C4-4BCD-93E2-E3B085C9AB24}">
+                <p16:designElem xmlns:p16="http://schemas.microsoft.com/office/powerpoint/2015/main" val="1"/>
+              </p:ext>
+            </p:extLst>
+          </p:nvPr>
+        </p:nvSpPr>
+        <p:spPr>
+          <a:xfrm>
+            <a:off x="0" y="0"/>
+            <a:ext cx="12192000" cy="6858000"/>
+          </a:xfrm>
+          <a:prstGeom prst="rect">
+            <a:avLst/>
+          </a:prstGeom>
+          <a:ln w="12700" cap="flat" cmpd="sng" algn="ctr">
+            <a:noFill/>
+            <a:prstDash val="solid"/>
+            <a:miter lim="800000"/>
+          </a:ln>
+          <a:effectLst/>
+          <a:extLst>
+            <a:ext uri="{91240B29-F687-4F45-9708-019B960494DF}">
+              <a14:hiddenLine xmlns:a14="http://schemas.microsoft.com/office/drawing/2010/main" w="12700" cap="flat" cmpd="sng" algn="ctr">
+                <a:solidFill>
+                  <a:schemeClr val="accent1">
+                    <a:shade val="50000"/>
+                  </a:schemeClr>
+                </a:solidFill>
+                <a:prstDash val="solid"/>
+                <a:miter lim="800000"/>
+              </a14:hiddenLine>
+            </a:ext>
+          </a:extLst>
+        </p:spPr>
+        <p:style>
+          <a:lnRef idx="2">
+            <a:schemeClr val="accent1">
+              <a:shade val="50000"/>
+            </a:schemeClr>
+          </a:lnRef>
+          <a:fillRef idx="1">
+            <a:schemeClr val="accent1"/>
+          </a:fillRef>
+          <a:effectRef idx="0">
+            <a:schemeClr val="accent1"/>
+          </a:effectRef>
+          <a:fontRef idx="minor">
+            <a:schemeClr val="lt1"/>
+          </a:fontRef>
+        </p:style>
+        <p:txBody>
+          <a:bodyPr rtlCol="0" anchor="ctr"/>
+          <a:lstStyle/>
+          <a:p>
+            <a:pPr algn="ctr"/>
+            <a:endParaRPr lang="en-US" dirty="0"/>
+          </a:p>
+        </p:txBody>
+      </p:sp>
+      <p:sp useBgFill="1">
+        <p:nvSpPr>
+          <p:cNvPr id="10" name="Rectangle 9">
+            <a:extLst>
+              <a:ext uri="{FF2B5EF4-FFF2-40B4-BE49-F238E27FC236}">
+                <a16:creationId xmlns:a16="http://schemas.microsoft.com/office/drawing/2014/main" id="{C4285719-470E-454C-AF62-8323075F1F5B}"/>
+              </a:ext>
+              <a:ext uri="{C183D7F6-B498-43B3-948B-1728B52AA6E4}">
+                <adec:decorative xmlns:adec="http://schemas.microsoft.com/office/drawing/2017/decorative" val="1"/>
+              </a:ext>
+            </a:extLst>
+          </p:cNvPr>
+          <p:cNvSpPr>
+            <a:spLocks noGrp="1" noRot="1" noChangeAspect="1" noMove="1" noResize="1" noEditPoints="1" noAdjustHandles="1" noChangeArrowheads="1" noChangeShapeType="1" noTextEdit="1"/>
+          </p:cNvSpPr>
+          <p:nvPr>
+            <p:extLst>
+              <p:ext uri="{386F3935-93C4-4BCD-93E2-E3B085C9AB24}">
+                <p16:designElem xmlns:p16="http://schemas.microsoft.com/office/powerpoint/2015/main" val="1"/>
+              </p:ext>
+            </p:extLst>
+          </p:nvPr>
+        </p:nvSpPr>
+        <p:spPr>
+          <a:xfrm>
+            <a:off x="0" y="0"/>
+            <a:ext cx="12188952" cy="6858000"/>
+          </a:xfrm>
+          <a:prstGeom prst="rect">
+            <a:avLst/>
+          </a:prstGeom>
+          <a:ln w="12700" cap="flat" cmpd="sng" algn="ctr">
+            <a:noFill/>
+            <a:prstDash val="solid"/>
+            <a:miter lim="800000"/>
+          </a:ln>
+          <a:effectLst/>
+          <a:extLst>
+            <a:ext uri="{91240B29-F687-4F45-9708-019B960494DF}">
+              <a14:hiddenLine xmlns:a14="http://schemas.microsoft.com/office/drawing/2010/main" w="12700" cap="flat" cmpd="sng" algn="ctr">
+                <a:solidFill>
+                  <a:schemeClr val="accent1">
+                    <a:shade val="50000"/>
+                  </a:schemeClr>
+                </a:solidFill>
+                <a:prstDash val="solid"/>
+                <a:miter lim="800000"/>
+              </a14:hiddenLine>
+            </a:ext>
+          </a:extLst>
+        </p:spPr>
+        <p:style>
+          <a:lnRef idx="2">
+            <a:schemeClr val="accent1">
+              <a:shade val="50000"/>
+            </a:schemeClr>
+          </a:lnRef>
+          <a:fillRef idx="1">
+            <a:schemeClr val="accent1"/>
+          </a:fillRef>
+          <a:effectRef idx="0">
+            <a:schemeClr val="accent1"/>
+          </a:effectRef>
+          <a:fontRef idx="minor">
+            <a:schemeClr val="lt1"/>
+          </a:fontRef>
+        </p:style>
+        <p:txBody>
+          <a:bodyPr rtlCol="0" anchor="ctr"/>
+          <a:lstStyle/>
+          <a:p>
+            <a:pPr algn="ctr"/>
+            <a:endParaRPr lang="en-US" dirty="0"/>
+          </a:p>
+        </p:txBody>
+      </p:sp>
+      <p:sp>
+        <p:nvSpPr>
+          <p:cNvPr id="12" name="Rectangle 11">
+            <a:extLst>
+              <a:ext uri="{FF2B5EF4-FFF2-40B4-BE49-F238E27FC236}">
+                <a16:creationId xmlns:a16="http://schemas.microsoft.com/office/drawing/2014/main" id="{CD9FE4EF-C4D8-49A0-B2FF-81D8DB7D8A24}"/>
+              </a:ext>
+              <a:ext uri="{C183D7F6-B498-43B3-948B-1728B52AA6E4}">
+                <adec:decorative xmlns:adec="http://schemas.microsoft.com/office/drawing/2017/decorative" val="1"/>
+              </a:ext>
+            </a:extLst>
+          </p:cNvPr>
+          <p:cNvSpPr>
+            <a:spLocks noGrp="1" noRot="1" noChangeAspect="1" noMove="1" noResize="1" noEditPoints="1" noAdjustHandles="1" noChangeArrowheads="1" noChangeShapeType="1" noTextEdit="1"/>
+          </p:cNvSpPr>
+          <p:nvPr>
+            <p:extLst>
+              <p:ext uri="{386F3935-93C4-4BCD-93E2-E3B085C9AB24}">
+                <p16:designElem xmlns:p16="http://schemas.microsoft.com/office/powerpoint/2015/main" val="1"/>
+              </p:ext>
+            </p:extLst>
+          </p:nvPr>
+        </p:nvSpPr>
+        <p:spPr>
+          <a:xfrm rot="5400000" flipH="1">
+            <a:off x="-1410084" y="1410082"/>
+            <a:ext cx="6858000" cy="4037836"/>
+          </a:xfrm>
+          <a:prstGeom prst="rect">
+            <a:avLst/>
+          </a:prstGeom>
+          <a:gradFill>
+            <a:gsLst>
+              <a:gs pos="8000">
+                <a:srgbClr val="000000"/>
+              </a:gs>
+              <a:gs pos="100000">
+                <a:schemeClr val="accent1">
+                  <a:lumMod val="75000"/>
+                </a:schemeClr>
+              </a:gs>
+            </a:gsLst>
+            <a:lin ang="3000000" scaled="0"/>
+          </a:gradFill>
+          <a:ln>
+            <a:noFill/>
+          </a:ln>
+        </p:spPr>
+        <p:style>
+          <a:lnRef idx="2">
+            <a:schemeClr val="accent1">
+              <a:shade val="50000"/>
+            </a:schemeClr>
+          </a:lnRef>
+          <a:fillRef idx="1">
+            <a:schemeClr val="accent1"/>
+          </a:fillRef>
+          <a:effectRef idx="0">
+            <a:schemeClr val="accent1"/>
+          </a:effectRef>
+          <a:fontRef idx="minor">
+            <a:schemeClr val="lt1"/>
+          </a:fontRef>
+        </p:style>
+        <p:txBody>
+          <a:bodyPr rtlCol="0" anchor="ctr"/>
+          <a:lstStyle/>
+          <a:p>
+            <a:pPr algn="ctr"/>
+            <a:endParaRPr lang="en-US" dirty="0"/>
+          </a:p>
+        </p:txBody>
+      </p:sp>
+      <p:sp>
+        <p:nvSpPr>
+          <p:cNvPr id="14" name="Rectangle 13">
+            <a:extLst>
+              <a:ext uri="{FF2B5EF4-FFF2-40B4-BE49-F238E27FC236}">
+                <a16:creationId xmlns:a16="http://schemas.microsoft.com/office/drawing/2014/main" id="{4300840D-0A0B-4512-BACA-B439D5B9C57C}"/>
+              </a:ext>
+              <a:ext uri="{C183D7F6-B498-43B3-948B-1728B52AA6E4}">
+                <adec:decorative xmlns:adec="http://schemas.microsoft.com/office/drawing/2017/decorative" val="1"/>
+              </a:ext>
+            </a:extLst>
+          </p:cNvPr>
+          <p:cNvSpPr>
+            <a:spLocks noGrp="1" noRot="1" noChangeAspect="1" noMove="1" noResize="1" noEditPoints="1" noAdjustHandles="1" noChangeArrowheads="1" noChangeShapeType="1" noTextEdit="1"/>
+          </p:cNvSpPr>
+          <p:nvPr>
+            <p:extLst>
+              <p:ext uri="{386F3935-93C4-4BCD-93E2-E3B085C9AB24}">
+                <p16:designElem xmlns:p16="http://schemas.microsoft.com/office/powerpoint/2015/main" val="1"/>
+              </p:ext>
+            </p:extLst>
+          </p:nvPr>
+        </p:nvSpPr>
+        <p:spPr>
+          <a:xfrm rot="5400000" flipH="1">
+            <a:off x="-1410085" y="1420219"/>
+            <a:ext cx="6857999" cy="4037839"/>
+          </a:xfrm>
+          <a:prstGeom prst="rect">
+            <a:avLst/>
+          </a:prstGeom>
+          <a:gradFill>
+            <a:gsLst>
+              <a:gs pos="0">
+                <a:srgbClr val="000000">
+                  <a:alpha val="0"/>
+                </a:srgbClr>
+              </a:gs>
+              <a:gs pos="99000">
+                <a:schemeClr val="accent1">
+                  <a:alpha val="46000"/>
+                </a:schemeClr>
+              </a:gs>
+            </a:gsLst>
+            <a:lin ang="1800000" scaled="0"/>
+          </a:gradFill>
+          <a:ln>
+            <a:noFill/>
+          </a:ln>
+        </p:spPr>
+        <p:style>
+          <a:lnRef idx="2">
+            <a:schemeClr val="accent1">
+              <a:shade val="50000"/>
+            </a:schemeClr>
+          </a:lnRef>
+          <a:fillRef idx="1">
+            <a:schemeClr val="accent1"/>
+          </a:fillRef>
+          <a:effectRef idx="0">
+            <a:schemeClr val="accent1"/>
+          </a:effectRef>
+          <a:fontRef idx="minor">
+            <a:schemeClr val="lt1"/>
+          </a:fontRef>
+        </p:style>
+        <p:txBody>
+          <a:bodyPr rtlCol="0" anchor="ctr"/>
+          <a:lstStyle/>
+          <a:p>
+            <a:pPr algn="ctr"/>
+            <a:endParaRPr lang="en-US" dirty="0"/>
+          </a:p>
+        </p:txBody>
+      </p:sp>
+      <p:sp>
+        <p:nvSpPr>
+          <p:cNvPr id="16" name="Rectangle 15">
+            <a:extLst>
+              <a:ext uri="{FF2B5EF4-FFF2-40B4-BE49-F238E27FC236}">
+                <a16:creationId xmlns:a16="http://schemas.microsoft.com/office/drawing/2014/main" id="{D2B78728-A580-49A7-84F9-6EF6F583ADE0}"/>
+              </a:ext>
+              <a:ext uri="{C183D7F6-B498-43B3-948B-1728B52AA6E4}">
+                <adec:decorative xmlns:adec="http://schemas.microsoft.com/office/drawing/2017/decorative" val="1"/>
+              </a:ext>
+            </a:extLst>
+          </p:cNvPr>
+          <p:cNvSpPr>
+            <a:spLocks noGrp="1" noRot="1" noChangeAspect="1" noMove="1" noResize="1" noEditPoints="1" noAdjustHandles="1" noChangeArrowheads="1" noChangeShapeType="1" noTextEdit="1"/>
+          </p:cNvSpPr>
+          <p:nvPr>
+            <p:extLst>
+              <p:ext uri="{386F3935-93C4-4BCD-93E2-E3B085C9AB24}">
+                <p16:designElem xmlns:p16="http://schemas.microsoft.com/office/powerpoint/2015/main" val="1"/>
+              </p:ext>
+            </p:extLst>
+          </p:nvPr>
+        </p:nvSpPr>
+        <p:spPr>
+          <a:xfrm rot="5400000" flipH="1">
+            <a:off x="767923" y="3588085"/>
+            <a:ext cx="2501979" cy="4037841"/>
+          </a:xfrm>
+          <a:prstGeom prst="rect">
+            <a:avLst/>
+          </a:prstGeom>
+          <a:gradFill>
+            <a:gsLst>
+              <a:gs pos="2000">
+                <a:schemeClr val="accent1">
+                  <a:alpha val="29000"/>
+                </a:schemeClr>
+              </a:gs>
+              <a:gs pos="100000">
+                <a:srgbClr val="000000">
+                  <a:alpha val="30000"/>
+                </a:srgbClr>
+              </a:gs>
+            </a:gsLst>
+            <a:lin ang="7800000" scaled="0"/>
+          </a:gradFill>
+          <a:ln>
+            <a:noFill/>
+          </a:ln>
+        </p:spPr>
+        <p:style>
+          <a:lnRef idx="2">
+            <a:schemeClr val="accent1">
+              <a:shade val="50000"/>
+            </a:schemeClr>
+          </a:lnRef>
+          <a:fillRef idx="1">
+            <a:schemeClr val="accent1"/>
+          </a:fillRef>
+          <a:effectRef idx="0">
+            <a:schemeClr val="accent1"/>
+          </a:effectRef>
+          <a:fontRef idx="minor">
+            <a:schemeClr val="lt1"/>
+          </a:fontRef>
+        </p:style>
+        <p:txBody>
+          <a:bodyPr rtlCol="0" anchor="ctr"/>
+          <a:lstStyle/>
+          <a:p>
+            <a:pPr algn="ctr"/>
+            <a:endParaRPr lang="en-US" dirty="0"/>
+          </a:p>
+        </p:txBody>
+      </p:sp>
+      <p:sp>
+        <p:nvSpPr>
+          <p:cNvPr id="18" name="Freeform: Shape 17">
+            <a:extLst>
+              <a:ext uri="{FF2B5EF4-FFF2-40B4-BE49-F238E27FC236}">
+                <a16:creationId xmlns:a16="http://schemas.microsoft.com/office/drawing/2014/main" id="{38FAA1A1-D861-433F-88FA-1E9D6FD31D11}"/>
+              </a:ext>
+              <a:ext uri="{C183D7F6-B498-43B3-948B-1728B52AA6E4}">
+                <adec:decorative xmlns:adec="http://schemas.microsoft.com/office/drawing/2017/decorative" val="1"/>
+              </a:ext>
+            </a:extLst>
+          </p:cNvPr>
+          <p:cNvSpPr>
+            <a:spLocks noGrp="1" noRot="1" noChangeAspect="1" noMove="1" noResize="1" noEditPoints="1" noAdjustHandles="1" noChangeArrowheads="1" noChangeShapeType="1" noTextEdit="1"/>
+          </p:cNvSpPr>
+          <p:nvPr>
+            <p:extLst>
+              <p:ext uri="{386F3935-93C4-4BCD-93E2-E3B085C9AB24}">
+                <p16:designElem xmlns:p16="http://schemas.microsoft.com/office/powerpoint/2015/main" val="1"/>
+              </p:ext>
+            </p:extLst>
+          </p:nvPr>
+        </p:nvSpPr>
+        <p:spPr>
+          <a:xfrm rot="20635413">
+            <a:off x="-501737" y="969718"/>
+            <a:ext cx="3900357" cy="4178958"/>
+          </a:xfrm>
+          <a:custGeom>
+            <a:avLst/>
+            <a:gdLst>
+              <a:gd name="connsiteX0" fmla="*/ 2432225 w 3900357"/>
+              <a:gd name="connsiteY0" fmla="*/ 93939 h 4178958"/>
+              <a:gd name="connsiteX1" fmla="*/ 3900357 w 3900357"/>
+              <a:gd name="connsiteY1" fmla="*/ 2089479 h 4178958"/>
+              <a:gd name="connsiteX2" fmla="*/ 1810878 w 3900357"/>
+              <a:gd name="connsiteY2" fmla="*/ 4178958 h 4178958"/>
+              <a:gd name="connsiteX3" fmla="*/ 78249 w 3900357"/>
+              <a:gd name="connsiteY3" fmla="*/ 3257727 h 4178958"/>
+              <a:gd name="connsiteX4" fmla="*/ 0 w 3900357"/>
+              <a:gd name="connsiteY4" fmla="*/ 3128923 h 4178958"/>
+              <a:gd name="connsiteX5" fmla="*/ 831324 w 3900357"/>
+              <a:gd name="connsiteY5" fmla="*/ 244281 h 4178958"/>
+              <a:gd name="connsiteX6" fmla="*/ 997559 w 3900357"/>
+              <a:gd name="connsiteY6" fmla="*/ 164202 h 4178958"/>
+              <a:gd name="connsiteX7" fmla="*/ 1810878 w 3900357"/>
+              <a:gd name="connsiteY7" fmla="*/ 0 h 4178958"/>
+              <a:gd name="connsiteX8" fmla="*/ 2432225 w 3900357"/>
+              <a:gd name="connsiteY8" fmla="*/ 93939 h 4178958"/>
+            </a:gdLst>
+            <a:ahLst/>
+            <a:cxnLst>
+              <a:cxn ang="0">
+                <a:pos x="connsiteX0" y="connsiteY0"/>
+              </a:cxn>
+              <a:cxn ang="0">
+                <a:pos x="connsiteX1" y="connsiteY1"/>
+              </a:cxn>
+              <a:cxn ang="0">
+                <a:pos x="connsiteX2" y="connsiteY2"/>
+              </a:cxn>
+              <a:cxn ang="0">
+                <a:pos x="connsiteX3" y="connsiteY3"/>
+              </a:cxn>
+              <a:cxn ang="0">
+                <a:pos x="connsiteX4" y="connsiteY4"/>
+              </a:cxn>
+              <a:cxn ang="0">
+                <a:pos x="connsiteX5" y="connsiteY5"/>
+              </a:cxn>
+              <a:cxn ang="0">
+                <a:pos x="connsiteX6" y="connsiteY6"/>
+              </a:cxn>
+              <a:cxn ang="0">
+                <a:pos x="connsiteX7" y="connsiteY7"/>
+              </a:cxn>
+              <a:cxn ang="0">
+                <a:pos x="connsiteX8" y="connsiteY8"/>
+              </a:cxn>
+            </a:cxnLst>
+            <a:rect l="l" t="t" r="r" b="b"/>
+            <a:pathLst>
+              <a:path w="3900357" h="4178958">
+                <a:moveTo>
+                  <a:pt x="2432225" y="93939"/>
+                </a:moveTo>
+                <a:cubicBezTo>
+                  <a:pt x="3282786" y="358491"/>
+                  <a:pt x="3900357" y="1151865"/>
+                  <a:pt x="3900357" y="2089479"/>
+                </a:cubicBezTo>
+                <a:cubicBezTo>
+                  <a:pt x="3900357" y="3243466"/>
+                  <a:pt x="2964865" y="4178958"/>
+                  <a:pt x="1810878" y="4178958"/>
+                </a:cubicBezTo>
+                <a:cubicBezTo>
+                  <a:pt x="1089636" y="4178958"/>
+                  <a:pt x="453744" y="3813531"/>
+                  <a:pt x="78249" y="3257727"/>
+                </a:cubicBezTo>
+                <a:lnTo>
+                  <a:pt x="0" y="3128923"/>
+                </a:lnTo>
+                <a:lnTo>
+                  <a:pt x="831324" y="244281"/>
+                </a:lnTo>
+                <a:lnTo>
+                  <a:pt x="997559" y="164202"/>
+                </a:lnTo>
+                <a:cubicBezTo>
+                  <a:pt x="1247540" y="58468"/>
+                  <a:pt x="1522381" y="0"/>
+                  <a:pt x="1810878" y="0"/>
+                </a:cubicBezTo>
+                <a:cubicBezTo>
+                  <a:pt x="2027251" y="0"/>
+                  <a:pt x="2235942" y="32888"/>
+                  <a:pt x="2432225" y="93939"/>
+                </a:cubicBezTo>
+                <a:close/>
+              </a:path>
+            </a:pathLst>
+          </a:custGeom>
+          <a:gradFill>
+            <a:gsLst>
+              <a:gs pos="29000">
+                <a:srgbClr val="000000">
+                  <a:alpha val="0"/>
+                </a:srgbClr>
+              </a:gs>
+              <a:gs pos="100000">
+                <a:schemeClr val="accent1">
+                  <a:alpha val="43000"/>
+                </a:schemeClr>
+              </a:gs>
+            </a:gsLst>
+            <a:lin ang="1800000" scaled="0"/>
+          </a:gradFill>
+          <a:ln>
+            <a:noFill/>
+          </a:ln>
+        </p:spPr>
+        <p:style>
+          <a:lnRef idx="2">
+            <a:schemeClr val="accent1">
+              <a:shade val="50000"/>
+            </a:schemeClr>
+          </a:lnRef>
+          <a:fillRef idx="1">
+            <a:schemeClr val="accent1"/>
+          </a:fillRef>
+          <a:effectRef idx="0">
+            <a:schemeClr val="accent1"/>
+          </a:effectRef>
+          <a:fontRef idx="minor">
+            <a:schemeClr val="lt1"/>
+          </a:fontRef>
+        </p:style>
+        <p:txBody>
+          <a:bodyPr wrap="square" rtlCol="0" anchor="ctr">
+            <a:noAutofit/>
+          </a:bodyPr>
+          <a:lstStyle/>
+          <a:p>
+            <a:pPr algn="ctr"/>
+            <a:endParaRPr lang="en-US" dirty="0"/>
+          </a:p>
+        </p:txBody>
+      </p:sp>
+      <p:sp>
+        <p:nvSpPr>
+          <p:cNvPr id="20" name="Rectangle 19">
+            <a:extLst>
+              <a:ext uri="{FF2B5EF4-FFF2-40B4-BE49-F238E27FC236}">
+                <a16:creationId xmlns:a16="http://schemas.microsoft.com/office/drawing/2014/main" id="{8D71EDA1-87BF-4D5D-AB79-F346FD19278A}"/>
+              </a:ext>
+              <a:ext uri="{C183D7F6-B498-43B3-948B-1728B52AA6E4}">
+                <adec:decorative xmlns:adec="http://schemas.microsoft.com/office/drawing/2017/decorative" val="1"/>
+              </a:ext>
+            </a:extLst>
+          </p:cNvPr>
+          <p:cNvSpPr>
+            <a:spLocks noGrp="1" noRot="1" noChangeAspect="1" noMove="1" noResize="1" noEditPoints="1" noAdjustHandles="1" noChangeArrowheads="1" noChangeShapeType="1" noTextEdit="1"/>
+          </p:cNvSpPr>
+          <p:nvPr>
+            <p:extLst>
+              <p:ext uri="{386F3935-93C4-4BCD-93E2-E3B085C9AB24}">
+                <p16:designElem xmlns:p16="http://schemas.microsoft.com/office/powerpoint/2015/main" val="1"/>
+              </p:ext>
+            </p:extLst>
+          </p:nvPr>
+        </p:nvSpPr>
+        <p:spPr>
+          <a:xfrm rot="5400000" flipH="1">
+            <a:off x="-1410093" y="1399943"/>
+            <a:ext cx="6858003" cy="4037835"/>
+          </a:xfrm>
+          <a:prstGeom prst="rect">
+            <a:avLst/>
+          </a:prstGeom>
+          <a:gradFill>
+            <a:gsLst>
+              <a:gs pos="0">
+                <a:srgbClr val="000000">
+                  <a:alpha val="0"/>
+                </a:srgbClr>
+              </a:gs>
+              <a:gs pos="99000">
+                <a:schemeClr val="accent1">
+                  <a:lumMod val="60000"/>
+                  <a:lumOff val="40000"/>
+                  <a:alpha val="11000"/>
+                </a:schemeClr>
+              </a:gs>
+            </a:gsLst>
+            <a:lin ang="7200000" scaled="0"/>
+          </a:gradFill>
+          <a:ln>
+            <a:noFill/>
+          </a:ln>
+        </p:spPr>
+        <p:style>
+          <a:lnRef idx="2">
+            <a:schemeClr val="accent1">
+              <a:shade val="50000"/>
+            </a:schemeClr>
+          </a:lnRef>
+          <a:fillRef idx="1">
+            <a:schemeClr val="accent1"/>
+          </a:fillRef>
+          <a:effectRef idx="0">
+            <a:schemeClr val="accent1"/>
+          </a:effectRef>
+          <a:fontRef idx="minor">
+            <a:schemeClr val="lt1"/>
+          </a:fontRef>
+        </p:style>
+        <p:txBody>
+          <a:bodyPr rtlCol="0" anchor="ctr"/>
+          <a:lstStyle/>
+          <a:p>
+            <a:pPr algn="ctr"/>
+            <a:endParaRPr lang="en-US" dirty="0"/>
+          </a:p>
+        </p:txBody>
+      </p:sp>
       <p:sp>
         <p:nvSpPr>
           <p:cNvPr id="2" name="Title 1">
@@ -4162,20 +9626,21 @@
         </p:nvSpPr>
         <p:spPr>
           <a:xfrm>
-            <a:off x="838200" y="365126"/>
-            <a:ext cx="10515600" cy="603704"/>
+            <a:off x="466722" y="586855"/>
+            <a:ext cx="3201366" cy="3387497"/>
           </a:xfrm>
         </p:spPr>
         <p:txBody>
-          <a:bodyPr>
-            <a:normAutofit fontScale="90000"/>
+          <a:bodyPr anchor="b">
+            <a:normAutofit/>
           </a:bodyPr>
           <a:lstStyle/>
           <a:p>
-            <a:r>
-              <a:rPr lang="en-US" b="1" i="1" dirty="0">
+            <a:pPr algn="r"/>
+            <a:r>
+              <a:rPr lang="en-US" sz="4000" b="1" i="1" dirty="0">
                 <a:solidFill>
-                  <a:srgbClr val="00B0F0"/>
+                  <a:srgbClr val="FFFFFF"/>
                 </a:solidFill>
               </a:rPr>
               <a:t>Business Problem</a:t>
@@ -4201,12 +9666,12 @@
         </p:nvSpPr>
         <p:spPr>
           <a:xfrm>
-            <a:off x="838200" y="1066800"/>
-            <a:ext cx="10515600" cy="5110163"/>
+            <a:off x="4810259" y="649480"/>
+            <a:ext cx="6555347" cy="5546047"/>
           </a:xfrm>
         </p:spPr>
         <p:txBody>
-          <a:bodyPr>
+          <a:bodyPr anchor="ctr">
             <a:normAutofit/>
           </a:bodyPr>
           <a:lstStyle/>
@@ -4217,7 +9682,7 @@
               </a:lnSpc>
             </a:pPr>
             <a:r>
-              <a:rPr lang="en-US" sz="1600" dirty="0">
+              <a:rPr lang="en-US" sz="1400" dirty="0">
                 <a:latin typeface="Times New Roman" panose="02020603050405020304" pitchFamily="18" charset="0"/>
                 <a:cs typeface="Times New Roman" panose="02020603050405020304" pitchFamily="18" charset="0"/>
               </a:rPr>
@@ -4232,7 +9697,10 @@
               <a:buNone/>
             </a:pPr>
             <a:r>
-              <a:rPr lang="en-US" sz="1600" i="1" dirty="0">
+              <a:rPr lang="en-US" sz="1400" b="1" i="1" dirty="0">
+                <a:solidFill>
+                  <a:srgbClr val="FF9900"/>
+                </a:solidFill>
                 <a:latin typeface="Times New Roman" panose="02020603050405020304" pitchFamily="18" charset="0"/>
                 <a:cs typeface="Times New Roman" panose="02020603050405020304" pitchFamily="18" charset="0"/>
               </a:rPr>
@@ -4246,7 +9714,7 @@
               </a:lnSpc>
             </a:pPr>
             <a:r>
-              <a:rPr lang="en-US" sz="1600" dirty="0">
+              <a:rPr lang="en-US" sz="1400" dirty="0">
                 <a:latin typeface="Times New Roman" panose="02020603050405020304" pitchFamily="18" charset="0"/>
                 <a:cs typeface="Times New Roman" panose="02020603050405020304" pitchFamily="18" charset="0"/>
               </a:rPr>
@@ -4261,7 +9729,7 @@
               <a:buNone/>
             </a:pPr>
             <a:r>
-              <a:rPr lang="en-US" sz="1600" dirty="0">
+              <a:rPr lang="en-US" sz="1400" dirty="0">
                 <a:latin typeface="Times New Roman" panose="02020603050405020304" pitchFamily="18" charset="0"/>
                 <a:cs typeface="Times New Roman" panose="02020603050405020304" pitchFamily="18" charset="0"/>
               </a:rPr>
@@ -4277,14 +9745,14 @@
               <a:buChar char="§"/>
             </a:pPr>
             <a:r>
-              <a:rPr lang="en-US" sz="1600" b="1" dirty="0">
+              <a:rPr lang="en-US" sz="1400" b="1" dirty="0">
                 <a:latin typeface="Times New Roman" panose="02020603050405020304" pitchFamily="18" charset="0"/>
                 <a:cs typeface="Times New Roman" panose="02020603050405020304" pitchFamily="18" charset="0"/>
               </a:rPr>
               <a:t>Helping users discover content they love</a:t>
             </a:r>
             <a:r>
-              <a:rPr lang="en-US" sz="1600" dirty="0">
+              <a:rPr lang="en-US" sz="1400" dirty="0">
                 <a:latin typeface="Times New Roman" panose="02020603050405020304" pitchFamily="18" charset="0"/>
                 <a:cs typeface="Times New Roman" panose="02020603050405020304" pitchFamily="18" charset="0"/>
               </a:rPr>
@@ -4300,14 +9768,14 @@
               <a:buChar char="§"/>
             </a:pPr>
             <a:r>
-              <a:rPr lang="en-US" sz="1600" b="1" dirty="0">
+              <a:rPr lang="en-US" sz="1400" b="1" dirty="0">
                 <a:latin typeface="Times New Roman" panose="02020603050405020304" pitchFamily="18" charset="0"/>
                 <a:cs typeface="Times New Roman" panose="02020603050405020304" pitchFamily="18" charset="0"/>
               </a:rPr>
               <a:t>Keeping users engaged over time</a:t>
             </a:r>
             <a:r>
-              <a:rPr lang="en-US" sz="1600" dirty="0">
+              <a:rPr lang="en-US" sz="1400" dirty="0">
                 <a:latin typeface="Times New Roman" panose="02020603050405020304" pitchFamily="18" charset="0"/>
                 <a:cs typeface="Times New Roman" panose="02020603050405020304" pitchFamily="18" charset="0"/>
               </a:rPr>
@@ -4322,7 +9790,7 @@
               <a:buNone/>
             </a:pPr>
             <a:r>
-              <a:rPr lang="en-US" sz="1600" dirty="0">
+              <a:rPr lang="en-US" sz="1400" dirty="0">
                 <a:latin typeface="Times New Roman" panose="02020603050405020304" pitchFamily="18" charset="0"/>
                 <a:cs typeface="Times New Roman" panose="02020603050405020304" pitchFamily="18" charset="0"/>
               </a:rPr>
@@ -4330,7 +9798,7 @@
             </a:r>
           </a:p>
           <a:p>
-            <a:endParaRPr lang="en-US" dirty="0"/>
+            <a:endParaRPr lang="en-US" sz="1900" dirty="0"/>
           </a:p>
         </p:txBody>
       </p:sp>
@@ -4387,11 +9855,13 @@
           </a:xfrm>
         </p:spPr>
         <p:txBody>
-          <a:bodyPr/>
+          <a:bodyPr>
+            <a:normAutofit/>
+          </a:bodyPr>
           <a:lstStyle/>
           <a:p>
             <a:r>
-              <a:rPr lang="en-US" b="1" i="1" dirty="0">
+              <a:rPr lang="en-US" sz="2400" b="1" i="1" u="sng" dirty="0">
                 <a:solidFill>
                   <a:srgbClr val="00B0F0"/>
                 </a:solidFill>
@@ -4399,11 +9869,11 @@
               <a:t>Project</a:t>
             </a:r>
             <a:r>
-              <a:rPr lang="en-US" b="1" i="1" dirty="0"/>
+              <a:rPr lang="en-US" sz="2400" b="1" i="1" u="sng" dirty="0"/>
               <a:t> </a:t>
             </a:r>
             <a:r>
-              <a:rPr lang="en-US" b="1" i="1" dirty="0">
+              <a:rPr lang="en-US" sz="2400" b="1" i="1" u="sng" dirty="0">
                 <a:solidFill>
                   <a:srgbClr val="00B0F0"/>
                 </a:solidFill>
@@ -4436,7 +9906,9 @@
           </a:xfrm>
         </p:spPr>
         <p:txBody>
-          <a:bodyPr/>
+          <a:bodyPr>
+            <a:normAutofit/>
+          </a:bodyPr>
           <a:lstStyle/>
           <a:p>
             <a:r>
@@ -4445,8 +9917,17 @@
             </a:r>
           </a:p>
           <a:p>
-            <a:r>
-              <a:rPr lang="en-US" sz="1400" dirty="0"/>
+            <a:pPr marL="0" indent="0">
+              <a:buNone/>
+            </a:pPr>
+            <a:endParaRPr lang="en-US" sz="1400" dirty="0"/>
+          </a:p>
+          <a:p>
+            <a:pPr marL="0" indent="0">
+              <a:buNone/>
+            </a:pPr>
+            <a:r>
+              <a:rPr lang="en-US" sz="1400" b="1" dirty="0"/>
               <a:t>Our objectives are:</a:t>
             </a:r>
           </a:p>
@@ -4481,6 +9962,9 @@
             </a:r>
           </a:p>
           <a:p>
+            <a:pPr marL="0" indent="0">
+              <a:buNone/>
+            </a:pPr>
             <a:r>
               <a:rPr lang="en-US" sz="1400" dirty="0"/>
               <a:t>By doing this, the system will improve user satisfaction, increase watch time, and boost platform retention.</a:t>
@@ -4494,10 +9978,20 @@
           </a:p>
           <a:p>
             <a:pPr marL="0" indent="0">
+              <a:spcBef>
+                <a:spcPct val="0"/>
+              </a:spcBef>
               <a:buNone/>
             </a:pPr>
             <a:r>
-              <a:rPr lang="en-US" sz="1400" b="1" dirty="0"/>
+              <a:rPr lang="en-US" sz="2400" b="1" i="1" u="sng" dirty="0">
+                <a:solidFill>
+                  <a:srgbClr val="00B0F0"/>
+                </a:solidFill>
+                <a:latin typeface="+mj-lt"/>
+                <a:ea typeface="+mj-ea"/>
+                <a:cs typeface="+mj-cs"/>
+              </a:rPr>
               <a:t>Dataset Overview</a:t>
             </a:r>
           </a:p>
@@ -4623,6 +10117,14 @@
 <file path=ppt/slides/slide5.xml><?xml version="1.0" encoding="utf-8"?>
 <p:sld xmlns:a="http://schemas.openxmlformats.org/drawingml/2006/main" xmlns:r="http://schemas.openxmlformats.org/officeDocument/2006/relationships" xmlns:p="http://schemas.openxmlformats.org/presentationml/2006/main">
   <p:cSld>
+    <p:bg>
+      <p:bgPr>
+        <a:solidFill>
+          <a:schemeClr val="bg1"/>
+        </a:solidFill>
+        <a:effectLst/>
+      </p:bgPr>
+    </p:bg>
     <p:spTree>
       <p:nvGrpSpPr>
         <p:cNvPr id="1" name=""/>
@@ -4637,6 +10139,1071 @@
           <a:chExt cx="0" cy="0"/>
         </a:xfrm>
       </p:grpSpPr>
+      <p:sp useBgFill="1">
+        <p:nvSpPr>
+          <p:cNvPr id="22" name="Rectangle 21">
+            <a:extLst>
+              <a:ext uri="{FF2B5EF4-FFF2-40B4-BE49-F238E27FC236}">
+                <a16:creationId xmlns:a16="http://schemas.microsoft.com/office/drawing/2014/main" id="{A0339EE9-5436-4860-BBFC-7CD7C90DBAE8}"/>
+              </a:ext>
+              <a:ext uri="{C183D7F6-B498-43B3-948B-1728B52AA6E4}">
+                <adec:decorative xmlns:adec="http://schemas.microsoft.com/office/drawing/2017/decorative" val="1"/>
+              </a:ext>
+            </a:extLst>
+          </p:cNvPr>
+          <p:cNvSpPr>
+            <a:spLocks noGrp="1" noRot="1" noChangeAspect="1" noMove="1" noResize="1" noEditPoints="1" noAdjustHandles="1" noChangeArrowheads="1" noChangeShapeType="1" noTextEdit="1"/>
+          </p:cNvSpPr>
+          <p:nvPr>
+            <p:extLst>
+              <p:ext uri="{386F3935-93C4-4BCD-93E2-E3B085C9AB24}">
+                <p16:designElem xmlns:p16="http://schemas.microsoft.com/office/powerpoint/2015/main" val="1"/>
+              </p:ext>
+            </p:extLst>
+          </p:nvPr>
+        </p:nvSpPr>
+        <p:spPr>
+          <a:xfrm>
+            <a:off x="0" y="0"/>
+            <a:ext cx="12188952" cy="6858000"/>
+          </a:xfrm>
+          <a:prstGeom prst="rect">
+            <a:avLst/>
+          </a:prstGeom>
+          <a:ln>
+            <a:noFill/>
+          </a:ln>
+        </p:spPr>
+        <p:style>
+          <a:lnRef idx="2">
+            <a:schemeClr val="accent1">
+              <a:shade val="50000"/>
+            </a:schemeClr>
+          </a:lnRef>
+          <a:fillRef idx="1">
+            <a:schemeClr val="accent1"/>
+          </a:fillRef>
+          <a:effectRef idx="0">
+            <a:schemeClr val="accent1"/>
+          </a:effectRef>
+          <a:fontRef idx="minor">
+            <a:schemeClr val="lt1"/>
+          </a:fontRef>
+        </p:style>
+        <p:txBody>
+          <a:bodyPr rtlCol="0" anchor="ctr"/>
+          <a:lstStyle/>
+          <a:p>
+            <a:pPr algn="ctr"/>
+            <a:endParaRPr lang="en-US" dirty="0"/>
+          </a:p>
+        </p:txBody>
+      </p:sp>
+      <p:sp>
+        <p:nvSpPr>
+          <p:cNvPr id="23" name="Freeform: Shape 22">
+            <a:extLst>
+              <a:ext uri="{FF2B5EF4-FFF2-40B4-BE49-F238E27FC236}">
+                <a16:creationId xmlns:a16="http://schemas.microsoft.com/office/drawing/2014/main" id="{AA770EBD-5B77-46EC-BF58-EF27ACD6B47C}"/>
+              </a:ext>
+              <a:ext uri="{C183D7F6-B498-43B3-948B-1728B52AA6E4}">
+                <adec:decorative xmlns:adec="http://schemas.microsoft.com/office/drawing/2017/decorative" val="1"/>
+              </a:ext>
+            </a:extLst>
+          </p:cNvPr>
+          <p:cNvSpPr>
+            <a:spLocks noGrp="1" noRot="1" noChangeAspect="1" noMove="1" noResize="1" noEditPoints="1" noAdjustHandles="1" noChangeArrowheads="1" noChangeShapeType="1" noTextEdit="1"/>
+          </p:cNvSpPr>
+          <p:nvPr>
+            <p:extLst>
+              <p:ext uri="{386F3935-93C4-4BCD-93E2-E3B085C9AB24}">
+                <p16:designElem xmlns:p16="http://schemas.microsoft.com/office/powerpoint/2015/main" val="1"/>
+              </p:ext>
+            </p:extLst>
+          </p:nvPr>
+        </p:nvSpPr>
+        <p:spPr>
+          <a:xfrm>
+            <a:off x="4654295" y="0"/>
+            <a:ext cx="7537705" cy="6858000"/>
+          </a:xfrm>
+          <a:custGeom>
+            <a:avLst/>
+            <a:gdLst>
+              <a:gd name="connsiteX0" fmla="*/ 1008599 w 7299977"/>
+              <a:gd name="connsiteY0" fmla="*/ 0 h 6858000"/>
+              <a:gd name="connsiteX1" fmla="*/ 4420653 w 7299977"/>
+              <a:gd name="connsiteY1" fmla="*/ 0 h 6858000"/>
+              <a:gd name="connsiteX2" fmla="*/ 5511704 w 7299977"/>
+              <a:gd name="connsiteY2" fmla="*/ 0 h 6858000"/>
+              <a:gd name="connsiteX3" fmla="*/ 7299977 w 7299977"/>
+              <a:gd name="connsiteY3" fmla="*/ 0 h 6858000"/>
+              <a:gd name="connsiteX4" fmla="*/ 7299977 w 7299977"/>
+              <a:gd name="connsiteY4" fmla="*/ 6858000 h 6858000"/>
+              <a:gd name="connsiteX5" fmla="*/ 5511704 w 7299977"/>
+              <a:gd name="connsiteY5" fmla="*/ 6858000 h 6858000"/>
+              <a:gd name="connsiteX6" fmla="*/ 4420653 w 7299977"/>
+              <a:gd name="connsiteY6" fmla="*/ 6858000 h 6858000"/>
+              <a:gd name="connsiteX7" fmla="*/ 1592997 w 7299977"/>
+              <a:gd name="connsiteY7" fmla="*/ 6858000 h 6858000"/>
+              <a:gd name="connsiteX8" fmla="*/ 1232473 w 7299977"/>
+              <a:gd name="connsiteY8" fmla="*/ 6658805 h 6858000"/>
+              <a:gd name="connsiteX9" fmla="*/ 1075471 w 7299977"/>
+              <a:gd name="connsiteY9" fmla="*/ 6431153 h 6858000"/>
+              <a:gd name="connsiteX10" fmla="*/ 1020229 w 7299977"/>
+              <a:gd name="connsiteY10" fmla="*/ 6367127 h 6858000"/>
+              <a:gd name="connsiteX11" fmla="*/ 883579 w 7299977"/>
+              <a:gd name="connsiteY11" fmla="*/ 6281757 h 6858000"/>
+              <a:gd name="connsiteX12" fmla="*/ 645167 w 7299977"/>
+              <a:gd name="connsiteY12" fmla="*/ 6100347 h 6858000"/>
+              <a:gd name="connsiteX13" fmla="*/ 732391 w 7299977"/>
+              <a:gd name="connsiteY13" fmla="*/ 6057663 h 6858000"/>
+              <a:gd name="connsiteX14" fmla="*/ 985339 w 7299977"/>
+              <a:gd name="connsiteY14" fmla="*/ 6167932 h 6858000"/>
+              <a:gd name="connsiteX15" fmla="*/ 1168509 w 7299977"/>
+              <a:gd name="connsiteY15" fmla="*/ 6196388 h 6858000"/>
+              <a:gd name="connsiteX16" fmla="*/ 909746 w 7299977"/>
+              <a:gd name="connsiteY16" fmla="*/ 6004307 h 6858000"/>
+              <a:gd name="connsiteX17" fmla="*/ 659704 w 7299977"/>
+              <a:gd name="connsiteY17" fmla="*/ 5755314 h 6858000"/>
+              <a:gd name="connsiteX18" fmla="*/ 851597 w 7299977"/>
+              <a:gd name="connsiteY18" fmla="*/ 5801555 h 6858000"/>
+              <a:gd name="connsiteX19" fmla="*/ 860319 w 7299977"/>
+              <a:gd name="connsiteY19" fmla="*/ 5769542 h 6858000"/>
+              <a:gd name="connsiteX20" fmla="*/ 691686 w 7299977"/>
+              <a:gd name="connsiteY20" fmla="*/ 5474306 h 6858000"/>
+              <a:gd name="connsiteX21" fmla="*/ 610278 w 7299977"/>
+              <a:gd name="connsiteY21" fmla="*/ 5353367 h 6858000"/>
+              <a:gd name="connsiteX22" fmla="*/ 238123 w 7299977"/>
+              <a:gd name="connsiteY22" fmla="*/ 4994104 h 6858000"/>
+              <a:gd name="connsiteX23" fmla="*/ 592833 w 7299977"/>
+              <a:gd name="connsiteY23" fmla="*/ 5154171 h 6858000"/>
+              <a:gd name="connsiteX24" fmla="*/ 226494 w 7299977"/>
+              <a:gd name="connsiteY24" fmla="*/ 4805580 h 6858000"/>
+              <a:gd name="connsiteX25" fmla="*/ 49139 w 7299977"/>
+              <a:gd name="connsiteY25" fmla="*/ 4677526 h 6858000"/>
+              <a:gd name="connsiteX26" fmla="*/ 5527 w 7299977"/>
+              <a:gd name="connsiteY26" fmla="*/ 4602828 h 6858000"/>
+              <a:gd name="connsiteX27" fmla="*/ 84029 w 7299977"/>
+              <a:gd name="connsiteY27" fmla="*/ 4585042 h 6858000"/>
+              <a:gd name="connsiteX28" fmla="*/ 325347 w 7299977"/>
+              <a:gd name="connsiteY28" fmla="*/ 4613499 h 6858000"/>
+              <a:gd name="connsiteX29" fmla="*/ 25879 w 7299977"/>
+              <a:gd name="connsiteY29" fmla="*/ 4378734 h 6858000"/>
+              <a:gd name="connsiteX30" fmla="*/ 249753 w 7299977"/>
+              <a:gd name="connsiteY30" fmla="*/ 4414305 h 6858000"/>
+              <a:gd name="connsiteX31" fmla="*/ 313718 w 7299977"/>
+              <a:gd name="connsiteY31" fmla="*/ 4321821 h 6858000"/>
+              <a:gd name="connsiteX32" fmla="*/ 418386 w 7299977"/>
+              <a:gd name="connsiteY32" fmla="*/ 4172424 h 6858000"/>
+              <a:gd name="connsiteX33" fmla="*/ 491072 w 7299977"/>
+              <a:gd name="connsiteY33" fmla="*/ 4090612 h 6858000"/>
+              <a:gd name="connsiteX34" fmla="*/ 520147 w 7299977"/>
+              <a:gd name="connsiteY34" fmla="*/ 3827390 h 6858000"/>
+              <a:gd name="connsiteX35" fmla="*/ 459090 w 7299977"/>
+              <a:gd name="connsiteY35" fmla="*/ 3539269 h 6858000"/>
+              <a:gd name="connsiteX36" fmla="*/ 290458 w 7299977"/>
+              <a:gd name="connsiteY36" fmla="*/ 3393429 h 6858000"/>
+              <a:gd name="connsiteX37" fmla="*/ 339884 w 7299977"/>
+              <a:gd name="connsiteY37" fmla="*/ 3229805 h 6858000"/>
+              <a:gd name="connsiteX38" fmla="*/ 697501 w 7299977"/>
+              <a:gd name="connsiteY38" fmla="*/ 3329402 h 6858000"/>
+              <a:gd name="connsiteX39" fmla="*/ 165437 w 7299977"/>
+              <a:gd name="connsiteY39" fmla="*/ 2941684 h 6858000"/>
+              <a:gd name="connsiteX40" fmla="*/ 255568 w 7299977"/>
+              <a:gd name="connsiteY40" fmla="*/ 2923898 h 6858000"/>
+              <a:gd name="connsiteX41" fmla="*/ 578296 w 7299977"/>
+              <a:gd name="connsiteY41" fmla="*/ 2703362 h 6858000"/>
+              <a:gd name="connsiteX42" fmla="*/ 595740 w 7299977"/>
+              <a:gd name="connsiteY42" fmla="*/ 2692689 h 6858000"/>
+              <a:gd name="connsiteX43" fmla="*/ 650982 w 7299977"/>
+              <a:gd name="connsiteY43" fmla="*/ 2553965 h 6858000"/>
+              <a:gd name="connsiteX44" fmla="*/ 825429 w 7299977"/>
+              <a:gd name="connsiteY44" fmla="*/ 2532623 h 6858000"/>
+              <a:gd name="connsiteX45" fmla="*/ 970802 w 7299977"/>
+              <a:gd name="connsiteY45" fmla="*/ 2564636 h 6858000"/>
+              <a:gd name="connsiteX46" fmla="*/ 1127805 w 7299977"/>
+              <a:gd name="connsiteY46" fmla="*/ 2525509 h 6858000"/>
+              <a:gd name="connsiteX47" fmla="*/ 1267362 w 7299977"/>
+              <a:gd name="connsiteY47" fmla="*/ 2543294 h 6858000"/>
+              <a:gd name="connsiteX48" fmla="*/ 1386568 w 7299977"/>
+              <a:gd name="connsiteY48" fmla="*/ 2518395 h 6858000"/>
+              <a:gd name="connsiteX49" fmla="*/ 1270270 w 7299977"/>
+              <a:gd name="connsiteY49" fmla="*/ 2401012 h 6858000"/>
+              <a:gd name="connsiteX50" fmla="*/ 1107453 w 7299977"/>
+              <a:gd name="connsiteY50" fmla="*/ 2401012 h 6858000"/>
+              <a:gd name="connsiteX51" fmla="*/ 991154 w 7299977"/>
+              <a:gd name="connsiteY51" fmla="*/ 2326314 h 6858000"/>
+              <a:gd name="connsiteX52" fmla="*/ 880671 w 7299977"/>
+              <a:gd name="connsiteY52" fmla="*/ 2191146 h 6858000"/>
+              <a:gd name="connsiteX53" fmla="*/ 491072 w 7299977"/>
+              <a:gd name="connsiteY53" fmla="*/ 1974165 h 6858000"/>
+              <a:gd name="connsiteX54" fmla="*/ 421293 w 7299977"/>
+              <a:gd name="connsiteY54" fmla="*/ 1892353 h 6858000"/>
+              <a:gd name="connsiteX55" fmla="*/ 1531941 w 7299977"/>
+              <a:gd name="connsiteY55" fmla="*/ 2208931 h 6858000"/>
+              <a:gd name="connsiteX56" fmla="*/ 1188861 w 7299977"/>
+              <a:gd name="connsiteY56" fmla="*/ 2077320 h 6858000"/>
+              <a:gd name="connsiteX57" fmla="*/ 1421458 w 7299977"/>
+              <a:gd name="connsiteY57" fmla="*/ 2102219 h 6858000"/>
+              <a:gd name="connsiteX58" fmla="*/ 1549386 w 7299977"/>
+              <a:gd name="connsiteY58" fmla="*/ 2013292 h 6858000"/>
+              <a:gd name="connsiteX59" fmla="*/ 1549386 w 7299977"/>
+              <a:gd name="connsiteY59" fmla="*/ 1984836 h 6858000"/>
+              <a:gd name="connsiteX60" fmla="*/ 1453440 w 7299977"/>
+              <a:gd name="connsiteY60" fmla="*/ 1903025 h 6858000"/>
+              <a:gd name="connsiteX61" fmla="*/ 1398198 w 7299977"/>
+              <a:gd name="connsiteY61" fmla="*/ 1849668 h 6858000"/>
+              <a:gd name="connsiteX62" fmla="*/ 1247011 w 7299977"/>
+              <a:gd name="connsiteY62" fmla="*/ 1657587 h 6858000"/>
+              <a:gd name="connsiteX63" fmla="*/ 1354586 w 7299977"/>
+              <a:gd name="connsiteY63" fmla="*/ 1636245 h 6858000"/>
+              <a:gd name="connsiteX64" fmla="*/ 1395290 w 7299977"/>
+              <a:gd name="connsiteY64" fmla="*/ 1597117 h 6858000"/>
+              <a:gd name="connsiteX65" fmla="*/ 1366216 w 7299977"/>
+              <a:gd name="connsiteY65" fmla="*/ 1540204 h 6858000"/>
+              <a:gd name="connsiteX66" fmla="*/ 1031858 w 7299977"/>
+              <a:gd name="connsiteY66" fmla="*/ 1365909 h 6858000"/>
+              <a:gd name="connsiteX67" fmla="*/ 1005692 w 7299977"/>
+              <a:gd name="connsiteY67" fmla="*/ 1230741 h 6858000"/>
+              <a:gd name="connsiteX68" fmla="*/ 1069655 w 7299977"/>
+              <a:gd name="connsiteY68" fmla="*/ 1209399 h 6858000"/>
+              <a:gd name="connsiteX69" fmla="*/ 1142342 w 7299977"/>
+              <a:gd name="connsiteY69" fmla="*/ 1220069 h 6858000"/>
+              <a:gd name="connsiteX70" fmla="*/ 1084193 w 7299977"/>
+              <a:gd name="connsiteY70" fmla="*/ 1113358 h 6858000"/>
+              <a:gd name="connsiteX71" fmla="*/ 848689 w 7299977"/>
+              <a:gd name="connsiteY71" fmla="*/ 1006647 h 6858000"/>
+              <a:gd name="connsiteX72" fmla="*/ 805077 w 7299977"/>
+              <a:gd name="connsiteY72" fmla="*/ 949734 h 6858000"/>
+              <a:gd name="connsiteX73" fmla="*/ 863226 w 7299977"/>
+              <a:gd name="connsiteY73" fmla="*/ 921277 h 6858000"/>
+              <a:gd name="connsiteX74" fmla="*/ 906838 w 7299977"/>
+              <a:gd name="connsiteY74" fmla="*/ 910606 h 6858000"/>
+              <a:gd name="connsiteX75" fmla="*/ 5527 w 7299977"/>
+              <a:gd name="connsiteY75" fmla="*/ 465975 h 6858000"/>
+              <a:gd name="connsiteX76" fmla="*/ 209049 w 7299977"/>
+              <a:gd name="connsiteY76" fmla="*/ 462417 h 6858000"/>
+              <a:gd name="connsiteX77" fmla="*/ 409664 w 7299977"/>
+              <a:gd name="connsiteY77" fmla="*/ 533558 h 6858000"/>
+              <a:gd name="connsiteX78" fmla="*/ 621908 w 7299977"/>
+              <a:gd name="connsiteY78" fmla="*/ 522887 h 6858000"/>
+              <a:gd name="connsiteX79" fmla="*/ 822522 w 7299977"/>
+              <a:gd name="connsiteY79" fmla="*/ 558458 h 6858000"/>
+              <a:gd name="connsiteX80" fmla="*/ 996969 w 7299977"/>
+              <a:gd name="connsiteY80" fmla="*/ 558458 h 6858000"/>
+              <a:gd name="connsiteX81" fmla="*/ 834151 w 7299977"/>
+              <a:gd name="connsiteY81" fmla="*/ 505101 h 6858000"/>
+              <a:gd name="connsiteX82" fmla="*/ 773095 w 7299977"/>
+              <a:gd name="connsiteY82" fmla="*/ 416176 h 6858000"/>
+              <a:gd name="connsiteX83" fmla="*/ 793447 w 7299977"/>
+              <a:gd name="connsiteY83" fmla="*/ 334364 h 6858000"/>
+              <a:gd name="connsiteX84" fmla="*/ 860319 w 7299977"/>
+              <a:gd name="connsiteY84" fmla="*/ 359262 h 6858000"/>
+              <a:gd name="connsiteX85" fmla="*/ 938820 w 7299977"/>
+              <a:gd name="connsiteY85" fmla="*/ 451747 h 6858000"/>
+              <a:gd name="connsiteX86" fmla="*/ 956265 w 7299977"/>
+              <a:gd name="connsiteY86" fmla="*/ 394834 h 6858000"/>
+              <a:gd name="connsiteX87" fmla="*/ 1002784 w 7299977"/>
+              <a:gd name="connsiteY87" fmla="*/ 352148 h 6858000"/>
+              <a:gd name="connsiteX88" fmla="*/ 1270270 w 7299977"/>
+              <a:gd name="connsiteY88" fmla="*/ 373491 h 6858000"/>
+              <a:gd name="connsiteX89" fmla="*/ 1092915 w 7299977"/>
+              <a:gd name="connsiteY89" fmla="*/ 192082 h 6858000"/>
+              <a:gd name="connsiteX90" fmla="*/ 979525 w 7299977"/>
+              <a:gd name="connsiteY90" fmla="*/ 163625 h 6858000"/>
+              <a:gd name="connsiteX91" fmla="*/ 953358 w 7299977"/>
+              <a:gd name="connsiteY91" fmla="*/ 88927 h 6858000"/>
+              <a:gd name="connsiteX92" fmla="*/ 1005692 w 7299977"/>
+              <a:gd name="connsiteY92" fmla="*/ 71141 h 6858000"/>
+              <a:gd name="connsiteX93" fmla="*/ 1267362 w 7299977"/>
+              <a:gd name="connsiteY93" fmla="*/ 135168 h 6858000"/>
+              <a:gd name="connsiteX94" fmla="*/ 1310975 w 7299977"/>
+              <a:gd name="connsiteY94" fmla="*/ 110269 h 6858000"/>
+              <a:gd name="connsiteX95" fmla="*/ 1008599 w 7299977"/>
+              <a:gd name="connsiteY95" fmla="*/ 0 h 6858000"/>
+            </a:gdLst>
+            <a:ahLst/>
+            <a:cxnLst>
+              <a:cxn ang="0">
+                <a:pos x="connsiteX0" y="connsiteY0"/>
+              </a:cxn>
+              <a:cxn ang="0">
+                <a:pos x="connsiteX1" y="connsiteY1"/>
+              </a:cxn>
+              <a:cxn ang="0">
+                <a:pos x="connsiteX2" y="connsiteY2"/>
+              </a:cxn>
+              <a:cxn ang="0">
+                <a:pos x="connsiteX3" y="connsiteY3"/>
+              </a:cxn>
+              <a:cxn ang="0">
+                <a:pos x="connsiteX4" y="connsiteY4"/>
+              </a:cxn>
+              <a:cxn ang="0">
+                <a:pos x="connsiteX5" y="connsiteY5"/>
+              </a:cxn>
+              <a:cxn ang="0">
+                <a:pos x="connsiteX6" y="connsiteY6"/>
+              </a:cxn>
+              <a:cxn ang="0">
+                <a:pos x="connsiteX7" y="connsiteY7"/>
+              </a:cxn>
+              <a:cxn ang="0">
+                <a:pos x="connsiteX8" y="connsiteY8"/>
+              </a:cxn>
+              <a:cxn ang="0">
+                <a:pos x="connsiteX9" y="connsiteY9"/>
+              </a:cxn>
+              <a:cxn ang="0">
+                <a:pos x="connsiteX10" y="connsiteY10"/>
+              </a:cxn>
+              <a:cxn ang="0">
+                <a:pos x="connsiteX11" y="connsiteY11"/>
+              </a:cxn>
+              <a:cxn ang="0">
+                <a:pos x="connsiteX12" y="connsiteY12"/>
+              </a:cxn>
+              <a:cxn ang="0">
+                <a:pos x="connsiteX13" y="connsiteY13"/>
+              </a:cxn>
+              <a:cxn ang="0">
+                <a:pos x="connsiteX14" y="connsiteY14"/>
+              </a:cxn>
+              <a:cxn ang="0">
+                <a:pos x="connsiteX15" y="connsiteY15"/>
+              </a:cxn>
+              <a:cxn ang="0">
+                <a:pos x="connsiteX16" y="connsiteY16"/>
+              </a:cxn>
+              <a:cxn ang="0">
+                <a:pos x="connsiteX17" y="connsiteY17"/>
+              </a:cxn>
+              <a:cxn ang="0">
+                <a:pos x="connsiteX18" y="connsiteY18"/>
+              </a:cxn>
+              <a:cxn ang="0">
+                <a:pos x="connsiteX19" y="connsiteY19"/>
+              </a:cxn>
+              <a:cxn ang="0">
+                <a:pos x="connsiteX20" y="connsiteY20"/>
+              </a:cxn>
+              <a:cxn ang="0">
+                <a:pos x="connsiteX21" y="connsiteY21"/>
+              </a:cxn>
+              <a:cxn ang="0">
+                <a:pos x="connsiteX22" y="connsiteY22"/>
+              </a:cxn>
+              <a:cxn ang="0">
+                <a:pos x="connsiteX23" y="connsiteY23"/>
+              </a:cxn>
+              <a:cxn ang="0">
+                <a:pos x="connsiteX24" y="connsiteY24"/>
+              </a:cxn>
+              <a:cxn ang="0">
+                <a:pos x="connsiteX25" y="connsiteY25"/>
+              </a:cxn>
+              <a:cxn ang="0">
+                <a:pos x="connsiteX26" y="connsiteY26"/>
+              </a:cxn>
+              <a:cxn ang="0">
+                <a:pos x="connsiteX27" y="connsiteY27"/>
+              </a:cxn>
+              <a:cxn ang="0">
+                <a:pos x="connsiteX28" y="connsiteY28"/>
+              </a:cxn>
+              <a:cxn ang="0">
+                <a:pos x="connsiteX29" y="connsiteY29"/>
+              </a:cxn>
+              <a:cxn ang="0">
+                <a:pos x="connsiteX30" y="connsiteY30"/>
+              </a:cxn>
+              <a:cxn ang="0">
+                <a:pos x="connsiteX31" y="connsiteY31"/>
+              </a:cxn>
+              <a:cxn ang="0">
+                <a:pos x="connsiteX32" y="connsiteY32"/>
+              </a:cxn>
+              <a:cxn ang="0">
+                <a:pos x="connsiteX33" y="connsiteY33"/>
+              </a:cxn>
+              <a:cxn ang="0">
+                <a:pos x="connsiteX34" y="connsiteY34"/>
+              </a:cxn>
+              <a:cxn ang="0">
+                <a:pos x="connsiteX35" y="connsiteY35"/>
+              </a:cxn>
+              <a:cxn ang="0">
+                <a:pos x="connsiteX36" y="connsiteY36"/>
+              </a:cxn>
+              <a:cxn ang="0">
+                <a:pos x="connsiteX37" y="connsiteY37"/>
+              </a:cxn>
+              <a:cxn ang="0">
+                <a:pos x="connsiteX38" y="connsiteY38"/>
+              </a:cxn>
+              <a:cxn ang="0">
+                <a:pos x="connsiteX39" y="connsiteY39"/>
+              </a:cxn>
+              <a:cxn ang="0">
+                <a:pos x="connsiteX40" y="connsiteY40"/>
+              </a:cxn>
+              <a:cxn ang="0">
+                <a:pos x="connsiteX41" y="connsiteY41"/>
+              </a:cxn>
+              <a:cxn ang="0">
+                <a:pos x="connsiteX42" y="connsiteY42"/>
+              </a:cxn>
+              <a:cxn ang="0">
+                <a:pos x="connsiteX43" y="connsiteY43"/>
+              </a:cxn>
+              <a:cxn ang="0">
+                <a:pos x="connsiteX44" y="connsiteY44"/>
+              </a:cxn>
+              <a:cxn ang="0">
+                <a:pos x="connsiteX45" y="connsiteY45"/>
+              </a:cxn>
+              <a:cxn ang="0">
+                <a:pos x="connsiteX46" y="connsiteY46"/>
+              </a:cxn>
+              <a:cxn ang="0">
+                <a:pos x="connsiteX47" y="connsiteY47"/>
+              </a:cxn>
+              <a:cxn ang="0">
+                <a:pos x="connsiteX48" y="connsiteY48"/>
+              </a:cxn>
+              <a:cxn ang="0">
+                <a:pos x="connsiteX49" y="connsiteY49"/>
+              </a:cxn>
+              <a:cxn ang="0">
+                <a:pos x="connsiteX50" y="connsiteY50"/>
+              </a:cxn>
+              <a:cxn ang="0">
+                <a:pos x="connsiteX51" y="connsiteY51"/>
+              </a:cxn>
+              <a:cxn ang="0">
+                <a:pos x="connsiteX52" y="connsiteY52"/>
+              </a:cxn>
+              <a:cxn ang="0">
+                <a:pos x="connsiteX53" y="connsiteY53"/>
+              </a:cxn>
+              <a:cxn ang="0">
+                <a:pos x="connsiteX54" y="connsiteY54"/>
+              </a:cxn>
+              <a:cxn ang="0">
+                <a:pos x="connsiteX55" y="connsiteY55"/>
+              </a:cxn>
+              <a:cxn ang="0">
+                <a:pos x="connsiteX56" y="connsiteY56"/>
+              </a:cxn>
+              <a:cxn ang="0">
+                <a:pos x="connsiteX57" y="connsiteY57"/>
+              </a:cxn>
+              <a:cxn ang="0">
+                <a:pos x="connsiteX58" y="connsiteY58"/>
+              </a:cxn>
+              <a:cxn ang="0">
+                <a:pos x="connsiteX59" y="connsiteY59"/>
+              </a:cxn>
+              <a:cxn ang="0">
+                <a:pos x="connsiteX60" y="connsiteY60"/>
+              </a:cxn>
+              <a:cxn ang="0">
+                <a:pos x="connsiteX61" y="connsiteY61"/>
+              </a:cxn>
+              <a:cxn ang="0">
+                <a:pos x="connsiteX62" y="connsiteY62"/>
+              </a:cxn>
+              <a:cxn ang="0">
+                <a:pos x="connsiteX63" y="connsiteY63"/>
+              </a:cxn>
+              <a:cxn ang="0">
+                <a:pos x="connsiteX64" y="connsiteY64"/>
+              </a:cxn>
+              <a:cxn ang="0">
+                <a:pos x="connsiteX65" y="connsiteY65"/>
+              </a:cxn>
+              <a:cxn ang="0">
+                <a:pos x="connsiteX66" y="connsiteY66"/>
+              </a:cxn>
+              <a:cxn ang="0">
+                <a:pos x="connsiteX67" y="connsiteY67"/>
+              </a:cxn>
+              <a:cxn ang="0">
+                <a:pos x="connsiteX68" y="connsiteY68"/>
+              </a:cxn>
+              <a:cxn ang="0">
+                <a:pos x="connsiteX69" y="connsiteY69"/>
+              </a:cxn>
+              <a:cxn ang="0">
+                <a:pos x="connsiteX70" y="connsiteY70"/>
+              </a:cxn>
+              <a:cxn ang="0">
+                <a:pos x="connsiteX71" y="connsiteY71"/>
+              </a:cxn>
+              <a:cxn ang="0">
+                <a:pos x="connsiteX72" y="connsiteY72"/>
+              </a:cxn>
+              <a:cxn ang="0">
+                <a:pos x="connsiteX73" y="connsiteY73"/>
+              </a:cxn>
+              <a:cxn ang="0">
+                <a:pos x="connsiteX74" y="connsiteY74"/>
+              </a:cxn>
+              <a:cxn ang="0">
+                <a:pos x="connsiteX75" y="connsiteY75"/>
+              </a:cxn>
+              <a:cxn ang="0">
+                <a:pos x="connsiteX76" y="connsiteY76"/>
+              </a:cxn>
+              <a:cxn ang="0">
+                <a:pos x="connsiteX77" y="connsiteY77"/>
+              </a:cxn>
+              <a:cxn ang="0">
+                <a:pos x="connsiteX78" y="connsiteY78"/>
+              </a:cxn>
+              <a:cxn ang="0">
+                <a:pos x="connsiteX79" y="connsiteY79"/>
+              </a:cxn>
+              <a:cxn ang="0">
+                <a:pos x="connsiteX80" y="connsiteY80"/>
+              </a:cxn>
+              <a:cxn ang="0">
+                <a:pos x="connsiteX81" y="connsiteY81"/>
+              </a:cxn>
+              <a:cxn ang="0">
+                <a:pos x="connsiteX82" y="connsiteY82"/>
+              </a:cxn>
+              <a:cxn ang="0">
+                <a:pos x="connsiteX83" y="connsiteY83"/>
+              </a:cxn>
+              <a:cxn ang="0">
+                <a:pos x="connsiteX84" y="connsiteY84"/>
+              </a:cxn>
+              <a:cxn ang="0">
+                <a:pos x="connsiteX85" y="connsiteY85"/>
+              </a:cxn>
+              <a:cxn ang="0">
+                <a:pos x="connsiteX86" y="connsiteY86"/>
+              </a:cxn>
+              <a:cxn ang="0">
+                <a:pos x="connsiteX87" y="connsiteY87"/>
+              </a:cxn>
+              <a:cxn ang="0">
+                <a:pos x="connsiteX88" y="connsiteY88"/>
+              </a:cxn>
+              <a:cxn ang="0">
+                <a:pos x="connsiteX89" y="connsiteY89"/>
+              </a:cxn>
+              <a:cxn ang="0">
+                <a:pos x="connsiteX90" y="connsiteY90"/>
+              </a:cxn>
+              <a:cxn ang="0">
+                <a:pos x="connsiteX91" y="connsiteY91"/>
+              </a:cxn>
+              <a:cxn ang="0">
+                <a:pos x="connsiteX92" y="connsiteY92"/>
+              </a:cxn>
+              <a:cxn ang="0">
+                <a:pos x="connsiteX93" y="connsiteY93"/>
+              </a:cxn>
+              <a:cxn ang="0">
+                <a:pos x="connsiteX94" y="connsiteY94"/>
+              </a:cxn>
+              <a:cxn ang="0">
+                <a:pos x="connsiteX95" y="connsiteY95"/>
+              </a:cxn>
+            </a:cxnLst>
+            <a:rect l="l" t="t" r="r" b="b"/>
+            <a:pathLst>
+              <a:path w="7299977" h="6858000">
+                <a:moveTo>
+                  <a:pt x="1008599" y="0"/>
+                </a:moveTo>
+                <a:lnTo>
+                  <a:pt x="4420653" y="0"/>
+                </a:lnTo>
+                <a:lnTo>
+                  <a:pt x="5511704" y="0"/>
+                </a:lnTo>
+                <a:lnTo>
+                  <a:pt x="7299977" y="0"/>
+                </a:lnTo>
+                <a:lnTo>
+                  <a:pt x="7299977" y="6858000"/>
+                </a:lnTo>
+                <a:lnTo>
+                  <a:pt x="5511704" y="6858000"/>
+                </a:lnTo>
+                <a:lnTo>
+                  <a:pt x="4420653" y="6858000"/>
+                </a:lnTo>
+                <a:lnTo>
+                  <a:pt x="1592997" y="6858000"/>
+                </a:lnTo>
+                <a:cubicBezTo>
+                  <a:pt x="1473792" y="6786859"/>
+                  <a:pt x="1360401" y="6701489"/>
+                  <a:pt x="1232473" y="6658805"/>
+                </a:cubicBezTo>
+                <a:cubicBezTo>
+                  <a:pt x="1145250" y="6630349"/>
+                  <a:pt x="1060933" y="6580550"/>
+                  <a:pt x="1075471" y="6431153"/>
+                </a:cubicBezTo>
+                <a:cubicBezTo>
+                  <a:pt x="1078378" y="6388469"/>
+                  <a:pt x="1055118" y="6356456"/>
+                  <a:pt x="1020229" y="6367127"/>
+                </a:cubicBezTo>
+                <a:cubicBezTo>
+                  <a:pt x="953358" y="6388469"/>
+                  <a:pt x="921375" y="6327999"/>
+                  <a:pt x="883579" y="6281757"/>
+                </a:cubicBezTo>
+                <a:cubicBezTo>
+                  <a:pt x="816707" y="6199945"/>
+                  <a:pt x="752743" y="6114575"/>
+                  <a:pt x="645167" y="6100347"/>
+                </a:cubicBezTo>
+                <a:cubicBezTo>
+                  <a:pt x="665519" y="6036320"/>
+                  <a:pt x="700408" y="6043434"/>
+                  <a:pt x="732391" y="6057663"/>
+                </a:cubicBezTo>
+                <a:cubicBezTo>
+                  <a:pt x="816707" y="6093234"/>
+                  <a:pt x="901023" y="6132361"/>
+                  <a:pt x="985339" y="6167932"/>
+                </a:cubicBezTo>
+                <a:cubicBezTo>
+                  <a:pt x="1040581" y="6189274"/>
+                  <a:pt x="1095822" y="6221287"/>
+                  <a:pt x="1168509" y="6196388"/>
+                </a:cubicBezTo>
+                <a:cubicBezTo>
+                  <a:pt x="1104545" y="6068335"/>
+                  <a:pt x="996969" y="6043434"/>
+                  <a:pt x="909746" y="6004307"/>
+                </a:cubicBezTo>
+                <a:cubicBezTo>
+                  <a:pt x="802169" y="5954508"/>
+                  <a:pt x="738206" y="5862025"/>
+                  <a:pt x="659704" y="5755314"/>
+                </a:cubicBezTo>
+                <a:cubicBezTo>
+                  <a:pt x="738206" y="5726858"/>
+                  <a:pt x="787632" y="5805112"/>
+                  <a:pt x="851597" y="5801555"/>
+                </a:cubicBezTo>
+                <a:cubicBezTo>
+                  <a:pt x="854504" y="5790884"/>
+                  <a:pt x="860319" y="5769542"/>
+                  <a:pt x="860319" y="5769542"/>
+                </a:cubicBezTo>
+                <a:cubicBezTo>
+                  <a:pt x="755650" y="5712629"/>
+                  <a:pt x="709132" y="5605917"/>
+                  <a:pt x="691686" y="5474306"/>
+                </a:cubicBezTo>
+                <a:cubicBezTo>
+                  <a:pt x="685872" y="5406721"/>
+                  <a:pt x="648075" y="5385379"/>
+                  <a:pt x="610278" y="5353367"/>
+                </a:cubicBezTo>
+                <a:cubicBezTo>
+                  <a:pt x="482350" y="5243097"/>
+                  <a:pt x="345700" y="5143500"/>
+                  <a:pt x="238123" y="4994104"/>
+                </a:cubicBezTo>
+                <a:cubicBezTo>
+                  <a:pt x="363144" y="5011889"/>
+                  <a:pt x="461997" y="5111487"/>
+                  <a:pt x="592833" y="5154171"/>
+                </a:cubicBezTo>
+                <a:cubicBezTo>
+                  <a:pt x="488165" y="4990547"/>
+                  <a:pt x="351514" y="4905177"/>
+                  <a:pt x="226494" y="4805580"/>
+                </a:cubicBezTo>
+                <a:cubicBezTo>
+                  <a:pt x="168344" y="4759339"/>
+                  <a:pt x="116011" y="4702425"/>
+                  <a:pt x="49139" y="4677526"/>
+                </a:cubicBezTo>
+                <a:cubicBezTo>
+                  <a:pt x="25879" y="4670412"/>
+                  <a:pt x="-14826" y="4652628"/>
+                  <a:pt x="5527" y="4602828"/>
+                </a:cubicBezTo>
+                <a:cubicBezTo>
+                  <a:pt x="22972" y="4560144"/>
+                  <a:pt x="54954" y="4574373"/>
+                  <a:pt x="84029" y="4585042"/>
+                </a:cubicBezTo>
+                <a:cubicBezTo>
+                  <a:pt x="153807" y="4613499"/>
+                  <a:pt x="229401" y="4613499"/>
+                  <a:pt x="325347" y="4613499"/>
+                </a:cubicBezTo>
+                <a:cubicBezTo>
+                  <a:pt x="243939" y="4478331"/>
+                  <a:pt x="95658" y="4521016"/>
+                  <a:pt x="25879" y="4378734"/>
+                </a:cubicBezTo>
+                <a:cubicBezTo>
+                  <a:pt x="113103" y="4353835"/>
+                  <a:pt x="179975" y="4403633"/>
+                  <a:pt x="249753" y="4414305"/>
+                </a:cubicBezTo>
+                <a:cubicBezTo>
+                  <a:pt x="313718" y="4424975"/>
+                  <a:pt x="328254" y="4400076"/>
+                  <a:pt x="313718" y="4321821"/>
+                </a:cubicBezTo>
+                <a:cubicBezTo>
+                  <a:pt x="290458" y="4200882"/>
+                  <a:pt x="325347" y="4140411"/>
+                  <a:pt x="418386" y="4172424"/>
+                </a:cubicBezTo>
+                <a:cubicBezTo>
+                  <a:pt x="505609" y="4204438"/>
+                  <a:pt x="514332" y="4158196"/>
+                  <a:pt x="491072" y="4090612"/>
+                </a:cubicBezTo>
+                <a:cubicBezTo>
+                  <a:pt x="456183" y="3991015"/>
+                  <a:pt x="493979" y="3912759"/>
+                  <a:pt x="520147" y="3827390"/>
+                </a:cubicBezTo>
+                <a:cubicBezTo>
+                  <a:pt x="560851" y="3699337"/>
+                  <a:pt x="543407" y="3635309"/>
+                  <a:pt x="459090" y="3539269"/>
+                </a:cubicBezTo>
+                <a:cubicBezTo>
+                  <a:pt x="409664" y="3485914"/>
+                  <a:pt x="360236" y="3439672"/>
+                  <a:pt x="290458" y="3393429"/>
+                </a:cubicBezTo>
+                <a:cubicBezTo>
+                  <a:pt x="450368" y="3368530"/>
+                  <a:pt x="284643" y="3283162"/>
+                  <a:pt x="339884" y="3229805"/>
+                </a:cubicBezTo>
+                <a:cubicBezTo>
+                  <a:pt x="453275" y="3208463"/>
+                  <a:pt x="543407" y="3379202"/>
+                  <a:pt x="697501" y="3329402"/>
+                </a:cubicBezTo>
+                <a:cubicBezTo>
+                  <a:pt x="511425" y="3183563"/>
+                  <a:pt x="302087" y="3137322"/>
+                  <a:pt x="165437" y="2941684"/>
+                </a:cubicBezTo>
+                <a:cubicBezTo>
+                  <a:pt x="197419" y="2899000"/>
+                  <a:pt x="229401" y="2941684"/>
+                  <a:pt x="255568" y="2923898"/>
+                </a:cubicBezTo>
+                <a:cubicBezTo>
+                  <a:pt x="255568" y="2913227"/>
+                  <a:pt x="560851" y="2980812"/>
+                  <a:pt x="578296" y="2703362"/>
+                </a:cubicBezTo>
+                <a:cubicBezTo>
+                  <a:pt x="584111" y="2703362"/>
+                  <a:pt x="589926" y="2703362"/>
+                  <a:pt x="595740" y="2692689"/>
+                </a:cubicBezTo>
+                <a:cubicBezTo>
+                  <a:pt x="627722" y="2653563"/>
+                  <a:pt x="598648" y="2561080"/>
+                  <a:pt x="650982" y="2553965"/>
+                </a:cubicBezTo>
+                <a:cubicBezTo>
+                  <a:pt x="709132" y="2546851"/>
+                  <a:pt x="764373" y="2514837"/>
+                  <a:pt x="825429" y="2532623"/>
+                </a:cubicBezTo>
+                <a:cubicBezTo>
+                  <a:pt x="871949" y="2546851"/>
+                  <a:pt x="921375" y="2564636"/>
+                  <a:pt x="970802" y="2564636"/>
+                </a:cubicBezTo>
+                <a:cubicBezTo>
+                  <a:pt x="1023136" y="2564636"/>
+                  <a:pt x="1095822" y="2685576"/>
+                  <a:pt x="1127805" y="2525509"/>
+                </a:cubicBezTo>
+                <a:cubicBezTo>
+                  <a:pt x="1127805" y="2518395"/>
+                  <a:pt x="1217936" y="2536181"/>
+                  <a:pt x="1267362" y="2543294"/>
+                </a:cubicBezTo>
+                <a:cubicBezTo>
+                  <a:pt x="1308067" y="2550408"/>
+                  <a:pt x="1357494" y="2582422"/>
+                  <a:pt x="1386568" y="2518395"/>
+                </a:cubicBezTo>
+                <a:cubicBezTo>
+                  <a:pt x="1401105" y="2479267"/>
+                  <a:pt x="1331326" y="2408126"/>
+                  <a:pt x="1270270" y="2401012"/>
+                </a:cubicBezTo>
+                <a:cubicBezTo>
+                  <a:pt x="1215029" y="2393898"/>
+                  <a:pt x="1159787" y="2386784"/>
+                  <a:pt x="1107453" y="2401012"/>
+                </a:cubicBezTo>
+                <a:cubicBezTo>
+                  <a:pt x="1043489" y="2418796"/>
+                  <a:pt x="1008599" y="2390340"/>
+                  <a:pt x="991154" y="2326314"/>
+                </a:cubicBezTo>
+                <a:cubicBezTo>
+                  <a:pt x="970802" y="2258731"/>
+                  <a:pt x="933005" y="2223159"/>
+                  <a:pt x="880671" y="2191146"/>
+                </a:cubicBezTo>
+                <a:cubicBezTo>
+                  <a:pt x="752743" y="2112891"/>
+                  <a:pt x="630630" y="2020407"/>
+                  <a:pt x="491072" y="1974165"/>
+                </a:cubicBezTo>
+                <a:cubicBezTo>
+                  <a:pt x="464905" y="1967051"/>
+                  <a:pt x="432923" y="1952823"/>
+                  <a:pt x="421293" y="1892353"/>
+                </a:cubicBezTo>
+                <a:cubicBezTo>
+                  <a:pt x="799262" y="1984836"/>
+                  <a:pt x="1142342" y="2223159"/>
+                  <a:pt x="1531941" y="2208931"/>
+                </a:cubicBezTo>
+                <a:cubicBezTo>
+                  <a:pt x="1427272" y="2134233"/>
+                  <a:pt x="1302252" y="2130676"/>
+                  <a:pt x="1188861" y="2077320"/>
+                </a:cubicBezTo>
+                <a:cubicBezTo>
+                  <a:pt x="1270270" y="2038192"/>
+                  <a:pt x="1345864" y="2080877"/>
+                  <a:pt x="1421458" y="2102219"/>
+                </a:cubicBezTo>
+                <a:cubicBezTo>
+                  <a:pt x="1485422" y="2120004"/>
+                  <a:pt x="1543571" y="2123562"/>
+                  <a:pt x="1549386" y="2013292"/>
+                </a:cubicBezTo>
+                <a:cubicBezTo>
+                  <a:pt x="1549386" y="2002622"/>
+                  <a:pt x="1549386" y="1995507"/>
+                  <a:pt x="1549386" y="1984836"/>
+                </a:cubicBezTo>
+                <a:cubicBezTo>
+                  <a:pt x="1526126" y="1938595"/>
+                  <a:pt x="1494144" y="1917252"/>
+                  <a:pt x="1453440" y="1903025"/>
+                </a:cubicBezTo>
+                <a:cubicBezTo>
+                  <a:pt x="1430180" y="1895910"/>
+                  <a:pt x="1398198" y="1881683"/>
+                  <a:pt x="1398198" y="1849668"/>
+                </a:cubicBezTo>
+                <a:cubicBezTo>
+                  <a:pt x="1401105" y="1728729"/>
+                  <a:pt x="1322604" y="1693158"/>
+                  <a:pt x="1247011" y="1657587"/>
+                </a:cubicBezTo>
+                <a:cubicBezTo>
+                  <a:pt x="1287715" y="1597117"/>
+                  <a:pt x="1322604" y="1639802"/>
+                  <a:pt x="1354586" y="1636245"/>
+                </a:cubicBezTo>
+                <a:cubicBezTo>
+                  <a:pt x="1374939" y="1632688"/>
+                  <a:pt x="1395290" y="1629132"/>
+                  <a:pt x="1395290" y="1597117"/>
+                </a:cubicBezTo>
+                <a:cubicBezTo>
+                  <a:pt x="1395290" y="1572219"/>
+                  <a:pt x="1386568" y="1540204"/>
+                  <a:pt x="1366216" y="1540204"/>
+                </a:cubicBezTo>
+                <a:cubicBezTo>
+                  <a:pt x="1238288" y="1536647"/>
+                  <a:pt x="1165601" y="1365909"/>
+                  <a:pt x="1031858" y="1365909"/>
+                </a:cubicBezTo>
+                <a:cubicBezTo>
+                  <a:pt x="950450" y="1365909"/>
+                  <a:pt x="1072563" y="1269868"/>
+                  <a:pt x="1005692" y="1230741"/>
+                </a:cubicBezTo>
+                <a:cubicBezTo>
+                  <a:pt x="991154" y="1220069"/>
+                  <a:pt x="1046396" y="1205842"/>
+                  <a:pt x="1069655" y="1209399"/>
+                </a:cubicBezTo>
+                <a:cubicBezTo>
+                  <a:pt x="1092915" y="1212955"/>
+                  <a:pt x="1113268" y="1237855"/>
+                  <a:pt x="1142342" y="1220069"/>
+                </a:cubicBezTo>
+                <a:cubicBezTo>
+                  <a:pt x="1156879" y="1156043"/>
+                  <a:pt x="1119082" y="1131144"/>
+                  <a:pt x="1084193" y="1113358"/>
+                </a:cubicBezTo>
+                <a:cubicBezTo>
+                  <a:pt x="1008599" y="1070674"/>
+                  <a:pt x="933005" y="1020875"/>
+                  <a:pt x="848689" y="1006647"/>
+                </a:cubicBezTo>
+                <a:cubicBezTo>
+                  <a:pt x="819615" y="1003089"/>
+                  <a:pt x="802169" y="985305"/>
+                  <a:pt x="805077" y="949734"/>
+                </a:cubicBezTo>
+                <a:cubicBezTo>
+                  <a:pt x="810892" y="903491"/>
+                  <a:pt x="839967" y="917720"/>
+                  <a:pt x="863226" y="921277"/>
+                </a:cubicBezTo>
+                <a:cubicBezTo>
+                  <a:pt x="877764" y="924835"/>
+                  <a:pt x="892301" y="935506"/>
+                  <a:pt x="906838" y="910606"/>
+                </a:cubicBezTo>
+                <a:cubicBezTo>
+                  <a:pt x="566666" y="658055"/>
+                  <a:pt x="386404" y="672284"/>
+                  <a:pt x="5527" y="465975"/>
+                </a:cubicBezTo>
+                <a:cubicBezTo>
+                  <a:pt x="89843" y="426847"/>
+                  <a:pt x="150900" y="455303"/>
+                  <a:pt x="209049" y="462417"/>
+                </a:cubicBezTo>
+                <a:cubicBezTo>
+                  <a:pt x="354422" y="480203"/>
+                  <a:pt x="264290" y="512216"/>
+                  <a:pt x="409664" y="533558"/>
+                </a:cubicBezTo>
+                <a:cubicBezTo>
+                  <a:pt x="479443" y="544229"/>
+                  <a:pt x="543407" y="579800"/>
+                  <a:pt x="621908" y="522887"/>
+                </a:cubicBezTo>
+                <a:cubicBezTo>
+                  <a:pt x="674242" y="483759"/>
+                  <a:pt x="758558" y="526444"/>
+                  <a:pt x="822522" y="558458"/>
+                </a:cubicBezTo>
+                <a:cubicBezTo>
+                  <a:pt x="874856" y="586915"/>
+                  <a:pt x="927190" y="594028"/>
+                  <a:pt x="996969" y="558458"/>
+                </a:cubicBezTo>
+                <a:cubicBezTo>
+                  <a:pt x="933005" y="537116"/>
+                  <a:pt x="883579" y="519330"/>
+                  <a:pt x="834151" y="505101"/>
+                </a:cubicBezTo>
+                <a:cubicBezTo>
+                  <a:pt x="793447" y="494431"/>
+                  <a:pt x="770187" y="469532"/>
+                  <a:pt x="773095" y="416176"/>
+                </a:cubicBezTo>
+                <a:cubicBezTo>
+                  <a:pt x="773095" y="387720"/>
+                  <a:pt x="764373" y="348592"/>
+                  <a:pt x="793447" y="334364"/>
+                </a:cubicBezTo>
+                <a:cubicBezTo>
+                  <a:pt x="816707" y="320135"/>
+                  <a:pt x="848689" y="334364"/>
+                  <a:pt x="860319" y="359262"/>
+                </a:cubicBezTo>
+                <a:cubicBezTo>
+                  <a:pt x="874856" y="405504"/>
+                  <a:pt x="889393" y="448189"/>
+                  <a:pt x="938820" y="451747"/>
+                </a:cubicBezTo>
+                <a:cubicBezTo>
+                  <a:pt x="1005692" y="458860"/>
+                  <a:pt x="967894" y="430405"/>
+                  <a:pt x="956265" y="394834"/>
+                </a:cubicBezTo>
+                <a:cubicBezTo>
+                  <a:pt x="944635" y="355706"/>
+                  <a:pt x="979525" y="345034"/>
+                  <a:pt x="1002784" y="352148"/>
+                </a:cubicBezTo>
+                <a:cubicBezTo>
+                  <a:pt x="1090008" y="384162"/>
+                  <a:pt x="1180139" y="327250"/>
+                  <a:pt x="1270270" y="373491"/>
+                </a:cubicBezTo>
+                <a:cubicBezTo>
+                  <a:pt x="1247011" y="259665"/>
+                  <a:pt x="1197583" y="209867"/>
+                  <a:pt x="1092915" y="192082"/>
+                </a:cubicBezTo>
+                <a:cubicBezTo>
+                  <a:pt x="1055118" y="188525"/>
+                  <a:pt x="1014414" y="195638"/>
+                  <a:pt x="979525" y="163625"/>
+                </a:cubicBezTo>
+                <a:cubicBezTo>
+                  <a:pt x="959172" y="145839"/>
+                  <a:pt x="938820" y="124497"/>
+                  <a:pt x="953358" y="88927"/>
+                </a:cubicBezTo>
+                <a:cubicBezTo>
+                  <a:pt x="962080" y="64027"/>
+                  <a:pt x="985339" y="64027"/>
+                  <a:pt x="1005692" y="71141"/>
+                </a:cubicBezTo>
+                <a:cubicBezTo>
+                  <a:pt x="1090008" y="110269"/>
+                  <a:pt x="1180139" y="120941"/>
+                  <a:pt x="1267362" y="135168"/>
+                </a:cubicBezTo>
+                <a:cubicBezTo>
+                  <a:pt x="1281900" y="138725"/>
+                  <a:pt x="1296437" y="145839"/>
+                  <a:pt x="1310975" y="110269"/>
+                </a:cubicBezTo>
+                <a:cubicBezTo>
+                  <a:pt x="1209214" y="78255"/>
+                  <a:pt x="1110360" y="35571"/>
+                  <a:pt x="1008599" y="0"/>
+                </a:cubicBezTo>
+                <a:close/>
+              </a:path>
+            </a:pathLst>
+          </a:custGeom>
+          <a:solidFill>
+            <a:schemeClr val="bg2">
+              <a:alpha val="50000"/>
+            </a:schemeClr>
+          </a:solidFill>
+          <a:ln w="32707" cap="flat">
+            <a:noFill/>
+            <a:prstDash val="solid"/>
+            <a:miter/>
+          </a:ln>
+        </p:spPr>
+        <p:txBody>
+          <a:bodyPr rtlCol="0" anchor="ctr"/>
+          <a:lstStyle/>
+          <a:p>
+            <a:endParaRPr lang="en-US" dirty="0"/>
+          </a:p>
+        </p:txBody>
+      </p:sp>
       <p:sp>
         <p:nvSpPr>
           <p:cNvPr id="2" name="Title 1">
@@ -4655,12 +11222,14 @@
         </p:nvSpPr>
         <p:spPr>
           <a:xfrm>
-            <a:off x="838200" y="365125"/>
-            <a:ext cx="10515600" cy="777875"/>
+            <a:off x="905484" y="1065749"/>
+            <a:ext cx="3748810" cy="4726502"/>
           </a:xfrm>
         </p:spPr>
         <p:txBody>
-          <a:bodyPr/>
+          <a:bodyPr>
+            <a:normAutofit/>
+          </a:bodyPr>
           <a:lstStyle/>
           <a:p>
             <a:r>
@@ -4692,232 +11261,249 @@
         </p:nvSpPr>
         <p:spPr>
           <a:xfrm>
-            <a:off x="838200" y="1338943"/>
-            <a:ext cx="10515600" cy="4838020"/>
+            <a:off x="4963887" y="163286"/>
+            <a:ext cx="7108370" cy="6607628"/>
           </a:xfrm>
         </p:spPr>
         <p:txBody>
-          <a:bodyPr>
-            <a:normAutofit fontScale="55000" lnSpcReduction="20000"/>
+          <a:bodyPr anchor="ctr">
+            <a:normAutofit fontScale="92500"/>
           </a:bodyPr>
           <a:lstStyle/>
           <a:p>
             <a:pPr marL="0" indent="0">
               <a:lnSpc>
-                <a:spcPct val="170000"/>
+                <a:spcPct val="150000"/>
               </a:lnSpc>
               <a:buNone/>
             </a:pPr>
             <a:r>
-              <a:rPr lang="en-US" sz="2500" dirty="0">
+              <a:rPr lang="en-US" sz="1400" dirty="0">
                 <a:latin typeface="Times New Roman" panose="02020603050405020304" pitchFamily="18" charset="0"/>
                 <a:cs typeface="Times New Roman" panose="02020603050405020304" pitchFamily="18" charset="0"/>
               </a:rPr>
-              <a:t>Before building the recommendation system, the dataset had to be checked and prepared:</a:t>
+              <a:t>To ensure the dataset was ready for building a recommendation system, several preprocessing steps were applied:</a:t>
             </a:r>
           </a:p>
           <a:p>
             <a:pPr>
               <a:lnSpc>
-                <a:spcPct val="170000"/>
+                <a:spcPct val="150000"/>
               </a:lnSpc>
             </a:pPr>
             <a:r>
-              <a:rPr lang="en-US" sz="2500" b="1" dirty="0">
+              <a:rPr lang="en-US" sz="1400" b="1" dirty="0">
                 <a:latin typeface="Times New Roman" panose="02020603050405020304" pitchFamily="18" charset="0"/>
                 <a:cs typeface="Times New Roman" panose="02020603050405020304" pitchFamily="18" charset="0"/>
               </a:rPr>
-              <a:t>Imported essential libraries</a:t>
-            </a:r>
-            <a:r>
-              <a:rPr lang="en-US" sz="2500" dirty="0">
+              <a:t>Removed outliers</a:t>
+            </a:r>
+            <a:r>
+              <a:rPr lang="en-US" sz="1400" dirty="0">
                 <a:latin typeface="Times New Roman" panose="02020603050405020304" pitchFamily="18" charset="0"/>
                 <a:cs typeface="Times New Roman" panose="02020603050405020304" pitchFamily="18" charset="0"/>
               </a:rPr>
-              <a:t> (Pandas, NumPy, Matplotlib, Seaborn, ) to handle data and visualization.</a:t>
-            </a:r>
-          </a:p>
-          <a:p>
-            <a:pPr>
-              <a:lnSpc>
-                <a:spcPct val="170000"/>
-              </a:lnSpc>
-            </a:pPr>
-            <a:r>
-              <a:rPr lang="en-US" sz="2500" b="1" dirty="0">
+              <a:t> → Ensured all ratings fall within the valid range of </a:t>
+            </a:r>
+            <a:r>
+              <a:rPr lang="en-US" sz="1400" b="1" dirty="0">
                 <a:latin typeface="Times New Roman" panose="02020603050405020304" pitchFamily="18" charset="0"/>
                 <a:cs typeface="Times New Roman" panose="02020603050405020304" pitchFamily="18" charset="0"/>
               </a:rPr>
-              <a:t>Loaded all four CSV files</a:t>
-            </a:r>
-            <a:r>
-              <a:rPr lang="en-US" sz="2500" dirty="0">
+              <a:t>0.5 to 5.0</a:t>
+            </a:r>
+            <a:r>
+              <a:rPr lang="en-US" sz="1400" dirty="0">
                 <a:latin typeface="Times New Roman" panose="02020603050405020304" pitchFamily="18" charset="0"/>
                 <a:cs typeface="Times New Roman" panose="02020603050405020304" pitchFamily="18" charset="0"/>
               </a:rPr>
-              <a:t>: links, movies, ratings, and tags.</a:t>
+              <a:t>.</a:t>
             </a:r>
           </a:p>
           <a:p>
             <a:pPr>
               <a:lnSpc>
-                <a:spcPct val="170000"/>
+                <a:spcPct val="150000"/>
               </a:lnSpc>
             </a:pPr>
             <a:r>
-              <a:rPr lang="en-US" sz="2500" b="1" dirty="0">
+              <a:rPr lang="en-US" sz="1400" b="1" dirty="0">
                 <a:latin typeface="Times New Roman" panose="02020603050405020304" pitchFamily="18" charset="0"/>
                 <a:cs typeface="Times New Roman" panose="02020603050405020304" pitchFamily="18" charset="0"/>
               </a:rPr>
-              <a:t>Checked data quality</a:t>
-            </a:r>
-            <a:r>
-              <a:rPr lang="en-US" sz="2500" dirty="0">
+              <a:t>Fixed inconsistencies</a:t>
+            </a:r>
+            <a:r>
+              <a:rPr lang="en-US" sz="1400" dirty="0">
                 <a:latin typeface="Times New Roman" panose="02020603050405020304" pitchFamily="18" charset="0"/>
                 <a:cs typeface="Times New Roman" panose="02020603050405020304" pitchFamily="18" charset="0"/>
               </a:rPr>
-              <a:t>: looked for missing values, duplicates, and inconsistencies.</a:t>
+              <a:t> → Converted data types for user IDs, movie IDs, and ratings to the correct formats (integers and floats).</a:t>
             </a:r>
           </a:p>
           <a:p>
             <a:pPr>
               <a:lnSpc>
-                <a:spcPct val="170000"/>
+                <a:spcPct val="150000"/>
               </a:lnSpc>
             </a:pPr>
             <a:r>
-              <a:rPr lang="en-US" sz="2500" b="1" dirty="0">
+              <a:rPr lang="en-US" sz="1400" b="1" dirty="0">
+                <a:latin typeface="Times New Roman" panose="02020603050405020304" pitchFamily="18" charset="0"/>
+                <a:cs typeface="Times New Roman" panose="02020603050405020304" pitchFamily="18" charset="0"/>
+              </a:rPr>
+              <a:t>Normalized ratings</a:t>
+            </a:r>
+            <a:r>
+              <a:rPr lang="en-US" sz="1400" dirty="0">
+                <a:latin typeface="Times New Roman" panose="02020603050405020304" pitchFamily="18" charset="0"/>
+                <a:cs typeface="Times New Roman" panose="02020603050405020304" pitchFamily="18" charset="0"/>
+              </a:rPr>
+              <a:t> → Scaled rating values so they are comparable and consistent across users.</a:t>
+            </a:r>
+          </a:p>
+          <a:p>
+            <a:pPr>
+              <a:lnSpc>
+                <a:spcPct val="150000"/>
+              </a:lnSpc>
+            </a:pPr>
+            <a:r>
+              <a:rPr lang="en-US" sz="1400" b="1" dirty="0">
+                <a:latin typeface="Times New Roman" panose="02020603050405020304" pitchFamily="18" charset="0"/>
+                <a:cs typeface="Times New Roman" panose="02020603050405020304" pitchFamily="18" charset="0"/>
+              </a:rPr>
+              <a:t>Encoded genres</a:t>
+            </a:r>
+            <a:r>
+              <a:rPr lang="en-US" sz="1400" dirty="0">
+                <a:latin typeface="Times New Roman" panose="02020603050405020304" pitchFamily="18" charset="0"/>
+                <a:cs typeface="Times New Roman" panose="02020603050405020304" pitchFamily="18" charset="0"/>
+              </a:rPr>
+              <a:t> → Transformed movie genres into numerical form using one-hot encoding, making them usable for modeling.</a:t>
+            </a:r>
+          </a:p>
+          <a:p>
+            <a:pPr>
+              <a:lnSpc>
+                <a:spcPct val="150000"/>
+              </a:lnSpc>
+            </a:pPr>
+            <a:r>
+              <a:rPr lang="en-US" sz="1400" b="1" dirty="0">
+                <a:latin typeface="Times New Roman" panose="02020603050405020304" pitchFamily="18" charset="0"/>
+                <a:cs typeface="Times New Roman" panose="02020603050405020304" pitchFamily="18" charset="0"/>
+              </a:rPr>
+              <a:t>Extracted release year</a:t>
+            </a:r>
+            <a:r>
+              <a:rPr lang="en-US" sz="1400" dirty="0">
+                <a:latin typeface="Times New Roman" panose="02020603050405020304" pitchFamily="18" charset="0"/>
+                <a:cs typeface="Times New Roman" panose="02020603050405020304" pitchFamily="18" charset="0"/>
+              </a:rPr>
+              <a:t> → Pulled the year of release from movie titles for better feature analysis.</a:t>
+            </a:r>
+          </a:p>
+          <a:p>
+            <a:pPr>
+              <a:lnSpc>
+                <a:spcPct val="150000"/>
+              </a:lnSpc>
+            </a:pPr>
+            <a:r>
+              <a:rPr lang="en-US" sz="1400" b="1" dirty="0">
+                <a:latin typeface="Times New Roman" panose="02020603050405020304" pitchFamily="18" charset="0"/>
+                <a:cs typeface="Times New Roman" panose="02020603050405020304" pitchFamily="18" charset="0"/>
+              </a:rPr>
+              <a:t>Engineered new features</a:t>
+            </a:r>
+            <a:r>
+              <a:rPr lang="en-US" sz="1400" dirty="0">
+                <a:latin typeface="Times New Roman" panose="02020603050405020304" pitchFamily="18" charset="0"/>
+                <a:cs typeface="Times New Roman" panose="02020603050405020304" pitchFamily="18" charset="0"/>
+              </a:rPr>
+              <a:t>:</a:t>
+            </a:r>
+          </a:p>
+          <a:p>
+            <a:pPr lvl="1">
+              <a:lnSpc>
+                <a:spcPct val="150000"/>
+              </a:lnSpc>
+            </a:pPr>
+            <a:r>
+              <a:rPr lang="en-US" sz="1400" dirty="0">
+                <a:latin typeface="Times New Roman" panose="02020603050405020304" pitchFamily="18" charset="0"/>
+                <a:cs typeface="Times New Roman" panose="02020603050405020304" pitchFamily="18" charset="0"/>
+              </a:rPr>
+              <a:t>Number of ratings per movie (popularity measure).</a:t>
+            </a:r>
+          </a:p>
+          <a:p>
+            <a:pPr lvl="1">
+              <a:lnSpc>
+                <a:spcPct val="150000"/>
+              </a:lnSpc>
+            </a:pPr>
+            <a:r>
+              <a:rPr lang="en-US" sz="1400" dirty="0">
+                <a:latin typeface="Times New Roman" panose="02020603050405020304" pitchFamily="18" charset="0"/>
+                <a:cs typeface="Times New Roman" panose="02020603050405020304" pitchFamily="18" charset="0"/>
+              </a:rPr>
+              <a:t>Average rating per movie (quality measure).</a:t>
+            </a:r>
+          </a:p>
+          <a:p>
+            <a:pPr lvl="1">
+              <a:lnSpc>
+                <a:spcPct val="150000"/>
+              </a:lnSpc>
+            </a:pPr>
+            <a:r>
+              <a:rPr lang="en-US" sz="1400" dirty="0">
+                <a:latin typeface="Times New Roman" panose="02020603050405020304" pitchFamily="18" charset="0"/>
+                <a:cs typeface="Times New Roman" panose="02020603050405020304" pitchFamily="18" charset="0"/>
+              </a:rPr>
+              <a:t>Average rating per user (user rating behavior).</a:t>
+            </a:r>
+          </a:p>
+          <a:p>
+            <a:pPr>
+              <a:lnSpc>
+                <a:spcPct val="150000"/>
+              </a:lnSpc>
+            </a:pPr>
+            <a:r>
+              <a:rPr lang="en-US" sz="1400" b="1" dirty="0">
                 <a:latin typeface="Times New Roman" panose="02020603050405020304" pitchFamily="18" charset="0"/>
                 <a:cs typeface="Times New Roman" panose="02020603050405020304" pitchFamily="18" charset="0"/>
               </a:rPr>
               <a:t>Merged the datasets into one unified table</a:t>
             </a:r>
-            <a:r>
-              <a:rPr lang="en-US" sz="2500" dirty="0">
-                <a:latin typeface="Times New Roman" panose="02020603050405020304" pitchFamily="18" charset="0"/>
-                <a:cs typeface="Times New Roman" panose="02020603050405020304" pitchFamily="18" charset="0"/>
-              </a:rPr>
-              <a:t>:</a:t>
-            </a:r>
-          </a:p>
-          <a:p>
-            <a:pPr lvl="1">
-              <a:lnSpc>
-                <a:spcPct val="170000"/>
-              </a:lnSpc>
-            </a:pPr>
-            <a:r>
-              <a:rPr lang="en-US" sz="2500" dirty="0">
-                <a:latin typeface="Times New Roman" panose="02020603050405020304" pitchFamily="18" charset="0"/>
-                <a:cs typeface="Times New Roman" panose="02020603050405020304" pitchFamily="18" charset="0"/>
-              </a:rPr>
-              <a:t>Ratings were matched with the corresponding movie titles and genres.</a:t>
-            </a:r>
-          </a:p>
-          <a:p>
-            <a:pPr lvl="1">
-              <a:lnSpc>
-                <a:spcPct val="170000"/>
-              </a:lnSpc>
-            </a:pPr>
-            <a:r>
-              <a:rPr lang="en-US" sz="2500" dirty="0">
-                <a:latin typeface="Times New Roman" panose="02020603050405020304" pitchFamily="18" charset="0"/>
-                <a:cs typeface="Times New Roman" panose="02020603050405020304" pitchFamily="18" charset="0"/>
-              </a:rPr>
-              <a:t>User-generated tags were added to provide descriptive context.</a:t>
-            </a:r>
-          </a:p>
-          <a:p>
-            <a:pPr lvl="1">
-              <a:lnSpc>
-                <a:spcPct val="170000"/>
-              </a:lnSpc>
-            </a:pPr>
-            <a:r>
-              <a:rPr lang="en-US" sz="2500" dirty="0">
-                <a:latin typeface="Times New Roman" panose="02020603050405020304" pitchFamily="18" charset="0"/>
-                <a:cs typeface="Times New Roman" panose="02020603050405020304" pitchFamily="18" charset="0"/>
-              </a:rPr>
-              <a:t>External movie identifiers (from links) were connected for completeness.</a:t>
-            </a:r>
-          </a:p>
-          <a:p>
-            <a:pPr>
-              <a:lnSpc>
-                <a:spcPct val="170000"/>
-              </a:lnSpc>
-            </a:pPr>
-            <a:r>
-              <a:rPr lang="en-US" sz="2500" dirty="0">
-                <a:latin typeface="Times New Roman" panose="02020603050405020304" pitchFamily="18" charset="0"/>
-                <a:cs typeface="Times New Roman" panose="02020603050405020304" pitchFamily="18" charset="0"/>
-              </a:rPr>
-              <a:t>This merging step created a single, comprehensive dataset that combines </a:t>
-            </a:r>
-            <a:r>
-              <a:rPr lang="en-US" sz="2500" b="1" dirty="0">
-                <a:latin typeface="Times New Roman" panose="02020603050405020304" pitchFamily="18" charset="0"/>
-                <a:cs typeface="Times New Roman" panose="02020603050405020304" pitchFamily="18" charset="0"/>
-              </a:rPr>
-              <a:t>user behavior</a:t>
-            </a:r>
-            <a:r>
-              <a:rPr lang="en-US" sz="2500" dirty="0">
-                <a:latin typeface="Times New Roman" panose="02020603050405020304" pitchFamily="18" charset="0"/>
-                <a:cs typeface="Times New Roman" panose="02020603050405020304" pitchFamily="18" charset="0"/>
-              </a:rPr>
-              <a:t>, </a:t>
-            </a:r>
-            <a:r>
-              <a:rPr lang="en-US" sz="2500" b="1" dirty="0">
-                <a:latin typeface="Times New Roman" panose="02020603050405020304" pitchFamily="18" charset="0"/>
-                <a:cs typeface="Times New Roman" panose="02020603050405020304" pitchFamily="18" charset="0"/>
-              </a:rPr>
-              <a:t>movie details</a:t>
-            </a:r>
-            <a:r>
-              <a:rPr lang="en-US" sz="2500" dirty="0">
-                <a:latin typeface="Times New Roman" panose="02020603050405020304" pitchFamily="18" charset="0"/>
-                <a:cs typeface="Times New Roman" panose="02020603050405020304" pitchFamily="18" charset="0"/>
-              </a:rPr>
-              <a:t>, and </a:t>
-            </a:r>
-            <a:r>
-              <a:rPr lang="en-US" sz="2500" b="1" dirty="0">
-                <a:latin typeface="Times New Roman" panose="02020603050405020304" pitchFamily="18" charset="0"/>
-                <a:cs typeface="Times New Roman" panose="02020603050405020304" pitchFamily="18" charset="0"/>
-              </a:rPr>
-              <a:t>tags</a:t>
-            </a:r>
-            <a:r>
-              <a:rPr lang="en-US" sz="2500" dirty="0">
-                <a:latin typeface="Times New Roman" panose="02020603050405020304" pitchFamily="18" charset="0"/>
-                <a:cs typeface="Times New Roman" panose="02020603050405020304" pitchFamily="18" charset="0"/>
-              </a:rPr>
-              <a:t>, making it ready for building a recommendation system.</a:t>
-            </a:r>
           </a:p>
           <a:p>
             <a:pPr marL="0" indent="0">
               <a:lnSpc>
-                <a:spcPct val="170000"/>
+                <a:spcPct val="150000"/>
               </a:lnSpc>
               <a:buNone/>
             </a:pPr>
             <a:r>
-              <a:rPr lang="en-US" sz="2500" dirty="0">
-                <a:latin typeface="Times New Roman" panose="02020603050405020304" pitchFamily="18" charset="0"/>
-                <a:cs typeface="Times New Roman" panose="02020603050405020304" pitchFamily="18" charset="0"/>
-              </a:rPr>
-              <a:t>This step ensures that the data is reliable and ready for modeling.</a:t>
-            </a:r>
-          </a:p>
-          <a:p>
-            <a:pPr marL="0" indent="0">
-              <a:buNone/>
-            </a:pPr>
-            <a:endParaRPr lang="en-US" dirty="0"/>
+              <a:rPr lang="en-US" sz="1400" dirty="0"/>
+              <a:t>After merging, cleaning, and feature engineering, the final dataset contained </a:t>
+            </a:r>
+            <a:r>
+              <a:rPr lang="en-US" sz="1400" b="1" dirty="0"/>
+              <a:t>5 rows × 963 columns</a:t>
+            </a:r>
+            <a:r>
+              <a:rPr lang="en-US" sz="1400" dirty="0"/>
+              <a:t>, representing a rich set of attributes for building the recommendation system</a:t>
+            </a:r>
+            <a:endParaRPr lang="en-US" sz="1400" dirty="0">
+              <a:latin typeface="Times New Roman" panose="02020603050405020304" pitchFamily="18" charset="0"/>
+              <a:cs typeface="Times New Roman" panose="02020603050405020304" pitchFamily="18" charset="0"/>
+            </a:endParaRPr>
           </a:p>
         </p:txBody>
       </p:sp>
@@ -4925,6 +11511,1215 @@
     <p:extLst>
       <p:ext uri="{BB962C8B-B14F-4D97-AF65-F5344CB8AC3E}">
         <p14:creationId xmlns:p14="http://schemas.microsoft.com/office/powerpoint/2010/main" val="2998119999"/>
+      </p:ext>
+    </p:extLst>
+  </p:cSld>
+  <p:clrMapOvr>
+    <a:masterClrMapping/>
+  </p:clrMapOvr>
+</p:sld>
+</file>
+
+<file path=ppt/slides/slide6.xml><?xml version="1.0" encoding="utf-8"?>
+<p:sld xmlns:a="http://schemas.openxmlformats.org/drawingml/2006/main" xmlns:r="http://schemas.openxmlformats.org/officeDocument/2006/relationships" xmlns:p="http://schemas.openxmlformats.org/presentationml/2006/main">
+  <p:cSld>
+    <p:bg>
+      <p:bgPr>
+        <a:solidFill>
+          <a:schemeClr val="bg1"/>
+        </a:solidFill>
+        <a:effectLst/>
+      </p:bgPr>
+    </p:bg>
+    <p:spTree>
+      <p:nvGrpSpPr>
+        <p:cNvPr id="1" name=""/>
+        <p:cNvGrpSpPr/>
+        <p:nvPr/>
+      </p:nvGrpSpPr>
+      <p:grpSpPr>
+        <a:xfrm>
+          <a:off x="0" y="0"/>
+          <a:ext cx="0" cy="0"/>
+          <a:chOff x="0" y="0"/>
+          <a:chExt cx="0" cy="0"/>
+        </a:xfrm>
+      </p:grpSpPr>
+      <p:sp useBgFill="1">
+        <p:nvSpPr>
+          <p:cNvPr id="55" name="Rectangle 54">
+            <a:extLst>
+              <a:ext uri="{FF2B5EF4-FFF2-40B4-BE49-F238E27FC236}">
+                <a16:creationId xmlns:a16="http://schemas.microsoft.com/office/drawing/2014/main" id="{2CB962CF-61A3-4EF9-94F6-7C59B0329524}"/>
+              </a:ext>
+              <a:ext uri="{C183D7F6-B498-43B3-948B-1728B52AA6E4}">
+                <adec:decorative xmlns:adec="http://schemas.microsoft.com/office/drawing/2017/decorative" val="1"/>
+              </a:ext>
+            </a:extLst>
+          </p:cNvPr>
+          <p:cNvSpPr>
+            <a:spLocks noGrp="1" noRot="1" noChangeAspect="1" noMove="1" noResize="1" noEditPoints="1" noAdjustHandles="1" noChangeArrowheads="1" noChangeShapeType="1" noTextEdit="1"/>
+          </p:cNvSpPr>
+          <p:nvPr>
+            <p:extLst>
+              <p:ext uri="{386F3935-93C4-4BCD-93E2-E3B085C9AB24}">
+                <p16:designElem xmlns:p16="http://schemas.microsoft.com/office/powerpoint/2015/main" val="1"/>
+              </p:ext>
+            </p:extLst>
+          </p:nvPr>
+        </p:nvSpPr>
+        <p:spPr>
+          <a:xfrm>
+            <a:off x="-1" y="0"/>
+            <a:ext cx="12188952" cy="6858000"/>
+          </a:xfrm>
+          <a:prstGeom prst="rect">
+            <a:avLst/>
+          </a:prstGeom>
+          <a:ln>
+            <a:noFill/>
+          </a:ln>
+        </p:spPr>
+        <p:style>
+          <a:lnRef idx="2">
+            <a:schemeClr val="accent1">
+              <a:shade val="50000"/>
+            </a:schemeClr>
+          </a:lnRef>
+          <a:fillRef idx="1">
+            <a:schemeClr val="accent1"/>
+          </a:fillRef>
+          <a:effectRef idx="0">
+            <a:schemeClr val="accent1"/>
+          </a:effectRef>
+          <a:fontRef idx="minor">
+            <a:schemeClr val="lt1"/>
+          </a:fontRef>
+        </p:style>
+        <p:txBody>
+          <a:bodyPr rtlCol="0" anchor="ctr"/>
+          <a:lstStyle/>
+          <a:p>
+            <a:pPr algn="ctr"/>
+            <a:endParaRPr lang="en-US" dirty="0"/>
+          </a:p>
+        </p:txBody>
+      </p:sp>
+      <p:sp>
+        <p:nvSpPr>
+          <p:cNvPr id="2" name="Title 1">
+            <a:extLst>
+              <a:ext uri="{FF2B5EF4-FFF2-40B4-BE49-F238E27FC236}">
+                <a16:creationId xmlns:a16="http://schemas.microsoft.com/office/drawing/2014/main" id="{FD6AE43A-6492-030D-F718-7C8B33DDA7A8}"/>
+              </a:ext>
+            </a:extLst>
+          </p:cNvPr>
+          <p:cNvSpPr>
+            <a:spLocks noGrp="1"/>
+          </p:cNvSpPr>
+          <p:nvPr>
+            <p:ph type="title"/>
+          </p:nvPr>
+        </p:nvSpPr>
+        <p:spPr>
+          <a:xfrm>
+            <a:off x="198821" y="202998"/>
+            <a:ext cx="6797405" cy="656973"/>
+          </a:xfrm>
+        </p:spPr>
+        <p:txBody>
+          <a:bodyPr>
+            <a:normAutofit/>
+          </a:bodyPr>
+          <a:lstStyle/>
+          <a:p>
+            <a:r>
+              <a:rPr lang="en-US" sz="4000" b="1" i="1" dirty="0">
+                <a:solidFill>
+                  <a:srgbClr val="00B0F0"/>
+                </a:solidFill>
+              </a:rPr>
+              <a:t>Exploratory Data Analysis</a:t>
+            </a:r>
+          </a:p>
+        </p:txBody>
+      </p:sp>
+      <p:sp>
+        <p:nvSpPr>
+          <p:cNvPr id="3" name="Content Placeholder 2">
+            <a:extLst>
+              <a:ext uri="{FF2B5EF4-FFF2-40B4-BE49-F238E27FC236}">
+                <a16:creationId xmlns:a16="http://schemas.microsoft.com/office/drawing/2014/main" id="{27F35AF7-5EF5-74E7-096F-52AABB42F5E0}"/>
+              </a:ext>
+            </a:extLst>
+          </p:cNvPr>
+          <p:cNvSpPr>
+            <a:spLocks noGrp="1"/>
+          </p:cNvSpPr>
+          <p:nvPr>
+            <p:ph idx="1"/>
+          </p:nvPr>
+        </p:nvSpPr>
+        <p:spPr>
+          <a:xfrm>
+            <a:off x="0" y="859971"/>
+            <a:ext cx="7635606" cy="5998029"/>
+          </a:xfrm>
+        </p:spPr>
+        <p:txBody>
+          <a:bodyPr>
+            <a:normAutofit fontScale="70000" lnSpcReduction="20000"/>
+          </a:bodyPr>
+          <a:lstStyle/>
+          <a:p>
+            <a:pPr marL="0" indent="0">
+              <a:lnSpc>
+                <a:spcPct val="120000"/>
+              </a:lnSpc>
+              <a:buNone/>
+            </a:pPr>
+            <a:r>
+              <a:rPr lang="en-US" sz="1500" dirty="0">
+                <a:latin typeface="Times New Roman" panose="02020603050405020304" pitchFamily="18" charset="0"/>
+                <a:cs typeface="Times New Roman" panose="02020603050405020304" pitchFamily="18" charset="0"/>
+              </a:rPr>
+              <a:t>After completing the data cleaning process, we moved on to (EDA) to understand the structure and patterns in the dataset.</a:t>
+            </a:r>
+          </a:p>
+          <a:p>
+            <a:pPr marL="0" indent="0">
+              <a:lnSpc>
+                <a:spcPct val="120000"/>
+              </a:lnSpc>
+              <a:buNone/>
+            </a:pPr>
+            <a:endParaRPr lang="en-US" sz="1500" dirty="0">
+              <a:latin typeface="Times New Roman" panose="02020603050405020304" pitchFamily="18" charset="0"/>
+              <a:cs typeface="Times New Roman" panose="02020603050405020304" pitchFamily="18" charset="0"/>
+            </a:endParaRPr>
+          </a:p>
+          <a:p>
+            <a:pPr marL="0" indent="0">
+              <a:lnSpc>
+                <a:spcPct val="120000"/>
+              </a:lnSpc>
+              <a:buNone/>
+            </a:pPr>
+            <a:r>
+              <a:rPr lang="en-US" sz="1500" b="1" u="sng" dirty="0">
+                <a:solidFill>
+                  <a:srgbClr val="FF9900"/>
+                </a:solidFill>
+                <a:latin typeface="Times New Roman" panose="02020603050405020304" pitchFamily="18" charset="0"/>
+                <a:cs typeface="Times New Roman" panose="02020603050405020304" pitchFamily="18" charset="0"/>
+              </a:rPr>
+              <a:t>Key Observations for Distribution of Movie ratings</a:t>
+            </a:r>
+          </a:p>
+          <a:p>
+            <a:pPr>
+              <a:lnSpc>
+                <a:spcPct val="120000"/>
+              </a:lnSpc>
+            </a:pPr>
+            <a:r>
+              <a:rPr lang="en-US" sz="1500" dirty="0">
+                <a:latin typeface="Times New Roman" panose="02020603050405020304" pitchFamily="18" charset="0"/>
+                <a:cs typeface="Times New Roman" panose="02020603050405020304" pitchFamily="18" charset="0"/>
+              </a:rPr>
+              <a:t>Most ratings are concentrated between </a:t>
+            </a:r>
+            <a:r>
+              <a:rPr lang="en-US" sz="1500" b="1" dirty="0">
+                <a:latin typeface="Times New Roman" panose="02020603050405020304" pitchFamily="18" charset="0"/>
+                <a:cs typeface="Times New Roman" panose="02020603050405020304" pitchFamily="18" charset="0"/>
+              </a:rPr>
+              <a:t>3 and 5</a:t>
+            </a:r>
+            <a:r>
+              <a:rPr lang="en-US" sz="1500" dirty="0">
+                <a:latin typeface="Times New Roman" panose="02020603050405020304" pitchFamily="18" charset="0"/>
+                <a:cs typeface="Times New Roman" panose="02020603050405020304" pitchFamily="18" charset="0"/>
+              </a:rPr>
+              <a:t>, indicating a </a:t>
+            </a:r>
+            <a:r>
+              <a:rPr lang="en-US" sz="1500" b="1" dirty="0">
+                <a:latin typeface="Times New Roman" panose="02020603050405020304" pitchFamily="18" charset="0"/>
+                <a:cs typeface="Times New Roman" panose="02020603050405020304" pitchFamily="18" charset="0"/>
+              </a:rPr>
+              <a:t>positive skew</a:t>
+            </a:r>
+            <a:r>
+              <a:rPr lang="en-US" sz="1500" dirty="0">
+                <a:latin typeface="Times New Roman" panose="02020603050405020304" pitchFamily="18" charset="0"/>
+                <a:cs typeface="Times New Roman" panose="02020603050405020304" pitchFamily="18" charset="0"/>
+              </a:rPr>
+              <a:t>.</a:t>
+            </a:r>
+          </a:p>
+          <a:p>
+            <a:pPr>
+              <a:lnSpc>
+                <a:spcPct val="120000"/>
+              </a:lnSpc>
+            </a:pPr>
+            <a:r>
+              <a:rPr lang="en-US" sz="1500" dirty="0">
+                <a:latin typeface="Times New Roman" panose="02020603050405020304" pitchFamily="18" charset="0"/>
+                <a:cs typeface="Times New Roman" panose="02020603050405020304" pitchFamily="18" charset="0"/>
+              </a:rPr>
+              <a:t>The highest peaks occur around </a:t>
+            </a:r>
+            <a:r>
+              <a:rPr lang="en-US" sz="1500" b="1" dirty="0">
+                <a:latin typeface="Times New Roman" panose="02020603050405020304" pitchFamily="18" charset="0"/>
+                <a:cs typeface="Times New Roman" panose="02020603050405020304" pitchFamily="18" charset="0"/>
+              </a:rPr>
+              <a:t>ratings of 4 and 5</a:t>
+            </a:r>
+            <a:r>
+              <a:rPr lang="en-US" sz="1500" dirty="0">
+                <a:latin typeface="Times New Roman" panose="02020603050405020304" pitchFamily="18" charset="0"/>
+                <a:cs typeface="Times New Roman" panose="02020603050405020304" pitchFamily="18" charset="0"/>
+              </a:rPr>
+              <a:t>, showing that users tend to give </a:t>
+            </a:r>
+            <a:r>
+              <a:rPr lang="en-US" sz="1500" b="1" dirty="0">
+                <a:latin typeface="Times New Roman" panose="02020603050405020304" pitchFamily="18" charset="0"/>
+                <a:cs typeface="Times New Roman" panose="02020603050405020304" pitchFamily="18" charset="0"/>
+              </a:rPr>
+              <a:t>favorable reviews</a:t>
+            </a:r>
+            <a:r>
+              <a:rPr lang="en-US" sz="1500" dirty="0">
+                <a:latin typeface="Times New Roman" panose="02020603050405020304" pitchFamily="18" charset="0"/>
+                <a:cs typeface="Times New Roman" panose="02020603050405020304" pitchFamily="18" charset="0"/>
+              </a:rPr>
+              <a:t>.</a:t>
+            </a:r>
+          </a:p>
+          <a:p>
+            <a:pPr>
+              <a:lnSpc>
+                <a:spcPct val="120000"/>
+              </a:lnSpc>
+            </a:pPr>
+            <a:r>
+              <a:rPr lang="en-US" sz="1500" dirty="0">
+                <a:latin typeface="Times New Roman" panose="02020603050405020304" pitchFamily="18" charset="0"/>
+                <a:cs typeface="Times New Roman" panose="02020603050405020304" pitchFamily="18" charset="0"/>
+              </a:rPr>
+              <a:t>Very few movies receive ratings below 2, suggesting that </a:t>
+            </a:r>
+            <a:r>
+              <a:rPr lang="en-US" sz="1500" b="1" dirty="0">
+                <a:latin typeface="Times New Roman" panose="02020603050405020304" pitchFamily="18" charset="0"/>
+                <a:cs typeface="Times New Roman" panose="02020603050405020304" pitchFamily="18" charset="0"/>
+              </a:rPr>
+              <a:t>low ratings are rare</a:t>
+            </a:r>
+            <a:r>
+              <a:rPr lang="en-US" sz="1500" dirty="0">
+                <a:latin typeface="Times New Roman" panose="02020603050405020304" pitchFamily="18" charset="0"/>
+                <a:cs typeface="Times New Roman" panose="02020603050405020304" pitchFamily="18" charset="0"/>
+              </a:rPr>
+              <a:t>.</a:t>
+            </a:r>
+            <a:endParaRPr lang="en-US" sz="1500" b="1" dirty="0">
+              <a:latin typeface="Times New Roman" panose="02020603050405020304" pitchFamily="18" charset="0"/>
+              <a:cs typeface="Times New Roman" panose="02020603050405020304" pitchFamily="18" charset="0"/>
+            </a:endParaRPr>
+          </a:p>
+          <a:p>
+            <a:pPr marL="0" indent="0">
+              <a:lnSpc>
+                <a:spcPct val="120000"/>
+              </a:lnSpc>
+              <a:buNone/>
+            </a:pPr>
+            <a:r>
+              <a:rPr lang="en-US" sz="1500" b="1" u="sng" dirty="0">
+                <a:latin typeface="Times New Roman" panose="02020603050405020304" pitchFamily="18" charset="0"/>
+                <a:cs typeface="Times New Roman" panose="02020603050405020304" pitchFamily="18" charset="0"/>
+              </a:rPr>
+              <a:t>Takeaway:</a:t>
+            </a:r>
+          </a:p>
+          <a:p>
+            <a:pPr marL="0" indent="0">
+              <a:lnSpc>
+                <a:spcPct val="120000"/>
+              </a:lnSpc>
+              <a:buNone/>
+            </a:pPr>
+            <a:r>
+              <a:rPr lang="en-US" sz="1500" dirty="0">
+                <a:latin typeface="Times New Roman" panose="02020603050405020304" pitchFamily="18" charset="0"/>
+                <a:cs typeface="Times New Roman" panose="02020603050405020304" pitchFamily="18" charset="0"/>
+              </a:rPr>
+              <a:t>The positive skew means that most movies are well-received, or users are generous with their ratings. Predictive models may need to account for this imbalance, as predicting high ratings will be easier than predicting low ones. The lack of low ratings may make it harder to distinguish truly poor movies Ratings are concentrated at the higher end, reflecting positive user sentiment and a tendency to give favorable reviews</a:t>
+            </a:r>
+          </a:p>
+          <a:p>
+            <a:pPr marL="0" indent="0">
+              <a:lnSpc>
+                <a:spcPct val="120000"/>
+              </a:lnSpc>
+              <a:buNone/>
+            </a:pPr>
+            <a:endParaRPr lang="en-US" sz="1500" dirty="0">
+              <a:latin typeface="Times New Roman" panose="02020603050405020304" pitchFamily="18" charset="0"/>
+              <a:cs typeface="Times New Roman" panose="02020603050405020304" pitchFamily="18" charset="0"/>
+            </a:endParaRPr>
+          </a:p>
+          <a:p>
+            <a:pPr marL="0" indent="0">
+              <a:lnSpc>
+                <a:spcPct val="120000"/>
+              </a:lnSpc>
+              <a:buNone/>
+            </a:pPr>
+            <a:r>
+              <a:rPr lang="en-US" sz="1500" b="1" u="sng" dirty="0">
+                <a:solidFill>
+                  <a:srgbClr val="FF9900"/>
+                </a:solidFill>
+                <a:latin typeface="Times New Roman" panose="02020603050405020304" pitchFamily="18" charset="0"/>
+                <a:cs typeface="Times New Roman" panose="02020603050405020304" pitchFamily="18" charset="0"/>
+              </a:rPr>
+              <a:t>Key Observations for ratings for top 5 genres</a:t>
+            </a:r>
+            <a:endParaRPr lang="en-US" sz="1500" u="sng" dirty="0">
+              <a:solidFill>
+                <a:srgbClr val="FF9900"/>
+              </a:solidFill>
+              <a:latin typeface="Times New Roman" panose="02020603050405020304" pitchFamily="18" charset="0"/>
+              <a:cs typeface="Times New Roman" panose="02020603050405020304" pitchFamily="18" charset="0"/>
+            </a:endParaRPr>
+          </a:p>
+          <a:p>
+            <a:pPr>
+              <a:lnSpc>
+                <a:spcPct val="120000"/>
+              </a:lnSpc>
+            </a:pPr>
+            <a:r>
+              <a:rPr lang="en-US" sz="1500" b="1" dirty="0">
+                <a:latin typeface="Times New Roman" panose="02020603050405020304" pitchFamily="18" charset="0"/>
+                <a:cs typeface="Times New Roman" panose="02020603050405020304" pitchFamily="18" charset="0"/>
+              </a:rPr>
+              <a:t>Comedy</a:t>
+            </a:r>
+            <a:r>
+              <a:rPr lang="en-US" sz="1500" dirty="0">
+                <a:latin typeface="Times New Roman" panose="02020603050405020304" pitchFamily="18" charset="0"/>
+                <a:cs typeface="Times New Roman" panose="02020603050405020304" pitchFamily="18" charset="0"/>
+              </a:rPr>
+              <a:t> has the </a:t>
+            </a:r>
+            <a:r>
+              <a:rPr lang="en-US" sz="1500" b="1" dirty="0">
+                <a:latin typeface="Times New Roman" panose="02020603050405020304" pitchFamily="18" charset="0"/>
+                <a:cs typeface="Times New Roman" panose="02020603050405020304" pitchFamily="18" charset="0"/>
+              </a:rPr>
+              <a:t>widest spread</a:t>
+            </a:r>
+            <a:r>
+              <a:rPr lang="en-US" sz="1500" dirty="0">
+                <a:latin typeface="Times New Roman" panose="02020603050405020304" pitchFamily="18" charset="0"/>
+                <a:cs typeface="Times New Roman" panose="02020603050405020304" pitchFamily="18" charset="0"/>
+              </a:rPr>
+              <a:t> of ratings, indicating a more </a:t>
+            </a:r>
+            <a:r>
+              <a:rPr lang="en-US" sz="1500" b="1" dirty="0">
+                <a:latin typeface="Times New Roman" panose="02020603050405020304" pitchFamily="18" charset="0"/>
+                <a:cs typeface="Times New Roman" panose="02020603050405020304" pitchFamily="18" charset="0"/>
+              </a:rPr>
+              <a:t>diverse audience reaction</a:t>
+            </a:r>
+            <a:r>
+              <a:rPr lang="en-US" sz="1500" dirty="0">
+                <a:latin typeface="Times New Roman" panose="02020603050405020304" pitchFamily="18" charset="0"/>
+                <a:cs typeface="Times New Roman" panose="02020603050405020304" pitchFamily="18" charset="0"/>
+              </a:rPr>
+              <a:t>—from very low to very high.</a:t>
+            </a:r>
+          </a:p>
+          <a:p>
+            <a:pPr>
+              <a:lnSpc>
+                <a:spcPct val="120000"/>
+              </a:lnSpc>
+            </a:pPr>
+            <a:r>
+              <a:rPr lang="en-US" sz="1500" b="1" dirty="0">
+                <a:latin typeface="Times New Roman" panose="02020603050405020304" pitchFamily="18" charset="0"/>
+                <a:cs typeface="Times New Roman" panose="02020603050405020304" pitchFamily="18" charset="0"/>
+              </a:rPr>
+              <a:t>Drama</a:t>
+            </a:r>
+            <a:r>
+              <a:rPr lang="en-US" sz="1500" dirty="0">
+                <a:latin typeface="Times New Roman" panose="02020603050405020304" pitchFamily="18" charset="0"/>
+                <a:cs typeface="Times New Roman" panose="02020603050405020304" pitchFamily="18" charset="0"/>
+              </a:rPr>
+              <a:t> and genre combinations like </a:t>
+            </a:r>
+            <a:r>
+              <a:rPr lang="en-US" sz="1500" b="1" dirty="0">
+                <a:latin typeface="Times New Roman" panose="02020603050405020304" pitchFamily="18" charset="0"/>
+                <a:cs typeface="Times New Roman" panose="02020603050405020304" pitchFamily="18" charset="0"/>
+              </a:rPr>
+              <a:t>Romance|Drama</a:t>
+            </a:r>
+            <a:r>
+              <a:rPr lang="en-US" sz="1500" dirty="0">
+                <a:latin typeface="Times New Roman" panose="02020603050405020304" pitchFamily="18" charset="0"/>
+                <a:cs typeface="Times New Roman" panose="02020603050405020304" pitchFamily="18" charset="0"/>
+              </a:rPr>
+              <a:t> and </a:t>
+            </a:r>
+            <a:r>
+              <a:rPr lang="en-US" sz="1500" b="1" dirty="0">
+                <a:latin typeface="Times New Roman" panose="02020603050405020304" pitchFamily="18" charset="0"/>
+                <a:cs typeface="Times New Roman" panose="02020603050405020304" pitchFamily="18" charset="0"/>
+              </a:rPr>
+              <a:t>Comedy|Drama</a:t>
+            </a:r>
+            <a:r>
+              <a:rPr lang="en-US" sz="1500" dirty="0">
+                <a:latin typeface="Times New Roman" panose="02020603050405020304" pitchFamily="18" charset="0"/>
+                <a:cs typeface="Times New Roman" panose="02020603050405020304" pitchFamily="18" charset="0"/>
+              </a:rPr>
+              <a:t> show </a:t>
+            </a:r>
+            <a:r>
+              <a:rPr lang="en-US" sz="1500" b="1" dirty="0">
+                <a:latin typeface="Times New Roman" panose="02020603050405020304" pitchFamily="18" charset="0"/>
+                <a:cs typeface="Times New Roman" panose="02020603050405020304" pitchFamily="18" charset="0"/>
+              </a:rPr>
+              <a:t>more consistent ratings</a:t>
+            </a:r>
+            <a:r>
+              <a:rPr lang="en-US" sz="1500" dirty="0">
+                <a:latin typeface="Times New Roman" panose="02020603050405020304" pitchFamily="18" charset="0"/>
+                <a:cs typeface="Times New Roman" panose="02020603050405020304" pitchFamily="18" charset="0"/>
+              </a:rPr>
+              <a:t>, mostly clustered between 3 and 4.</a:t>
+            </a:r>
+          </a:p>
+          <a:p>
+            <a:pPr>
+              <a:lnSpc>
+                <a:spcPct val="120000"/>
+              </a:lnSpc>
+            </a:pPr>
+            <a:r>
+              <a:rPr lang="en-US" sz="1500" dirty="0">
+                <a:latin typeface="Times New Roman" panose="02020603050405020304" pitchFamily="18" charset="0"/>
+                <a:cs typeface="Times New Roman" panose="02020603050405020304" pitchFamily="18" charset="0"/>
+              </a:rPr>
+              <a:t> All genres share a similar </a:t>
+            </a:r>
+            <a:r>
+              <a:rPr lang="en-US" sz="1500" b="1" dirty="0">
+                <a:latin typeface="Times New Roman" panose="02020603050405020304" pitchFamily="18" charset="0"/>
+                <a:cs typeface="Times New Roman" panose="02020603050405020304" pitchFamily="18" charset="0"/>
+              </a:rPr>
+              <a:t>median rating around 3.5–4</a:t>
+            </a:r>
+            <a:r>
+              <a:rPr lang="en-US" sz="1500" dirty="0">
+                <a:latin typeface="Times New Roman" panose="02020603050405020304" pitchFamily="18" charset="0"/>
+                <a:cs typeface="Times New Roman" panose="02020603050405020304" pitchFamily="18" charset="0"/>
+              </a:rPr>
+              <a:t>, consistent with the overall positive skew observed earlier.</a:t>
+            </a:r>
+          </a:p>
+          <a:p>
+            <a:pPr>
+              <a:lnSpc>
+                <a:spcPct val="120000"/>
+              </a:lnSpc>
+            </a:pPr>
+            <a:r>
+              <a:rPr lang="en-US" sz="1500" b="1" dirty="0">
+                <a:latin typeface="Times New Roman" panose="02020603050405020304" pitchFamily="18" charset="0"/>
+                <a:cs typeface="Times New Roman" panose="02020603050405020304" pitchFamily="18" charset="0"/>
+              </a:rPr>
+              <a:t>Outliers</a:t>
+            </a:r>
+            <a:r>
+              <a:rPr lang="en-US" sz="1500" dirty="0">
+                <a:latin typeface="Times New Roman" panose="02020603050405020304" pitchFamily="18" charset="0"/>
+                <a:cs typeface="Times New Roman" panose="02020603050405020304" pitchFamily="18" charset="0"/>
+              </a:rPr>
+              <a:t> (ratings below 2) are present across all genres,  but are relatively few.</a:t>
+            </a:r>
+          </a:p>
+          <a:p>
+            <a:pPr marL="0" indent="0">
+              <a:lnSpc>
+                <a:spcPct val="120000"/>
+              </a:lnSpc>
+              <a:buNone/>
+            </a:pPr>
+            <a:endParaRPr lang="en-US" sz="1500" dirty="0">
+              <a:latin typeface="Times New Roman" panose="02020603050405020304" pitchFamily="18" charset="0"/>
+              <a:cs typeface="Times New Roman" panose="02020603050405020304" pitchFamily="18" charset="0"/>
+            </a:endParaRPr>
+          </a:p>
+          <a:p>
+            <a:pPr marL="0" indent="0">
+              <a:lnSpc>
+                <a:spcPct val="120000"/>
+              </a:lnSpc>
+              <a:buNone/>
+            </a:pPr>
+            <a:r>
+              <a:rPr lang="en-US" sz="1500" b="1" u="sng" dirty="0">
+                <a:latin typeface="Times New Roman" panose="02020603050405020304" pitchFamily="18" charset="0"/>
+                <a:cs typeface="Times New Roman" panose="02020603050405020304" pitchFamily="18" charset="0"/>
+              </a:rPr>
+              <a:t>Takeaway:</a:t>
+            </a:r>
+            <a:endParaRPr lang="en-US" sz="1500" u="sng" dirty="0">
+              <a:latin typeface="Times New Roman" panose="02020603050405020304" pitchFamily="18" charset="0"/>
+              <a:cs typeface="Times New Roman" panose="02020603050405020304" pitchFamily="18" charset="0"/>
+            </a:endParaRPr>
+          </a:p>
+          <a:p>
+            <a:pPr>
+              <a:lnSpc>
+                <a:spcPct val="120000"/>
+              </a:lnSpc>
+            </a:pPr>
+            <a:r>
+              <a:rPr lang="en-US" sz="1500" dirty="0">
+                <a:latin typeface="Times New Roman" panose="02020603050405020304" pitchFamily="18" charset="0"/>
+                <a:cs typeface="Times New Roman" panose="02020603050405020304" pitchFamily="18" charset="0"/>
+              </a:rPr>
+              <a:t>Genres influence rating variability. Comedies appear more polarizing, while dramas and blended genres tend to have steadier audience reception.</a:t>
+            </a:r>
+          </a:p>
+          <a:p>
+            <a:pPr marL="0" indent="0">
+              <a:buNone/>
+            </a:pPr>
+            <a:endParaRPr lang="en-US" sz="500" dirty="0"/>
+          </a:p>
+        </p:txBody>
+      </p:sp>
+      <p:pic>
+        <p:nvPicPr>
+          <p:cNvPr id="5" name="Picture 4">
+            <a:extLst>
+              <a:ext uri="{FF2B5EF4-FFF2-40B4-BE49-F238E27FC236}">
+                <a16:creationId xmlns:a16="http://schemas.microsoft.com/office/drawing/2014/main" id="{8BEC4A48-5D18-4FA7-825B-D8B3E2D4BF0D}"/>
+              </a:ext>
+            </a:extLst>
+          </p:cNvPr>
+          <p:cNvPicPr>
+            <a:picLocks noChangeAspect="1"/>
+          </p:cNvPicPr>
+          <p:nvPr/>
+        </p:nvPicPr>
+        <p:blipFill>
+          <a:blip r:embed="rId3"/>
+          <a:stretch>
+            <a:fillRect/>
+          </a:stretch>
+        </p:blipFill>
+        <p:spPr>
+          <a:xfrm>
+            <a:off x="7309390" y="953971"/>
+            <a:ext cx="4449379" cy="2536371"/>
+          </a:xfrm>
+          <a:prstGeom prst="rect">
+            <a:avLst/>
+          </a:prstGeom>
+        </p:spPr>
+      </p:pic>
+      <p:pic>
+        <p:nvPicPr>
+          <p:cNvPr id="9" name="Picture 8">
+            <a:extLst>
+              <a:ext uri="{FF2B5EF4-FFF2-40B4-BE49-F238E27FC236}">
+                <a16:creationId xmlns:a16="http://schemas.microsoft.com/office/drawing/2014/main" id="{4F90125E-1545-7ADC-770B-BD4D3650F8EA}"/>
+              </a:ext>
+            </a:extLst>
+          </p:cNvPr>
+          <p:cNvPicPr>
+            <a:picLocks noChangeAspect="1"/>
+          </p:cNvPicPr>
+          <p:nvPr/>
+        </p:nvPicPr>
+        <p:blipFill>
+          <a:blip r:embed="rId4"/>
+          <a:stretch>
+            <a:fillRect/>
+          </a:stretch>
+        </p:blipFill>
+        <p:spPr>
+          <a:xfrm>
+            <a:off x="7698936" y="3584342"/>
+            <a:ext cx="4123163" cy="2604327"/>
+          </a:xfrm>
+          <a:prstGeom prst="rect">
+            <a:avLst/>
+          </a:prstGeom>
+        </p:spPr>
+      </p:pic>
+    </p:spTree>
+    <p:extLst>
+      <p:ext uri="{BB962C8B-B14F-4D97-AF65-F5344CB8AC3E}">
+        <p14:creationId xmlns:p14="http://schemas.microsoft.com/office/powerpoint/2010/main" val="2003775490"/>
+      </p:ext>
+    </p:extLst>
+  </p:cSld>
+  <p:clrMapOvr>
+    <a:masterClrMapping/>
+  </p:clrMapOvr>
+</p:sld>
+</file>
+
+<file path=ppt/slides/slide7.xml><?xml version="1.0" encoding="utf-8"?>
+<p:sld xmlns:a="http://schemas.openxmlformats.org/drawingml/2006/main" xmlns:r="http://schemas.openxmlformats.org/officeDocument/2006/relationships" xmlns:p="http://schemas.openxmlformats.org/presentationml/2006/main">
+  <p:cSld>
+    <p:bg>
+      <p:bgPr>
+        <a:solidFill>
+          <a:schemeClr val="bg1"/>
+        </a:solidFill>
+        <a:effectLst/>
+      </p:bgPr>
+    </p:bg>
+    <p:spTree>
+      <p:nvGrpSpPr>
+        <p:cNvPr id="1" name=""/>
+        <p:cNvGrpSpPr/>
+        <p:nvPr/>
+      </p:nvGrpSpPr>
+      <p:grpSpPr>
+        <a:xfrm>
+          <a:off x="0" y="0"/>
+          <a:ext cx="0" cy="0"/>
+          <a:chOff x="0" y="0"/>
+          <a:chExt cx="0" cy="0"/>
+        </a:xfrm>
+      </p:grpSpPr>
+      <p:sp useBgFill="1">
+        <p:nvSpPr>
+          <p:cNvPr id="14" name="Rectangle 13">
+            <a:extLst>
+              <a:ext uri="{FF2B5EF4-FFF2-40B4-BE49-F238E27FC236}">
+                <a16:creationId xmlns:a16="http://schemas.microsoft.com/office/drawing/2014/main" id="{84DF55BE-B4AB-4BA1-BDE1-E9F7FB3F110A}"/>
+              </a:ext>
+              <a:ext uri="{C183D7F6-B498-43B3-948B-1728B52AA6E4}">
+                <adec:decorative xmlns:adec="http://schemas.microsoft.com/office/drawing/2017/decorative" val="1"/>
+              </a:ext>
+            </a:extLst>
+          </p:cNvPr>
+          <p:cNvSpPr>
+            <a:spLocks noGrp="1" noRot="1" noChangeAspect="1" noMove="1" noResize="1" noEditPoints="1" noAdjustHandles="1" noChangeArrowheads="1" noChangeShapeType="1" noTextEdit="1"/>
+          </p:cNvSpPr>
+          <p:nvPr>
+            <p:extLst>
+              <p:ext uri="{386F3935-93C4-4BCD-93E2-E3B085C9AB24}">
+                <p16:designElem xmlns:p16="http://schemas.microsoft.com/office/powerpoint/2015/main" val="1"/>
+              </p:ext>
+            </p:extLst>
+          </p:nvPr>
+        </p:nvSpPr>
+        <p:spPr>
+          <a:xfrm>
+            <a:off x="-1" y="0"/>
+            <a:ext cx="12188952" cy="6858000"/>
+          </a:xfrm>
+          <a:prstGeom prst="rect">
+            <a:avLst/>
+          </a:prstGeom>
+          <a:ln>
+            <a:noFill/>
+          </a:ln>
+        </p:spPr>
+        <p:style>
+          <a:lnRef idx="2">
+            <a:schemeClr val="accent1">
+              <a:shade val="50000"/>
+            </a:schemeClr>
+          </a:lnRef>
+          <a:fillRef idx="1">
+            <a:schemeClr val="accent1"/>
+          </a:fillRef>
+          <a:effectRef idx="0">
+            <a:schemeClr val="accent1"/>
+          </a:effectRef>
+          <a:fontRef idx="minor">
+            <a:schemeClr val="lt1"/>
+          </a:fontRef>
+        </p:style>
+        <p:txBody>
+          <a:bodyPr rtlCol="0" anchor="ctr"/>
+          <a:lstStyle/>
+          <a:p>
+            <a:pPr algn="ctr"/>
+            <a:endParaRPr lang="en-US" dirty="0"/>
+          </a:p>
+        </p:txBody>
+      </p:sp>
+      <p:sp>
+        <p:nvSpPr>
+          <p:cNvPr id="7" name="TextBox 6">
+            <a:extLst>
+              <a:ext uri="{FF2B5EF4-FFF2-40B4-BE49-F238E27FC236}">
+                <a16:creationId xmlns:a16="http://schemas.microsoft.com/office/drawing/2014/main" id="{B89E64FD-91A9-1F26-7529-820773A41C7A}"/>
+              </a:ext>
+            </a:extLst>
+          </p:cNvPr>
+          <p:cNvSpPr txBox="1"/>
+          <p:nvPr/>
+        </p:nvSpPr>
+        <p:spPr>
+          <a:xfrm>
+            <a:off x="-1" y="0"/>
+            <a:ext cx="7275018" cy="6858000"/>
+          </a:xfrm>
+          <a:prstGeom prst="rect">
+            <a:avLst/>
+          </a:prstGeom>
+        </p:spPr>
+        <p:txBody>
+          <a:bodyPr vert="horz" lIns="91440" tIns="45720" rIns="91440" bIns="45720" rtlCol="0">
+            <a:normAutofit fontScale="77500" lnSpcReduction="20000"/>
+          </a:bodyPr>
+          <a:lstStyle/>
+          <a:p>
+            <a:pPr>
+              <a:lnSpc>
+                <a:spcPct val="150000"/>
+              </a:lnSpc>
+              <a:spcAft>
+                <a:spcPts val="600"/>
+              </a:spcAft>
+            </a:pPr>
+            <a:endParaRPr lang="en-US" sz="800" b="1" dirty="0"/>
+          </a:p>
+          <a:p>
+            <a:pPr>
+              <a:lnSpc>
+                <a:spcPct val="150000"/>
+              </a:lnSpc>
+              <a:spcAft>
+                <a:spcPts val="600"/>
+              </a:spcAft>
+            </a:pPr>
+            <a:endParaRPr lang="en-US" sz="800" b="1" dirty="0"/>
+          </a:p>
+          <a:p>
+            <a:pPr>
+              <a:lnSpc>
+                <a:spcPct val="150000"/>
+              </a:lnSpc>
+              <a:spcAft>
+                <a:spcPts val="600"/>
+              </a:spcAft>
+            </a:pPr>
+            <a:r>
+              <a:rPr lang="en-US" sz="1400" b="1" u="sng" dirty="0">
+                <a:solidFill>
+                  <a:srgbClr val="FF9900"/>
+                </a:solidFill>
+              </a:rPr>
+              <a:t>Key Observations &amp; Takeaways from the bar chart</a:t>
+            </a:r>
+          </a:p>
+          <a:p>
+            <a:pPr indent="-228600">
+              <a:lnSpc>
+                <a:spcPct val="150000"/>
+              </a:lnSpc>
+              <a:spcAft>
+                <a:spcPts val="600"/>
+              </a:spcAft>
+              <a:buFont typeface="Arial" panose="020B0604020202020204" pitchFamily="34" charset="0"/>
+              <a:buChar char="•"/>
+            </a:pPr>
+            <a:r>
+              <a:rPr lang="en-US" sz="1400" b="1" dirty="0"/>
+              <a:t>"Forrest Gump (1994)" received the most ratings</a:t>
+            </a:r>
+            <a:br>
+              <a:rPr lang="en-US" sz="1400" dirty="0"/>
+            </a:br>
+            <a:r>
+              <a:rPr lang="en-US" sz="1400" i="1" dirty="0"/>
+              <a:t>Highly rated movies can act as strong baselines in recommendation systems.</a:t>
+            </a:r>
+            <a:endParaRPr lang="en-US" sz="1400" dirty="0"/>
+          </a:p>
+          <a:p>
+            <a:pPr indent="-228600">
+              <a:lnSpc>
+                <a:spcPct val="150000"/>
+              </a:lnSpc>
+              <a:spcAft>
+                <a:spcPts val="600"/>
+              </a:spcAft>
+              <a:buFont typeface="Arial" panose="020B0604020202020204" pitchFamily="34" charset="0"/>
+              <a:buChar char="•"/>
+            </a:pPr>
+            <a:r>
+              <a:rPr lang="en-US" sz="1400" b="1" dirty="0"/>
+              <a:t>Majority of top-rated movies are from the 1990s</a:t>
+            </a:r>
+            <a:br>
+              <a:rPr lang="en-US" sz="1400" dirty="0"/>
+            </a:br>
+            <a:r>
+              <a:rPr lang="en-US" sz="1400" dirty="0"/>
+              <a:t> </a:t>
+            </a:r>
+            <a:r>
+              <a:rPr lang="en-US" sz="1400" i="1" dirty="0"/>
+              <a:t>The dataset may have a temporal bias; older movies could be overrepresented.</a:t>
+            </a:r>
+            <a:endParaRPr lang="en-US" sz="1400" dirty="0"/>
+          </a:p>
+          <a:p>
+            <a:pPr indent="-228600">
+              <a:lnSpc>
+                <a:spcPct val="150000"/>
+              </a:lnSpc>
+              <a:spcAft>
+                <a:spcPts val="600"/>
+              </a:spcAft>
+              <a:buFont typeface="Arial" panose="020B0604020202020204" pitchFamily="34" charset="0"/>
+              <a:buChar char="•"/>
+            </a:pPr>
+            <a:r>
+              <a:rPr lang="en-US" sz="1400" b="1" dirty="0"/>
+              <a:t>Popular genres include drama, action, and sci-fi</a:t>
+            </a:r>
+            <a:br>
+              <a:rPr lang="en-US" sz="1400" dirty="0"/>
+            </a:br>
+            <a:r>
+              <a:rPr lang="en-US" sz="1400" dirty="0"/>
+              <a:t> </a:t>
+            </a:r>
+            <a:r>
+              <a:rPr lang="en-US" sz="1400" i="1" dirty="0"/>
+              <a:t>Genre preferences can inform content-based filtering models.</a:t>
+            </a:r>
+            <a:endParaRPr lang="en-US" sz="1400" dirty="0"/>
+          </a:p>
+          <a:p>
+            <a:pPr indent="-228600">
+              <a:lnSpc>
+                <a:spcPct val="150000"/>
+              </a:lnSpc>
+              <a:spcAft>
+                <a:spcPts val="600"/>
+              </a:spcAft>
+              <a:buFont typeface="Arial" panose="020B0604020202020204" pitchFamily="34" charset="0"/>
+              <a:buChar char="•"/>
+            </a:pPr>
+            <a:r>
+              <a:rPr lang="en-US" sz="1400" b="1" dirty="0"/>
+              <a:t>Ratings are unevenly distributed across movies</a:t>
+            </a:r>
+            <a:br>
+              <a:rPr lang="en-US" sz="1400" dirty="0"/>
+            </a:br>
+            <a:r>
+              <a:rPr lang="en-US" sz="1400" dirty="0"/>
+              <a:t> </a:t>
+            </a:r>
+            <a:r>
+              <a:rPr lang="en-US" sz="1400" i="1" dirty="0"/>
+              <a:t>Data imbalance must be addressed to prevent biased model predictions</a:t>
+            </a:r>
+          </a:p>
+          <a:p>
+            <a:pPr indent="-228600">
+              <a:lnSpc>
+                <a:spcPct val="150000"/>
+              </a:lnSpc>
+              <a:spcAft>
+                <a:spcPts val="600"/>
+              </a:spcAft>
+              <a:buFont typeface="Arial" panose="020B0604020202020204" pitchFamily="34" charset="0"/>
+              <a:buChar char="•"/>
+            </a:pPr>
+            <a:endParaRPr lang="en-US" sz="1400" i="1" dirty="0"/>
+          </a:p>
+          <a:p>
+            <a:pPr indent="-228600">
+              <a:lnSpc>
+                <a:spcPct val="150000"/>
+              </a:lnSpc>
+              <a:spcAft>
+                <a:spcPts val="600"/>
+              </a:spcAft>
+              <a:buFont typeface="Arial" panose="020B0604020202020204" pitchFamily="34" charset="0"/>
+              <a:buChar char="•"/>
+            </a:pPr>
+            <a:endParaRPr lang="en-US" sz="1400" i="1" dirty="0"/>
+          </a:p>
+          <a:p>
+            <a:pPr>
+              <a:lnSpc>
+                <a:spcPct val="150000"/>
+              </a:lnSpc>
+              <a:spcAft>
+                <a:spcPts val="600"/>
+              </a:spcAft>
+            </a:pPr>
+            <a:endParaRPr lang="en-US" sz="1400" i="1" dirty="0"/>
+          </a:p>
+          <a:p>
+            <a:pPr>
+              <a:lnSpc>
+                <a:spcPct val="150000"/>
+              </a:lnSpc>
+              <a:spcAft>
+                <a:spcPts val="600"/>
+              </a:spcAft>
+            </a:pPr>
+            <a:r>
+              <a:rPr lang="en-US" sz="1400" b="1" u="sng" dirty="0">
+                <a:solidFill>
+                  <a:srgbClr val="FF9900"/>
+                </a:solidFill>
+              </a:rPr>
+              <a:t>Takeaways from Correlation Heatmap</a:t>
+            </a:r>
+          </a:p>
+          <a:p>
+            <a:pPr indent="-228600">
+              <a:lnSpc>
+                <a:spcPct val="150000"/>
+              </a:lnSpc>
+              <a:spcAft>
+                <a:spcPts val="600"/>
+              </a:spcAft>
+              <a:buFont typeface="Arial" panose="020B0604020202020204" pitchFamily="34" charset="0"/>
+              <a:buChar char="•"/>
+            </a:pPr>
+            <a:r>
+              <a:rPr lang="en-US" sz="1400" b="1" dirty="0"/>
+              <a:t>Strong Positive Correlation</a:t>
+            </a:r>
+            <a:br>
+              <a:rPr lang="en-US" sz="1400" dirty="0"/>
+            </a:br>
+            <a:r>
+              <a:rPr lang="en-US" sz="1400" dirty="0"/>
+              <a:t>Movies with higher </a:t>
+            </a:r>
+            <a:r>
+              <a:rPr lang="en-US" sz="1400" b="1" dirty="0"/>
+              <a:t>average ratings</a:t>
+            </a:r>
+            <a:r>
+              <a:rPr lang="en-US" sz="1400" dirty="0"/>
+              <a:t> tend to receive higher </a:t>
+            </a:r>
+            <a:r>
+              <a:rPr lang="en-US" sz="1400" b="1" dirty="0"/>
+              <a:t>individual ratings</a:t>
+            </a:r>
+            <a:r>
+              <a:rPr lang="en-US" sz="1400" dirty="0"/>
+              <a:t> (e.g., movie_avg_rating ↔ rating).</a:t>
+            </a:r>
+          </a:p>
+          <a:p>
+            <a:pPr indent="-228600">
+              <a:lnSpc>
+                <a:spcPct val="150000"/>
+              </a:lnSpc>
+              <a:spcAft>
+                <a:spcPts val="600"/>
+              </a:spcAft>
+              <a:buFont typeface="Arial" panose="020B0604020202020204" pitchFamily="34" charset="0"/>
+              <a:buChar char="•"/>
+            </a:pPr>
+            <a:r>
+              <a:rPr lang="en-US" sz="1400" b="1" dirty="0"/>
+              <a:t>Feature Selection Insight</a:t>
+            </a:r>
+            <a:br>
+              <a:rPr lang="en-US" sz="1400" dirty="0"/>
+            </a:br>
+            <a:r>
+              <a:rPr lang="en-US" sz="1400" dirty="0"/>
+              <a:t>Features that show strong correlation with the </a:t>
+            </a:r>
+            <a:r>
+              <a:rPr lang="en-US" sz="1400" b="1" dirty="0"/>
+              <a:t>target variable</a:t>
+            </a:r>
+            <a:r>
+              <a:rPr lang="en-US" sz="1400" dirty="0"/>
+              <a:t> (e.g., rating, high_rating) are likely to be </a:t>
+            </a:r>
+            <a:r>
+              <a:rPr lang="en-US" sz="1400" b="1" dirty="0"/>
+              <a:t>important predictors</a:t>
+            </a:r>
+            <a:r>
+              <a:rPr lang="en-US" sz="1400" dirty="0"/>
+              <a:t> for modeling.</a:t>
+            </a:r>
+          </a:p>
+          <a:p>
+            <a:pPr indent="-228600">
+              <a:lnSpc>
+                <a:spcPct val="150000"/>
+              </a:lnSpc>
+              <a:spcAft>
+                <a:spcPts val="600"/>
+              </a:spcAft>
+              <a:buFont typeface="Arial" panose="020B0604020202020204" pitchFamily="34" charset="0"/>
+              <a:buChar char="•"/>
+            </a:pPr>
+            <a:r>
+              <a:rPr lang="en-US" sz="1400" b="1" dirty="0"/>
+              <a:t>Behavioral Pattern</a:t>
+            </a:r>
+            <a:br>
+              <a:rPr lang="en-US" sz="1400" dirty="0"/>
+            </a:br>
+            <a:r>
+              <a:rPr lang="en-US" sz="1400" dirty="0"/>
+              <a:t>Users who usually give high ratings tend to maintain that behavior across movies (user_avg_rating ↔ rating).</a:t>
+            </a:r>
+          </a:p>
+          <a:p>
+            <a:pPr indent="-228600">
+              <a:lnSpc>
+                <a:spcPct val="150000"/>
+              </a:lnSpc>
+              <a:spcAft>
+                <a:spcPts val="600"/>
+              </a:spcAft>
+              <a:buFont typeface="Arial" panose="020B0604020202020204" pitchFamily="34" charset="0"/>
+              <a:buChar char="•"/>
+            </a:pPr>
+            <a:r>
+              <a:rPr lang="en-US" sz="1400" b="1" dirty="0"/>
+              <a:t>Popularity ≠ Quality</a:t>
+            </a:r>
+            <a:br>
+              <a:rPr lang="en-US" sz="1400" dirty="0"/>
+            </a:br>
+            <a:r>
+              <a:rPr lang="en-US" sz="1400" dirty="0"/>
+              <a:t>A movie's </a:t>
+            </a:r>
+            <a:r>
+              <a:rPr lang="en-US" sz="1400" b="1" dirty="0"/>
+              <a:t>number of ratings</a:t>
+            </a:r>
+            <a:r>
+              <a:rPr lang="en-US" sz="1400" dirty="0"/>
+              <a:t> (movie_rating_count) has </a:t>
+            </a:r>
+            <a:r>
+              <a:rPr lang="en-US" sz="1400" b="1" dirty="0"/>
+              <a:t>low correlation</a:t>
+            </a:r>
+            <a:r>
+              <a:rPr lang="en-US" sz="1400" dirty="0"/>
+              <a:t> with the rating itself,indicating popularity doesn't imply high quality</a:t>
+            </a:r>
+          </a:p>
+          <a:p>
+            <a:pPr indent="-228600">
+              <a:lnSpc>
+                <a:spcPct val="90000"/>
+              </a:lnSpc>
+              <a:spcAft>
+                <a:spcPts val="600"/>
+              </a:spcAft>
+              <a:buFont typeface="Arial" panose="020B0604020202020204" pitchFamily="34" charset="0"/>
+              <a:buChar char="•"/>
+            </a:pPr>
+            <a:endParaRPr lang="en-US" sz="800" dirty="0"/>
+          </a:p>
+        </p:txBody>
+      </p:sp>
+      <p:pic>
+        <p:nvPicPr>
+          <p:cNvPr id="5" name="Content Placeholder 4">
+            <a:extLst>
+              <a:ext uri="{FF2B5EF4-FFF2-40B4-BE49-F238E27FC236}">
+                <a16:creationId xmlns:a16="http://schemas.microsoft.com/office/drawing/2014/main" id="{3851AC23-A04A-F50C-E9FA-B4140E8F4FAC}"/>
+              </a:ext>
+            </a:extLst>
+          </p:cNvPr>
+          <p:cNvPicPr>
+            <a:picLocks noGrp="1" noChangeAspect="1"/>
+          </p:cNvPicPr>
+          <p:nvPr>
+            <p:ph idx="1"/>
+          </p:nvPr>
+        </p:nvPicPr>
+        <p:blipFill>
+          <a:blip r:embed="rId3"/>
+          <a:stretch>
+            <a:fillRect/>
+          </a:stretch>
+        </p:blipFill>
+        <p:spPr>
+          <a:xfrm>
+            <a:off x="7046898" y="308556"/>
+            <a:ext cx="4951499" cy="2481943"/>
+          </a:xfrm>
+          <a:prstGeom prst="rect">
+            <a:avLst/>
+          </a:prstGeom>
+        </p:spPr>
+      </p:pic>
+      <p:pic>
+        <p:nvPicPr>
+          <p:cNvPr id="9" name="Picture 8">
+            <a:extLst>
+              <a:ext uri="{FF2B5EF4-FFF2-40B4-BE49-F238E27FC236}">
+                <a16:creationId xmlns:a16="http://schemas.microsoft.com/office/drawing/2014/main" id="{6B59C813-4300-8228-FFDA-F458BF60AA73}"/>
+              </a:ext>
+            </a:extLst>
+          </p:cNvPr>
+          <p:cNvPicPr>
+            <a:picLocks noChangeAspect="1"/>
+          </p:cNvPicPr>
+          <p:nvPr/>
+        </p:nvPicPr>
+        <p:blipFill>
+          <a:blip r:embed="rId4"/>
+          <a:stretch>
+            <a:fillRect/>
+          </a:stretch>
+        </p:blipFill>
+        <p:spPr>
+          <a:xfrm>
+            <a:off x="7685314" y="3099054"/>
+            <a:ext cx="4397828" cy="3639203"/>
+          </a:xfrm>
+          <a:prstGeom prst="rect">
+            <a:avLst/>
+          </a:prstGeom>
+        </p:spPr>
+      </p:pic>
+    </p:spTree>
+    <p:extLst>
+      <p:ext uri="{BB962C8B-B14F-4D97-AF65-F5344CB8AC3E}">
+        <p14:creationId xmlns:p14="http://schemas.microsoft.com/office/powerpoint/2010/main" val="3978172688"/>
       </p:ext>
     </p:extLst>
   </p:cSld>
